--- a/Presentation/But It Was Logged.pptx
+++ b/Presentation/But It Was Logged.pptx
@@ -3017,8 +3017,13 @@
           <a:p>
             <a:r>
               <a:rPr lang="en-US" dirty="0"/>
-              <a:t>A practical look at logging with .NET Core</a:t>
-            </a:r>
+              <a:t>A practical look at logging with .</a:t>
+            </a:r>
+            <a:r>
+              <a:rPr lang="en-US"/>
+              <a:t>NET 5</a:t>
+            </a:r>
+            <a:endParaRPr lang="en-US" dirty="0"/>
           </a:p>
         </p:txBody>
       </p:sp>

--- a/Presentation/But It Was Logged.pptx
+++ b/Presentation/But It Was Logged.pptx
@@ -11,13 +11,15 @@
     <p:sldId id="259" r:id="rId5"/>
     <p:sldId id="260" r:id="rId6"/>
     <p:sldId id="262" r:id="rId7"/>
-    <p:sldId id="263" r:id="rId8"/>
-    <p:sldId id="267" r:id="rId9"/>
-    <p:sldId id="264" r:id="rId10"/>
+    <p:sldId id="264" r:id="rId8"/>
+    <p:sldId id="263" r:id="rId9"/>
+    <p:sldId id="267" r:id="rId10"/>
     <p:sldId id="268" r:id="rId11"/>
     <p:sldId id="265" r:id="rId12"/>
-    <p:sldId id="261" r:id="rId13"/>
-    <p:sldId id="266" r:id="rId14"/>
+    <p:sldId id="269" r:id="rId13"/>
+    <p:sldId id="270" r:id="rId14"/>
+    <p:sldId id="261" r:id="rId15"/>
+    <p:sldId id="266" r:id="rId16"/>
   </p:sldIdLst>
   <p:sldSz cx="12192000" cy="6858000"/>
   <p:notesSz cx="6858000" cy="9144000"/>
@@ -3017,13 +3019,8 @@
           <a:p>
             <a:r>
               <a:rPr lang="en-US" dirty="0"/>
-              <a:t>A practical look at logging with .</a:t>
-            </a:r>
-            <a:r>
-              <a:rPr lang="en-US"/>
-              <a:t>NET 5</a:t>
-            </a:r>
-            <a:endParaRPr lang="en-US" dirty="0"/>
+              <a:t>A practical look at logging with .NET 5/6</a:t>
+            </a:r>
           </a:p>
         </p:txBody>
       </p:sp>
@@ -3159,7 +3156,14 @@
             </a:r>
             <a:r>
               <a:rPr lang="en-US" dirty="0"/>
-              <a:t> – Open source project elevating the default options to world-class</a:t>
+              <a:t> – Open-source project elevating the default options to world-class</a:t>
+            </a:r>
+          </a:p>
+          <a:p>
+            <a:pPr lvl="2"/>
+            <a:r>
+              <a:rPr lang="en-US" dirty="0"/>
+              <a:t>Its creator also offers a product “Seq” which I’ll discuss shortly</a:t>
             </a:r>
           </a:p>
           <a:p>
@@ -3894,6 +3898,91 @@
                                           <p:spTgt spid="3">
                                             <p:txEl>
                                               <p:pRg st="7" end="7"/>
+                                            </p:txEl>
+                                          </p:spTgt>
+                                        </p:tgtEl>
+                                        <p:attrNameLst>
+                                          <p:attrName>ppt_y</p:attrName>
+                                        </p:attrNameLst>
+                                      </p:cBhvr>
+                                      <p:tavLst>
+                                        <p:tav tm="0">
+                                          <p:val>
+                                            <p:strVal val="1+#ppt_h/2"/>
+                                          </p:val>
+                                        </p:tav>
+                                        <p:tav tm="100000">
+                                          <p:val>
+                                            <p:strVal val="#ppt_y"/>
+                                          </p:val>
+                                        </p:tav>
+                                      </p:tavLst>
+                                    </p:anim>
+                                  </p:childTnLst>
+                                </p:cTn>
+                              </p:par>
+                              <p:par>
+                                <p:cTn id="41" presetID="2" presetClass="entr" presetSubtype="4" fill="hold" grpId="0" nodeType="withEffect">
+                                  <p:stCondLst>
+                                    <p:cond delay="0"/>
+                                  </p:stCondLst>
+                                  <p:childTnLst>
+                                    <p:set>
+                                      <p:cBhvr>
+                                        <p:cTn id="42" dur="1" fill="hold">
+                                          <p:stCondLst>
+                                            <p:cond delay="0"/>
+                                          </p:stCondLst>
+                                        </p:cTn>
+                                        <p:tgtEl>
+                                          <p:spTgt spid="3">
+                                            <p:txEl>
+                                              <p:pRg st="8" end="8"/>
+                                            </p:txEl>
+                                          </p:spTgt>
+                                        </p:tgtEl>
+                                        <p:attrNameLst>
+                                          <p:attrName>style.visibility</p:attrName>
+                                        </p:attrNameLst>
+                                      </p:cBhvr>
+                                      <p:to>
+                                        <p:strVal val="visible"/>
+                                      </p:to>
+                                    </p:set>
+                                    <p:anim calcmode="lin" valueType="num">
+                                      <p:cBhvr additive="base">
+                                        <p:cTn id="43" dur="500" fill="hold"/>
+                                        <p:tgtEl>
+                                          <p:spTgt spid="3">
+                                            <p:txEl>
+                                              <p:pRg st="8" end="8"/>
+                                            </p:txEl>
+                                          </p:spTgt>
+                                        </p:tgtEl>
+                                        <p:attrNameLst>
+                                          <p:attrName>ppt_x</p:attrName>
+                                        </p:attrNameLst>
+                                      </p:cBhvr>
+                                      <p:tavLst>
+                                        <p:tav tm="0">
+                                          <p:val>
+                                            <p:strVal val="#ppt_x"/>
+                                          </p:val>
+                                        </p:tav>
+                                        <p:tav tm="100000">
+                                          <p:val>
+                                            <p:strVal val="#ppt_x"/>
+                                          </p:val>
+                                        </p:tav>
+                                      </p:tavLst>
+                                    </p:anim>
+                                    <p:anim calcmode="lin" valueType="num">
+                                      <p:cBhvr additive="base">
+                                        <p:cTn id="44" dur="500" fill="hold"/>
+                                        <p:tgtEl>
+                                          <p:spTgt spid="3">
+                                            <p:txEl>
+                                              <p:pRg st="8" end="8"/>
                                             </p:txEl>
                                           </p:spTgt>
                                         </p:tgtEl>
@@ -4034,6 +4123,12 @@
               <a:t>Can log things for diagnostic purposes, such as Query &amp; Performance for EF Core.</a:t>
             </a:r>
           </a:p>
+          <a:p>
+            <a:r>
+              <a:rPr lang="en-US" dirty="0"/>
+              <a:t>Full breadcrumb traffic patterns</a:t>
+            </a:r>
+          </a:p>
         </p:txBody>
       </p:sp>
     </p:spTree>
@@ -4050,6 +4145,396 @@
 </file>
 
 <file path=ppt/slides/slide12.xml><?xml version="1.0" encoding="utf-8"?>
+<p:sld xmlns:a="http://schemas.openxmlformats.org/drawingml/2006/main" xmlns:r="http://schemas.openxmlformats.org/officeDocument/2006/relationships" xmlns:p="http://schemas.openxmlformats.org/presentationml/2006/main">
+  <p:cSld>
+    <p:spTree>
+      <p:nvGrpSpPr>
+        <p:cNvPr id="1" name=""/>
+        <p:cNvGrpSpPr/>
+        <p:nvPr/>
+      </p:nvGrpSpPr>
+      <p:grpSpPr>
+        <a:xfrm>
+          <a:off x="0" y="0"/>
+          <a:ext cx="0" cy="0"/>
+          <a:chOff x="0" y="0"/>
+          <a:chExt cx="0" cy="0"/>
+        </a:xfrm>
+      </p:grpSpPr>
+      <p:pic>
+        <p:nvPicPr>
+          <p:cNvPr id="5" name="Content Placeholder 4" descr="Text&#10;&#10;Description automatically generated">
+            <a:extLst>
+              <a:ext uri="{FF2B5EF4-FFF2-40B4-BE49-F238E27FC236}">
+                <a16:creationId xmlns:a16="http://schemas.microsoft.com/office/drawing/2014/main" id="{740BA718-29C3-4784-88A6-AB9E63D19520}"/>
+              </a:ext>
+            </a:extLst>
+          </p:cNvPr>
+          <p:cNvPicPr>
+            <a:picLocks noGrp="1" noChangeAspect="1"/>
+          </p:cNvPicPr>
+          <p:nvPr>
+            <p:ph idx="1"/>
+          </p:nvPr>
+        </p:nvPicPr>
+        <p:blipFill rotWithShape="1">
+          <a:blip r:embed="rId2"/>
+          <a:srcRect r="1" b="44313"/>
+          <a:stretch/>
+        </p:blipFill>
+        <p:spPr>
+          <a:xfrm>
+            <a:off x="20" y="10"/>
+            <a:ext cx="12191980" cy="6857990"/>
+          </a:xfrm>
+          <a:noFill/>
+        </p:spPr>
+      </p:pic>
+    </p:spTree>
+    <p:extLst>
+      <p:ext uri="{BB962C8B-B14F-4D97-AF65-F5344CB8AC3E}">
+        <p14:creationId xmlns:p14="http://schemas.microsoft.com/office/powerpoint/2010/main" val="1810605561"/>
+      </p:ext>
+    </p:extLst>
+  </p:cSld>
+  <p:clrMapOvr>
+    <a:masterClrMapping/>
+  </p:clrMapOvr>
+</p:sld>
+</file>
+
+<file path=ppt/slides/slide13.xml><?xml version="1.0" encoding="utf-8"?>
+<p:sld xmlns:a="http://schemas.openxmlformats.org/drawingml/2006/main" xmlns:r="http://schemas.openxmlformats.org/officeDocument/2006/relationships" xmlns:p="http://schemas.openxmlformats.org/presentationml/2006/main">
+  <p:cSld>
+    <p:spTree>
+      <p:nvGrpSpPr>
+        <p:cNvPr id="1" name=""/>
+        <p:cNvGrpSpPr/>
+        <p:nvPr/>
+      </p:nvGrpSpPr>
+      <p:grpSpPr>
+        <a:xfrm>
+          <a:off x="0" y="0"/>
+          <a:ext cx="0" cy="0"/>
+          <a:chOff x="0" y="0"/>
+          <a:chExt cx="0" cy="0"/>
+        </a:xfrm>
+      </p:grpSpPr>
+      <p:pic>
+        <p:nvPicPr>
+          <p:cNvPr id="5" name="Content Placeholder 4" descr="A screenshot of a computer&#10;&#10;Description automatically generated with medium confidence">
+            <a:extLst>
+              <a:ext uri="{FF2B5EF4-FFF2-40B4-BE49-F238E27FC236}">
+                <a16:creationId xmlns:a16="http://schemas.microsoft.com/office/drawing/2014/main" id="{953BF736-7731-4FBB-8DE8-B4992319223B}"/>
+              </a:ext>
+            </a:extLst>
+          </p:cNvPr>
+          <p:cNvPicPr>
+            <a:picLocks noGrp="1" noChangeAspect="1"/>
+          </p:cNvPicPr>
+          <p:nvPr>
+            <p:ph idx="1"/>
+          </p:nvPr>
+        </p:nvPicPr>
+        <p:blipFill rotWithShape="1">
+          <a:blip r:embed="rId2"/>
+          <a:srcRect r="11111"/>
+          <a:stretch/>
+        </p:blipFill>
+        <p:spPr>
+          <a:xfrm>
+            <a:off x="20" y="10"/>
+            <a:ext cx="12191980" cy="6857990"/>
+          </a:xfrm>
+          <a:noFill/>
+        </p:spPr>
+      </p:pic>
+      <p:pic>
+        <p:nvPicPr>
+          <p:cNvPr id="7" name="Picture 6" descr="A screenshot of a computer&#10;&#10;Description automatically generated with medium confidence">
+            <a:extLst>
+              <a:ext uri="{FF2B5EF4-FFF2-40B4-BE49-F238E27FC236}">
+                <a16:creationId xmlns:a16="http://schemas.microsoft.com/office/drawing/2014/main" id="{AA88D3B9-C365-4309-BF19-D5A247555321}"/>
+              </a:ext>
+            </a:extLst>
+          </p:cNvPr>
+          <p:cNvPicPr>
+            <a:picLocks noChangeAspect="1"/>
+          </p:cNvPicPr>
+          <p:nvPr/>
+        </p:nvPicPr>
+        <p:blipFill>
+          <a:blip r:embed="rId3"/>
+          <a:stretch>
+            <a:fillRect/>
+          </a:stretch>
+        </p:blipFill>
+        <p:spPr>
+          <a:xfrm>
+            <a:off x="1629299" y="2019405"/>
+            <a:ext cx="7124700" cy="2457450"/>
+          </a:xfrm>
+          <a:prstGeom prst="rect">
+            <a:avLst/>
+          </a:prstGeom>
+        </p:spPr>
+      </p:pic>
+      <p:pic>
+        <p:nvPicPr>
+          <p:cNvPr id="9" name="Picture 8" descr="Text&#10;&#10;Description automatically generated">
+            <a:extLst>
+              <a:ext uri="{FF2B5EF4-FFF2-40B4-BE49-F238E27FC236}">
+                <a16:creationId xmlns:a16="http://schemas.microsoft.com/office/drawing/2014/main" id="{293BAF1A-5FF4-464B-950C-D6035CC86CFF}"/>
+              </a:ext>
+            </a:extLst>
+          </p:cNvPr>
+          <p:cNvPicPr>
+            <a:picLocks noChangeAspect="1"/>
+          </p:cNvPicPr>
+          <p:nvPr/>
+        </p:nvPicPr>
+        <p:blipFill>
+          <a:blip r:embed="rId4"/>
+          <a:stretch>
+            <a:fillRect/>
+          </a:stretch>
+        </p:blipFill>
+        <p:spPr>
+          <a:xfrm>
+            <a:off x="1721578" y="2019405"/>
+            <a:ext cx="6638925" cy="2819400"/>
+          </a:xfrm>
+          <a:prstGeom prst="rect">
+            <a:avLst/>
+          </a:prstGeom>
+        </p:spPr>
+      </p:pic>
+    </p:spTree>
+    <p:extLst>
+      <p:ext uri="{BB962C8B-B14F-4D97-AF65-F5344CB8AC3E}">
+        <p14:creationId xmlns:p14="http://schemas.microsoft.com/office/powerpoint/2010/main" val="1792609265"/>
+      </p:ext>
+    </p:extLst>
+  </p:cSld>
+  <p:clrMapOvr>
+    <a:masterClrMapping/>
+  </p:clrMapOvr>
+  <p:timing>
+    <p:tnLst>
+      <p:par>
+        <p:cTn id="1" dur="indefinite" restart="never" nodeType="tmRoot">
+          <p:childTnLst>
+            <p:seq concurrent="1" nextAc="seek">
+              <p:cTn id="2" dur="indefinite" nodeType="mainSeq">
+                <p:childTnLst>
+                  <p:par>
+                    <p:cTn id="3" fill="hold">
+                      <p:stCondLst>
+                        <p:cond delay="indefinite"/>
+                      </p:stCondLst>
+                      <p:childTnLst>
+                        <p:par>
+                          <p:cTn id="4" fill="hold">
+                            <p:stCondLst>
+                              <p:cond delay="0"/>
+                            </p:stCondLst>
+                            <p:childTnLst>
+                              <p:par>
+                                <p:cTn id="5" presetID="2" presetClass="entr" presetSubtype="1" fill="hold" nodeType="clickEffect">
+                                  <p:stCondLst>
+                                    <p:cond delay="0"/>
+                                  </p:stCondLst>
+                                  <p:childTnLst>
+                                    <p:set>
+                                      <p:cBhvr>
+                                        <p:cTn id="6" dur="1" fill="hold">
+                                          <p:stCondLst>
+                                            <p:cond delay="0"/>
+                                          </p:stCondLst>
+                                        </p:cTn>
+                                        <p:tgtEl>
+                                          <p:spTgt spid="7"/>
+                                        </p:tgtEl>
+                                        <p:attrNameLst>
+                                          <p:attrName>style.visibility</p:attrName>
+                                        </p:attrNameLst>
+                                      </p:cBhvr>
+                                      <p:to>
+                                        <p:strVal val="visible"/>
+                                      </p:to>
+                                    </p:set>
+                                    <p:anim calcmode="lin" valueType="num">
+                                      <p:cBhvr additive="base">
+                                        <p:cTn id="7" dur="500" fill="hold"/>
+                                        <p:tgtEl>
+                                          <p:spTgt spid="7"/>
+                                        </p:tgtEl>
+                                        <p:attrNameLst>
+                                          <p:attrName>ppt_x</p:attrName>
+                                        </p:attrNameLst>
+                                      </p:cBhvr>
+                                      <p:tavLst>
+                                        <p:tav tm="0">
+                                          <p:val>
+                                            <p:strVal val="#ppt_x"/>
+                                          </p:val>
+                                        </p:tav>
+                                        <p:tav tm="100000">
+                                          <p:val>
+                                            <p:strVal val="#ppt_x"/>
+                                          </p:val>
+                                        </p:tav>
+                                      </p:tavLst>
+                                    </p:anim>
+                                    <p:anim calcmode="lin" valueType="num">
+                                      <p:cBhvr additive="base">
+                                        <p:cTn id="8" dur="500" fill="hold"/>
+                                        <p:tgtEl>
+                                          <p:spTgt spid="7"/>
+                                        </p:tgtEl>
+                                        <p:attrNameLst>
+                                          <p:attrName>ppt_y</p:attrName>
+                                        </p:attrNameLst>
+                                      </p:cBhvr>
+                                      <p:tavLst>
+                                        <p:tav tm="0">
+                                          <p:val>
+                                            <p:strVal val="0-#ppt_h/2"/>
+                                          </p:val>
+                                        </p:tav>
+                                        <p:tav tm="100000">
+                                          <p:val>
+                                            <p:strVal val="#ppt_y"/>
+                                          </p:val>
+                                        </p:tav>
+                                      </p:tavLst>
+                                    </p:anim>
+                                  </p:childTnLst>
+                                </p:cTn>
+                              </p:par>
+                            </p:childTnLst>
+                          </p:cTn>
+                        </p:par>
+                      </p:childTnLst>
+                    </p:cTn>
+                  </p:par>
+                  <p:par>
+                    <p:cTn id="9" fill="hold">
+                      <p:stCondLst>
+                        <p:cond delay="indefinite"/>
+                      </p:stCondLst>
+                      <p:childTnLst>
+                        <p:par>
+                          <p:cTn id="10" fill="hold">
+                            <p:stCondLst>
+                              <p:cond delay="0"/>
+                            </p:stCondLst>
+                            <p:childTnLst>
+                              <p:par>
+                                <p:cTn id="11" presetID="2" presetClass="entr" presetSubtype="4" fill="hold" nodeType="clickEffect">
+                                  <p:stCondLst>
+                                    <p:cond delay="0"/>
+                                  </p:stCondLst>
+                                  <p:childTnLst>
+                                    <p:set>
+                                      <p:cBhvr>
+                                        <p:cTn id="12" dur="1" fill="hold">
+                                          <p:stCondLst>
+                                            <p:cond delay="0"/>
+                                          </p:stCondLst>
+                                        </p:cTn>
+                                        <p:tgtEl>
+                                          <p:spTgt spid="9"/>
+                                        </p:tgtEl>
+                                        <p:attrNameLst>
+                                          <p:attrName>style.visibility</p:attrName>
+                                        </p:attrNameLst>
+                                      </p:cBhvr>
+                                      <p:to>
+                                        <p:strVal val="visible"/>
+                                      </p:to>
+                                    </p:set>
+                                    <p:anim calcmode="lin" valueType="num">
+                                      <p:cBhvr additive="base">
+                                        <p:cTn id="13" dur="500" fill="hold"/>
+                                        <p:tgtEl>
+                                          <p:spTgt spid="9"/>
+                                        </p:tgtEl>
+                                        <p:attrNameLst>
+                                          <p:attrName>ppt_x</p:attrName>
+                                        </p:attrNameLst>
+                                      </p:cBhvr>
+                                      <p:tavLst>
+                                        <p:tav tm="0">
+                                          <p:val>
+                                            <p:strVal val="#ppt_x"/>
+                                          </p:val>
+                                        </p:tav>
+                                        <p:tav tm="100000">
+                                          <p:val>
+                                            <p:strVal val="#ppt_x"/>
+                                          </p:val>
+                                        </p:tav>
+                                      </p:tavLst>
+                                    </p:anim>
+                                    <p:anim calcmode="lin" valueType="num">
+                                      <p:cBhvr additive="base">
+                                        <p:cTn id="14" dur="500" fill="hold"/>
+                                        <p:tgtEl>
+                                          <p:spTgt spid="9"/>
+                                        </p:tgtEl>
+                                        <p:attrNameLst>
+                                          <p:attrName>ppt_y</p:attrName>
+                                        </p:attrNameLst>
+                                      </p:cBhvr>
+                                      <p:tavLst>
+                                        <p:tav tm="0">
+                                          <p:val>
+                                            <p:strVal val="1+#ppt_h/2"/>
+                                          </p:val>
+                                        </p:tav>
+                                        <p:tav tm="100000">
+                                          <p:val>
+                                            <p:strVal val="#ppt_y"/>
+                                          </p:val>
+                                        </p:tav>
+                                      </p:tavLst>
+                                    </p:anim>
+                                  </p:childTnLst>
+                                </p:cTn>
+                              </p:par>
+                            </p:childTnLst>
+                          </p:cTn>
+                        </p:par>
+                      </p:childTnLst>
+                    </p:cTn>
+                  </p:par>
+                </p:childTnLst>
+              </p:cTn>
+              <p:prevCondLst>
+                <p:cond evt="onPrev" delay="0">
+                  <p:tgtEl>
+                    <p:sldTgt/>
+                  </p:tgtEl>
+                </p:cond>
+              </p:prevCondLst>
+              <p:nextCondLst>
+                <p:cond evt="onNext" delay="0">
+                  <p:tgtEl>
+                    <p:sldTgt/>
+                  </p:tgtEl>
+                </p:cond>
+              </p:nextCondLst>
+            </p:seq>
+          </p:childTnLst>
+        </p:cTn>
+      </p:par>
+    </p:tnLst>
+  </p:timing>
+</p:sld>
+</file>
+
+<file path=ppt/slides/slide14.xml><?xml version="1.0" encoding="utf-8"?>
 <p:sld xmlns:a="http://schemas.openxmlformats.org/drawingml/2006/main" xmlns:r="http://schemas.openxmlformats.org/officeDocument/2006/relationships" xmlns:p="http://schemas.openxmlformats.org/presentationml/2006/main">
   <p:cSld>
     <p:spTree>
@@ -4157,6 +4642,19 @@
             </a:r>
             <a:endParaRPr lang="en-US" dirty="0"/>
           </a:p>
+          <a:p>
+            <a:r>
+              <a:rPr lang="en-US" dirty="0"/>
+              <a:t>Seq Info:</a:t>
+            </a:r>
+            <a:br>
+              <a:rPr lang="en-US" dirty="0"/>
+            </a:br>
+            <a:r>
+              <a:rPr lang="en-US" dirty="0"/>
+              <a:t>https://www.datalust.co</a:t>
+            </a:r>
+          </a:p>
         </p:txBody>
       </p:sp>
     </p:spTree>
@@ -4172,7 +4670,7 @@
 </p:sld>
 </file>
 
-<file path=ppt/slides/slide13.xml><?xml version="1.0" encoding="utf-8"?>
+<file path=ppt/slides/slide15.xml><?xml version="1.0" encoding="utf-8"?>
 <p:sld xmlns:a="http://schemas.openxmlformats.org/drawingml/2006/main" xmlns:r="http://schemas.openxmlformats.org/officeDocument/2006/relationships" xmlns:p="http://schemas.openxmlformats.org/presentationml/2006/main">
   <p:cSld>
     <p:spTree>
@@ -4565,6 +5063,12 @@
             </a:r>
           </a:p>
           <a:p>
+            <a:r>
+              <a:rPr lang="en-US" dirty="0"/>
+              <a:t>Out of the box implementation leaves questions</a:t>
+            </a:r>
+          </a:p>
+          <a:p>
             <a:endParaRPr lang="en-US" dirty="0"/>
           </a:p>
         </p:txBody>
@@ -5040,6 +5544,109 @@
                                           <p:spTgt spid="3">
                                             <p:txEl>
                                               <p:pRg st="4" end="4"/>
+                                            </p:txEl>
+                                          </p:spTgt>
+                                        </p:tgtEl>
+                                        <p:attrNameLst>
+                                          <p:attrName>ppt_y</p:attrName>
+                                        </p:attrNameLst>
+                                      </p:cBhvr>
+                                      <p:tavLst>
+                                        <p:tav tm="0">
+                                          <p:val>
+                                            <p:strVal val="1+#ppt_h/2"/>
+                                          </p:val>
+                                        </p:tav>
+                                        <p:tav tm="100000">
+                                          <p:val>
+                                            <p:strVal val="#ppt_y"/>
+                                          </p:val>
+                                        </p:tav>
+                                      </p:tavLst>
+                                    </p:anim>
+                                  </p:childTnLst>
+                                </p:cTn>
+                              </p:par>
+                            </p:childTnLst>
+                          </p:cTn>
+                        </p:par>
+                      </p:childTnLst>
+                    </p:cTn>
+                  </p:par>
+                  <p:par>
+                    <p:cTn id="29" fill="hold">
+                      <p:stCondLst>
+                        <p:cond delay="indefinite"/>
+                      </p:stCondLst>
+                      <p:childTnLst>
+                        <p:par>
+                          <p:cTn id="30" fill="hold">
+                            <p:stCondLst>
+                              <p:cond delay="0"/>
+                            </p:stCondLst>
+                            <p:childTnLst>
+                              <p:par>
+                                <p:cTn id="31" presetID="2" presetClass="entr" presetSubtype="4" fill="hold" grpId="0" nodeType="clickEffect">
+                                  <p:stCondLst>
+                                    <p:cond delay="0"/>
+                                  </p:stCondLst>
+                                  <p:childTnLst>
+                                    <p:set>
+                                      <p:cBhvr>
+                                        <p:cTn id="32" dur="1" fill="hold">
+                                          <p:stCondLst>
+                                            <p:cond delay="0"/>
+                                          </p:stCondLst>
+                                        </p:cTn>
+                                        <p:tgtEl>
+                                          <p:spTgt spid="3">
+                                            <p:txEl>
+                                              <p:pRg st="5" end="5"/>
+                                            </p:txEl>
+                                          </p:spTgt>
+                                        </p:tgtEl>
+                                        <p:attrNameLst>
+                                          <p:attrName>style.visibility</p:attrName>
+                                        </p:attrNameLst>
+                                      </p:cBhvr>
+                                      <p:to>
+                                        <p:strVal val="visible"/>
+                                      </p:to>
+                                    </p:set>
+                                    <p:anim calcmode="lin" valueType="num">
+                                      <p:cBhvr additive="base">
+                                        <p:cTn id="33" dur="500" fill="hold"/>
+                                        <p:tgtEl>
+                                          <p:spTgt spid="3">
+                                            <p:txEl>
+                                              <p:pRg st="5" end="5"/>
+                                            </p:txEl>
+                                          </p:spTgt>
+                                        </p:tgtEl>
+                                        <p:attrNameLst>
+                                          <p:attrName>ppt_x</p:attrName>
+                                        </p:attrNameLst>
+                                      </p:cBhvr>
+                                      <p:tavLst>
+                                        <p:tav tm="0">
+                                          <p:val>
+                                            <p:strVal val="#ppt_x"/>
+                                          </p:val>
+                                        </p:tav>
+                                        <p:tav tm="100000">
+                                          <p:val>
+                                            <p:strVal val="#ppt_x"/>
+                                          </p:val>
+                                        </p:tav>
+                                      </p:tavLst>
+                                    </p:anim>
+                                    <p:anim calcmode="lin" valueType="num">
+                                      <p:cBhvr additive="base">
+                                        <p:cTn id="34" dur="500" fill="hold"/>
+                                        <p:tgtEl>
+                                          <p:spTgt spid="3">
+                                            <p:txEl>
+                                              <p:pRg st="5" end="5"/>
                                             </p:txEl>
                                           </p:spTgt>
                                         </p:tgtEl>
@@ -5137,7 +5744,7 @@
           <a:p>
             <a:r>
               <a:rPr lang="en-US" dirty="0"/>
-              <a:t>Self-Evaluation Time!</a:t>
+              <a:t>Question Yourself</a:t>
             </a:r>
           </a:p>
         </p:txBody>
@@ -5165,19 +5772,19 @@
           <a:p>
             <a:r>
               <a:rPr lang="en-US" dirty="0"/>
-              <a:t>How many actively include logging in their code today?</a:t>
+              <a:t>Do you actively include logging in your code today?</a:t>
             </a:r>
           </a:p>
           <a:p>
             <a:r>
               <a:rPr lang="en-US" dirty="0"/>
-              <a:t>How many have a defined escalation process for critical logs?</a:t>
+              <a:t>Do you have a documented escalation process for logging events?</a:t>
             </a:r>
           </a:p>
           <a:p>
             <a:r>
               <a:rPr lang="en-US" dirty="0"/>
-              <a:t>How many review logs for accuracy/function?</a:t>
+              <a:t>Do you look at your logs?</a:t>
             </a:r>
           </a:p>
           <a:p>
@@ -5736,6 +6343,21 @@
               <a:t>Understanding Logging in .NET Core</a:t>
             </a:r>
           </a:p>
+          <a:p>
+            <a:pPr lvl="1"/>
+            <a:r>
+              <a:rPr lang="en-US" dirty="0"/>
+              <a:t>Lots of code </a:t>
+            </a:r>
+            <a:r>
+              <a:rPr lang="en-US" dirty="0" err="1"/>
+              <a:t>sampes</a:t>
+            </a:r>
+            <a:r>
+              <a:rPr lang="en-US" dirty="0"/>
+              <a:t>!</a:t>
+            </a:r>
+          </a:p>
         </p:txBody>
       </p:sp>
     </p:spTree>
@@ -5856,15 +6478,33 @@
                                   </p:childTnLst>
                                 </p:cTn>
                               </p:par>
+                            </p:childTnLst>
+                          </p:cTn>
+                        </p:par>
+                      </p:childTnLst>
+                    </p:cTn>
+                  </p:par>
+                  <p:par>
+                    <p:cTn id="9" fill="hold">
+                      <p:stCondLst>
+                        <p:cond delay="indefinite"/>
+                      </p:stCondLst>
+                      <p:childTnLst>
+                        <p:par>
+                          <p:cTn id="10" fill="hold">
+                            <p:stCondLst>
+                              <p:cond delay="0"/>
+                            </p:stCondLst>
+                            <p:childTnLst>
                               <p:par>
-                                <p:cTn id="9" presetID="2" presetClass="entr" presetSubtype="4" fill="hold" grpId="0" nodeType="withEffect">
+                                <p:cTn id="11" presetID="2" presetClass="entr" presetSubtype="4" fill="hold" grpId="0" nodeType="clickEffect">
                                   <p:stCondLst>
                                     <p:cond delay="0"/>
                                   </p:stCondLst>
                                   <p:childTnLst>
                                     <p:set>
                                       <p:cBhvr>
-                                        <p:cTn id="10" dur="1" fill="hold">
+                                        <p:cTn id="12" dur="1" fill="hold">
                                           <p:stCondLst>
                                             <p:cond delay="0"/>
                                           </p:stCondLst>
@@ -5886,7 +6526,7 @@
                                     </p:set>
                                     <p:anim calcmode="lin" valueType="num">
                                       <p:cBhvr additive="base">
-                                        <p:cTn id="11" dur="500" fill="hold"/>
+                                        <p:cTn id="13" dur="500" fill="hold"/>
                                         <p:tgtEl>
                                           <p:spTgt spid="3">
                                             <p:txEl>
@@ -5913,7 +6553,7 @@
                                     </p:anim>
                                     <p:anim calcmode="lin" valueType="num">
                                       <p:cBhvr additive="base">
-                                        <p:cTn id="12" dur="500" fill="hold"/>
+                                        <p:cTn id="14" dur="500" fill="hold"/>
                                         <p:tgtEl>
                                           <p:spTgt spid="3">
                                             <p:txEl>
@@ -5941,93 +6581,26 @@
                                   </p:childTnLst>
                                 </p:cTn>
                               </p:par>
+                            </p:childTnLst>
+                          </p:cTn>
+                        </p:par>
+                      </p:childTnLst>
+                    </p:cTn>
+                  </p:par>
+                  <p:par>
+                    <p:cTn id="15" fill="hold">
+                      <p:stCondLst>
+                        <p:cond delay="indefinite"/>
+                      </p:stCondLst>
+                      <p:childTnLst>
+                        <p:par>
+                          <p:cTn id="16" fill="hold">
+                            <p:stCondLst>
+                              <p:cond delay="0"/>
+                            </p:stCondLst>
+                            <p:childTnLst>
                               <p:par>
-                                <p:cTn id="13" presetID="2" presetClass="entr" presetSubtype="4" fill="hold" grpId="0" nodeType="withEffect">
-                                  <p:stCondLst>
-                                    <p:cond delay="0"/>
-                                  </p:stCondLst>
-                                  <p:childTnLst>
-                                    <p:set>
-                                      <p:cBhvr>
-                                        <p:cTn id="14" dur="1" fill="hold">
-                                          <p:stCondLst>
-                                            <p:cond delay="0"/>
-                                          </p:stCondLst>
-                                        </p:cTn>
-                                        <p:tgtEl>
-                                          <p:spTgt spid="3">
-                                            <p:txEl>
-                                              <p:pRg st="2" end="2"/>
-                                            </p:txEl>
-                                          </p:spTgt>
-                                        </p:tgtEl>
-                                        <p:attrNameLst>
-                                          <p:attrName>style.visibility</p:attrName>
-                                        </p:attrNameLst>
-                                      </p:cBhvr>
-                                      <p:to>
-                                        <p:strVal val="visible"/>
-                                      </p:to>
-                                    </p:set>
-                                    <p:anim calcmode="lin" valueType="num">
-                                      <p:cBhvr additive="base">
-                                        <p:cTn id="15" dur="500" fill="hold"/>
-                                        <p:tgtEl>
-                                          <p:spTgt spid="3">
-                                            <p:txEl>
-                                              <p:pRg st="2" end="2"/>
-                                            </p:txEl>
-                                          </p:spTgt>
-                                        </p:tgtEl>
-                                        <p:attrNameLst>
-                                          <p:attrName>ppt_x</p:attrName>
-                                        </p:attrNameLst>
-                                      </p:cBhvr>
-                                      <p:tavLst>
-                                        <p:tav tm="0">
-                                          <p:val>
-                                            <p:strVal val="#ppt_x"/>
-                                          </p:val>
-                                        </p:tav>
-                                        <p:tav tm="100000">
-                                          <p:val>
-                                            <p:strVal val="#ppt_x"/>
-                                          </p:val>
-                                        </p:tav>
-                                      </p:tavLst>
-                                    </p:anim>
-                                    <p:anim calcmode="lin" valueType="num">
-                                      <p:cBhvr additive="base">
-                                        <p:cTn id="16" dur="500" fill="hold"/>
-                                        <p:tgtEl>
-                                          <p:spTgt spid="3">
-                                            <p:txEl>
-                                              <p:pRg st="2" end="2"/>
-                                            </p:txEl>
-                                          </p:spTgt>
-                                        </p:tgtEl>
-                                        <p:attrNameLst>
-                                          <p:attrName>ppt_y</p:attrName>
-                                        </p:attrNameLst>
-                                      </p:cBhvr>
-                                      <p:tavLst>
-                                        <p:tav tm="0">
-                                          <p:val>
-                                            <p:strVal val="1+#ppt_h/2"/>
-                                          </p:val>
-                                        </p:tav>
-                                        <p:tav tm="100000">
-                                          <p:val>
-                                            <p:strVal val="#ppt_y"/>
-                                          </p:val>
-                                        </p:tav>
-                                      </p:tavLst>
-                                    </p:anim>
-                                  </p:childTnLst>
-                                </p:cTn>
-                              </p:par>
-                              <p:par>
-                                <p:cTn id="17" presetID="2" presetClass="entr" presetSubtype="4" fill="hold" grpId="0" nodeType="withEffect">
+                                <p:cTn id="17" presetID="2" presetClass="entr" presetSubtype="4" fill="hold" grpId="0" nodeType="clickEffect">
                                   <p:stCondLst>
                                     <p:cond delay="0"/>
                                   </p:stCondLst>
@@ -6042,7 +6615,7 @@
                                         <p:tgtEl>
                                           <p:spTgt spid="3">
                                             <p:txEl>
-                                              <p:pRg st="3" end="3"/>
+                                              <p:pRg st="2" end="2"/>
                                             </p:txEl>
                                           </p:spTgt>
                                         </p:tgtEl>
@@ -6060,11 +6633,114 @@
                                         <p:tgtEl>
                                           <p:spTgt spid="3">
                                             <p:txEl>
+                                              <p:pRg st="2" end="2"/>
+                                            </p:txEl>
+                                          </p:spTgt>
+                                        </p:tgtEl>
+                                        <p:attrNameLst>
+                                          <p:attrName>ppt_x</p:attrName>
+                                        </p:attrNameLst>
+                                      </p:cBhvr>
+                                      <p:tavLst>
+                                        <p:tav tm="0">
+                                          <p:val>
+                                            <p:strVal val="#ppt_x"/>
+                                          </p:val>
+                                        </p:tav>
+                                        <p:tav tm="100000">
+                                          <p:val>
+                                            <p:strVal val="#ppt_x"/>
+                                          </p:val>
+                                        </p:tav>
+                                      </p:tavLst>
+                                    </p:anim>
+                                    <p:anim calcmode="lin" valueType="num">
+                                      <p:cBhvr additive="base">
+                                        <p:cTn id="20" dur="500" fill="hold"/>
+                                        <p:tgtEl>
+                                          <p:spTgt spid="3">
+                                            <p:txEl>
+                                              <p:pRg st="2" end="2"/>
+                                            </p:txEl>
+                                          </p:spTgt>
+                                        </p:tgtEl>
+                                        <p:attrNameLst>
+                                          <p:attrName>ppt_y</p:attrName>
+                                        </p:attrNameLst>
+                                      </p:cBhvr>
+                                      <p:tavLst>
+                                        <p:tav tm="0">
+                                          <p:val>
+                                            <p:strVal val="1+#ppt_h/2"/>
+                                          </p:val>
+                                        </p:tav>
+                                        <p:tav tm="100000">
+                                          <p:val>
+                                            <p:strVal val="#ppt_y"/>
+                                          </p:val>
+                                        </p:tav>
+                                      </p:tavLst>
+                                    </p:anim>
+                                  </p:childTnLst>
+                                </p:cTn>
+                              </p:par>
+                            </p:childTnLst>
+                          </p:cTn>
+                        </p:par>
+                      </p:childTnLst>
+                    </p:cTn>
+                  </p:par>
+                  <p:par>
+                    <p:cTn id="21" fill="hold">
+                      <p:stCondLst>
+                        <p:cond delay="indefinite"/>
+                      </p:stCondLst>
+                      <p:childTnLst>
+                        <p:par>
+                          <p:cTn id="22" fill="hold">
+                            <p:stCondLst>
+                              <p:cond delay="0"/>
+                            </p:stCondLst>
+                            <p:childTnLst>
+                              <p:par>
+                                <p:cTn id="23" presetID="2" presetClass="entr" presetSubtype="4" fill="hold" grpId="0" nodeType="clickEffect">
+                                  <p:stCondLst>
+                                    <p:cond delay="0"/>
+                                  </p:stCondLst>
+                                  <p:childTnLst>
+                                    <p:set>
+                                      <p:cBhvr>
+                                        <p:cTn id="24" dur="1" fill="hold">
+                                          <p:stCondLst>
+                                            <p:cond delay="0"/>
+                                          </p:stCondLst>
+                                        </p:cTn>
+                                        <p:tgtEl>
+                                          <p:spTgt spid="3">
+                                            <p:txEl>
                                               <p:pRg st="3" end="3"/>
                                             </p:txEl>
                                           </p:spTgt>
                                         </p:tgtEl>
                                         <p:attrNameLst>
+                                          <p:attrName>style.visibility</p:attrName>
+                                        </p:attrNameLst>
+                                      </p:cBhvr>
+                                      <p:to>
+                                        <p:strVal val="visible"/>
+                                      </p:to>
+                                    </p:set>
+                                    <p:anim calcmode="lin" valueType="num">
+                                      <p:cBhvr additive="base">
+                                        <p:cTn id="25" dur="500" fill="hold"/>
+                                        <p:tgtEl>
+                                          <p:spTgt spid="3">
+                                            <p:txEl>
+                                              <p:pRg st="3" end="3"/>
+                                            </p:txEl>
+                                          </p:spTgt>
+                                        </p:tgtEl>
+                                        <p:attrNameLst>
                                           <p:attrName>ppt_x</p:attrName>
                                         </p:attrNameLst>
                                       </p:cBhvr>
@@ -6083,11 +6759,114 @@
                                     </p:anim>
                                     <p:anim calcmode="lin" valueType="num">
                                       <p:cBhvr additive="base">
-                                        <p:cTn id="20" dur="500" fill="hold"/>
+                                        <p:cTn id="26" dur="500" fill="hold"/>
                                         <p:tgtEl>
                                           <p:spTgt spid="3">
                                             <p:txEl>
                                               <p:pRg st="3" end="3"/>
+                                            </p:txEl>
+                                          </p:spTgt>
+                                        </p:tgtEl>
+                                        <p:attrNameLst>
+                                          <p:attrName>ppt_y</p:attrName>
+                                        </p:attrNameLst>
+                                      </p:cBhvr>
+                                      <p:tavLst>
+                                        <p:tav tm="0">
+                                          <p:val>
+                                            <p:strVal val="1+#ppt_h/2"/>
+                                          </p:val>
+                                        </p:tav>
+                                        <p:tav tm="100000">
+                                          <p:val>
+                                            <p:strVal val="#ppt_y"/>
+                                          </p:val>
+                                        </p:tav>
+                                      </p:tavLst>
+                                    </p:anim>
+                                  </p:childTnLst>
+                                </p:cTn>
+                              </p:par>
+                            </p:childTnLst>
+                          </p:cTn>
+                        </p:par>
+                      </p:childTnLst>
+                    </p:cTn>
+                  </p:par>
+                  <p:par>
+                    <p:cTn id="27" fill="hold">
+                      <p:stCondLst>
+                        <p:cond delay="indefinite"/>
+                      </p:stCondLst>
+                      <p:childTnLst>
+                        <p:par>
+                          <p:cTn id="28" fill="hold">
+                            <p:stCondLst>
+                              <p:cond delay="0"/>
+                            </p:stCondLst>
+                            <p:childTnLst>
+                              <p:par>
+                                <p:cTn id="29" presetID="2" presetClass="entr" presetSubtype="4" fill="hold" grpId="0" nodeType="clickEffect">
+                                  <p:stCondLst>
+                                    <p:cond delay="0"/>
+                                  </p:stCondLst>
+                                  <p:childTnLst>
+                                    <p:set>
+                                      <p:cBhvr>
+                                        <p:cTn id="30" dur="1" fill="hold">
+                                          <p:stCondLst>
+                                            <p:cond delay="0"/>
+                                          </p:stCondLst>
+                                        </p:cTn>
+                                        <p:tgtEl>
+                                          <p:spTgt spid="3">
+                                            <p:txEl>
+                                              <p:pRg st="4" end="4"/>
+                                            </p:txEl>
+                                          </p:spTgt>
+                                        </p:tgtEl>
+                                        <p:attrNameLst>
+                                          <p:attrName>style.visibility</p:attrName>
+                                        </p:attrNameLst>
+                                      </p:cBhvr>
+                                      <p:to>
+                                        <p:strVal val="visible"/>
+                                      </p:to>
+                                    </p:set>
+                                    <p:anim calcmode="lin" valueType="num">
+                                      <p:cBhvr additive="base">
+                                        <p:cTn id="31" dur="500" fill="hold"/>
+                                        <p:tgtEl>
+                                          <p:spTgt spid="3">
+                                            <p:txEl>
+                                              <p:pRg st="4" end="4"/>
+                                            </p:txEl>
+                                          </p:spTgt>
+                                        </p:tgtEl>
+                                        <p:attrNameLst>
+                                          <p:attrName>ppt_x</p:attrName>
+                                        </p:attrNameLst>
+                                      </p:cBhvr>
+                                      <p:tavLst>
+                                        <p:tav tm="0">
+                                          <p:val>
+                                            <p:strVal val="#ppt_x"/>
+                                          </p:val>
+                                        </p:tav>
+                                        <p:tav tm="100000">
+                                          <p:val>
+                                            <p:strVal val="#ppt_x"/>
+                                          </p:val>
+                                        </p:tav>
+                                      </p:tavLst>
+                                    </p:anim>
+                                    <p:anim calcmode="lin" valueType="num">
+                                      <p:cBhvr additive="base">
+                                        <p:cTn id="32" dur="500" fill="hold"/>
+                                        <p:tgtEl>
+                                          <p:spTgt spid="3">
+                                            <p:txEl>
+                                              <p:pRg st="4" end="4"/>
                                             </p:txEl>
                                           </p:spTgt>
                                         </p:tgtEl>
@@ -6209,7 +6988,7 @@
         <p:spPr/>
         <p:txBody>
           <a:bodyPr>
-            <a:normAutofit lnSpcReduction="10000"/>
+            <a:normAutofit fontScale="92500" lnSpcReduction="10000"/>
           </a:bodyPr>
           <a:lstStyle/>
           <a:p>
@@ -6257,6 +7036,13 @@
             <a:r>
               <a:rPr lang="en-US" dirty="0"/>
               <a:t>Think of credit card transaction logging, admin actions, etc.</a:t>
+            </a:r>
+          </a:p>
+          <a:p>
+            <a:pPr lvl="1"/>
+            <a:r>
+              <a:rPr lang="en-US" dirty="0"/>
+              <a:t>ASP.NET Identity logs invalid password attempts</a:t>
             </a:r>
           </a:p>
           <a:p>
@@ -7017,33 +7803,15 @@
                                   </p:childTnLst>
                                 </p:cTn>
                               </p:par>
-                            </p:childTnLst>
-                          </p:cTn>
-                        </p:par>
-                      </p:childTnLst>
-                    </p:cTn>
-                  </p:par>
-                  <p:par>
-                    <p:cTn id="45" fill="hold">
-                      <p:stCondLst>
-                        <p:cond delay="indefinite"/>
-                      </p:stCondLst>
-                      <p:childTnLst>
-                        <p:par>
-                          <p:cTn id="46" fill="hold">
-                            <p:stCondLst>
-                              <p:cond delay="0"/>
-                            </p:stCondLst>
-                            <p:childTnLst>
                               <p:par>
-                                <p:cTn id="47" presetID="2" presetClass="entr" presetSubtype="4" fill="hold" grpId="0" nodeType="clickEffect">
+                                <p:cTn id="45" presetID="2" presetClass="entr" presetSubtype="4" fill="hold" grpId="0" nodeType="withEffect">
                                   <p:stCondLst>
                                     <p:cond delay="0"/>
                                   </p:stCondLst>
                                   <p:childTnLst>
                                     <p:set>
                                       <p:cBhvr>
-                                        <p:cTn id="48" dur="1" fill="hold">
+                                        <p:cTn id="46" dur="1" fill="hold">
                                           <p:stCondLst>
                                             <p:cond delay="0"/>
                                           </p:stCondLst>
@@ -7065,7 +7833,7 @@
                                     </p:set>
                                     <p:anim calcmode="lin" valueType="num">
                                       <p:cBhvr additive="base">
-                                        <p:cTn id="49" dur="500" fill="hold"/>
+                                        <p:cTn id="47" dur="500" fill="hold"/>
                                         <p:tgtEl>
                                           <p:spTgt spid="3">
                                             <p:txEl>
@@ -7092,7 +7860,7 @@
                                     </p:anim>
                                     <p:anim calcmode="lin" valueType="num">
                                       <p:cBhvr additive="base">
-                                        <p:cTn id="50" dur="500" fill="hold"/>
+                                        <p:cTn id="48" dur="500" fill="hold"/>
                                         <p:tgtEl>
                                           <p:spTgt spid="3">
                                             <p:txEl>
@@ -7127,26 +7895,26 @@
                     </p:cTn>
                   </p:par>
                   <p:par>
-                    <p:cTn id="51" fill="hold">
+                    <p:cTn id="49" fill="hold">
                       <p:stCondLst>
                         <p:cond delay="indefinite"/>
                       </p:stCondLst>
                       <p:childTnLst>
                         <p:par>
-                          <p:cTn id="52" fill="hold">
+                          <p:cTn id="50" fill="hold">
                             <p:stCondLst>
                               <p:cond delay="0"/>
                             </p:stCondLst>
                             <p:childTnLst>
                               <p:par>
-                                <p:cTn id="53" presetID="2" presetClass="entr" presetSubtype="4" fill="hold" grpId="0" nodeType="clickEffect">
+                                <p:cTn id="51" presetID="2" presetClass="entr" presetSubtype="4" fill="hold" grpId="0" nodeType="clickEffect">
                                   <p:stCondLst>
                                     <p:cond delay="0"/>
                                   </p:stCondLst>
                                   <p:childTnLst>
                                     <p:set>
                                       <p:cBhvr>
-                                        <p:cTn id="54" dur="1" fill="hold">
+                                        <p:cTn id="52" dur="1" fill="hold">
                                           <p:stCondLst>
                                             <p:cond delay="0"/>
                                           </p:stCondLst>
@@ -7168,7 +7936,7 @@
                                     </p:set>
                                     <p:anim calcmode="lin" valueType="num">
                                       <p:cBhvr additive="base">
-                                        <p:cTn id="55" dur="500" fill="hold"/>
+                                        <p:cTn id="53" dur="500" fill="hold"/>
                                         <p:tgtEl>
                                           <p:spTgt spid="3">
                                             <p:txEl>
@@ -7195,7 +7963,7 @@
                                     </p:anim>
                                     <p:anim calcmode="lin" valueType="num">
                                       <p:cBhvr additive="base">
-                                        <p:cTn id="56" dur="500" fill="hold"/>
+                                        <p:cTn id="54" dur="500" fill="hold"/>
                                         <p:tgtEl>
                                           <p:spTgt spid="3">
                                             <p:txEl>
@@ -7230,26 +7998,26 @@
                     </p:cTn>
                   </p:par>
                   <p:par>
-                    <p:cTn id="57" fill="hold">
+                    <p:cTn id="55" fill="hold">
                       <p:stCondLst>
                         <p:cond delay="indefinite"/>
                       </p:stCondLst>
                       <p:childTnLst>
                         <p:par>
-                          <p:cTn id="58" fill="hold">
+                          <p:cTn id="56" fill="hold">
                             <p:stCondLst>
                               <p:cond delay="0"/>
                             </p:stCondLst>
                             <p:childTnLst>
                               <p:par>
-                                <p:cTn id="59" presetID="2" presetClass="entr" presetSubtype="4" fill="hold" grpId="0" nodeType="clickEffect">
+                                <p:cTn id="57" presetID="2" presetClass="entr" presetSubtype="4" fill="hold" grpId="0" nodeType="clickEffect">
                                   <p:stCondLst>
                                     <p:cond delay="0"/>
                                   </p:stCondLst>
                                   <p:childTnLst>
                                     <p:set>
                                       <p:cBhvr>
-                                        <p:cTn id="60" dur="1" fill="hold">
+                                        <p:cTn id="58" dur="1" fill="hold">
                                           <p:stCondLst>
                                             <p:cond delay="0"/>
                                           </p:stCondLst>
@@ -7271,7 +8039,7 @@
                                     </p:set>
                                     <p:anim calcmode="lin" valueType="num">
                                       <p:cBhvr additive="base">
-                                        <p:cTn id="61" dur="500" fill="hold"/>
+                                        <p:cTn id="59" dur="500" fill="hold"/>
                                         <p:tgtEl>
                                           <p:spTgt spid="3">
                                             <p:txEl>
@@ -7298,11 +8066,114 @@
                                     </p:anim>
                                     <p:anim calcmode="lin" valueType="num">
                                       <p:cBhvr additive="base">
-                                        <p:cTn id="62" dur="500" fill="hold"/>
+                                        <p:cTn id="60" dur="500" fill="hold"/>
                                         <p:tgtEl>
                                           <p:spTgt spid="3">
                                             <p:txEl>
                                               <p:pRg st="9" end="9"/>
+                                            </p:txEl>
+                                          </p:spTgt>
+                                        </p:tgtEl>
+                                        <p:attrNameLst>
+                                          <p:attrName>ppt_y</p:attrName>
+                                        </p:attrNameLst>
+                                      </p:cBhvr>
+                                      <p:tavLst>
+                                        <p:tav tm="0">
+                                          <p:val>
+                                            <p:strVal val="1+#ppt_h/2"/>
+                                          </p:val>
+                                        </p:tav>
+                                        <p:tav tm="100000">
+                                          <p:val>
+                                            <p:strVal val="#ppt_y"/>
+                                          </p:val>
+                                        </p:tav>
+                                      </p:tavLst>
+                                    </p:anim>
+                                  </p:childTnLst>
+                                </p:cTn>
+                              </p:par>
+                            </p:childTnLst>
+                          </p:cTn>
+                        </p:par>
+                      </p:childTnLst>
+                    </p:cTn>
+                  </p:par>
+                  <p:par>
+                    <p:cTn id="61" fill="hold">
+                      <p:stCondLst>
+                        <p:cond delay="indefinite"/>
+                      </p:stCondLst>
+                      <p:childTnLst>
+                        <p:par>
+                          <p:cTn id="62" fill="hold">
+                            <p:stCondLst>
+                              <p:cond delay="0"/>
+                            </p:stCondLst>
+                            <p:childTnLst>
+                              <p:par>
+                                <p:cTn id="63" presetID="2" presetClass="entr" presetSubtype="4" fill="hold" grpId="0" nodeType="clickEffect">
+                                  <p:stCondLst>
+                                    <p:cond delay="0"/>
+                                  </p:stCondLst>
+                                  <p:childTnLst>
+                                    <p:set>
+                                      <p:cBhvr>
+                                        <p:cTn id="64" dur="1" fill="hold">
+                                          <p:stCondLst>
+                                            <p:cond delay="0"/>
+                                          </p:stCondLst>
+                                        </p:cTn>
+                                        <p:tgtEl>
+                                          <p:spTgt spid="3">
+                                            <p:txEl>
+                                              <p:pRg st="10" end="10"/>
+                                            </p:txEl>
+                                          </p:spTgt>
+                                        </p:tgtEl>
+                                        <p:attrNameLst>
+                                          <p:attrName>style.visibility</p:attrName>
+                                        </p:attrNameLst>
+                                      </p:cBhvr>
+                                      <p:to>
+                                        <p:strVal val="visible"/>
+                                      </p:to>
+                                    </p:set>
+                                    <p:anim calcmode="lin" valueType="num">
+                                      <p:cBhvr additive="base">
+                                        <p:cTn id="65" dur="500" fill="hold"/>
+                                        <p:tgtEl>
+                                          <p:spTgt spid="3">
+                                            <p:txEl>
+                                              <p:pRg st="10" end="10"/>
+                                            </p:txEl>
+                                          </p:spTgt>
+                                        </p:tgtEl>
+                                        <p:attrNameLst>
+                                          <p:attrName>ppt_x</p:attrName>
+                                        </p:attrNameLst>
+                                      </p:cBhvr>
+                                      <p:tavLst>
+                                        <p:tav tm="0">
+                                          <p:val>
+                                            <p:strVal val="#ppt_x"/>
+                                          </p:val>
+                                        </p:tav>
+                                        <p:tav tm="100000">
+                                          <p:val>
+                                            <p:strVal val="#ppt_x"/>
+                                          </p:val>
+                                        </p:tav>
+                                      </p:tavLst>
+                                    </p:anim>
+                                    <p:anim calcmode="lin" valueType="num">
+                                      <p:cBhvr additive="base">
+                                        <p:cTn id="66" dur="500" fill="hold"/>
+                                        <p:tgtEl>
+                                          <p:spTgt spid="3">
+                                            <p:txEl>
+                                              <p:pRg st="10" end="10"/>
                                             </p:txEl>
                                           </p:spTgt>
                                         </p:tgtEl>
@@ -7382,7 +8253,7 @@
           <p:cNvPr id="2" name="Title 1">
             <a:extLst>
               <a:ext uri="{FF2B5EF4-FFF2-40B4-BE49-F238E27FC236}">
-                <a16:creationId xmlns:a16="http://schemas.microsoft.com/office/drawing/2014/main" id="{C4E96C69-0684-46DD-A011-ED8957AF3995}"/>
+                <a16:creationId xmlns:a16="http://schemas.microsoft.com/office/drawing/2014/main" id="{9F2A5685-0B88-4C3D-84C2-220DFCC53AB9}"/>
               </a:ext>
             </a:extLst>
           </p:cNvPr>
@@ -7400,7 +8271,7 @@
           <a:p>
             <a:r>
               <a:rPr lang="en-US" dirty="0"/>
-              <a:t>Escalation Protocols – Who Do We Tell?</a:t>
+              <a:t>Information Sensitivity</a:t>
             </a:r>
           </a:p>
         </p:txBody>
@@ -7410,7 +8281,7 @@
           <p:cNvPr id="3" name="Content Placeholder 2">
             <a:extLst>
               <a:ext uri="{FF2B5EF4-FFF2-40B4-BE49-F238E27FC236}">
-                <a16:creationId xmlns:a16="http://schemas.microsoft.com/office/drawing/2014/main" id="{0E1C16ED-215D-417D-9C15-27C47A798485}"/>
+                <a16:creationId xmlns:a16="http://schemas.microsoft.com/office/drawing/2014/main" id="{5B25969D-C778-469B-B046-2F3EE091418C}"/>
               </a:ext>
             </a:extLst>
           </p:cNvPr>
@@ -7428,85 +8299,40 @@
           <a:p>
             <a:r>
               <a:rPr lang="en-US" dirty="0"/>
-              <a:t>Placing the logging information in the best location is critical</a:t>
+              <a:t>Security of logging is important</a:t>
             </a:r>
           </a:p>
           <a:p>
             <a:pPr lvl="1"/>
             <a:r>
               <a:rPr lang="en-US" dirty="0"/>
-              <a:t>Extremes on both visibility or notification can reduce effectiveness</a:t>
+              <a:t>Physical security</a:t>
             </a:r>
           </a:p>
           <a:p>
             <a:pPr lvl="1"/>
             <a:r>
               <a:rPr lang="en-US" dirty="0"/>
-              <a:t>Example: Logging system that emails on every 404, filters get created and logs ignored</a:t>
-            </a:r>
-          </a:p>
-          <a:p>
+              <a:t>Retention</a:t>
+            </a:r>
+          </a:p>
+          <a:p>
+            <a:pPr lvl="1"/>
             <a:r>
               <a:rPr lang="en-US" dirty="0"/>
-              <a:t>Default Options</a:t>
-            </a:r>
-          </a:p>
-          <a:p>
-            <a:pPr lvl="1"/>
+              <a:t>Included information</a:t>
+            </a:r>
+          </a:p>
+          <a:p>
             <a:r>
               <a:rPr lang="en-US" dirty="0"/>
-              <a:t>Out of the box we have Console, </a:t>
-            </a:r>
-            <a:r>
-              <a:rPr lang="en-US" dirty="0" err="1"/>
-              <a:t>ApplicationInsights</a:t>
-            </a:r>
+              <a:t>Often a fine line, enough detail to recreate, not enough to violate privacy concerns</a:t>
+            </a:r>
+          </a:p>
+          <a:p>
             <a:r>
               <a:rPr lang="en-US" dirty="0"/>
-              <a:t>, </a:t>
-            </a:r>
-            <a:r>
-              <a:rPr lang="en-US" dirty="0" err="1"/>
-              <a:t>EventSource</a:t>
-            </a:r>
-            <a:r>
-              <a:rPr lang="en-US" dirty="0"/>
-              <a:t>, Debug</a:t>
-            </a:r>
-          </a:p>
-          <a:p>
-            <a:r>
-              <a:rPr lang="en-US" dirty="0"/>
-              <a:t>Third-Party</a:t>
-            </a:r>
-          </a:p>
-          <a:p>
-            <a:pPr lvl="1"/>
-            <a:r>
-              <a:rPr lang="en-US" dirty="0"/>
-              <a:t>Endless options, including File, </a:t>
-            </a:r>
-            <a:r>
-              <a:rPr lang="en-US" dirty="0" err="1"/>
-              <a:t>RollingFile</a:t>
-            </a:r>
-            <a:r>
-              <a:rPr lang="en-US" dirty="0"/>
-              <a:t>, Email, </a:t>
-            </a:r>
-            <a:r>
-              <a:rPr lang="en-US" dirty="0" err="1"/>
-              <a:t>AzureStorage</a:t>
-            </a:r>
-            <a:r>
-              <a:rPr lang="en-US" dirty="0"/>
-              <a:t>, etc.</a:t>
-            </a:r>
-          </a:p>
-          <a:p>
-            <a:r>
-              <a:rPr lang="en-US" dirty="0"/>
-              <a:t>Should be different, based on severity/nature of message</a:t>
+              <a:t>GDPR adds additional concerns</a:t>
             </a:r>
           </a:p>
         </p:txBody>
@@ -7514,7 +8340,7 @@
     </p:spTree>
     <p:extLst>
       <p:ext uri="{BB962C8B-B14F-4D97-AF65-F5344CB8AC3E}">
-        <p14:creationId xmlns:p14="http://schemas.microsoft.com/office/powerpoint/2010/main" val="2662196717"/>
+        <p14:creationId xmlns:p14="http://schemas.microsoft.com/office/powerpoint/2010/main" val="3689684938"/>
       </p:ext>
     </p:extLst>
   </p:cSld>
@@ -8121,212 +8947,6 @@
                                           <p:spTgt spid="3">
                                             <p:txEl>
                                               <p:pRg st="5" end="5"/>
-                                            </p:txEl>
-                                          </p:spTgt>
-                                        </p:tgtEl>
-                                        <p:attrNameLst>
-                                          <p:attrName>ppt_y</p:attrName>
-                                        </p:attrNameLst>
-                                      </p:cBhvr>
-                                      <p:tavLst>
-                                        <p:tav tm="0">
-                                          <p:val>
-                                            <p:strVal val="1+#ppt_h/2"/>
-                                          </p:val>
-                                        </p:tav>
-                                        <p:tav tm="100000">
-                                          <p:val>
-                                            <p:strVal val="#ppt_y"/>
-                                          </p:val>
-                                        </p:tav>
-                                      </p:tavLst>
-                                    </p:anim>
-                                  </p:childTnLst>
-                                </p:cTn>
-                              </p:par>
-                            </p:childTnLst>
-                          </p:cTn>
-                        </p:par>
-                      </p:childTnLst>
-                    </p:cTn>
-                  </p:par>
-                  <p:par>
-                    <p:cTn id="39" fill="hold">
-                      <p:stCondLst>
-                        <p:cond delay="indefinite"/>
-                      </p:stCondLst>
-                      <p:childTnLst>
-                        <p:par>
-                          <p:cTn id="40" fill="hold">
-                            <p:stCondLst>
-                              <p:cond delay="0"/>
-                            </p:stCondLst>
-                            <p:childTnLst>
-                              <p:par>
-                                <p:cTn id="41" presetID="2" presetClass="entr" presetSubtype="4" fill="hold" grpId="0" nodeType="clickEffect">
-                                  <p:stCondLst>
-                                    <p:cond delay="0"/>
-                                  </p:stCondLst>
-                                  <p:childTnLst>
-                                    <p:set>
-                                      <p:cBhvr>
-                                        <p:cTn id="42" dur="1" fill="hold">
-                                          <p:stCondLst>
-                                            <p:cond delay="0"/>
-                                          </p:stCondLst>
-                                        </p:cTn>
-                                        <p:tgtEl>
-                                          <p:spTgt spid="3">
-                                            <p:txEl>
-                                              <p:pRg st="6" end="6"/>
-                                            </p:txEl>
-                                          </p:spTgt>
-                                        </p:tgtEl>
-                                        <p:attrNameLst>
-                                          <p:attrName>style.visibility</p:attrName>
-                                        </p:attrNameLst>
-                                      </p:cBhvr>
-                                      <p:to>
-                                        <p:strVal val="visible"/>
-                                      </p:to>
-                                    </p:set>
-                                    <p:anim calcmode="lin" valueType="num">
-                                      <p:cBhvr additive="base">
-                                        <p:cTn id="43" dur="500" fill="hold"/>
-                                        <p:tgtEl>
-                                          <p:spTgt spid="3">
-                                            <p:txEl>
-                                              <p:pRg st="6" end="6"/>
-                                            </p:txEl>
-                                          </p:spTgt>
-                                        </p:tgtEl>
-                                        <p:attrNameLst>
-                                          <p:attrName>ppt_x</p:attrName>
-                                        </p:attrNameLst>
-                                      </p:cBhvr>
-                                      <p:tavLst>
-                                        <p:tav tm="0">
-                                          <p:val>
-                                            <p:strVal val="#ppt_x"/>
-                                          </p:val>
-                                        </p:tav>
-                                        <p:tav tm="100000">
-                                          <p:val>
-                                            <p:strVal val="#ppt_x"/>
-                                          </p:val>
-                                        </p:tav>
-                                      </p:tavLst>
-                                    </p:anim>
-                                    <p:anim calcmode="lin" valueType="num">
-                                      <p:cBhvr additive="base">
-                                        <p:cTn id="44" dur="500" fill="hold"/>
-                                        <p:tgtEl>
-                                          <p:spTgt spid="3">
-                                            <p:txEl>
-                                              <p:pRg st="6" end="6"/>
-                                            </p:txEl>
-                                          </p:spTgt>
-                                        </p:tgtEl>
-                                        <p:attrNameLst>
-                                          <p:attrName>ppt_y</p:attrName>
-                                        </p:attrNameLst>
-                                      </p:cBhvr>
-                                      <p:tavLst>
-                                        <p:tav tm="0">
-                                          <p:val>
-                                            <p:strVal val="1+#ppt_h/2"/>
-                                          </p:val>
-                                        </p:tav>
-                                        <p:tav tm="100000">
-                                          <p:val>
-                                            <p:strVal val="#ppt_y"/>
-                                          </p:val>
-                                        </p:tav>
-                                      </p:tavLst>
-                                    </p:anim>
-                                  </p:childTnLst>
-                                </p:cTn>
-                              </p:par>
-                            </p:childTnLst>
-                          </p:cTn>
-                        </p:par>
-                      </p:childTnLst>
-                    </p:cTn>
-                  </p:par>
-                  <p:par>
-                    <p:cTn id="45" fill="hold">
-                      <p:stCondLst>
-                        <p:cond delay="indefinite"/>
-                      </p:stCondLst>
-                      <p:childTnLst>
-                        <p:par>
-                          <p:cTn id="46" fill="hold">
-                            <p:stCondLst>
-                              <p:cond delay="0"/>
-                            </p:stCondLst>
-                            <p:childTnLst>
-                              <p:par>
-                                <p:cTn id="47" presetID="2" presetClass="entr" presetSubtype="4" fill="hold" grpId="0" nodeType="clickEffect">
-                                  <p:stCondLst>
-                                    <p:cond delay="0"/>
-                                  </p:stCondLst>
-                                  <p:childTnLst>
-                                    <p:set>
-                                      <p:cBhvr>
-                                        <p:cTn id="48" dur="1" fill="hold">
-                                          <p:stCondLst>
-                                            <p:cond delay="0"/>
-                                          </p:stCondLst>
-                                        </p:cTn>
-                                        <p:tgtEl>
-                                          <p:spTgt spid="3">
-                                            <p:txEl>
-                                              <p:pRg st="7" end="7"/>
-                                            </p:txEl>
-                                          </p:spTgt>
-                                        </p:tgtEl>
-                                        <p:attrNameLst>
-                                          <p:attrName>style.visibility</p:attrName>
-                                        </p:attrNameLst>
-                                      </p:cBhvr>
-                                      <p:to>
-                                        <p:strVal val="visible"/>
-                                      </p:to>
-                                    </p:set>
-                                    <p:anim calcmode="lin" valueType="num">
-                                      <p:cBhvr additive="base">
-                                        <p:cTn id="49" dur="500" fill="hold"/>
-                                        <p:tgtEl>
-                                          <p:spTgt spid="3">
-                                            <p:txEl>
-                                              <p:pRg st="7" end="7"/>
-                                            </p:txEl>
-                                          </p:spTgt>
-                                        </p:tgtEl>
-                                        <p:attrNameLst>
-                                          <p:attrName>ppt_x</p:attrName>
-                                        </p:attrNameLst>
-                                      </p:cBhvr>
-                                      <p:tavLst>
-                                        <p:tav tm="0">
-                                          <p:val>
-                                            <p:strVal val="#ppt_x"/>
-                                          </p:val>
-                                        </p:tav>
-                                        <p:tav tm="100000">
-                                          <p:val>
-                                            <p:strVal val="#ppt_x"/>
-                                          </p:val>
-                                        </p:tav>
-                                      </p:tavLst>
-                                    </p:anim>
-                                    <p:anim calcmode="lin" valueType="num">
-                                      <p:cBhvr additive="base">
-                                        <p:cTn id="50" dur="500" fill="hold"/>
-                                        <p:tgtEl>
-                                          <p:spTgt spid="3">
-                                            <p:txEl>
-                                              <p:pRg st="7" end="7"/>
                                             </p:txEl>
                                           </p:spTgt>
                                         </p:tgtEl>
@@ -8406,7 +9026,7 @@
           <p:cNvPr id="2" name="Title 1">
             <a:extLst>
               <a:ext uri="{FF2B5EF4-FFF2-40B4-BE49-F238E27FC236}">
-                <a16:creationId xmlns:a16="http://schemas.microsoft.com/office/drawing/2014/main" id="{8741D3F4-043D-4BFB-AB0C-82D358D5F944}"/>
+                <a16:creationId xmlns:a16="http://schemas.microsoft.com/office/drawing/2014/main" id="{C4E96C69-0684-46DD-A011-ED8957AF3995}"/>
               </a:ext>
             </a:extLst>
           </p:cNvPr>
@@ -8424,7 +9044,7 @@
           <a:p>
             <a:r>
               <a:rPr lang="en-US" dirty="0"/>
-              <a:t>A Common Pattern</a:t>
+              <a:t>Escalation Protocols – Who Do We Tell?</a:t>
             </a:r>
           </a:p>
         </p:txBody>
@@ -8434,7 +9054,7 @@
           <p:cNvPr id="3" name="Content Placeholder 2">
             <a:extLst>
               <a:ext uri="{FF2B5EF4-FFF2-40B4-BE49-F238E27FC236}">
-                <a16:creationId xmlns:a16="http://schemas.microsoft.com/office/drawing/2014/main" id="{2D4522CE-4216-4C37-8743-7C7D3195F82D}"/>
+                <a16:creationId xmlns:a16="http://schemas.microsoft.com/office/drawing/2014/main" id="{0E1C16ED-215D-417D-9C15-27C47A798485}"/>
               </a:ext>
             </a:extLst>
           </p:cNvPr>
@@ -8452,66 +9072,85 @@
           <a:p>
             <a:r>
               <a:rPr lang="en-US" dirty="0"/>
-              <a:t>Dual Sink Configuration Split on Severity</a:t>
+              <a:t>Placing the logging information in the best location is critical</a:t>
             </a:r>
           </a:p>
           <a:p>
             <a:pPr lvl="1"/>
             <a:r>
               <a:rPr lang="en-US" dirty="0"/>
-              <a:t>Errors</a:t>
-            </a:r>
-          </a:p>
-          <a:p>
-            <a:pPr lvl="2"/>
+              <a:t>Extremes on both visibility or notification can reduce effectiveness</a:t>
+            </a:r>
+          </a:p>
+          <a:p>
+            <a:pPr lvl="1"/>
             <a:r>
               <a:rPr lang="en-US" dirty="0"/>
-              <a:t>Locally logged to the filesystem</a:t>
-            </a:r>
-          </a:p>
-          <a:p>
-            <a:pPr lvl="2"/>
+              <a:t>Example: Logging system that emails on every 404, filters get created and logs ignored</a:t>
+            </a:r>
+          </a:p>
+          <a:p>
             <a:r>
               <a:rPr lang="en-US" dirty="0"/>
-              <a:t>Also sent to Elmah.io</a:t>
+              <a:t>Default Options</a:t>
             </a:r>
           </a:p>
           <a:p>
             <a:pPr lvl="1"/>
             <a:r>
               <a:rPr lang="en-US" dirty="0"/>
-              <a:t>Everything Else</a:t>
-            </a:r>
-          </a:p>
-          <a:p>
-            <a:pPr lvl="2"/>
+              <a:t>Out of the box we have Console, </a:t>
+            </a:r>
+            <a:r>
+              <a:rPr lang="en-US" dirty="0" err="1"/>
+              <a:t>ApplicationInsights</a:t>
+            </a:r>
             <a:r>
               <a:rPr lang="en-US" dirty="0"/>
-              <a:t>Locally logged to the filesystem</a:t>
-            </a:r>
-          </a:p>
-          <a:p>
-            <a:pPr lvl="2"/>
+              <a:t>, </a:t>
+            </a:r>
+            <a:r>
+              <a:rPr lang="en-US" dirty="0" err="1"/>
+              <a:t>EventSource</a:t>
+            </a:r>
             <a:r>
               <a:rPr lang="en-US" dirty="0"/>
-              <a:t>30 days rolling history</a:t>
+              <a:t>, Debug</a:t>
             </a:r>
           </a:p>
           <a:p>
             <a:r>
               <a:rPr lang="en-US" dirty="0"/>
-              <a:t>Alert Thresholds Managed by </a:t>
+              <a:t>Third-Party</a:t>
+            </a:r>
+          </a:p>
+          <a:p>
+            <a:pPr lvl="1"/>
+            <a:r>
+              <a:rPr lang="en-US" dirty="0"/>
+              <a:t>Endless options, including File, </a:t>
             </a:r>
             <a:r>
               <a:rPr lang="en-US" dirty="0" err="1"/>
-              <a:t>Elmah</a:t>
-            </a:r>
-            <a:endParaRPr lang="en-US" dirty="0"/>
-          </a:p>
-          <a:p>
+              <a:t>RollingFile</a:t>
+            </a:r>
             <a:r>
               <a:rPr lang="en-US" dirty="0"/>
-              <a:t>Quick access to detailed log messages</a:t>
+              <a:t>, Email, </a:t>
+            </a:r>
+            <a:r>
+              <a:rPr lang="en-US" dirty="0" err="1"/>
+              <a:t>AzureStorage</a:t>
+            </a:r>
+            <a:r>
+              <a:rPr lang="en-US" dirty="0"/>
+              <a:t>, Seq, etc.</a:t>
+            </a:r>
+          </a:p>
+          <a:p>
+            <a:r>
+              <a:rPr lang="en-US" dirty="0"/>
+              <a:t>Should be different, based on severity/nature of message</a:t>
             </a:r>
           </a:p>
         </p:txBody>
@@ -8519,7 +9158,7 @@
     </p:spTree>
     <p:extLst>
       <p:ext uri="{BB962C8B-B14F-4D97-AF65-F5344CB8AC3E}">
-        <p14:creationId xmlns:p14="http://schemas.microsoft.com/office/powerpoint/2010/main" val="380472844"/>
+        <p14:creationId xmlns:p14="http://schemas.microsoft.com/office/powerpoint/2010/main" val="2662196717"/>
       </p:ext>
     </p:extLst>
   </p:cSld>
@@ -8737,15 +9376,33 @@
                                   </p:childTnLst>
                                 </p:cTn>
                               </p:par>
+                            </p:childTnLst>
+                          </p:cTn>
+                        </p:par>
+                      </p:childTnLst>
+                    </p:cTn>
+                  </p:par>
+                  <p:par>
+                    <p:cTn id="15" fill="hold">
+                      <p:stCondLst>
+                        <p:cond delay="indefinite"/>
+                      </p:stCondLst>
+                      <p:childTnLst>
+                        <p:par>
+                          <p:cTn id="16" fill="hold">
+                            <p:stCondLst>
+                              <p:cond delay="0"/>
+                            </p:stCondLst>
+                            <p:childTnLst>
                               <p:par>
-                                <p:cTn id="15" presetID="2" presetClass="entr" presetSubtype="4" fill="hold" grpId="0" nodeType="withEffect">
+                                <p:cTn id="17" presetID="2" presetClass="entr" presetSubtype="4" fill="hold" grpId="0" nodeType="clickEffect">
                                   <p:stCondLst>
                                     <p:cond delay="0"/>
                                   </p:stCondLst>
                                   <p:childTnLst>
                                     <p:set>
                                       <p:cBhvr>
-                                        <p:cTn id="16" dur="1" fill="hold">
+                                        <p:cTn id="18" dur="1" fill="hold">
                                           <p:stCondLst>
                                             <p:cond delay="0"/>
                                           </p:stCondLst>
@@ -8767,7 +9424,7 @@
                                     </p:set>
                                     <p:anim calcmode="lin" valueType="num">
                                       <p:cBhvr additive="base">
-                                        <p:cTn id="17" dur="500" fill="hold"/>
+                                        <p:cTn id="19" dur="500" fill="hold"/>
                                         <p:tgtEl>
                                           <p:spTgt spid="3">
                                             <p:txEl>
@@ -8794,96 +9451,11 @@
                                     </p:anim>
                                     <p:anim calcmode="lin" valueType="num">
                                       <p:cBhvr additive="base">
-                                        <p:cTn id="18" dur="500" fill="hold"/>
+                                        <p:cTn id="20" dur="500" fill="hold"/>
                                         <p:tgtEl>
                                           <p:spTgt spid="3">
                                             <p:txEl>
                                               <p:pRg st="2" end="2"/>
-                                            </p:txEl>
-                                          </p:spTgt>
-                                        </p:tgtEl>
-                                        <p:attrNameLst>
-                                          <p:attrName>ppt_y</p:attrName>
-                                        </p:attrNameLst>
-                                      </p:cBhvr>
-                                      <p:tavLst>
-                                        <p:tav tm="0">
-                                          <p:val>
-                                            <p:strVal val="1+#ppt_h/2"/>
-                                          </p:val>
-                                        </p:tav>
-                                        <p:tav tm="100000">
-                                          <p:val>
-                                            <p:strVal val="#ppt_y"/>
-                                          </p:val>
-                                        </p:tav>
-                                      </p:tavLst>
-                                    </p:anim>
-                                  </p:childTnLst>
-                                </p:cTn>
-                              </p:par>
-                              <p:par>
-                                <p:cTn id="19" presetID="2" presetClass="entr" presetSubtype="4" fill="hold" grpId="0" nodeType="withEffect">
-                                  <p:stCondLst>
-                                    <p:cond delay="0"/>
-                                  </p:stCondLst>
-                                  <p:childTnLst>
-                                    <p:set>
-                                      <p:cBhvr>
-                                        <p:cTn id="20" dur="1" fill="hold">
-                                          <p:stCondLst>
-                                            <p:cond delay="0"/>
-                                          </p:stCondLst>
-                                        </p:cTn>
-                                        <p:tgtEl>
-                                          <p:spTgt spid="3">
-                                            <p:txEl>
-                                              <p:pRg st="3" end="3"/>
-                                            </p:txEl>
-                                          </p:spTgt>
-                                        </p:tgtEl>
-                                        <p:attrNameLst>
-                                          <p:attrName>style.visibility</p:attrName>
-                                        </p:attrNameLst>
-                                      </p:cBhvr>
-                                      <p:to>
-                                        <p:strVal val="visible"/>
-                                      </p:to>
-                                    </p:set>
-                                    <p:anim calcmode="lin" valueType="num">
-                                      <p:cBhvr additive="base">
-                                        <p:cTn id="21" dur="500" fill="hold"/>
-                                        <p:tgtEl>
-                                          <p:spTgt spid="3">
-                                            <p:txEl>
-                                              <p:pRg st="3" end="3"/>
-                                            </p:txEl>
-                                          </p:spTgt>
-                                        </p:tgtEl>
-                                        <p:attrNameLst>
-                                          <p:attrName>ppt_x</p:attrName>
-                                        </p:attrNameLst>
-                                      </p:cBhvr>
-                                      <p:tavLst>
-                                        <p:tav tm="0">
-                                          <p:val>
-                                            <p:strVal val="#ppt_x"/>
-                                          </p:val>
-                                        </p:tav>
-                                        <p:tav tm="100000">
-                                          <p:val>
-                                            <p:strVal val="#ppt_x"/>
-                                          </p:val>
-                                        </p:tav>
-                                      </p:tavLst>
-                                    </p:anim>
-                                    <p:anim calcmode="lin" valueType="num">
-                                      <p:cBhvr additive="base">
-                                        <p:cTn id="22" dur="500" fill="hold"/>
-                                        <p:tgtEl>
-                                          <p:spTgt spid="3">
-                                            <p:txEl>
-                                              <p:pRg st="3" end="3"/>
                                             </p:txEl>
                                           </p:spTgt>
                                         </p:tgtEl>
@@ -8914,26 +9486,26 @@
                     </p:cTn>
                   </p:par>
                   <p:par>
-                    <p:cTn id="23" fill="hold">
+                    <p:cTn id="21" fill="hold">
                       <p:stCondLst>
                         <p:cond delay="indefinite"/>
                       </p:stCondLst>
                       <p:childTnLst>
                         <p:par>
-                          <p:cTn id="24" fill="hold">
+                          <p:cTn id="22" fill="hold">
                             <p:stCondLst>
                               <p:cond delay="0"/>
                             </p:stCondLst>
                             <p:childTnLst>
                               <p:par>
-                                <p:cTn id="25" presetID="2" presetClass="entr" presetSubtype="4" fill="hold" grpId="0" nodeType="clickEffect">
+                                <p:cTn id="23" presetID="2" presetClass="entr" presetSubtype="4" fill="hold" grpId="0" nodeType="clickEffect">
                                   <p:stCondLst>
                                     <p:cond delay="0"/>
                                   </p:stCondLst>
                                   <p:childTnLst>
                                     <p:set>
                                       <p:cBhvr>
-                                        <p:cTn id="26" dur="1" fill="hold">
+                                        <p:cTn id="24" dur="1" fill="hold">
                                           <p:stCondLst>
                                             <p:cond delay="0"/>
                                           </p:stCondLst>
@@ -8941,7 +9513,7 @@
                                         <p:tgtEl>
                                           <p:spTgt spid="3">
                                             <p:txEl>
-                                              <p:pRg st="4" end="4"/>
+                                              <p:pRg st="3" end="3"/>
                                             </p:txEl>
                                           </p:spTgt>
                                         </p:tgtEl>
@@ -8955,11 +9527,11 @@
                                     </p:set>
                                     <p:anim calcmode="lin" valueType="num">
                                       <p:cBhvr additive="base">
-                                        <p:cTn id="27" dur="500" fill="hold"/>
-                                        <p:tgtEl>
-                                          <p:spTgt spid="3">
-                                            <p:txEl>
-                                              <p:pRg st="4" end="4"/>
+                                        <p:cTn id="25" dur="500" fill="hold"/>
+                                        <p:tgtEl>
+                                          <p:spTgt spid="3">
+                                            <p:txEl>
+                                              <p:pRg st="3" end="3"/>
                                             </p:txEl>
                                           </p:spTgt>
                                         </p:tgtEl>
@@ -8982,11 +9554,11 @@
                                     </p:anim>
                                     <p:anim calcmode="lin" valueType="num">
                                       <p:cBhvr additive="base">
-                                        <p:cTn id="28" dur="500" fill="hold"/>
-                                        <p:tgtEl>
-                                          <p:spTgt spid="3">
-                                            <p:txEl>
-                                              <p:pRg st="4" end="4"/>
+                                        <p:cTn id="26" dur="500" fill="hold"/>
+                                        <p:tgtEl>
+                                          <p:spTgt spid="3">
+                                            <p:txEl>
+                                              <p:pRg st="3" end="3"/>
                                             </p:txEl>
                                           </p:spTgt>
                                         </p:tgtEl>
@@ -9010,8 +9582,26 @@
                                   </p:childTnLst>
                                 </p:cTn>
                               </p:par>
+                            </p:childTnLst>
+                          </p:cTn>
+                        </p:par>
+                      </p:childTnLst>
+                    </p:cTn>
+                  </p:par>
+                  <p:par>
+                    <p:cTn id="27" fill="hold">
+                      <p:stCondLst>
+                        <p:cond delay="indefinite"/>
+                      </p:stCondLst>
+                      <p:childTnLst>
+                        <p:par>
+                          <p:cTn id="28" fill="hold">
+                            <p:stCondLst>
+                              <p:cond delay="0"/>
+                            </p:stCondLst>
+                            <p:childTnLst>
                               <p:par>
-                                <p:cTn id="29" presetID="2" presetClass="entr" presetSubtype="4" fill="hold" grpId="0" nodeType="withEffect">
+                                <p:cTn id="29" presetID="2" presetClass="entr" presetSubtype="4" fill="hold" grpId="0" nodeType="clickEffect">
                                   <p:stCondLst>
                                     <p:cond delay="0"/>
                                   </p:stCondLst>
@@ -9026,7 +9616,7 @@
                                         <p:tgtEl>
                                           <p:spTgt spid="3">
                                             <p:txEl>
-                                              <p:pRg st="5" end="5"/>
+                                              <p:pRg st="4" end="4"/>
                                             </p:txEl>
                                           </p:spTgt>
                                         </p:tgtEl>
@@ -9044,7 +9634,7 @@
                                         <p:tgtEl>
                                           <p:spTgt spid="3">
                                             <p:txEl>
-                                              <p:pRg st="5" end="5"/>
+                                              <p:pRg st="4" end="4"/>
                                             </p:txEl>
                                           </p:spTgt>
                                         </p:tgtEl>
@@ -9071,92 +9661,7 @@
                                         <p:tgtEl>
                                           <p:spTgt spid="3">
                                             <p:txEl>
-                                              <p:pRg st="5" end="5"/>
-                                            </p:txEl>
-                                          </p:spTgt>
-                                        </p:tgtEl>
-                                        <p:attrNameLst>
-                                          <p:attrName>ppt_y</p:attrName>
-                                        </p:attrNameLst>
-                                      </p:cBhvr>
-                                      <p:tavLst>
-                                        <p:tav tm="0">
-                                          <p:val>
-                                            <p:strVal val="1+#ppt_h/2"/>
-                                          </p:val>
-                                        </p:tav>
-                                        <p:tav tm="100000">
-                                          <p:val>
-                                            <p:strVal val="#ppt_y"/>
-                                          </p:val>
-                                        </p:tav>
-                                      </p:tavLst>
-                                    </p:anim>
-                                  </p:childTnLst>
-                                </p:cTn>
-                              </p:par>
-                              <p:par>
-                                <p:cTn id="33" presetID="2" presetClass="entr" presetSubtype="4" fill="hold" grpId="0" nodeType="withEffect">
-                                  <p:stCondLst>
-                                    <p:cond delay="0"/>
-                                  </p:stCondLst>
-                                  <p:childTnLst>
-                                    <p:set>
-                                      <p:cBhvr>
-                                        <p:cTn id="34" dur="1" fill="hold">
-                                          <p:stCondLst>
-                                            <p:cond delay="0"/>
-                                          </p:stCondLst>
-                                        </p:cTn>
-                                        <p:tgtEl>
-                                          <p:spTgt spid="3">
-                                            <p:txEl>
-                                              <p:pRg st="6" end="6"/>
-                                            </p:txEl>
-                                          </p:spTgt>
-                                        </p:tgtEl>
-                                        <p:attrNameLst>
-                                          <p:attrName>style.visibility</p:attrName>
-                                        </p:attrNameLst>
-                                      </p:cBhvr>
-                                      <p:to>
-                                        <p:strVal val="visible"/>
-                                      </p:to>
-                                    </p:set>
-                                    <p:anim calcmode="lin" valueType="num">
-                                      <p:cBhvr additive="base">
-                                        <p:cTn id="35" dur="500" fill="hold"/>
-                                        <p:tgtEl>
-                                          <p:spTgt spid="3">
-                                            <p:txEl>
-                                              <p:pRg st="6" end="6"/>
-                                            </p:txEl>
-                                          </p:spTgt>
-                                        </p:tgtEl>
-                                        <p:attrNameLst>
-                                          <p:attrName>ppt_x</p:attrName>
-                                        </p:attrNameLst>
-                                      </p:cBhvr>
-                                      <p:tavLst>
-                                        <p:tav tm="0">
-                                          <p:val>
-                                            <p:strVal val="#ppt_x"/>
-                                          </p:val>
-                                        </p:tav>
-                                        <p:tav tm="100000">
-                                          <p:val>
-                                            <p:strVal val="#ppt_x"/>
-                                          </p:val>
-                                        </p:tav>
-                                      </p:tavLst>
-                                    </p:anim>
-                                    <p:anim calcmode="lin" valueType="num">
-                                      <p:cBhvr additive="base">
-                                        <p:cTn id="36" dur="500" fill="hold"/>
-                                        <p:tgtEl>
-                                          <p:spTgt spid="3">
-                                            <p:txEl>
-                                              <p:pRg st="6" end="6"/>
+                                              <p:pRg st="4" end="4"/>
                                             </p:txEl>
                                           </p:spTgt>
                                         </p:tgtEl>
@@ -9187,26 +9692,26 @@
                     </p:cTn>
                   </p:par>
                   <p:par>
-                    <p:cTn id="37" fill="hold">
+                    <p:cTn id="33" fill="hold">
                       <p:stCondLst>
                         <p:cond delay="indefinite"/>
                       </p:stCondLst>
                       <p:childTnLst>
                         <p:par>
-                          <p:cTn id="38" fill="hold">
+                          <p:cTn id="34" fill="hold">
                             <p:stCondLst>
                               <p:cond delay="0"/>
                             </p:stCondLst>
                             <p:childTnLst>
                               <p:par>
-                                <p:cTn id="39" presetID="2" presetClass="entr" presetSubtype="4" fill="hold" grpId="0" nodeType="clickEffect">
+                                <p:cTn id="35" presetID="2" presetClass="entr" presetSubtype="4" fill="hold" grpId="0" nodeType="clickEffect">
                                   <p:stCondLst>
                                     <p:cond delay="0"/>
                                   </p:stCondLst>
                                   <p:childTnLst>
                                     <p:set>
                                       <p:cBhvr>
-                                        <p:cTn id="40" dur="1" fill="hold">
+                                        <p:cTn id="36" dur="1" fill="hold">
                                           <p:stCondLst>
                                             <p:cond delay="0"/>
                                           </p:stCondLst>
@@ -9214,7 +9719,7 @@
                                         <p:tgtEl>
                                           <p:spTgt spid="3">
                                             <p:txEl>
-                                              <p:pRg st="7" end="7"/>
+                                              <p:pRg st="5" end="5"/>
                                             </p:txEl>
                                           </p:spTgt>
                                         </p:tgtEl>
@@ -9228,11 +9733,11 @@
                                     </p:set>
                                     <p:anim calcmode="lin" valueType="num">
                                       <p:cBhvr additive="base">
-                                        <p:cTn id="41" dur="500" fill="hold"/>
-                                        <p:tgtEl>
-                                          <p:spTgt spid="3">
-                                            <p:txEl>
-                                              <p:pRg st="7" end="7"/>
+                                        <p:cTn id="37" dur="500" fill="hold"/>
+                                        <p:tgtEl>
+                                          <p:spTgt spid="3">
+                                            <p:txEl>
+                                              <p:pRg st="5" end="5"/>
                                             </p:txEl>
                                           </p:spTgt>
                                         </p:tgtEl>
@@ -9255,11 +9760,11 @@
                                     </p:anim>
                                     <p:anim calcmode="lin" valueType="num">
                                       <p:cBhvr additive="base">
-                                        <p:cTn id="42" dur="500" fill="hold"/>
-                                        <p:tgtEl>
-                                          <p:spTgt spid="3">
-                                            <p:txEl>
-                                              <p:pRg st="7" end="7"/>
+                                        <p:cTn id="38" dur="500" fill="hold"/>
+                                        <p:tgtEl>
+                                          <p:spTgt spid="3">
+                                            <p:txEl>
+                                              <p:pRg st="5" end="5"/>
                                             </p:txEl>
                                           </p:spTgt>
                                         </p:tgtEl>
@@ -9290,26 +9795,26 @@
                     </p:cTn>
                   </p:par>
                   <p:par>
-                    <p:cTn id="43" fill="hold">
+                    <p:cTn id="39" fill="hold">
                       <p:stCondLst>
                         <p:cond delay="indefinite"/>
                       </p:stCondLst>
                       <p:childTnLst>
                         <p:par>
-                          <p:cTn id="44" fill="hold">
+                          <p:cTn id="40" fill="hold">
                             <p:stCondLst>
                               <p:cond delay="0"/>
                             </p:stCondLst>
                             <p:childTnLst>
                               <p:par>
-                                <p:cTn id="45" presetID="2" presetClass="entr" presetSubtype="4" fill="hold" grpId="0" nodeType="clickEffect">
+                                <p:cTn id="41" presetID="2" presetClass="entr" presetSubtype="4" fill="hold" grpId="0" nodeType="clickEffect">
                                   <p:stCondLst>
                                     <p:cond delay="0"/>
                                   </p:stCondLst>
                                   <p:childTnLst>
                                     <p:set>
                                       <p:cBhvr>
-                                        <p:cTn id="46" dur="1" fill="hold">
+                                        <p:cTn id="42" dur="1" fill="hold">
                                           <p:stCondLst>
                                             <p:cond delay="0"/>
                                           </p:stCondLst>
@@ -9317,7 +9822,7 @@
                                         <p:tgtEl>
                                           <p:spTgt spid="3">
                                             <p:txEl>
-                                              <p:pRg st="8" end="8"/>
+                                              <p:pRg st="6" end="6"/>
                                             </p:txEl>
                                           </p:spTgt>
                                         </p:tgtEl>
@@ -9331,11 +9836,11 @@
                                     </p:set>
                                     <p:anim calcmode="lin" valueType="num">
                                       <p:cBhvr additive="base">
-                                        <p:cTn id="47" dur="500" fill="hold"/>
-                                        <p:tgtEl>
-                                          <p:spTgt spid="3">
-                                            <p:txEl>
-                                              <p:pRg st="8" end="8"/>
+                                        <p:cTn id="43" dur="500" fill="hold"/>
+                                        <p:tgtEl>
+                                          <p:spTgt spid="3">
+                                            <p:txEl>
+                                              <p:pRg st="6" end="6"/>
                                             </p:txEl>
                                           </p:spTgt>
                                         </p:tgtEl>
@@ -9358,11 +9863,114 @@
                                     </p:anim>
                                     <p:anim calcmode="lin" valueType="num">
                                       <p:cBhvr additive="base">
-                                        <p:cTn id="48" dur="500" fill="hold"/>
-                                        <p:tgtEl>
-                                          <p:spTgt spid="3">
-                                            <p:txEl>
-                                              <p:pRg st="8" end="8"/>
+                                        <p:cTn id="44" dur="500" fill="hold"/>
+                                        <p:tgtEl>
+                                          <p:spTgt spid="3">
+                                            <p:txEl>
+                                              <p:pRg st="6" end="6"/>
+                                            </p:txEl>
+                                          </p:spTgt>
+                                        </p:tgtEl>
+                                        <p:attrNameLst>
+                                          <p:attrName>ppt_y</p:attrName>
+                                        </p:attrNameLst>
+                                      </p:cBhvr>
+                                      <p:tavLst>
+                                        <p:tav tm="0">
+                                          <p:val>
+                                            <p:strVal val="1+#ppt_h/2"/>
+                                          </p:val>
+                                        </p:tav>
+                                        <p:tav tm="100000">
+                                          <p:val>
+                                            <p:strVal val="#ppt_y"/>
+                                          </p:val>
+                                        </p:tav>
+                                      </p:tavLst>
+                                    </p:anim>
+                                  </p:childTnLst>
+                                </p:cTn>
+                              </p:par>
+                            </p:childTnLst>
+                          </p:cTn>
+                        </p:par>
+                      </p:childTnLst>
+                    </p:cTn>
+                  </p:par>
+                  <p:par>
+                    <p:cTn id="45" fill="hold">
+                      <p:stCondLst>
+                        <p:cond delay="indefinite"/>
+                      </p:stCondLst>
+                      <p:childTnLst>
+                        <p:par>
+                          <p:cTn id="46" fill="hold">
+                            <p:stCondLst>
+                              <p:cond delay="0"/>
+                            </p:stCondLst>
+                            <p:childTnLst>
+                              <p:par>
+                                <p:cTn id="47" presetID="2" presetClass="entr" presetSubtype="4" fill="hold" grpId="0" nodeType="clickEffect">
+                                  <p:stCondLst>
+                                    <p:cond delay="0"/>
+                                  </p:stCondLst>
+                                  <p:childTnLst>
+                                    <p:set>
+                                      <p:cBhvr>
+                                        <p:cTn id="48" dur="1" fill="hold">
+                                          <p:stCondLst>
+                                            <p:cond delay="0"/>
+                                          </p:stCondLst>
+                                        </p:cTn>
+                                        <p:tgtEl>
+                                          <p:spTgt spid="3">
+                                            <p:txEl>
+                                              <p:pRg st="7" end="7"/>
+                                            </p:txEl>
+                                          </p:spTgt>
+                                        </p:tgtEl>
+                                        <p:attrNameLst>
+                                          <p:attrName>style.visibility</p:attrName>
+                                        </p:attrNameLst>
+                                      </p:cBhvr>
+                                      <p:to>
+                                        <p:strVal val="visible"/>
+                                      </p:to>
+                                    </p:set>
+                                    <p:anim calcmode="lin" valueType="num">
+                                      <p:cBhvr additive="base">
+                                        <p:cTn id="49" dur="500" fill="hold"/>
+                                        <p:tgtEl>
+                                          <p:spTgt spid="3">
+                                            <p:txEl>
+                                              <p:pRg st="7" end="7"/>
+                                            </p:txEl>
+                                          </p:spTgt>
+                                        </p:tgtEl>
+                                        <p:attrNameLst>
+                                          <p:attrName>ppt_x</p:attrName>
+                                        </p:attrNameLst>
+                                      </p:cBhvr>
+                                      <p:tavLst>
+                                        <p:tav tm="0">
+                                          <p:val>
+                                            <p:strVal val="#ppt_x"/>
+                                          </p:val>
+                                        </p:tav>
+                                        <p:tav tm="100000">
+                                          <p:val>
+                                            <p:strVal val="#ppt_x"/>
+                                          </p:val>
+                                        </p:tav>
+                                      </p:tavLst>
+                                    </p:anim>
+                                    <p:anim calcmode="lin" valueType="num">
+                                      <p:cBhvr additive="base">
+                                        <p:cTn id="50" dur="500" fill="hold"/>
+                                        <p:tgtEl>
+                                          <p:spTgt spid="3">
+                                            <p:txEl>
+                                              <p:pRg st="7" end="7"/>
                                             </p:txEl>
                                           </p:spTgt>
                                         </p:tgtEl>
@@ -9442,7 +10050,7 @@
           <p:cNvPr id="2" name="Title 1">
             <a:extLst>
               <a:ext uri="{FF2B5EF4-FFF2-40B4-BE49-F238E27FC236}">
-                <a16:creationId xmlns:a16="http://schemas.microsoft.com/office/drawing/2014/main" id="{9F2A5685-0B88-4C3D-84C2-220DFCC53AB9}"/>
+                <a16:creationId xmlns:a16="http://schemas.microsoft.com/office/drawing/2014/main" id="{8741D3F4-043D-4BFB-AB0C-82D358D5F944}"/>
               </a:ext>
             </a:extLst>
           </p:cNvPr>
@@ -9460,7 +10068,7 @@
           <a:p>
             <a:r>
               <a:rPr lang="en-US" dirty="0"/>
-              <a:t>Information Sensitivity</a:t>
+              <a:t>Common Escalation Pattern</a:t>
             </a:r>
           </a:p>
         </p:txBody>
@@ -9470,7 +10078,7 @@
           <p:cNvPr id="3" name="Content Placeholder 2">
             <a:extLst>
               <a:ext uri="{FF2B5EF4-FFF2-40B4-BE49-F238E27FC236}">
-                <a16:creationId xmlns:a16="http://schemas.microsoft.com/office/drawing/2014/main" id="{5B25969D-C778-469B-B046-2F3EE091418C}"/>
+                <a16:creationId xmlns:a16="http://schemas.microsoft.com/office/drawing/2014/main" id="{2D4522CE-4216-4C37-8743-7C7D3195F82D}"/>
               </a:ext>
             </a:extLst>
           </p:cNvPr>
@@ -9488,40 +10096,68 @@
           <a:p>
             <a:r>
               <a:rPr lang="en-US" dirty="0"/>
-              <a:t>Security of logging is important</a:t>
+              <a:t>Dual Configuration Split on Severity</a:t>
             </a:r>
           </a:p>
           <a:p>
             <a:pPr lvl="1"/>
             <a:r>
               <a:rPr lang="en-US" dirty="0"/>
-              <a:t>Physical security</a:t>
+              <a:t>Errors</a:t>
+            </a:r>
+          </a:p>
+          <a:p>
+            <a:pPr lvl="2"/>
+            <a:r>
+              <a:rPr lang="en-US" dirty="0"/>
+              <a:t>Locally logged to the filesystem</a:t>
+            </a:r>
+          </a:p>
+          <a:p>
+            <a:pPr lvl="2"/>
+            <a:r>
+              <a:rPr lang="en-US" dirty="0"/>
+              <a:t>Also sent an external service</a:t>
             </a:r>
           </a:p>
           <a:p>
             <a:pPr lvl="1"/>
             <a:r>
               <a:rPr lang="en-US" dirty="0"/>
-              <a:t>Retention</a:t>
+              <a:t>Everything Else</a:t>
+            </a:r>
+          </a:p>
+          <a:p>
+            <a:pPr lvl="2"/>
+            <a:r>
+              <a:rPr lang="en-US" dirty="0"/>
+              <a:t>Locally logged to the filesystem</a:t>
+            </a:r>
+          </a:p>
+          <a:p>
+            <a:pPr lvl="2"/>
+            <a:r>
+              <a:rPr lang="en-US" dirty="0"/>
+              <a:t>30 days rolling history</a:t>
+            </a:r>
+          </a:p>
+          <a:p>
+            <a:r>
+              <a:rPr lang="en-US" dirty="0"/>
+              <a:t>Alert Thresholds Managed by outside source</a:t>
             </a:r>
           </a:p>
           <a:p>
             <a:pPr lvl="1"/>
             <a:r>
               <a:rPr lang="en-US" dirty="0"/>
-              <a:t>Included information</a:t>
+              <a:t>Ideal if you can do online adjustments to logging levels</a:t>
             </a:r>
           </a:p>
           <a:p>
             <a:r>
               <a:rPr lang="en-US" dirty="0"/>
-              <a:t>Often a fine line, enough detail to recreate, not enough to violate privacy concerns</a:t>
-            </a:r>
-          </a:p>
-          <a:p>
-            <a:r>
-              <a:rPr lang="en-US" dirty="0"/>
-              <a:t>GDPR adds additional concerns</a:t>
+              <a:t>Quick access to detailed log messages</a:t>
             </a:r>
           </a:p>
         </p:txBody>
@@ -9529,7 +10165,7 @@
     </p:spTree>
     <p:extLst>
       <p:ext uri="{BB962C8B-B14F-4D97-AF65-F5344CB8AC3E}">
-        <p14:creationId xmlns:p14="http://schemas.microsoft.com/office/powerpoint/2010/main" val="3689684938"/>
+        <p14:creationId xmlns:p14="http://schemas.microsoft.com/office/powerpoint/2010/main" val="380472844"/>
       </p:ext>
     </p:extLst>
   </p:cSld>
@@ -9747,33 +10383,15 @@
                                   </p:childTnLst>
                                 </p:cTn>
                               </p:par>
-                            </p:childTnLst>
-                          </p:cTn>
-                        </p:par>
-                      </p:childTnLst>
-                    </p:cTn>
-                  </p:par>
-                  <p:par>
-                    <p:cTn id="15" fill="hold">
-                      <p:stCondLst>
-                        <p:cond delay="indefinite"/>
-                      </p:stCondLst>
-                      <p:childTnLst>
-                        <p:par>
-                          <p:cTn id="16" fill="hold">
-                            <p:stCondLst>
-                              <p:cond delay="0"/>
-                            </p:stCondLst>
-                            <p:childTnLst>
                               <p:par>
-                                <p:cTn id="17" presetID="2" presetClass="entr" presetSubtype="4" fill="hold" grpId="0" nodeType="clickEffect">
+                                <p:cTn id="15" presetID="2" presetClass="entr" presetSubtype="4" fill="hold" grpId="0" nodeType="withEffect">
                                   <p:stCondLst>
                                     <p:cond delay="0"/>
                                   </p:stCondLst>
                                   <p:childTnLst>
                                     <p:set>
                                       <p:cBhvr>
-                                        <p:cTn id="18" dur="1" fill="hold">
+                                        <p:cTn id="16" dur="1" fill="hold">
                                           <p:stCondLst>
                                             <p:cond delay="0"/>
                                           </p:stCondLst>
@@ -9795,7 +10413,7 @@
                                     </p:set>
                                     <p:anim calcmode="lin" valueType="num">
                                       <p:cBhvr additive="base">
-                                        <p:cTn id="19" dur="500" fill="hold"/>
+                                        <p:cTn id="17" dur="500" fill="hold"/>
                                         <p:tgtEl>
                                           <p:spTgt spid="3">
                                             <p:txEl>
@@ -9822,11 +10440,96 @@
                                     </p:anim>
                                     <p:anim calcmode="lin" valueType="num">
                                       <p:cBhvr additive="base">
-                                        <p:cTn id="20" dur="500" fill="hold"/>
+                                        <p:cTn id="18" dur="500" fill="hold"/>
                                         <p:tgtEl>
                                           <p:spTgt spid="3">
                                             <p:txEl>
                                               <p:pRg st="2" end="2"/>
+                                            </p:txEl>
+                                          </p:spTgt>
+                                        </p:tgtEl>
+                                        <p:attrNameLst>
+                                          <p:attrName>ppt_y</p:attrName>
+                                        </p:attrNameLst>
+                                      </p:cBhvr>
+                                      <p:tavLst>
+                                        <p:tav tm="0">
+                                          <p:val>
+                                            <p:strVal val="1+#ppt_h/2"/>
+                                          </p:val>
+                                        </p:tav>
+                                        <p:tav tm="100000">
+                                          <p:val>
+                                            <p:strVal val="#ppt_y"/>
+                                          </p:val>
+                                        </p:tav>
+                                      </p:tavLst>
+                                    </p:anim>
+                                  </p:childTnLst>
+                                </p:cTn>
+                              </p:par>
+                              <p:par>
+                                <p:cTn id="19" presetID="2" presetClass="entr" presetSubtype="4" fill="hold" grpId="0" nodeType="withEffect">
+                                  <p:stCondLst>
+                                    <p:cond delay="0"/>
+                                  </p:stCondLst>
+                                  <p:childTnLst>
+                                    <p:set>
+                                      <p:cBhvr>
+                                        <p:cTn id="20" dur="1" fill="hold">
+                                          <p:stCondLst>
+                                            <p:cond delay="0"/>
+                                          </p:stCondLst>
+                                        </p:cTn>
+                                        <p:tgtEl>
+                                          <p:spTgt spid="3">
+                                            <p:txEl>
+                                              <p:pRg st="3" end="3"/>
+                                            </p:txEl>
+                                          </p:spTgt>
+                                        </p:tgtEl>
+                                        <p:attrNameLst>
+                                          <p:attrName>style.visibility</p:attrName>
+                                        </p:attrNameLst>
+                                      </p:cBhvr>
+                                      <p:to>
+                                        <p:strVal val="visible"/>
+                                      </p:to>
+                                    </p:set>
+                                    <p:anim calcmode="lin" valueType="num">
+                                      <p:cBhvr additive="base">
+                                        <p:cTn id="21" dur="500" fill="hold"/>
+                                        <p:tgtEl>
+                                          <p:spTgt spid="3">
+                                            <p:txEl>
+                                              <p:pRg st="3" end="3"/>
+                                            </p:txEl>
+                                          </p:spTgt>
+                                        </p:tgtEl>
+                                        <p:attrNameLst>
+                                          <p:attrName>ppt_x</p:attrName>
+                                        </p:attrNameLst>
+                                      </p:cBhvr>
+                                      <p:tavLst>
+                                        <p:tav tm="0">
+                                          <p:val>
+                                            <p:strVal val="#ppt_x"/>
+                                          </p:val>
+                                        </p:tav>
+                                        <p:tav tm="100000">
+                                          <p:val>
+                                            <p:strVal val="#ppt_x"/>
+                                          </p:val>
+                                        </p:tav>
+                                      </p:tavLst>
+                                    </p:anim>
+                                    <p:anim calcmode="lin" valueType="num">
+                                      <p:cBhvr additive="base">
+                                        <p:cTn id="22" dur="500" fill="hold"/>
+                                        <p:tgtEl>
+                                          <p:spTgt spid="3">
+                                            <p:txEl>
+                                              <p:pRg st="3" end="3"/>
                                             </p:txEl>
                                           </p:spTgt>
                                         </p:tgtEl>
@@ -9857,26 +10560,26 @@
                     </p:cTn>
                   </p:par>
                   <p:par>
-                    <p:cTn id="21" fill="hold">
+                    <p:cTn id="23" fill="hold">
                       <p:stCondLst>
                         <p:cond delay="indefinite"/>
                       </p:stCondLst>
                       <p:childTnLst>
                         <p:par>
-                          <p:cTn id="22" fill="hold">
+                          <p:cTn id="24" fill="hold">
                             <p:stCondLst>
                               <p:cond delay="0"/>
                             </p:stCondLst>
                             <p:childTnLst>
                               <p:par>
-                                <p:cTn id="23" presetID="2" presetClass="entr" presetSubtype="4" fill="hold" grpId="0" nodeType="clickEffect">
+                                <p:cTn id="25" presetID="2" presetClass="entr" presetSubtype="4" fill="hold" grpId="0" nodeType="clickEffect">
                                   <p:stCondLst>
                                     <p:cond delay="0"/>
                                   </p:stCondLst>
                                   <p:childTnLst>
                                     <p:set>
                                       <p:cBhvr>
-                                        <p:cTn id="24" dur="1" fill="hold">
+                                        <p:cTn id="26" dur="1" fill="hold">
                                           <p:stCondLst>
                                             <p:cond delay="0"/>
                                           </p:stCondLst>
@@ -9884,7 +10587,7 @@
                                         <p:tgtEl>
                                           <p:spTgt spid="3">
                                             <p:txEl>
-                                              <p:pRg st="3" end="3"/>
+                                              <p:pRg st="4" end="4"/>
                                             </p:txEl>
                                           </p:spTgt>
                                         </p:tgtEl>
@@ -9898,11 +10601,11 @@
                                     </p:set>
                                     <p:anim calcmode="lin" valueType="num">
                                       <p:cBhvr additive="base">
-                                        <p:cTn id="25" dur="500" fill="hold"/>
-                                        <p:tgtEl>
-                                          <p:spTgt spid="3">
-                                            <p:txEl>
-                                              <p:pRg st="3" end="3"/>
+                                        <p:cTn id="27" dur="500" fill="hold"/>
+                                        <p:tgtEl>
+                                          <p:spTgt spid="3">
+                                            <p:txEl>
+                                              <p:pRg st="4" end="4"/>
                                             </p:txEl>
                                           </p:spTgt>
                                         </p:tgtEl>
@@ -9925,11 +10628,11 @@
                                     </p:anim>
                                     <p:anim calcmode="lin" valueType="num">
                                       <p:cBhvr additive="base">
-                                        <p:cTn id="26" dur="500" fill="hold"/>
-                                        <p:tgtEl>
-                                          <p:spTgt spid="3">
-                                            <p:txEl>
-                                              <p:pRg st="3" end="3"/>
+                                        <p:cTn id="28" dur="500" fill="hold"/>
+                                        <p:tgtEl>
+                                          <p:spTgt spid="3">
+                                            <p:txEl>
+                                              <p:pRg st="4" end="4"/>
                                             </p:txEl>
                                           </p:spTgt>
                                         </p:tgtEl>
@@ -9953,26 +10656,8 @@
                                   </p:childTnLst>
                                 </p:cTn>
                               </p:par>
-                            </p:childTnLst>
-                          </p:cTn>
-                        </p:par>
-                      </p:childTnLst>
-                    </p:cTn>
-                  </p:par>
-                  <p:par>
-                    <p:cTn id="27" fill="hold">
-                      <p:stCondLst>
-                        <p:cond delay="indefinite"/>
-                      </p:stCondLst>
-                      <p:childTnLst>
-                        <p:par>
-                          <p:cTn id="28" fill="hold">
-                            <p:stCondLst>
-                              <p:cond delay="0"/>
-                            </p:stCondLst>
-                            <p:childTnLst>
                               <p:par>
-                                <p:cTn id="29" presetID="2" presetClass="entr" presetSubtype="4" fill="hold" grpId="0" nodeType="clickEffect">
+                                <p:cTn id="29" presetID="2" presetClass="entr" presetSubtype="4" fill="hold" grpId="0" nodeType="withEffect">
                                   <p:stCondLst>
                                     <p:cond delay="0"/>
                                   </p:stCondLst>
@@ -9987,7 +10672,7 @@
                                         <p:tgtEl>
                                           <p:spTgt spid="3">
                                             <p:txEl>
-                                              <p:pRg st="4" end="4"/>
+                                              <p:pRg st="5" end="5"/>
                                             </p:txEl>
                                           </p:spTgt>
                                         </p:tgtEl>
@@ -10005,7 +10690,7 @@
                                         <p:tgtEl>
                                           <p:spTgt spid="3">
                                             <p:txEl>
-                                              <p:pRg st="4" end="4"/>
+                                              <p:pRg st="5" end="5"/>
                                             </p:txEl>
                                           </p:spTgt>
                                         </p:tgtEl>
@@ -10032,7 +10717,92 @@
                                         <p:tgtEl>
                                           <p:spTgt spid="3">
                                             <p:txEl>
-                                              <p:pRg st="4" end="4"/>
+                                              <p:pRg st="5" end="5"/>
+                                            </p:txEl>
+                                          </p:spTgt>
+                                        </p:tgtEl>
+                                        <p:attrNameLst>
+                                          <p:attrName>ppt_y</p:attrName>
+                                        </p:attrNameLst>
+                                      </p:cBhvr>
+                                      <p:tavLst>
+                                        <p:tav tm="0">
+                                          <p:val>
+                                            <p:strVal val="1+#ppt_h/2"/>
+                                          </p:val>
+                                        </p:tav>
+                                        <p:tav tm="100000">
+                                          <p:val>
+                                            <p:strVal val="#ppt_y"/>
+                                          </p:val>
+                                        </p:tav>
+                                      </p:tavLst>
+                                    </p:anim>
+                                  </p:childTnLst>
+                                </p:cTn>
+                              </p:par>
+                              <p:par>
+                                <p:cTn id="33" presetID="2" presetClass="entr" presetSubtype="4" fill="hold" grpId="0" nodeType="withEffect">
+                                  <p:stCondLst>
+                                    <p:cond delay="0"/>
+                                  </p:stCondLst>
+                                  <p:childTnLst>
+                                    <p:set>
+                                      <p:cBhvr>
+                                        <p:cTn id="34" dur="1" fill="hold">
+                                          <p:stCondLst>
+                                            <p:cond delay="0"/>
+                                          </p:stCondLst>
+                                        </p:cTn>
+                                        <p:tgtEl>
+                                          <p:spTgt spid="3">
+                                            <p:txEl>
+                                              <p:pRg st="6" end="6"/>
+                                            </p:txEl>
+                                          </p:spTgt>
+                                        </p:tgtEl>
+                                        <p:attrNameLst>
+                                          <p:attrName>style.visibility</p:attrName>
+                                        </p:attrNameLst>
+                                      </p:cBhvr>
+                                      <p:to>
+                                        <p:strVal val="visible"/>
+                                      </p:to>
+                                    </p:set>
+                                    <p:anim calcmode="lin" valueType="num">
+                                      <p:cBhvr additive="base">
+                                        <p:cTn id="35" dur="500" fill="hold"/>
+                                        <p:tgtEl>
+                                          <p:spTgt spid="3">
+                                            <p:txEl>
+                                              <p:pRg st="6" end="6"/>
+                                            </p:txEl>
+                                          </p:spTgt>
+                                        </p:tgtEl>
+                                        <p:attrNameLst>
+                                          <p:attrName>ppt_x</p:attrName>
+                                        </p:attrNameLst>
+                                      </p:cBhvr>
+                                      <p:tavLst>
+                                        <p:tav tm="0">
+                                          <p:val>
+                                            <p:strVal val="#ppt_x"/>
+                                          </p:val>
+                                        </p:tav>
+                                        <p:tav tm="100000">
+                                          <p:val>
+                                            <p:strVal val="#ppt_x"/>
+                                          </p:val>
+                                        </p:tav>
+                                      </p:tavLst>
+                                    </p:anim>
+                                    <p:anim calcmode="lin" valueType="num">
+                                      <p:cBhvr additive="base">
+                                        <p:cTn id="36" dur="500" fill="hold"/>
+                                        <p:tgtEl>
+                                          <p:spTgt spid="3">
+                                            <p:txEl>
+                                              <p:pRg st="6" end="6"/>
                                             </p:txEl>
                                           </p:spTgt>
                                         </p:tgtEl>
@@ -10063,26 +10833,26 @@
                     </p:cTn>
                   </p:par>
                   <p:par>
-                    <p:cTn id="33" fill="hold">
+                    <p:cTn id="37" fill="hold">
                       <p:stCondLst>
                         <p:cond delay="indefinite"/>
                       </p:stCondLst>
                       <p:childTnLst>
                         <p:par>
-                          <p:cTn id="34" fill="hold">
+                          <p:cTn id="38" fill="hold">
                             <p:stCondLst>
                               <p:cond delay="0"/>
                             </p:stCondLst>
                             <p:childTnLst>
                               <p:par>
-                                <p:cTn id="35" presetID="2" presetClass="entr" presetSubtype="4" fill="hold" grpId="0" nodeType="clickEffect">
+                                <p:cTn id="39" presetID="2" presetClass="entr" presetSubtype="4" fill="hold" grpId="0" nodeType="clickEffect">
                                   <p:stCondLst>
                                     <p:cond delay="0"/>
                                   </p:stCondLst>
                                   <p:childTnLst>
                                     <p:set>
                                       <p:cBhvr>
-                                        <p:cTn id="36" dur="1" fill="hold">
+                                        <p:cTn id="40" dur="1" fill="hold">
                                           <p:stCondLst>
                                             <p:cond delay="0"/>
                                           </p:stCondLst>
@@ -10090,7 +10860,7 @@
                                         <p:tgtEl>
                                           <p:spTgt spid="3">
                                             <p:txEl>
-                                              <p:pRg st="5" end="5"/>
+                                              <p:pRg st="7" end="7"/>
                                             </p:txEl>
                                           </p:spTgt>
                                         </p:tgtEl>
@@ -10104,11 +10874,11 @@
                                     </p:set>
                                     <p:anim calcmode="lin" valueType="num">
                                       <p:cBhvr additive="base">
-                                        <p:cTn id="37" dur="500" fill="hold"/>
-                                        <p:tgtEl>
-                                          <p:spTgt spid="3">
-                                            <p:txEl>
-                                              <p:pRg st="5" end="5"/>
+                                        <p:cTn id="41" dur="500" fill="hold"/>
+                                        <p:tgtEl>
+                                          <p:spTgt spid="3">
+                                            <p:txEl>
+                                              <p:pRg st="7" end="7"/>
                                             </p:txEl>
                                           </p:spTgt>
                                         </p:tgtEl>
@@ -10131,11 +10901,199 @@
                                     </p:anim>
                                     <p:anim calcmode="lin" valueType="num">
                                       <p:cBhvr additive="base">
-                                        <p:cTn id="38" dur="500" fill="hold"/>
-                                        <p:tgtEl>
-                                          <p:spTgt spid="3">
-                                            <p:txEl>
-                                              <p:pRg st="5" end="5"/>
+                                        <p:cTn id="42" dur="500" fill="hold"/>
+                                        <p:tgtEl>
+                                          <p:spTgt spid="3">
+                                            <p:txEl>
+                                              <p:pRg st="7" end="7"/>
+                                            </p:txEl>
+                                          </p:spTgt>
+                                        </p:tgtEl>
+                                        <p:attrNameLst>
+                                          <p:attrName>ppt_y</p:attrName>
+                                        </p:attrNameLst>
+                                      </p:cBhvr>
+                                      <p:tavLst>
+                                        <p:tav tm="0">
+                                          <p:val>
+                                            <p:strVal val="1+#ppt_h/2"/>
+                                          </p:val>
+                                        </p:tav>
+                                        <p:tav tm="100000">
+                                          <p:val>
+                                            <p:strVal val="#ppt_y"/>
+                                          </p:val>
+                                        </p:tav>
+                                      </p:tavLst>
+                                    </p:anim>
+                                  </p:childTnLst>
+                                </p:cTn>
+                              </p:par>
+                              <p:par>
+                                <p:cTn id="43" presetID="2" presetClass="entr" presetSubtype="4" fill="hold" grpId="0" nodeType="withEffect">
+                                  <p:stCondLst>
+                                    <p:cond delay="0"/>
+                                  </p:stCondLst>
+                                  <p:childTnLst>
+                                    <p:set>
+                                      <p:cBhvr>
+                                        <p:cTn id="44" dur="1" fill="hold">
+                                          <p:stCondLst>
+                                            <p:cond delay="0"/>
+                                          </p:stCondLst>
+                                        </p:cTn>
+                                        <p:tgtEl>
+                                          <p:spTgt spid="3">
+                                            <p:txEl>
+                                              <p:pRg st="8" end="8"/>
+                                            </p:txEl>
+                                          </p:spTgt>
+                                        </p:tgtEl>
+                                        <p:attrNameLst>
+                                          <p:attrName>style.visibility</p:attrName>
+                                        </p:attrNameLst>
+                                      </p:cBhvr>
+                                      <p:to>
+                                        <p:strVal val="visible"/>
+                                      </p:to>
+                                    </p:set>
+                                    <p:anim calcmode="lin" valueType="num">
+                                      <p:cBhvr additive="base">
+                                        <p:cTn id="45" dur="500" fill="hold"/>
+                                        <p:tgtEl>
+                                          <p:spTgt spid="3">
+                                            <p:txEl>
+                                              <p:pRg st="8" end="8"/>
+                                            </p:txEl>
+                                          </p:spTgt>
+                                        </p:tgtEl>
+                                        <p:attrNameLst>
+                                          <p:attrName>ppt_x</p:attrName>
+                                        </p:attrNameLst>
+                                      </p:cBhvr>
+                                      <p:tavLst>
+                                        <p:tav tm="0">
+                                          <p:val>
+                                            <p:strVal val="#ppt_x"/>
+                                          </p:val>
+                                        </p:tav>
+                                        <p:tav tm="100000">
+                                          <p:val>
+                                            <p:strVal val="#ppt_x"/>
+                                          </p:val>
+                                        </p:tav>
+                                      </p:tavLst>
+                                    </p:anim>
+                                    <p:anim calcmode="lin" valueType="num">
+                                      <p:cBhvr additive="base">
+                                        <p:cTn id="46" dur="500" fill="hold"/>
+                                        <p:tgtEl>
+                                          <p:spTgt spid="3">
+                                            <p:txEl>
+                                              <p:pRg st="8" end="8"/>
+                                            </p:txEl>
+                                          </p:spTgt>
+                                        </p:tgtEl>
+                                        <p:attrNameLst>
+                                          <p:attrName>ppt_y</p:attrName>
+                                        </p:attrNameLst>
+                                      </p:cBhvr>
+                                      <p:tavLst>
+                                        <p:tav tm="0">
+                                          <p:val>
+                                            <p:strVal val="1+#ppt_h/2"/>
+                                          </p:val>
+                                        </p:tav>
+                                        <p:tav tm="100000">
+                                          <p:val>
+                                            <p:strVal val="#ppt_y"/>
+                                          </p:val>
+                                        </p:tav>
+                                      </p:tavLst>
+                                    </p:anim>
+                                  </p:childTnLst>
+                                </p:cTn>
+                              </p:par>
+                            </p:childTnLst>
+                          </p:cTn>
+                        </p:par>
+                      </p:childTnLst>
+                    </p:cTn>
+                  </p:par>
+                  <p:par>
+                    <p:cTn id="47" fill="hold">
+                      <p:stCondLst>
+                        <p:cond delay="indefinite"/>
+                      </p:stCondLst>
+                      <p:childTnLst>
+                        <p:par>
+                          <p:cTn id="48" fill="hold">
+                            <p:stCondLst>
+                              <p:cond delay="0"/>
+                            </p:stCondLst>
+                            <p:childTnLst>
+                              <p:par>
+                                <p:cTn id="49" presetID="2" presetClass="entr" presetSubtype="4" fill="hold" grpId="0" nodeType="clickEffect">
+                                  <p:stCondLst>
+                                    <p:cond delay="0"/>
+                                  </p:stCondLst>
+                                  <p:childTnLst>
+                                    <p:set>
+                                      <p:cBhvr>
+                                        <p:cTn id="50" dur="1" fill="hold">
+                                          <p:stCondLst>
+                                            <p:cond delay="0"/>
+                                          </p:stCondLst>
+                                        </p:cTn>
+                                        <p:tgtEl>
+                                          <p:spTgt spid="3">
+                                            <p:txEl>
+                                              <p:pRg st="9" end="9"/>
+                                            </p:txEl>
+                                          </p:spTgt>
+                                        </p:tgtEl>
+                                        <p:attrNameLst>
+                                          <p:attrName>style.visibility</p:attrName>
+                                        </p:attrNameLst>
+                                      </p:cBhvr>
+                                      <p:to>
+                                        <p:strVal val="visible"/>
+                                      </p:to>
+                                    </p:set>
+                                    <p:anim calcmode="lin" valueType="num">
+                                      <p:cBhvr additive="base">
+                                        <p:cTn id="51" dur="500" fill="hold"/>
+                                        <p:tgtEl>
+                                          <p:spTgt spid="3">
+                                            <p:txEl>
+                                              <p:pRg st="9" end="9"/>
+                                            </p:txEl>
+                                          </p:spTgt>
+                                        </p:tgtEl>
+                                        <p:attrNameLst>
+                                          <p:attrName>ppt_x</p:attrName>
+                                        </p:attrNameLst>
+                                      </p:cBhvr>
+                                      <p:tavLst>
+                                        <p:tav tm="0">
+                                          <p:val>
+                                            <p:strVal val="#ppt_x"/>
+                                          </p:val>
+                                        </p:tav>
+                                        <p:tav tm="100000">
+                                          <p:val>
+                                            <p:strVal val="#ppt_x"/>
+                                          </p:val>
+                                        </p:tav>
+                                      </p:tavLst>
+                                    </p:anim>
+                                    <p:anim calcmode="lin" valueType="num">
+                                      <p:cBhvr additive="base">
+                                        <p:cTn id="52" dur="500" fill="hold"/>
+                                        <p:tgtEl>
+                                          <p:spTgt spid="3">
+                                            <p:txEl>
+                                              <p:pRg st="9" end="9"/>
                                             </p:txEl>
                                           </p:spTgt>
                                         </p:tgtEl>

--- a/Presentation/But It Was Logged.pptx
+++ b/Presentation/But It Was Logged.pptx
@@ -18,8 +18,9 @@
     <p:sldId id="265" r:id="rId12"/>
     <p:sldId id="269" r:id="rId13"/>
     <p:sldId id="270" r:id="rId14"/>
-    <p:sldId id="261" r:id="rId15"/>
-    <p:sldId id="266" r:id="rId16"/>
+    <p:sldId id="271" r:id="rId15"/>
+    <p:sldId id="261" r:id="rId16"/>
+    <p:sldId id="266" r:id="rId17"/>
   </p:sldIdLst>
   <p:sldSz cx="12192000" cy="6858000"/>
   <p:notesSz cx="6858000" cy="9144000"/>
@@ -4556,6 +4557,389 @@
           <p:cNvPr id="2" name="Title 1">
             <a:extLst>
               <a:ext uri="{FF2B5EF4-FFF2-40B4-BE49-F238E27FC236}">
+                <a16:creationId xmlns:a16="http://schemas.microsoft.com/office/drawing/2014/main" id="{E03281FC-7210-4ED9-9307-58A3CE63E058}"/>
+              </a:ext>
+            </a:extLst>
+          </p:cNvPr>
+          <p:cNvSpPr>
+            <a:spLocks noGrp="1"/>
+          </p:cNvSpPr>
+          <p:nvPr>
+            <p:ph type="title"/>
+          </p:nvPr>
+        </p:nvSpPr>
+        <p:spPr/>
+        <p:txBody>
+          <a:bodyPr/>
+          <a:lstStyle/>
+          <a:p>
+            <a:r>
+              <a:rPr lang="en-US" dirty="0"/>
+              <a:t>Message Format: </a:t>
+            </a:r>
+            <a:r>
+              <a:rPr lang="en-US" dirty="0" err="1"/>
+              <a:t>ToString</a:t>
+            </a:r>
+            <a:r>
+              <a:rPr lang="en-US" dirty="0"/>
+              <a:t>() vs Dump</a:t>
+            </a:r>
+          </a:p>
+        </p:txBody>
+      </p:sp>
+      <p:sp>
+        <p:nvSpPr>
+          <p:cNvPr id="3" name="Content Placeholder 2">
+            <a:extLst>
+              <a:ext uri="{FF2B5EF4-FFF2-40B4-BE49-F238E27FC236}">
+                <a16:creationId xmlns:a16="http://schemas.microsoft.com/office/drawing/2014/main" id="{820D962F-E825-4961-890B-5E3849C17450}"/>
+              </a:ext>
+            </a:extLst>
+          </p:cNvPr>
+          <p:cNvSpPr>
+            <a:spLocks noGrp="1"/>
+          </p:cNvSpPr>
+          <p:nvPr>
+            <p:ph idx="1"/>
+          </p:nvPr>
+        </p:nvSpPr>
+        <p:spPr/>
+        <p:txBody>
+          <a:bodyPr/>
+          <a:lstStyle/>
+          <a:p>
+            <a:r>
+              <a:rPr lang="fr-FR" dirty="0"/>
+              <a:t>_</a:t>
+            </a:r>
+            <a:r>
+              <a:rPr lang="fr-FR" dirty="0" err="1"/>
+              <a:t>logger.LogInformation</a:t>
+            </a:r>
+            <a:r>
+              <a:rPr lang="fr-FR" dirty="0"/>
+              <a:t>("User Information {User}", </a:t>
+            </a:r>
+            <a:r>
+              <a:rPr lang="fr-FR" dirty="0" err="1"/>
+              <a:t>Request</a:t>
+            </a:r>
+            <a:r>
+              <a:rPr lang="fr-FR" dirty="0"/>
+              <a:t>);</a:t>
+            </a:r>
+          </a:p>
+          <a:p>
+            <a:pPr lvl="1"/>
+            <a:r>
+              <a:rPr lang="fr-FR" dirty="0"/>
+              <a:t>[10:49:27 acd7bc9a-669d-4af5-9d4d-530b65966ef4 INF] User Information </a:t>
+            </a:r>
+            <a:r>
+              <a:rPr lang="fr-FR" dirty="0" err="1"/>
+              <a:t>Microsoft.AspNetCore.Http.DefaultHttpRequest</a:t>
+            </a:r>
+            <a:endParaRPr lang="fr-FR" dirty="0"/>
+          </a:p>
+          <a:p>
+            <a:r>
+              <a:rPr lang="en-US" dirty="0"/>
+              <a:t>_</a:t>
+            </a:r>
+            <a:r>
+              <a:rPr lang="en-US" dirty="0" err="1"/>
+              <a:t>logger.LogInformation</a:t>
+            </a:r>
+            <a:r>
+              <a:rPr lang="en-US" dirty="0"/>
+              <a:t>("Full User Identity Details {@User}", </a:t>
+            </a:r>
+            <a:r>
+              <a:rPr lang="en-US" dirty="0" err="1"/>
+              <a:t>User.Identity</a:t>
+            </a:r>
+            <a:r>
+              <a:rPr lang="en-US" dirty="0"/>
+              <a:t>);</a:t>
+            </a:r>
+          </a:p>
+          <a:p>
+            <a:pPr lvl="1"/>
+            <a:r>
+              <a:rPr lang="en-US" dirty="0"/>
+              <a:t>[10:49:27 acd7bc9a-669d-4af5-9d4d-530b65966ef4 INF] Full User Identity Details {"AuthenticationType":null,"IsAuthenticated":false,"Actor":null,"BootstrapContext":null,"Claims":[],"Label“….</a:t>
+            </a:r>
+          </a:p>
+        </p:txBody>
+      </p:sp>
+    </p:spTree>
+    <p:extLst>
+      <p:ext uri="{BB962C8B-B14F-4D97-AF65-F5344CB8AC3E}">
+        <p14:creationId xmlns:p14="http://schemas.microsoft.com/office/powerpoint/2010/main" val="2125271925"/>
+      </p:ext>
+    </p:extLst>
+  </p:cSld>
+  <p:clrMapOvr>
+    <a:masterClrMapping/>
+  </p:clrMapOvr>
+  <p:timing>
+    <p:tnLst>
+      <p:par>
+        <p:cTn id="1" dur="indefinite" restart="never" nodeType="tmRoot">
+          <p:childTnLst>
+            <p:seq concurrent="1" nextAc="seek">
+              <p:cTn id="2" dur="indefinite" nodeType="mainSeq">
+                <p:childTnLst>
+                  <p:par>
+                    <p:cTn id="3" fill="hold">
+                      <p:stCondLst>
+                        <p:cond delay="indefinite"/>
+                        <p:cond evt="onBegin" delay="0">
+                          <p:tn val="2"/>
+                        </p:cond>
+                      </p:stCondLst>
+                      <p:childTnLst>
+                        <p:par>
+                          <p:cTn id="4" fill="hold">
+                            <p:stCondLst>
+                              <p:cond delay="0"/>
+                            </p:stCondLst>
+                            <p:childTnLst>
+                              <p:par>
+                                <p:cTn id="5" presetID="1" presetClass="entr" presetSubtype="0" fill="hold" grpId="0" nodeType="withEffect">
+                                  <p:stCondLst>
+                                    <p:cond delay="0"/>
+                                  </p:stCondLst>
+                                  <p:childTnLst>
+                                    <p:set>
+                                      <p:cBhvr>
+                                        <p:cTn id="6" dur="1" fill="hold">
+                                          <p:stCondLst>
+                                            <p:cond delay="0"/>
+                                          </p:stCondLst>
+                                        </p:cTn>
+                                        <p:tgtEl>
+                                          <p:spTgt spid="3">
+                                            <p:txEl>
+                                              <p:pRg st="0" end="0"/>
+                                            </p:txEl>
+                                          </p:spTgt>
+                                        </p:tgtEl>
+                                        <p:attrNameLst>
+                                          <p:attrName>style.visibility</p:attrName>
+                                        </p:attrNameLst>
+                                      </p:cBhvr>
+                                      <p:to>
+                                        <p:strVal val="visible"/>
+                                      </p:to>
+                                    </p:set>
+                                  </p:childTnLst>
+                                </p:cTn>
+                              </p:par>
+                            </p:childTnLst>
+                          </p:cTn>
+                        </p:par>
+                      </p:childTnLst>
+                    </p:cTn>
+                  </p:par>
+                  <p:par>
+                    <p:cTn id="7" fill="hold">
+                      <p:stCondLst>
+                        <p:cond delay="indefinite"/>
+                      </p:stCondLst>
+                      <p:childTnLst>
+                        <p:par>
+                          <p:cTn id="8" fill="hold">
+                            <p:stCondLst>
+                              <p:cond delay="0"/>
+                            </p:stCondLst>
+                            <p:childTnLst>
+                              <p:par>
+                                <p:cTn id="9" presetID="1" presetClass="entr" presetSubtype="0" fill="hold" grpId="0" nodeType="clickEffect">
+                                  <p:stCondLst>
+                                    <p:cond delay="0"/>
+                                  </p:stCondLst>
+                                  <p:childTnLst>
+                                    <p:set>
+                                      <p:cBhvr>
+                                        <p:cTn id="10" dur="1" fill="hold">
+                                          <p:stCondLst>
+                                            <p:cond delay="0"/>
+                                          </p:stCondLst>
+                                        </p:cTn>
+                                        <p:tgtEl>
+                                          <p:spTgt spid="3">
+                                            <p:txEl>
+                                              <p:pRg st="1" end="1"/>
+                                            </p:txEl>
+                                          </p:spTgt>
+                                        </p:tgtEl>
+                                        <p:attrNameLst>
+                                          <p:attrName>style.visibility</p:attrName>
+                                        </p:attrNameLst>
+                                      </p:cBhvr>
+                                      <p:to>
+                                        <p:strVal val="visible"/>
+                                      </p:to>
+                                    </p:set>
+                                  </p:childTnLst>
+                                </p:cTn>
+                              </p:par>
+                            </p:childTnLst>
+                          </p:cTn>
+                        </p:par>
+                      </p:childTnLst>
+                    </p:cTn>
+                  </p:par>
+                  <p:par>
+                    <p:cTn id="11" fill="hold">
+                      <p:stCondLst>
+                        <p:cond delay="indefinite"/>
+                      </p:stCondLst>
+                      <p:childTnLst>
+                        <p:par>
+                          <p:cTn id="12" fill="hold">
+                            <p:stCondLst>
+                              <p:cond delay="0"/>
+                            </p:stCondLst>
+                            <p:childTnLst>
+                              <p:par>
+                                <p:cTn id="13" presetID="1" presetClass="entr" presetSubtype="0" fill="hold" grpId="0" nodeType="clickEffect">
+                                  <p:stCondLst>
+                                    <p:cond delay="0"/>
+                                  </p:stCondLst>
+                                  <p:childTnLst>
+                                    <p:set>
+                                      <p:cBhvr>
+                                        <p:cTn id="14" dur="1" fill="hold">
+                                          <p:stCondLst>
+                                            <p:cond delay="0"/>
+                                          </p:stCondLst>
+                                        </p:cTn>
+                                        <p:tgtEl>
+                                          <p:spTgt spid="3">
+                                            <p:txEl>
+                                              <p:pRg st="2" end="2"/>
+                                            </p:txEl>
+                                          </p:spTgt>
+                                        </p:tgtEl>
+                                        <p:attrNameLst>
+                                          <p:attrName>style.visibility</p:attrName>
+                                        </p:attrNameLst>
+                                      </p:cBhvr>
+                                      <p:to>
+                                        <p:strVal val="visible"/>
+                                      </p:to>
+                                    </p:set>
+                                  </p:childTnLst>
+                                </p:cTn>
+                              </p:par>
+                            </p:childTnLst>
+                          </p:cTn>
+                        </p:par>
+                      </p:childTnLst>
+                    </p:cTn>
+                  </p:par>
+                  <p:par>
+                    <p:cTn id="15" fill="hold">
+                      <p:stCondLst>
+                        <p:cond delay="indefinite"/>
+                      </p:stCondLst>
+                      <p:childTnLst>
+                        <p:par>
+                          <p:cTn id="16" fill="hold">
+                            <p:stCondLst>
+                              <p:cond delay="0"/>
+                            </p:stCondLst>
+                            <p:childTnLst>
+                              <p:par>
+                                <p:cTn id="17" presetID="1" presetClass="entr" presetSubtype="0" fill="hold" grpId="0" nodeType="clickEffect">
+                                  <p:stCondLst>
+                                    <p:cond delay="0"/>
+                                  </p:stCondLst>
+                                  <p:childTnLst>
+                                    <p:set>
+                                      <p:cBhvr>
+                                        <p:cTn id="18" dur="1" fill="hold">
+                                          <p:stCondLst>
+                                            <p:cond delay="0"/>
+                                          </p:stCondLst>
+                                        </p:cTn>
+                                        <p:tgtEl>
+                                          <p:spTgt spid="3">
+                                            <p:txEl>
+                                              <p:pRg st="3" end="3"/>
+                                            </p:txEl>
+                                          </p:spTgt>
+                                        </p:tgtEl>
+                                        <p:attrNameLst>
+                                          <p:attrName>style.visibility</p:attrName>
+                                        </p:attrNameLst>
+                                      </p:cBhvr>
+                                      <p:to>
+                                        <p:strVal val="visible"/>
+                                      </p:to>
+                                    </p:set>
+                                  </p:childTnLst>
+                                </p:cTn>
+                              </p:par>
+                            </p:childTnLst>
+                          </p:cTn>
+                        </p:par>
+                      </p:childTnLst>
+                    </p:cTn>
+                  </p:par>
+                </p:childTnLst>
+              </p:cTn>
+              <p:prevCondLst>
+                <p:cond evt="onPrev" delay="0">
+                  <p:tgtEl>
+                    <p:sldTgt/>
+                  </p:tgtEl>
+                </p:cond>
+              </p:prevCondLst>
+              <p:nextCondLst>
+                <p:cond evt="onNext" delay="0">
+                  <p:tgtEl>
+                    <p:sldTgt/>
+                  </p:tgtEl>
+                </p:cond>
+              </p:nextCondLst>
+            </p:seq>
+          </p:childTnLst>
+        </p:cTn>
+      </p:par>
+    </p:tnLst>
+    <p:bldLst>
+      <p:bldP spid="3" grpId="0" uiExpand="1" build="p"/>
+    </p:bldLst>
+  </p:timing>
+</p:sld>
+</file>
+
+<file path=ppt/slides/slide15.xml><?xml version="1.0" encoding="utf-8"?>
+<p:sld xmlns:a="http://schemas.openxmlformats.org/drawingml/2006/main" xmlns:r="http://schemas.openxmlformats.org/officeDocument/2006/relationships" xmlns:p="http://schemas.openxmlformats.org/presentationml/2006/main">
+  <p:cSld>
+    <p:spTree>
+      <p:nvGrpSpPr>
+        <p:cNvPr id="1" name=""/>
+        <p:cNvGrpSpPr/>
+        <p:nvPr/>
+      </p:nvGrpSpPr>
+      <p:grpSpPr>
+        <a:xfrm>
+          <a:off x="0" y="0"/>
+          <a:ext cx="0" cy="0"/>
+          <a:chOff x="0" y="0"/>
+          <a:chExt cx="0" cy="0"/>
+        </a:xfrm>
+      </p:grpSpPr>
+      <p:sp>
+        <p:nvSpPr>
+          <p:cNvPr id="2" name="Title 1">
+            <a:extLst>
+              <a:ext uri="{FF2B5EF4-FFF2-40B4-BE49-F238E27FC236}">
                 <a16:creationId xmlns:a16="http://schemas.microsoft.com/office/drawing/2014/main" id="{94F313EE-0EE7-4002-92B1-D9480B33137E}"/>
               </a:ext>
             </a:extLst>
@@ -4670,7 +5054,7 @@
 </p:sld>
 </file>
 
-<file path=ppt/slides/slide15.xml><?xml version="1.0" encoding="utf-8"?>
+<file path=ppt/slides/slide16.xml><?xml version="1.0" encoding="utf-8"?>
 <p:sld xmlns:a="http://schemas.openxmlformats.org/drawingml/2006/main" xmlns:r="http://schemas.openxmlformats.org/officeDocument/2006/relationships" xmlns:p="http://schemas.openxmlformats.org/presentationml/2006/main">
   <p:cSld>
     <p:spTree>

--- a/Presentation/But It Was Logged.pptx
+++ b/Presentation/But It Was Logged.pptx
@@ -3020,7 +3020,7 @@
           <a:p>
             <a:r>
               <a:rPr lang="en-US" dirty="0"/>
-              <a:t>A practical look at logging with .NET 5/6</a:t>
+              <a:t>A practical look at logging with .NET 6 &amp; Beyond</a:t>
             </a:r>
           </a:p>
         </p:txBody>
@@ -3078,7 +3078,7 @@
           <a:p>
             <a:r>
               <a:rPr lang="en-US" dirty="0"/>
-              <a:t>Unique Aspects of Logging in .NET 5</a:t>
+              <a:t>Unique Aspects of Logging in .NET 6</a:t>
             </a:r>
           </a:p>
         </p:txBody>

--- a/Presentation/But It Was Logged.pptx
+++ b/Presentation/But It Was Logged.pptx
@@ -16,9 +16,9 @@
     <p:sldId id="267" r:id="rId10"/>
     <p:sldId id="268" r:id="rId11"/>
     <p:sldId id="265" r:id="rId12"/>
-    <p:sldId id="269" r:id="rId13"/>
-    <p:sldId id="270" r:id="rId14"/>
-    <p:sldId id="271" r:id="rId15"/>
+    <p:sldId id="271" r:id="rId13"/>
+    <p:sldId id="269" r:id="rId14"/>
+    <p:sldId id="270" r:id="rId15"/>
     <p:sldId id="261" r:id="rId16"/>
     <p:sldId id="266" r:id="rId17"/>
   </p:sldIdLst>
@@ -4162,6 +4162,389 @@
           <a:chExt cx="0" cy="0"/>
         </a:xfrm>
       </p:grpSpPr>
+      <p:sp>
+        <p:nvSpPr>
+          <p:cNvPr id="2" name="Title 1">
+            <a:extLst>
+              <a:ext uri="{FF2B5EF4-FFF2-40B4-BE49-F238E27FC236}">
+                <a16:creationId xmlns:a16="http://schemas.microsoft.com/office/drawing/2014/main" id="{E03281FC-7210-4ED9-9307-58A3CE63E058}"/>
+              </a:ext>
+            </a:extLst>
+          </p:cNvPr>
+          <p:cNvSpPr>
+            <a:spLocks noGrp="1"/>
+          </p:cNvSpPr>
+          <p:nvPr>
+            <p:ph type="title"/>
+          </p:nvPr>
+        </p:nvSpPr>
+        <p:spPr/>
+        <p:txBody>
+          <a:bodyPr/>
+          <a:lstStyle/>
+          <a:p>
+            <a:r>
+              <a:rPr lang="en-US" dirty="0"/>
+              <a:t>Message Format: </a:t>
+            </a:r>
+            <a:r>
+              <a:rPr lang="en-US" dirty="0" err="1"/>
+              <a:t>ToString</a:t>
+            </a:r>
+            <a:r>
+              <a:rPr lang="en-US" dirty="0"/>
+              <a:t>() vs Dump</a:t>
+            </a:r>
+          </a:p>
+        </p:txBody>
+      </p:sp>
+      <p:sp>
+        <p:nvSpPr>
+          <p:cNvPr id="3" name="Content Placeholder 2">
+            <a:extLst>
+              <a:ext uri="{FF2B5EF4-FFF2-40B4-BE49-F238E27FC236}">
+                <a16:creationId xmlns:a16="http://schemas.microsoft.com/office/drawing/2014/main" id="{820D962F-E825-4961-890B-5E3849C17450}"/>
+              </a:ext>
+            </a:extLst>
+          </p:cNvPr>
+          <p:cNvSpPr>
+            <a:spLocks noGrp="1"/>
+          </p:cNvSpPr>
+          <p:nvPr>
+            <p:ph idx="1"/>
+          </p:nvPr>
+        </p:nvSpPr>
+        <p:spPr/>
+        <p:txBody>
+          <a:bodyPr/>
+          <a:lstStyle/>
+          <a:p>
+            <a:r>
+              <a:rPr lang="fr-FR" dirty="0"/>
+              <a:t>_</a:t>
+            </a:r>
+            <a:r>
+              <a:rPr lang="fr-FR" dirty="0" err="1"/>
+              <a:t>logger.LogInformation</a:t>
+            </a:r>
+            <a:r>
+              <a:rPr lang="fr-FR" dirty="0"/>
+              <a:t>("User Information {User}", </a:t>
+            </a:r>
+            <a:r>
+              <a:rPr lang="fr-FR" dirty="0" err="1"/>
+              <a:t>Request</a:t>
+            </a:r>
+            <a:r>
+              <a:rPr lang="fr-FR" dirty="0"/>
+              <a:t>);</a:t>
+            </a:r>
+          </a:p>
+          <a:p>
+            <a:pPr lvl="1"/>
+            <a:r>
+              <a:rPr lang="fr-FR" dirty="0"/>
+              <a:t>[10:49:27 acd7bc9a-669d-4af5-9d4d-530b65966ef4 INF] User Information </a:t>
+            </a:r>
+            <a:r>
+              <a:rPr lang="fr-FR" dirty="0" err="1"/>
+              <a:t>Microsoft.AspNetCore.Http.DefaultHttpRequest</a:t>
+            </a:r>
+            <a:endParaRPr lang="fr-FR" dirty="0"/>
+          </a:p>
+          <a:p>
+            <a:r>
+              <a:rPr lang="en-US" dirty="0"/>
+              <a:t>_</a:t>
+            </a:r>
+            <a:r>
+              <a:rPr lang="en-US" dirty="0" err="1"/>
+              <a:t>logger.LogInformation</a:t>
+            </a:r>
+            <a:r>
+              <a:rPr lang="en-US" dirty="0"/>
+              <a:t>("Full User Identity Details {@User}", </a:t>
+            </a:r>
+            <a:r>
+              <a:rPr lang="en-US" dirty="0" err="1"/>
+              <a:t>User.Identity</a:t>
+            </a:r>
+            <a:r>
+              <a:rPr lang="en-US" dirty="0"/>
+              <a:t>);</a:t>
+            </a:r>
+          </a:p>
+          <a:p>
+            <a:pPr lvl="1"/>
+            <a:r>
+              <a:rPr lang="en-US" dirty="0"/>
+              <a:t>[10:49:27 acd7bc9a-669d-4af5-9d4d-530b65966ef4 INF] Full User Identity Details {"AuthenticationType":null,"IsAuthenticated":false,"Actor":null,"BootstrapContext":null,"Claims":[],"Label“….</a:t>
+            </a:r>
+          </a:p>
+        </p:txBody>
+      </p:sp>
+    </p:spTree>
+    <p:extLst>
+      <p:ext uri="{BB962C8B-B14F-4D97-AF65-F5344CB8AC3E}">
+        <p14:creationId xmlns:p14="http://schemas.microsoft.com/office/powerpoint/2010/main" val="2125271925"/>
+      </p:ext>
+    </p:extLst>
+  </p:cSld>
+  <p:clrMapOvr>
+    <a:masterClrMapping/>
+  </p:clrMapOvr>
+  <p:timing>
+    <p:tnLst>
+      <p:par>
+        <p:cTn id="1" dur="indefinite" restart="never" nodeType="tmRoot">
+          <p:childTnLst>
+            <p:seq concurrent="1" nextAc="seek">
+              <p:cTn id="2" dur="indefinite" nodeType="mainSeq">
+                <p:childTnLst>
+                  <p:par>
+                    <p:cTn id="3" fill="hold">
+                      <p:stCondLst>
+                        <p:cond delay="indefinite"/>
+                        <p:cond evt="onBegin" delay="0">
+                          <p:tn val="2"/>
+                        </p:cond>
+                      </p:stCondLst>
+                      <p:childTnLst>
+                        <p:par>
+                          <p:cTn id="4" fill="hold">
+                            <p:stCondLst>
+                              <p:cond delay="0"/>
+                            </p:stCondLst>
+                            <p:childTnLst>
+                              <p:par>
+                                <p:cTn id="5" presetID="1" presetClass="entr" presetSubtype="0" fill="hold" grpId="0" nodeType="withEffect">
+                                  <p:stCondLst>
+                                    <p:cond delay="0"/>
+                                  </p:stCondLst>
+                                  <p:childTnLst>
+                                    <p:set>
+                                      <p:cBhvr>
+                                        <p:cTn id="6" dur="1" fill="hold">
+                                          <p:stCondLst>
+                                            <p:cond delay="0"/>
+                                          </p:stCondLst>
+                                        </p:cTn>
+                                        <p:tgtEl>
+                                          <p:spTgt spid="3">
+                                            <p:txEl>
+                                              <p:pRg st="0" end="0"/>
+                                            </p:txEl>
+                                          </p:spTgt>
+                                        </p:tgtEl>
+                                        <p:attrNameLst>
+                                          <p:attrName>style.visibility</p:attrName>
+                                        </p:attrNameLst>
+                                      </p:cBhvr>
+                                      <p:to>
+                                        <p:strVal val="visible"/>
+                                      </p:to>
+                                    </p:set>
+                                  </p:childTnLst>
+                                </p:cTn>
+                              </p:par>
+                            </p:childTnLst>
+                          </p:cTn>
+                        </p:par>
+                      </p:childTnLst>
+                    </p:cTn>
+                  </p:par>
+                  <p:par>
+                    <p:cTn id="7" fill="hold">
+                      <p:stCondLst>
+                        <p:cond delay="indefinite"/>
+                      </p:stCondLst>
+                      <p:childTnLst>
+                        <p:par>
+                          <p:cTn id="8" fill="hold">
+                            <p:stCondLst>
+                              <p:cond delay="0"/>
+                            </p:stCondLst>
+                            <p:childTnLst>
+                              <p:par>
+                                <p:cTn id="9" presetID="1" presetClass="entr" presetSubtype="0" fill="hold" grpId="0" nodeType="clickEffect">
+                                  <p:stCondLst>
+                                    <p:cond delay="0"/>
+                                  </p:stCondLst>
+                                  <p:childTnLst>
+                                    <p:set>
+                                      <p:cBhvr>
+                                        <p:cTn id="10" dur="1" fill="hold">
+                                          <p:stCondLst>
+                                            <p:cond delay="0"/>
+                                          </p:stCondLst>
+                                        </p:cTn>
+                                        <p:tgtEl>
+                                          <p:spTgt spid="3">
+                                            <p:txEl>
+                                              <p:pRg st="1" end="1"/>
+                                            </p:txEl>
+                                          </p:spTgt>
+                                        </p:tgtEl>
+                                        <p:attrNameLst>
+                                          <p:attrName>style.visibility</p:attrName>
+                                        </p:attrNameLst>
+                                      </p:cBhvr>
+                                      <p:to>
+                                        <p:strVal val="visible"/>
+                                      </p:to>
+                                    </p:set>
+                                  </p:childTnLst>
+                                </p:cTn>
+                              </p:par>
+                            </p:childTnLst>
+                          </p:cTn>
+                        </p:par>
+                      </p:childTnLst>
+                    </p:cTn>
+                  </p:par>
+                  <p:par>
+                    <p:cTn id="11" fill="hold">
+                      <p:stCondLst>
+                        <p:cond delay="indefinite"/>
+                      </p:stCondLst>
+                      <p:childTnLst>
+                        <p:par>
+                          <p:cTn id="12" fill="hold">
+                            <p:stCondLst>
+                              <p:cond delay="0"/>
+                            </p:stCondLst>
+                            <p:childTnLst>
+                              <p:par>
+                                <p:cTn id="13" presetID="1" presetClass="entr" presetSubtype="0" fill="hold" grpId="0" nodeType="clickEffect">
+                                  <p:stCondLst>
+                                    <p:cond delay="0"/>
+                                  </p:stCondLst>
+                                  <p:childTnLst>
+                                    <p:set>
+                                      <p:cBhvr>
+                                        <p:cTn id="14" dur="1" fill="hold">
+                                          <p:stCondLst>
+                                            <p:cond delay="0"/>
+                                          </p:stCondLst>
+                                        </p:cTn>
+                                        <p:tgtEl>
+                                          <p:spTgt spid="3">
+                                            <p:txEl>
+                                              <p:pRg st="2" end="2"/>
+                                            </p:txEl>
+                                          </p:spTgt>
+                                        </p:tgtEl>
+                                        <p:attrNameLst>
+                                          <p:attrName>style.visibility</p:attrName>
+                                        </p:attrNameLst>
+                                      </p:cBhvr>
+                                      <p:to>
+                                        <p:strVal val="visible"/>
+                                      </p:to>
+                                    </p:set>
+                                  </p:childTnLst>
+                                </p:cTn>
+                              </p:par>
+                            </p:childTnLst>
+                          </p:cTn>
+                        </p:par>
+                      </p:childTnLst>
+                    </p:cTn>
+                  </p:par>
+                  <p:par>
+                    <p:cTn id="15" fill="hold">
+                      <p:stCondLst>
+                        <p:cond delay="indefinite"/>
+                      </p:stCondLst>
+                      <p:childTnLst>
+                        <p:par>
+                          <p:cTn id="16" fill="hold">
+                            <p:stCondLst>
+                              <p:cond delay="0"/>
+                            </p:stCondLst>
+                            <p:childTnLst>
+                              <p:par>
+                                <p:cTn id="17" presetID="1" presetClass="entr" presetSubtype="0" fill="hold" grpId="0" nodeType="clickEffect">
+                                  <p:stCondLst>
+                                    <p:cond delay="0"/>
+                                  </p:stCondLst>
+                                  <p:childTnLst>
+                                    <p:set>
+                                      <p:cBhvr>
+                                        <p:cTn id="18" dur="1" fill="hold">
+                                          <p:stCondLst>
+                                            <p:cond delay="0"/>
+                                          </p:stCondLst>
+                                        </p:cTn>
+                                        <p:tgtEl>
+                                          <p:spTgt spid="3">
+                                            <p:txEl>
+                                              <p:pRg st="3" end="3"/>
+                                            </p:txEl>
+                                          </p:spTgt>
+                                        </p:tgtEl>
+                                        <p:attrNameLst>
+                                          <p:attrName>style.visibility</p:attrName>
+                                        </p:attrNameLst>
+                                      </p:cBhvr>
+                                      <p:to>
+                                        <p:strVal val="visible"/>
+                                      </p:to>
+                                    </p:set>
+                                  </p:childTnLst>
+                                </p:cTn>
+                              </p:par>
+                            </p:childTnLst>
+                          </p:cTn>
+                        </p:par>
+                      </p:childTnLst>
+                    </p:cTn>
+                  </p:par>
+                </p:childTnLst>
+              </p:cTn>
+              <p:prevCondLst>
+                <p:cond evt="onPrev" delay="0">
+                  <p:tgtEl>
+                    <p:sldTgt/>
+                  </p:tgtEl>
+                </p:cond>
+              </p:prevCondLst>
+              <p:nextCondLst>
+                <p:cond evt="onNext" delay="0">
+                  <p:tgtEl>
+                    <p:sldTgt/>
+                  </p:tgtEl>
+                </p:cond>
+              </p:nextCondLst>
+            </p:seq>
+          </p:childTnLst>
+        </p:cTn>
+      </p:par>
+    </p:tnLst>
+    <p:bldLst>
+      <p:bldP spid="3" grpId="0" uiExpand="1" build="p"/>
+    </p:bldLst>
+  </p:timing>
+</p:sld>
+</file>
+
+<file path=ppt/slides/slide13.xml><?xml version="1.0" encoding="utf-8"?>
+<p:sld xmlns:a="http://schemas.openxmlformats.org/drawingml/2006/main" xmlns:r="http://schemas.openxmlformats.org/officeDocument/2006/relationships" xmlns:p="http://schemas.openxmlformats.org/presentationml/2006/main">
+  <p:cSld>
+    <p:spTree>
+      <p:nvGrpSpPr>
+        <p:cNvPr id="1" name=""/>
+        <p:cNvGrpSpPr/>
+        <p:nvPr/>
+      </p:nvGrpSpPr>
+      <p:grpSpPr>
+        <a:xfrm>
+          <a:off x="0" y="0"/>
+          <a:ext cx="0" cy="0"/>
+          <a:chOff x="0" y="0"/>
+          <a:chExt cx="0" cy="0"/>
+        </a:xfrm>
+      </p:grpSpPr>
       <p:pic>
         <p:nvPicPr>
           <p:cNvPr id="5" name="Content Placeholder 4" descr="Text&#10;&#10;Description automatically generated">
@@ -4204,7 +4587,7 @@
 </p:sld>
 </file>
 
-<file path=ppt/slides/slide13.xml><?xml version="1.0" encoding="utf-8"?>
+<file path=ppt/slides/slide14.xml><?xml version="1.0" encoding="utf-8"?>
 <p:sld xmlns:a="http://schemas.openxmlformats.org/drawingml/2006/main" xmlns:r="http://schemas.openxmlformats.org/officeDocument/2006/relationships" xmlns:p="http://schemas.openxmlformats.org/presentationml/2006/main">
   <p:cSld>
     <p:spTree>
@@ -4531,389 +4914,6 @@
         </p:cTn>
       </p:par>
     </p:tnLst>
-  </p:timing>
-</p:sld>
-</file>
-
-<file path=ppt/slides/slide14.xml><?xml version="1.0" encoding="utf-8"?>
-<p:sld xmlns:a="http://schemas.openxmlformats.org/drawingml/2006/main" xmlns:r="http://schemas.openxmlformats.org/officeDocument/2006/relationships" xmlns:p="http://schemas.openxmlformats.org/presentationml/2006/main">
-  <p:cSld>
-    <p:spTree>
-      <p:nvGrpSpPr>
-        <p:cNvPr id="1" name=""/>
-        <p:cNvGrpSpPr/>
-        <p:nvPr/>
-      </p:nvGrpSpPr>
-      <p:grpSpPr>
-        <a:xfrm>
-          <a:off x="0" y="0"/>
-          <a:ext cx="0" cy="0"/>
-          <a:chOff x="0" y="0"/>
-          <a:chExt cx="0" cy="0"/>
-        </a:xfrm>
-      </p:grpSpPr>
-      <p:sp>
-        <p:nvSpPr>
-          <p:cNvPr id="2" name="Title 1">
-            <a:extLst>
-              <a:ext uri="{FF2B5EF4-FFF2-40B4-BE49-F238E27FC236}">
-                <a16:creationId xmlns:a16="http://schemas.microsoft.com/office/drawing/2014/main" id="{E03281FC-7210-4ED9-9307-58A3CE63E058}"/>
-              </a:ext>
-            </a:extLst>
-          </p:cNvPr>
-          <p:cNvSpPr>
-            <a:spLocks noGrp="1"/>
-          </p:cNvSpPr>
-          <p:nvPr>
-            <p:ph type="title"/>
-          </p:nvPr>
-        </p:nvSpPr>
-        <p:spPr/>
-        <p:txBody>
-          <a:bodyPr/>
-          <a:lstStyle/>
-          <a:p>
-            <a:r>
-              <a:rPr lang="en-US" dirty="0"/>
-              <a:t>Message Format: </a:t>
-            </a:r>
-            <a:r>
-              <a:rPr lang="en-US" dirty="0" err="1"/>
-              <a:t>ToString</a:t>
-            </a:r>
-            <a:r>
-              <a:rPr lang="en-US" dirty="0"/>
-              <a:t>() vs Dump</a:t>
-            </a:r>
-          </a:p>
-        </p:txBody>
-      </p:sp>
-      <p:sp>
-        <p:nvSpPr>
-          <p:cNvPr id="3" name="Content Placeholder 2">
-            <a:extLst>
-              <a:ext uri="{FF2B5EF4-FFF2-40B4-BE49-F238E27FC236}">
-                <a16:creationId xmlns:a16="http://schemas.microsoft.com/office/drawing/2014/main" id="{820D962F-E825-4961-890B-5E3849C17450}"/>
-              </a:ext>
-            </a:extLst>
-          </p:cNvPr>
-          <p:cNvSpPr>
-            <a:spLocks noGrp="1"/>
-          </p:cNvSpPr>
-          <p:nvPr>
-            <p:ph idx="1"/>
-          </p:nvPr>
-        </p:nvSpPr>
-        <p:spPr/>
-        <p:txBody>
-          <a:bodyPr/>
-          <a:lstStyle/>
-          <a:p>
-            <a:r>
-              <a:rPr lang="fr-FR" dirty="0"/>
-              <a:t>_</a:t>
-            </a:r>
-            <a:r>
-              <a:rPr lang="fr-FR" dirty="0" err="1"/>
-              <a:t>logger.LogInformation</a:t>
-            </a:r>
-            <a:r>
-              <a:rPr lang="fr-FR" dirty="0"/>
-              <a:t>("User Information {User}", </a:t>
-            </a:r>
-            <a:r>
-              <a:rPr lang="fr-FR" dirty="0" err="1"/>
-              <a:t>Request</a:t>
-            </a:r>
-            <a:r>
-              <a:rPr lang="fr-FR" dirty="0"/>
-              <a:t>);</a:t>
-            </a:r>
-          </a:p>
-          <a:p>
-            <a:pPr lvl="1"/>
-            <a:r>
-              <a:rPr lang="fr-FR" dirty="0"/>
-              <a:t>[10:49:27 acd7bc9a-669d-4af5-9d4d-530b65966ef4 INF] User Information </a:t>
-            </a:r>
-            <a:r>
-              <a:rPr lang="fr-FR" dirty="0" err="1"/>
-              <a:t>Microsoft.AspNetCore.Http.DefaultHttpRequest</a:t>
-            </a:r>
-            <a:endParaRPr lang="fr-FR" dirty="0"/>
-          </a:p>
-          <a:p>
-            <a:r>
-              <a:rPr lang="en-US" dirty="0"/>
-              <a:t>_</a:t>
-            </a:r>
-            <a:r>
-              <a:rPr lang="en-US" dirty="0" err="1"/>
-              <a:t>logger.LogInformation</a:t>
-            </a:r>
-            <a:r>
-              <a:rPr lang="en-US" dirty="0"/>
-              <a:t>("Full User Identity Details {@User}", </a:t>
-            </a:r>
-            <a:r>
-              <a:rPr lang="en-US" dirty="0" err="1"/>
-              <a:t>User.Identity</a:t>
-            </a:r>
-            <a:r>
-              <a:rPr lang="en-US" dirty="0"/>
-              <a:t>);</a:t>
-            </a:r>
-          </a:p>
-          <a:p>
-            <a:pPr lvl="1"/>
-            <a:r>
-              <a:rPr lang="en-US" dirty="0"/>
-              <a:t>[10:49:27 acd7bc9a-669d-4af5-9d4d-530b65966ef4 INF] Full User Identity Details {"AuthenticationType":null,"IsAuthenticated":false,"Actor":null,"BootstrapContext":null,"Claims":[],"Label“….</a:t>
-            </a:r>
-          </a:p>
-        </p:txBody>
-      </p:sp>
-    </p:spTree>
-    <p:extLst>
-      <p:ext uri="{BB962C8B-B14F-4D97-AF65-F5344CB8AC3E}">
-        <p14:creationId xmlns:p14="http://schemas.microsoft.com/office/powerpoint/2010/main" val="2125271925"/>
-      </p:ext>
-    </p:extLst>
-  </p:cSld>
-  <p:clrMapOvr>
-    <a:masterClrMapping/>
-  </p:clrMapOvr>
-  <p:timing>
-    <p:tnLst>
-      <p:par>
-        <p:cTn id="1" dur="indefinite" restart="never" nodeType="tmRoot">
-          <p:childTnLst>
-            <p:seq concurrent="1" nextAc="seek">
-              <p:cTn id="2" dur="indefinite" nodeType="mainSeq">
-                <p:childTnLst>
-                  <p:par>
-                    <p:cTn id="3" fill="hold">
-                      <p:stCondLst>
-                        <p:cond delay="indefinite"/>
-                        <p:cond evt="onBegin" delay="0">
-                          <p:tn val="2"/>
-                        </p:cond>
-                      </p:stCondLst>
-                      <p:childTnLst>
-                        <p:par>
-                          <p:cTn id="4" fill="hold">
-                            <p:stCondLst>
-                              <p:cond delay="0"/>
-                            </p:stCondLst>
-                            <p:childTnLst>
-                              <p:par>
-                                <p:cTn id="5" presetID="1" presetClass="entr" presetSubtype="0" fill="hold" grpId="0" nodeType="withEffect">
-                                  <p:stCondLst>
-                                    <p:cond delay="0"/>
-                                  </p:stCondLst>
-                                  <p:childTnLst>
-                                    <p:set>
-                                      <p:cBhvr>
-                                        <p:cTn id="6" dur="1" fill="hold">
-                                          <p:stCondLst>
-                                            <p:cond delay="0"/>
-                                          </p:stCondLst>
-                                        </p:cTn>
-                                        <p:tgtEl>
-                                          <p:spTgt spid="3">
-                                            <p:txEl>
-                                              <p:pRg st="0" end="0"/>
-                                            </p:txEl>
-                                          </p:spTgt>
-                                        </p:tgtEl>
-                                        <p:attrNameLst>
-                                          <p:attrName>style.visibility</p:attrName>
-                                        </p:attrNameLst>
-                                      </p:cBhvr>
-                                      <p:to>
-                                        <p:strVal val="visible"/>
-                                      </p:to>
-                                    </p:set>
-                                  </p:childTnLst>
-                                </p:cTn>
-                              </p:par>
-                            </p:childTnLst>
-                          </p:cTn>
-                        </p:par>
-                      </p:childTnLst>
-                    </p:cTn>
-                  </p:par>
-                  <p:par>
-                    <p:cTn id="7" fill="hold">
-                      <p:stCondLst>
-                        <p:cond delay="indefinite"/>
-                      </p:stCondLst>
-                      <p:childTnLst>
-                        <p:par>
-                          <p:cTn id="8" fill="hold">
-                            <p:stCondLst>
-                              <p:cond delay="0"/>
-                            </p:stCondLst>
-                            <p:childTnLst>
-                              <p:par>
-                                <p:cTn id="9" presetID="1" presetClass="entr" presetSubtype="0" fill="hold" grpId="0" nodeType="clickEffect">
-                                  <p:stCondLst>
-                                    <p:cond delay="0"/>
-                                  </p:stCondLst>
-                                  <p:childTnLst>
-                                    <p:set>
-                                      <p:cBhvr>
-                                        <p:cTn id="10" dur="1" fill="hold">
-                                          <p:stCondLst>
-                                            <p:cond delay="0"/>
-                                          </p:stCondLst>
-                                        </p:cTn>
-                                        <p:tgtEl>
-                                          <p:spTgt spid="3">
-                                            <p:txEl>
-                                              <p:pRg st="1" end="1"/>
-                                            </p:txEl>
-                                          </p:spTgt>
-                                        </p:tgtEl>
-                                        <p:attrNameLst>
-                                          <p:attrName>style.visibility</p:attrName>
-                                        </p:attrNameLst>
-                                      </p:cBhvr>
-                                      <p:to>
-                                        <p:strVal val="visible"/>
-                                      </p:to>
-                                    </p:set>
-                                  </p:childTnLst>
-                                </p:cTn>
-                              </p:par>
-                            </p:childTnLst>
-                          </p:cTn>
-                        </p:par>
-                      </p:childTnLst>
-                    </p:cTn>
-                  </p:par>
-                  <p:par>
-                    <p:cTn id="11" fill="hold">
-                      <p:stCondLst>
-                        <p:cond delay="indefinite"/>
-                      </p:stCondLst>
-                      <p:childTnLst>
-                        <p:par>
-                          <p:cTn id="12" fill="hold">
-                            <p:stCondLst>
-                              <p:cond delay="0"/>
-                            </p:stCondLst>
-                            <p:childTnLst>
-                              <p:par>
-                                <p:cTn id="13" presetID="1" presetClass="entr" presetSubtype="0" fill="hold" grpId="0" nodeType="clickEffect">
-                                  <p:stCondLst>
-                                    <p:cond delay="0"/>
-                                  </p:stCondLst>
-                                  <p:childTnLst>
-                                    <p:set>
-                                      <p:cBhvr>
-                                        <p:cTn id="14" dur="1" fill="hold">
-                                          <p:stCondLst>
-                                            <p:cond delay="0"/>
-                                          </p:stCondLst>
-                                        </p:cTn>
-                                        <p:tgtEl>
-                                          <p:spTgt spid="3">
-                                            <p:txEl>
-                                              <p:pRg st="2" end="2"/>
-                                            </p:txEl>
-                                          </p:spTgt>
-                                        </p:tgtEl>
-                                        <p:attrNameLst>
-                                          <p:attrName>style.visibility</p:attrName>
-                                        </p:attrNameLst>
-                                      </p:cBhvr>
-                                      <p:to>
-                                        <p:strVal val="visible"/>
-                                      </p:to>
-                                    </p:set>
-                                  </p:childTnLst>
-                                </p:cTn>
-                              </p:par>
-                            </p:childTnLst>
-                          </p:cTn>
-                        </p:par>
-                      </p:childTnLst>
-                    </p:cTn>
-                  </p:par>
-                  <p:par>
-                    <p:cTn id="15" fill="hold">
-                      <p:stCondLst>
-                        <p:cond delay="indefinite"/>
-                      </p:stCondLst>
-                      <p:childTnLst>
-                        <p:par>
-                          <p:cTn id="16" fill="hold">
-                            <p:stCondLst>
-                              <p:cond delay="0"/>
-                            </p:stCondLst>
-                            <p:childTnLst>
-                              <p:par>
-                                <p:cTn id="17" presetID="1" presetClass="entr" presetSubtype="0" fill="hold" grpId="0" nodeType="clickEffect">
-                                  <p:stCondLst>
-                                    <p:cond delay="0"/>
-                                  </p:stCondLst>
-                                  <p:childTnLst>
-                                    <p:set>
-                                      <p:cBhvr>
-                                        <p:cTn id="18" dur="1" fill="hold">
-                                          <p:stCondLst>
-                                            <p:cond delay="0"/>
-                                          </p:stCondLst>
-                                        </p:cTn>
-                                        <p:tgtEl>
-                                          <p:spTgt spid="3">
-                                            <p:txEl>
-                                              <p:pRg st="3" end="3"/>
-                                            </p:txEl>
-                                          </p:spTgt>
-                                        </p:tgtEl>
-                                        <p:attrNameLst>
-                                          <p:attrName>style.visibility</p:attrName>
-                                        </p:attrNameLst>
-                                      </p:cBhvr>
-                                      <p:to>
-                                        <p:strVal val="visible"/>
-                                      </p:to>
-                                    </p:set>
-                                  </p:childTnLst>
-                                </p:cTn>
-                              </p:par>
-                            </p:childTnLst>
-                          </p:cTn>
-                        </p:par>
-                      </p:childTnLst>
-                    </p:cTn>
-                  </p:par>
-                </p:childTnLst>
-              </p:cTn>
-              <p:prevCondLst>
-                <p:cond evt="onPrev" delay="0">
-                  <p:tgtEl>
-                    <p:sldTgt/>
-                  </p:tgtEl>
-                </p:cond>
-              </p:prevCondLst>
-              <p:nextCondLst>
-                <p:cond evt="onNext" delay="0">
-                  <p:tgtEl>
-                    <p:sldTgt/>
-                  </p:tgtEl>
-                </p:cond>
-              </p:nextCondLst>
-            </p:seq>
-          </p:childTnLst>
-        </p:cTn>
-      </p:par>
-    </p:tnLst>
-    <p:bldLst>
-      <p:bldP spid="3" grpId="0" uiExpand="1" build="p"/>
-    </p:bldLst>
   </p:timing>
 </p:sld>
 </file>

--- a/Presentation/But It Was Logged.pptx
+++ b/Presentation/But It Was Logged.pptx
@@ -15,10 +15,10 @@
     <p:sldId id="263" r:id="rId9"/>
     <p:sldId id="267" r:id="rId10"/>
     <p:sldId id="268" r:id="rId11"/>
-    <p:sldId id="265" r:id="rId12"/>
-    <p:sldId id="271" r:id="rId13"/>
-    <p:sldId id="269" r:id="rId14"/>
-    <p:sldId id="270" r:id="rId15"/>
+    <p:sldId id="269" r:id="rId12"/>
+    <p:sldId id="270" r:id="rId13"/>
+    <p:sldId id="265" r:id="rId14"/>
+    <p:sldId id="271" r:id="rId15"/>
     <p:sldId id="261" r:id="rId16"/>
     <p:sldId id="266" r:id="rId17"/>
   </p:sldIdLst>
@@ -3020,7 +3020,7 @@
           <a:p>
             <a:r>
               <a:rPr lang="en-US" dirty="0"/>
-              <a:t>A practical look at logging with .NET 6 &amp; Beyond</a:t>
+              <a:t>A practical look at logging with .NET Core</a:t>
             </a:r>
           </a:p>
         </p:txBody>
@@ -3078,7 +3078,7 @@
           <a:p>
             <a:r>
               <a:rPr lang="en-US" dirty="0"/>
-              <a:t>Unique Aspects of Logging in .NET 6</a:t>
+              <a:t>Unique Aspects of Logging in .NET</a:t>
             </a:r>
           </a:p>
         </p:txBody>
@@ -3164,12 +3164,8 @@
             <a:pPr lvl="2"/>
             <a:r>
               <a:rPr lang="en-US" dirty="0"/>
-              <a:t>Its creator also offers a product “Seq” which I’ll discuss shortly</a:t>
-            </a:r>
-          </a:p>
-          <a:p>
-            <a:pPr lvl="1"/>
-            <a:endParaRPr lang="en-US" dirty="0"/>
+              <a:t>Its creator also offers a product “Seq”</a:t>
+            </a:r>
           </a:p>
         </p:txBody>
       </p:sp>
@@ -4042,493 +4038,6 @@
 </file>
 
 <file path=ppt/slides/slide11.xml><?xml version="1.0" encoding="utf-8"?>
-<p:sld xmlns:a="http://schemas.openxmlformats.org/drawingml/2006/main" xmlns:r="http://schemas.openxmlformats.org/officeDocument/2006/relationships" xmlns:p="http://schemas.openxmlformats.org/presentationml/2006/main">
-  <p:cSld>
-    <p:spTree>
-      <p:nvGrpSpPr>
-        <p:cNvPr id="1" name=""/>
-        <p:cNvGrpSpPr/>
-        <p:nvPr/>
-      </p:nvGrpSpPr>
-      <p:grpSpPr>
-        <a:xfrm>
-          <a:off x="0" y="0"/>
-          <a:ext cx="0" cy="0"/>
-          <a:chOff x="0" y="0"/>
-          <a:chExt cx="0" cy="0"/>
-        </a:xfrm>
-      </p:grpSpPr>
-      <p:sp>
-        <p:nvSpPr>
-          <p:cNvPr id="2" name="Title 1">
-            <a:extLst>
-              <a:ext uri="{FF2B5EF4-FFF2-40B4-BE49-F238E27FC236}">
-                <a16:creationId xmlns:a16="http://schemas.microsoft.com/office/drawing/2014/main" id="{4DFA0014-64DE-466A-A110-CFA3A9CABAEB}"/>
-              </a:ext>
-            </a:extLst>
-          </p:cNvPr>
-          <p:cNvSpPr>
-            <a:spLocks noGrp="1"/>
-          </p:cNvSpPr>
-          <p:nvPr>
-            <p:ph type="title"/>
-          </p:nvPr>
-        </p:nvSpPr>
-        <p:spPr/>
-        <p:txBody>
-          <a:bodyPr/>
-          <a:lstStyle/>
-          <a:p>
-            <a:r>
-              <a:rPr lang="en-US" dirty="0"/>
-              <a:t>Combined Log Stream Benefits</a:t>
-            </a:r>
-          </a:p>
-        </p:txBody>
-      </p:sp>
-      <p:sp>
-        <p:nvSpPr>
-          <p:cNvPr id="3" name="Content Placeholder 2">
-            <a:extLst>
-              <a:ext uri="{FF2B5EF4-FFF2-40B4-BE49-F238E27FC236}">
-                <a16:creationId xmlns:a16="http://schemas.microsoft.com/office/drawing/2014/main" id="{7A827662-8810-466A-8BD3-9ACFB8D0C9F6}"/>
-              </a:ext>
-            </a:extLst>
-          </p:cNvPr>
-          <p:cNvSpPr>
-            <a:spLocks noGrp="1"/>
-          </p:cNvSpPr>
-          <p:nvPr>
-            <p:ph idx="1"/>
-          </p:nvPr>
-        </p:nvSpPr>
-        <p:spPr/>
-        <p:txBody>
-          <a:bodyPr/>
-          <a:lstStyle/>
-          <a:p>
-            <a:r>
-              <a:rPr lang="en-US" dirty="0"/>
-              <a:t>Logging can often expose bottlenecks, or optimizations that are missed</a:t>
-            </a:r>
-          </a:p>
-          <a:p>
-            <a:r>
-              <a:rPr lang="en-US" dirty="0"/>
-              <a:t>EF Core for example logs out “optimizations” on model start</a:t>
-            </a:r>
-          </a:p>
-          <a:p>
-            <a:r>
-              <a:rPr lang="en-US" dirty="0"/>
-              <a:t>Can log things for diagnostic purposes, such as Query &amp; Performance for EF Core.</a:t>
-            </a:r>
-          </a:p>
-          <a:p>
-            <a:r>
-              <a:rPr lang="en-US" dirty="0"/>
-              <a:t>Full breadcrumb traffic patterns</a:t>
-            </a:r>
-          </a:p>
-        </p:txBody>
-      </p:sp>
-    </p:spTree>
-    <p:extLst>
-      <p:ext uri="{BB962C8B-B14F-4D97-AF65-F5344CB8AC3E}">
-        <p14:creationId xmlns:p14="http://schemas.microsoft.com/office/powerpoint/2010/main" val="1487358471"/>
-      </p:ext>
-    </p:extLst>
-  </p:cSld>
-  <p:clrMapOvr>
-    <a:masterClrMapping/>
-  </p:clrMapOvr>
-</p:sld>
-</file>
-
-<file path=ppt/slides/slide12.xml><?xml version="1.0" encoding="utf-8"?>
-<p:sld xmlns:a="http://schemas.openxmlformats.org/drawingml/2006/main" xmlns:r="http://schemas.openxmlformats.org/officeDocument/2006/relationships" xmlns:p="http://schemas.openxmlformats.org/presentationml/2006/main">
-  <p:cSld>
-    <p:spTree>
-      <p:nvGrpSpPr>
-        <p:cNvPr id="1" name=""/>
-        <p:cNvGrpSpPr/>
-        <p:nvPr/>
-      </p:nvGrpSpPr>
-      <p:grpSpPr>
-        <a:xfrm>
-          <a:off x="0" y="0"/>
-          <a:ext cx="0" cy="0"/>
-          <a:chOff x="0" y="0"/>
-          <a:chExt cx="0" cy="0"/>
-        </a:xfrm>
-      </p:grpSpPr>
-      <p:sp>
-        <p:nvSpPr>
-          <p:cNvPr id="2" name="Title 1">
-            <a:extLst>
-              <a:ext uri="{FF2B5EF4-FFF2-40B4-BE49-F238E27FC236}">
-                <a16:creationId xmlns:a16="http://schemas.microsoft.com/office/drawing/2014/main" id="{E03281FC-7210-4ED9-9307-58A3CE63E058}"/>
-              </a:ext>
-            </a:extLst>
-          </p:cNvPr>
-          <p:cNvSpPr>
-            <a:spLocks noGrp="1"/>
-          </p:cNvSpPr>
-          <p:nvPr>
-            <p:ph type="title"/>
-          </p:nvPr>
-        </p:nvSpPr>
-        <p:spPr/>
-        <p:txBody>
-          <a:bodyPr/>
-          <a:lstStyle/>
-          <a:p>
-            <a:r>
-              <a:rPr lang="en-US" dirty="0"/>
-              <a:t>Message Format: </a:t>
-            </a:r>
-            <a:r>
-              <a:rPr lang="en-US" dirty="0" err="1"/>
-              <a:t>ToString</a:t>
-            </a:r>
-            <a:r>
-              <a:rPr lang="en-US" dirty="0"/>
-              <a:t>() vs Dump</a:t>
-            </a:r>
-          </a:p>
-        </p:txBody>
-      </p:sp>
-      <p:sp>
-        <p:nvSpPr>
-          <p:cNvPr id="3" name="Content Placeholder 2">
-            <a:extLst>
-              <a:ext uri="{FF2B5EF4-FFF2-40B4-BE49-F238E27FC236}">
-                <a16:creationId xmlns:a16="http://schemas.microsoft.com/office/drawing/2014/main" id="{820D962F-E825-4961-890B-5E3849C17450}"/>
-              </a:ext>
-            </a:extLst>
-          </p:cNvPr>
-          <p:cNvSpPr>
-            <a:spLocks noGrp="1"/>
-          </p:cNvSpPr>
-          <p:nvPr>
-            <p:ph idx="1"/>
-          </p:nvPr>
-        </p:nvSpPr>
-        <p:spPr/>
-        <p:txBody>
-          <a:bodyPr/>
-          <a:lstStyle/>
-          <a:p>
-            <a:r>
-              <a:rPr lang="fr-FR" dirty="0"/>
-              <a:t>_</a:t>
-            </a:r>
-            <a:r>
-              <a:rPr lang="fr-FR" dirty="0" err="1"/>
-              <a:t>logger.LogInformation</a:t>
-            </a:r>
-            <a:r>
-              <a:rPr lang="fr-FR" dirty="0"/>
-              <a:t>("User Information {User}", </a:t>
-            </a:r>
-            <a:r>
-              <a:rPr lang="fr-FR" dirty="0" err="1"/>
-              <a:t>Request</a:t>
-            </a:r>
-            <a:r>
-              <a:rPr lang="fr-FR" dirty="0"/>
-              <a:t>);</a:t>
-            </a:r>
-          </a:p>
-          <a:p>
-            <a:pPr lvl="1"/>
-            <a:r>
-              <a:rPr lang="fr-FR" dirty="0"/>
-              <a:t>[10:49:27 acd7bc9a-669d-4af5-9d4d-530b65966ef4 INF] User Information </a:t>
-            </a:r>
-            <a:r>
-              <a:rPr lang="fr-FR" dirty="0" err="1"/>
-              <a:t>Microsoft.AspNetCore.Http.DefaultHttpRequest</a:t>
-            </a:r>
-            <a:endParaRPr lang="fr-FR" dirty="0"/>
-          </a:p>
-          <a:p>
-            <a:r>
-              <a:rPr lang="en-US" dirty="0"/>
-              <a:t>_</a:t>
-            </a:r>
-            <a:r>
-              <a:rPr lang="en-US" dirty="0" err="1"/>
-              <a:t>logger.LogInformation</a:t>
-            </a:r>
-            <a:r>
-              <a:rPr lang="en-US" dirty="0"/>
-              <a:t>("Full User Identity Details {@User}", </a:t>
-            </a:r>
-            <a:r>
-              <a:rPr lang="en-US" dirty="0" err="1"/>
-              <a:t>User.Identity</a:t>
-            </a:r>
-            <a:r>
-              <a:rPr lang="en-US" dirty="0"/>
-              <a:t>);</a:t>
-            </a:r>
-          </a:p>
-          <a:p>
-            <a:pPr lvl="1"/>
-            <a:r>
-              <a:rPr lang="en-US" dirty="0"/>
-              <a:t>[10:49:27 acd7bc9a-669d-4af5-9d4d-530b65966ef4 INF] Full User Identity Details {"AuthenticationType":null,"IsAuthenticated":false,"Actor":null,"BootstrapContext":null,"Claims":[],"Label“….</a:t>
-            </a:r>
-          </a:p>
-        </p:txBody>
-      </p:sp>
-    </p:spTree>
-    <p:extLst>
-      <p:ext uri="{BB962C8B-B14F-4D97-AF65-F5344CB8AC3E}">
-        <p14:creationId xmlns:p14="http://schemas.microsoft.com/office/powerpoint/2010/main" val="2125271925"/>
-      </p:ext>
-    </p:extLst>
-  </p:cSld>
-  <p:clrMapOvr>
-    <a:masterClrMapping/>
-  </p:clrMapOvr>
-  <p:timing>
-    <p:tnLst>
-      <p:par>
-        <p:cTn id="1" dur="indefinite" restart="never" nodeType="tmRoot">
-          <p:childTnLst>
-            <p:seq concurrent="1" nextAc="seek">
-              <p:cTn id="2" dur="indefinite" nodeType="mainSeq">
-                <p:childTnLst>
-                  <p:par>
-                    <p:cTn id="3" fill="hold">
-                      <p:stCondLst>
-                        <p:cond delay="indefinite"/>
-                        <p:cond evt="onBegin" delay="0">
-                          <p:tn val="2"/>
-                        </p:cond>
-                      </p:stCondLst>
-                      <p:childTnLst>
-                        <p:par>
-                          <p:cTn id="4" fill="hold">
-                            <p:stCondLst>
-                              <p:cond delay="0"/>
-                            </p:stCondLst>
-                            <p:childTnLst>
-                              <p:par>
-                                <p:cTn id="5" presetID="1" presetClass="entr" presetSubtype="0" fill="hold" grpId="0" nodeType="withEffect">
-                                  <p:stCondLst>
-                                    <p:cond delay="0"/>
-                                  </p:stCondLst>
-                                  <p:childTnLst>
-                                    <p:set>
-                                      <p:cBhvr>
-                                        <p:cTn id="6" dur="1" fill="hold">
-                                          <p:stCondLst>
-                                            <p:cond delay="0"/>
-                                          </p:stCondLst>
-                                        </p:cTn>
-                                        <p:tgtEl>
-                                          <p:spTgt spid="3">
-                                            <p:txEl>
-                                              <p:pRg st="0" end="0"/>
-                                            </p:txEl>
-                                          </p:spTgt>
-                                        </p:tgtEl>
-                                        <p:attrNameLst>
-                                          <p:attrName>style.visibility</p:attrName>
-                                        </p:attrNameLst>
-                                      </p:cBhvr>
-                                      <p:to>
-                                        <p:strVal val="visible"/>
-                                      </p:to>
-                                    </p:set>
-                                  </p:childTnLst>
-                                </p:cTn>
-                              </p:par>
-                            </p:childTnLst>
-                          </p:cTn>
-                        </p:par>
-                      </p:childTnLst>
-                    </p:cTn>
-                  </p:par>
-                  <p:par>
-                    <p:cTn id="7" fill="hold">
-                      <p:stCondLst>
-                        <p:cond delay="indefinite"/>
-                      </p:stCondLst>
-                      <p:childTnLst>
-                        <p:par>
-                          <p:cTn id="8" fill="hold">
-                            <p:stCondLst>
-                              <p:cond delay="0"/>
-                            </p:stCondLst>
-                            <p:childTnLst>
-                              <p:par>
-                                <p:cTn id="9" presetID="1" presetClass="entr" presetSubtype="0" fill="hold" grpId="0" nodeType="clickEffect">
-                                  <p:stCondLst>
-                                    <p:cond delay="0"/>
-                                  </p:stCondLst>
-                                  <p:childTnLst>
-                                    <p:set>
-                                      <p:cBhvr>
-                                        <p:cTn id="10" dur="1" fill="hold">
-                                          <p:stCondLst>
-                                            <p:cond delay="0"/>
-                                          </p:stCondLst>
-                                        </p:cTn>
-                                        <p:tgtEl>
-                                          <p:spTgt spid="3">
-                                            <p:txEl>
-                                              <p:pRg st="1" end="1"/>
-                                            </p:txEl>
-                                          </p:spTgt>
-                                        </p:tgtEl>
-                                        <p:attrNameLst>
-                                          <p:attrName>style.visibility</p:attrName>
-                                        </p:attrNameLst>
-                                      </p:cBhvr>
-                                      <p:to>
-                                        <p:strVal val="visible"/>
-                                      </p:to>
-                                    </p:set>
-                                  </p:childTnLst>
-                                </p:cTn>
-                              </p:par>
-                            </p:childTnLst>
-                          </p:cTn>
-                        </p:par>
-                      </p:childTnLst>
-                    </p:cTn>
-                  </p:par>
-                  <p:par>
-                    <p:cTn id="11" fill="hold">
-                      <p:stCondLst>
-                        <p:cond delay="indefinite"/>
-                      </p:stCondLst>
-                      <p:childTnLst>
-                        <p:par>
-                          <p:cTn id="12" fill="hold">
-                            <p:stCondLst>
-                              <p:cond delay="0"/>
-                            </p:stCondLst>
-                            <p:childTnLst>
-                              <p:par>
-                                <p:cTn id="13" presetID="1" presetClass="entr" presetSubtype="0" fill="hold" grpId="0" nodeType="clickEffect">
-                                  <p:stCondLst>
-                                    <p:cond delay="0"/>
-                                  </p:stCondLst>
-                                  <p:childTnLst>
-                                    <p:set>
-                                      <p:cBhvr>
-                                        <p:cTn id="14" dur="1" fill="hold">
-                                          <p:stCondLst>
-                                            <p:cond delay="0"/>
-                                          </p:stCondLst>
-                                        </p:cTn>
-                                        <p:tgtEl>
-                                          <p:spTgt spid="3">
-                                            <p:txEl>
-                                              <p:pRg st="2" end="2"/>
-                                            </p:txEl>
-                                          </p:spTgt>
-                                        </p:tgtEl>
-                                        <p:attrNameLst>
-                                          <p:attrName>style.visibility</p:attrName>
-                                        </p:attrNameLst>
-                                      </p:cBhvr>
-                                      <p:to>
-                                        <p:strVal val="visible"/>
-                                      </p:to>
-                                    </p:set>
-                                  </p:childTnLst>
-                                </p:cTn>
-                              </p:par>
-                            </p:childTnLst>
-                          </p:cTn>
-                        </p:par>
-                      </p:childTnLst>
-                    </p:cTn>
-                  </p:par>
-                  <p:par>
-                    <p:cTn id="15" fill="hold">
-                      <p:stCondLst>
-                        <p:cond delay="indefinite"/>
-                      </p:stCondLst>
-                      <p:childTnLst>
-                        <p:par>
-                          <p:cTn id="16" fill="hold">
-                            <p:stCondLst>
-                              <p:cond delay="0"/>
-                            </p:stCondLst>
-                            <p:childTnLst>
-                              <p:par>
-                                <p:cTn id="17" presetID="1" presetClass="entr" presetSubtype="0" fill="hold" grpId="0" nodeType="clickEffect">
-                                  <p:stCondLst>
-                                    <p:cond delay="0"/>
-                                  </p:stCondLst>
-                                  <p:childTnLst>
-                                    <p:set>
-                                      <p:cBhvr>
-                                        <p:cTn id="18" dur="1" fill="hold">
-                                          <p:stCondLst>
-                                            <p:cond delay="0"/>
-                                          </p:stCondLst>
-                                        </p:cTn>
-                                        <p:tgtEl>
-                                          <p:spTgt spid="3">
-                                            <p:txEl>
-                                              <p:pRg st="3" end="3"/>
-                                            </p:txEl>
-                                          </p:spTgt>
-                                        </p:tgtEl>
-                                        <p:attrNameLst>
-                                          <p:attrName>style.visibility</p:attrName>
-                                        </p:attrNameLst>
-                                      </p:cBhvr>
-                                      <p:to>
-                                        <p:strVal val="visible"/>
-                                      </p:to>
-                                    </p:set>
-                                  </p:childTnLst>
-                                </p:cTn>
-                              </p:par>
-                            </p:childTnLst>
-                          </p:cTn>
-                        </p:par>
-                      </p:childTnLst>
-                    </p:cTn>
-                  </p:par>
-                </p:childTnLst>
-              </p:cTn>
-              <p:prevCondLst>
-                <p:cond evt="onPrev" delay="0">
-                  <p:tgtEl>
-                    <p:sldTgt/>
-                  </p:tgtEl>
-                </p:cond>
-              </p:prevCondLst>
-              <p:nextCondLst>
-                <p:cond evt="onNext" delay="0">
-                  <p:tgtEl>
-                    <p:sldTgt/>
-                  </p:tgtEl>
-                </p:cond>
-              </p:nextCondLst>
-            </p:seq>
-          </p:childTnLst>
-        </p:cTn>
-      </p:par>
-    </p:tnLst>
-    <p:bldLst>
-      <p:bldP spid="3" grpId="0" uiExpand="1" build="p"/>
-    </p:bldLst>
-  </p:timing>
-</p:sld>
-</file>
-
-<file path=ppt/slides/slide13.xml><?xml version="1.0" encoding="utf-8"?>
 <p:sld xmlns:a="http://schemas.openxmlformats.org/drawingml/2006/main" xmlns:r="http://schemas.openxmlformats.org/officeDocument/2006/relationships" xmlns:p="http://schemas.openxmlformats.org/presentationml/2006/main">
   <p:cSld>
     <p:spTree>
@@ -4587,7 +4096,7 @@
 </p:sld>
 </file>
 
-<file path=ppt/slides/slide14.xml><?xml version="1.0" encoding="utf-8"?>
+<file path=ppt/slides/slide12.xml><?xml version="1.0" encoding="utf-8"?>
 <p:sld xmlns:a="http://schemas.openxmlformats.org/drawingml/2006/main" xmlns:r="http://schemas.openxmlformats.org/officeDocument/2006/relationships" xmlns:p="http://schemas.openxmlformats.org/presentationml/2006/main">
   <p:cSld>
     <p:spTree>
@@ -4918,6 +4427,1386 @@
 </p:sld>
 </file>
 
+<file path=ppt/slides/slide13.xml><?xml version="1.0" encoding="utf-8"?>
+<p:sld xmlns:a="http://schemas.openxmlformats.org/drawingml/2006/main" xmlns:r="http://schemas.openxmlformats.org/officeDocument/2006/relationships" xmlns:p="http://schemas.openxmlformats.org/presentationml/2006/main">
+  <p:cSld>
+    <p:spTree>
+      <p:nvGrpSpPr>
+        <p:cNvPr id="1" name=""/>
+        <p:cNvGrpSpPr/>
+        <p:nvPr/>
+      </p:nvGrpSpPr>
+      <p:grpSpPr>
+        <a:xfrm>
+          <a:off x="0" y="0"/>
+          <a:ext cx="0" cy="0"/>
+          <a:chOff x="0" y="0"/>
+          <a:chExt cx="0" cy="0"/>
+        </a:xfrm>
+      </p:grpSpPr>
+      <p:sp>
+        <p:nvSpPr>
+          <p:cNvPr id="2" name="Title 1">
+            <a:extLst>
+              <a:ext uri="{FF2B5EF4-FFF2-40B4-BE49-F238E27FC236}">
+                <a16:creationId xmlns:a16="http://schemas.microsoft.com/office/drawing/2014/main" id="{4DFA0014-64DE-466A-A110-CFA3A9CABAEB}"/>
+              </a:ext>
+            </a:extLst>
+          </p:cNvPr>
+          <p:cNvSpPr>
+            <a:spLocks noGrp="1"/>
+          </p:cNvSpPr>
+          <p:nvPr>
+            <p:ph type="title"/>
+          </p:nvPr>
+        </p:nvSpPr>
+        <p:spPr/>
+        <p:txBody>
+          <a:bodyPr/>
+          <a:lstStyle/>
+          <a:p>
+            <a:r>
+              <a:rPr lang="en-US" dirty="0"/>
+              <a:t>Combined Log Stream Benefits</a:t>
+            </a:r>
+          </a:p>
+        </p:txBody>
+      </p:sp>
+      <p:sp>
+        <p:nvSpPr>
+          <p:cNvPr id="3" name="Content Placeholder 2">
+            <a:extLst>
+              <a:ext uri="{FF2B5EF4-FFF2-40B4-BE49-F238E27FC236}">
+                <a16:creationId xmlns:a16="http://schemas.microsoft.com/office/drawing/2014/main" id="{7A827662-8810-466A-8BD3-9ACFB8D0C9F6}"/>
+              </a:ext>
+            </a:extLst>
+          </p:cNvPr>
+          <p:cNvSpPr>
+            <a:spLocks noGrp="1"/>
+          </p:cNvSpPr>
+          <p:nvPr>
+            <p:ph idx="1"/>
+          </p:nvPr>
+        </p:nvSpPr>
+        <p:spPr/>
+        <p:txBody>
+          <a:bodyPr/>
+          <a:lstStyle/>
+          <a:p>
+            <a:r>
+              <a:rPr lang="en-US" dirty="0"/>
+              <a:t>Logging can often expose bottlenecks, or optimizations that are missed</a:t>
+            </a:r>
+          </a:p>
+          <a:p>
+            <a:pPr lvl="1"/>
+            <a:r>
+              <a:rPr lang="en-US" dirty="0"/>
+              <a:t>EF Core for example logs out “optimizations” on model start</a:t>
+            </a:r>
+          </a:p>
+          <a:p>
+            <a:pPr lvl="1"/>
+            <a:r>
+              <a:rPr lang="en-US" dirty="0"/>
+              <a:t>ASP.NET logs individual timestamps for entry/exit and processing</a:t>
+            </a:r>
+          </a:p>
+          <a:p>
+            <a:pPr lvl="1"/>
+            <a:r>
+              <a:rPr lang="en-US" dirty="0" err="1"/>
+              <a:t>Serilog</a:t>
+            </a:r>
+            <a:r>
+              <a:rPr lang="en-US" dirty="0"/>
+              <a:t> can create a streamlined single-message duration</a:t>
+            </a:r>
+          </a:p>
+          <a:p>
+            <a:r>
+              <a:rPr lang="en-US" dirty="0"/>
+              <a:t>Can log things for diagnostic purposes</a:t>
+            </a:r>
+          </a:p>
+          <a:p>
+            <a:pPr lvl="1"/>
+            <a:r>
+              <a:rPr lang="en-US" dirty="0"/>
+              <a:t>EF Core can log all actual executed SQL</a:t>
+            </a:r>
+          </a:p>
+          <a:p>
+            <a:pPr lvl="1"/>
+            <a:r>
+              <a:rPr lang="en-US" dirty="0"/>
+              <a:t>Routing logs how/why a route was matched</a:t>
+            </a:r>
+          </a:p>
+          <a:p>
+            <a:r>
+              <a:rPr lang="en-US" dirty="0"/>
+              <a:t>Full breadcrumb traffic patterns</a:t>
+            </a:r>
+          </a:p>
+        </p:txBody>
+      </p:sp>
+    </p:spTree>
+    <p:extLst>
+      <p:ext uri="{BB962C8B-B14F-4D97-AF65-F5344CB8AC3E}">
+        <p14:creationId xmlns:p14="http://schemas.microsoft.com/office/powerpoint/2010/main" val="1487358471"/>
+      </p:ext>
+    </p:extLst>
+  </p:cSld>
+  <p:clrMapOvr>
+    <a:masterClrMapping/>
+  </p:clrMapOvr>
+  <p:timing>
+    <p:tnLst>
+      <p:par>
+        <p:cTn id="1" dur="indefinite" restart="never" nodeType="tmRoot">
+          <p:childTnLst>
+            <p:seq concurrent="1" nextAc="seek">
+              <p:cTn id="2" dur="indefinite" nodeType="mainSeq">
+                <p:childTnLst>
+                  <p:par>
+                    <p:cTn id="3" fill="hold">
+                      <p:stCondLst>
+                        <p:cond delay="indefinite"/>
+                        <p:cond evt="onBegin" delay="0">
+                          <p:tn val="2"/>
+                        </p:cond>
+                      </p:stCondLst>
+                      <p:childTnLst>
+                        <p:par>
+                          <p:cTn id="4" fill="hold">
+                            <p:stCondLst>
+                              <p:cond delay="0"/>
+                            </p:stCondLst>
+                            <p:childTnLst>
+                              <p:par>
+                                <p:cTn id="5" presetID="2" presetClass="entr" presetSubtype="4" fill="hold" grpId="0" nodeType="withEffect">
+                                  <p:stCondLst>
+                                    <p:cond delay="0"/>
+                                  </p:stCondLst>
+                                  <p:childTnLst>
+                                    <p:set>
+                                      <p:cBhvr>
+                                        <p:cTn id="6" dur="1" fill="hold">
+                                          <p:stCondLst>
+                                            <p:cond delay="0"/>
+                                          </p:stCondLst>
+                                        </p:cTn>
+                                        <p:tgtEl>
+                                          <p:spTgt spid="3">
+                                            <p:txEl>
+                                              <p:pRg st="0" end="0"/>
+                                            </p:txEl>
+                                          </p:spTgt>
+                                        </p:tgtEl>
+                                        <p:attrNameLst>
+                                          <p:attrName>style.visibility</p:attrName>
+                                        </p:attrNameLst>
+                                      </p:cBhvr>
+                                      <p:to>
+                                        <p:strVal val="visible"/>
+                                      </p:to>
+                                    </p:set>
+                                    <p:anim calcmode="lin" valueType="num">
+                                      <p:cBhvr additive="base">
+                                        <p:cTn id="7" dur="500" fill="hold"/>
+                                        <p:tgtEl>
+                                          <p:spTgt spid="3">
+                                            <p:txEl>
+                                              <p:pRg st="0" end="0"/>
+                                            </p:txEl>
+                                          </p:spTgt>
+                                        </p:tgtEl>
+                                        <p:attrNameLst>
+                                          <p:attrName>ppt_x</p:attrName>
+                                        </p:attrNameLst>
+                                      </p:cBhvr>
+                                      <p:tavLst>
+                                        <p:tav tm="0">
+                                          <p:val>
+                                            <p:strVal val="#ppt_x"/>
+                                          </p:val>
+                                        </p:tav>
+                                        <p:tav tm="100000">
+                                          <p:val>
+                                            <p:strVal val="#ppt_x"/>
+                                          </p:val>
+                                        </p:tav>
+                                      </p:tavLst>
+                                    </p:anim>
+                                    <p:anim calcmode="lin" valueType="num">
+                                      <p:cBhvr additive="base">
+                                        <p:cTn id="8" dur="500" fill="hold"/>
+                                        <p:tgtEl>
+                                          <p:spTgt spid="3">
+                                            <p:txEl>
+                                              <p:pRg st="0" end="0"/>
+                                            </p:txEl>
+                                          </p:spTgt>
+                                        </p:tgtEl>
+                                        <p:attrNameLst>
+                                          <p:attrName>ppt_y</p:attrName>
+                                        </p:attrNameLst>
+                                      </p:cBhvr>
+                                      <p:tavLst>
+                                        <p:tav tm="0">
+                                          <p:val>
+                                            <p:strVal val="1+#ppt_h/2"/>
+                                          </p:val>
+                                        </p:tav>
+                                        <p:tav tm="100000">
+                                          <p:val>
+                                            <p:strVal val="#ppt_y"/>
+                                          </p:val>
+                                        </p:tav>
+                                      </p:tavLst>
+                                    </p:anim>
+                                  </p:childTnLst>
+                                </p:cTn>
+                              </p:par>
+                            </p:childTnLst>
+                          </p:cTn>
+                        </p:par>
+                      </p:childTnLst>
+                    </p:cTn>
+                  </p:par>
+                  <p:par>
+                    <p:cTn id="9" fill="hold">
+                      <p:stCondLst>
+                        <p:cond delay="indefinite"/>
+                      </p:stCondLst>
+                      <p:childTnLst>
+                        <p:par>
+                          <p:cTn id="10" fill="hold">
+                            <p:stCondLst>
+                              <p:cond delay="0"/>
+                            </p:stCondLst>
+                            <p:childTnLst>
+                              <p:par>
+                                <p:cTn id="11" presetID="2" presetClass="entr" presetSubtype="4" fill="hold" grpId="0" nodeType="clickEffect">
+                                  <p:stCondLst>
+                                    <p:cond delay="0"/>
+                                  </p:stCondLst>
+                                  <p:childTnLst>
+                                    <p:set>
+                                      <p:cBhvr>
+                                        <p:cTn id="12" dur="1" fill="hold">
+                                          <p:stCondLst>
+                                            <p:cond delay="0"/>
+                                          </p:stCondLst>
+                                        </p:cTn>
+                                        <p:tgtEl>
+                                          <p:spTgt spid="3">
+                                            <p:txEl>
+                                              <p:pRg st="1" end="1"/>
+                                            </p:txEl>
+                                          </p:spTgt>
+                                        </p:tgtEl>
+                                        <p:attrNameLst>
+                                          <p:attrName>style.visibility</p:attrName>
+                                        </p:attrNameLst>
+                                      </p:cBhvr>
+                                      <p:to>
+                                        <p:strVal val="visible"/>
+                                      </p:to>
+                                    </p:set>
+                                    <p:anim calcmode="lin" valueType="num">
+                                      <p:cBhvr additive="base">
+                                        <p:cTn id="13" dur="500" fill="hold"/>
+                                        <p:tgtEl>
+                                          <p:spTgt spid="3">
+                                            <p:txEl>
+                                              <p:pRg st="1" end="1"/>
+                                            </p:txEl>
+                                          </p:spTgt>
+                                        </p:tgtEl>
+                                        <p:attrNameLst>
+                                          <p:attrName>ppt_x</p:attrName>
+                                        </p:attrNameLst>
+                                      </p:cBhvr>
+                                      <p:tavLst>
+                                        <p:tav tm="0">
+                                          <p:val>
+                                            <p:strVal val="#ppt_x"/>
+                                          </p:val>
+                                        </p:tav>
+                                        <p:tav tm="100000">
+                                          <p:val>
+                                            <p:strVal val="#ppt_x"/>
+                                          </p:val>
+                                        </p:tav>
+                                      </p:tavLst>
+                                    </p:anim>
+                                    <p:anim calcmode="lin" valueType="num">
+                                      <p:cBhvr additive="base">
+                                        <p:cTn id="14" dur="500" fill="hold"/>
+                                        <p:tgtEl>
+                                          <p:spTgt spid="3">
+                                            <p:txEl>
+                                              <p:pRg st="1" end="1"/>
+                                            </p:txEl>
+                                          </p:spTgt>
+                                        </p:tgtEl>
+                                        <p:attrNameLst>
+                                          <p:attrName>ppt_y</p:attrName>
+                                        </p:attrNameLst>
+                                      </p:cBhvr>
+                                      <p:tavLst>
+                                        <p:tav tm="0">
+                                          <p:val>
+                                            <p:strVal val="1+#ppt_h/2"/>
+                                          </p:val>
+                                        </p:tav>
+                                        <p:tav tm="100000">
+                                          <p:val>
+                                            <p:strVal val="#ppt_y"/>
+                                          </p:val>
+                                        </p:tav>
+                                      </p:tavLst>
+                                    </p:anim>
+                                  </p:childTnLst>
+                                </p:cTn>
+                              </p:par>
+                            </p:childTnLst>
+                          </p:cTn>
+                        </p:par>
+                      </p:childTnLst>
+                    </p:cTn>
+                  </p:par>
+                  <p:par>
+                    <p:cTn id="15" fill="hold">
+                      <p:stCondLst>
+                        <p:cond delay="indefinite"/>
+                      </p:stCondLst>
+                      <p:childTnLst>
+                        <p:par>
+                          <p:cTn id="16" fill="hold">
+                            <p:stCondLst>
+                              <p:cond delay="0"/>
+                            </p:stCondLst>
+                            <p:childTnLst>
+                              <p:par>
+                                <p:cTn id="17" presetID="2" presetClass="entr" presetSubtype="4" fill="hold" grpId="0" nodeType="clickEffect">
+                                  <p:stCondLst>
+                                    <p:cond delay="0"/>
+                                  </p:stCondLst>
+                                  <p:childTnLst>
+                                    <p:set>
+                                      <p:cBhvr>
+                                        <p:cTn id="18" dur="1" fill="hold">
+                                          <p:stCondLst>
+                                            <p:cond delay="0"/>
+                                          </p:stCondLst>
+                                        </p:cTn>
+                                        <p:tgtEl>
+                                          <p:spTgt spid="3">
+                                            <p:txEl>
+                                              <p:pRg st="2" end="2"/>
+                                            </p:txEl>
+                                          </p:spTgt>
+                                        </p:tgtEl>
+                                        <p:attrNameLst>
+                                          <p:attrName>style.visibility</p:attrName>
+                                        </p:attrNameLst>
+                                      </p:cBhvr>
+                                      <p:to>
+                                        <p:strVal val="visible"/>
+                                      </p:to>
+                                    </p:set>
+                                    <p:anim calcmode="lin" valueType="num">
+                                      <p:cBhvr additive="base">
+                                        <p:cTn id="19" dur="500" fill="hold"/>
+                                        <p:tgtEl>
+                                          <p:spTgt spid="3">
+                                            <p:txEl>
+                                              <p:pRg st="2" end="2"/>
+                                            </p:txEl>
+                                          </p:spTgt>
+                                        </p:tgtEl>
+                                        <p:attrNameLst>
+                                          <p:attrName>ppt_x</p:attrName>
+                                        </p:attrNameLst>
+                                      </p:cBhvr>
+                                      <p:tavLst>
+                                        <p:tav tm="0">
+                                          <p:val>
+                                            <p:strVal val="#ppt_x"/>
+                                          </p:val>
+                                        </p:tav>
+                                        <p:tav tm="100000">
+                                          <p:val>
+                                            <p:strVal val="#ppt_x"/>
+                                          </p:val>
+                                        </p:tav>
+                                      </p:tavLst>
+                                    </p:anim>
+                                    <p:anim calcmode="lin" valueType="num">
+                                      <p:cBhvr additive="base">
+                                        <p:cTn id="20" dur="500" fill="hold"/>
+                                        <p:tgtEl>
+                                          <p:spTgt spid="3">
+                                            <p:txEl>
+                                              <p:pRg st="2" end="2"/>
+                                            </p:txEl>
+                                          </p:spTgt>
+                                        </p:tgtEl>
+                                        <p:attrNameLst>
+                                          <p:attrName>ppt_y</p:attrName>
+                                        </p:attrNameLst>
+                                      </p:cBhvr>
+                                      <p:tavLst>
+                                        <p:tav tm="0">
+                                          <p:val>
+                                            <p:strVal val="1+#ppt_h/2"/>
+                                          </p:val>
+                                        </p:tav>
+                                        <p:tav tm="100000">
+                                          <p:val>
+                                            <p:strVal val="#ppt_y"/>
+                                          </p:val>
+                                        </p:tav>
+                                      </p:tavLst>
+                                    </p:anim>
+                                  </p:childTnLst>
+                                </p:cTn>
+                              </p:par>
+                            </p:childTnLst>
+                          </p:cTn>
+                        </p:par>
+                      </p:childTnLst>
+                    </p:cTn>
+                  </p:par>
+                  <p:par>
+                    <p:cTn id="21" fill="hold">
+                      <p:stCondLst>
+                        <p:cond delay="indefinite"/>
+                      </p:stCondLst>
+                      <p:childTnLst>
+                        <p:par>
+                          <p:cTn id="22" fill="hold">
+                            <p:stCondLst>
+                              <p:cond delay="0"/>
+                            </p:stCondLst>
+                            <p:childTnLst>
+                              <p:par>
+                                <p:cTn id="23" presetID="2" presetClass="entr" presetSubtype="4" fill="hold" grpId="0" nodeType="clickEffect">
+                                  <p:stCondLst>
+                                    <p:cond delay="0"/>
+                                  </p:stCondLst>
+                                  <p:childTnLst>
+                                    <p:set>
+                                      <p:cBhvr>
+                                        <p:cTn id="24" dur="1" fill="hold">
+                                          <p:stCondLst>
+                                            <p:cond delay="0"/>
+                                          </p:stCondLst>
+                                        </p:cTn>
+                                        <p:tgtEl>
+                                          <p:spTgt spid="3">
+                                            <p:txEl>
+                                              <p:pRg st="3" end="3"/>
+                                            </p:txEl>
+                                          </p:spTgt>
+                                        </p:tgtEl>
+                                        <p:attrNameLst>
+                                          <p:attrName>style.visibility</p:attrName>
+                                        </p:attrNameLst>
+                                      </p:cBhvr>
+                                      <p:to>
+                                        <p:strVal val="visible"/>
+                                      </p:to>
+                                    </p:set>
+                                    <p:anim calcmode="lin" valueType="num">
+                                      <p:cBhvr additive="base">
+                                        <p:cTn id="25" dur="500" fill="hold"/>
+                                        <p:tgtEl>
+                                          <p:spTgt spid="3">
+                                            <p:txEl>
+                                              <p:pRg st="3" end="3"/>
+                                            </p:txEl>
+                                          </p:spTgt>
+                                        </p:tgtEl>
+                                        <p:attrNameLst>
+                                          <p:attrName>ppt_x</p:attrName>
+                                        </p:attrNameLst>
+                                      </p:cBhvr>
+                                      <p:tavLst>
+                                        <p:tav tm="0">
+                                          <p:val>
+                                            <p:strVal val="#ppt_x"/>
+                                          </p:val>
+                                        </p:tav>
+                                        <p:tav tm="100000">
+                                          <p:val>
+                                            <p:strVal val="#ppt_x"/>
+                                          </p:val>
+                                        </p:tav>
+                                      </p:tavLst>
+                                    </p:anim>
+                                    <p:anim calcmode="lin" valueType="num">
+                                      <p:cBhvr additive="base">
+                                        <p:cTn id="26" dur="500" fill="hold"/>
+                                        <p:tgtEl>
+                                          <p:spTgt spid="3">
+                                            <p:txEl>
+                                              <p:pRg st="3" end="3"/>
+                                            </p:txEl>
+                                          </p:spTgt>
+                                        </p:tgtEl>
+                                        <p:attrNameLst>
+                                          <p:attrName>ppt_y</p:attrName>
+                                        </p:attrNameLst>
+                                      </p:cBhvr>
+                                      <p:tavLst>
+                                        <p:tav tm="0">
+                                          <p:val>
+                                            <p:strVal val="1+#ppt_h/2"/>
+                                          </p:val>
+                                        </p:tav>
+                                        <p:tav tm="100000">
+                                          <p:val>
+                                            <p:strVal val="#ppt_y"/>
+                                          </p:val>
+                                        </p:tav>
+                                      </p:tavLst>
+                                    </p:anim>
+                                  </p:childTnLst>
+                                </p:cTn>
+                              </p:par>
+                            </p:childTnLst>
+                          </p:cTn>
+                        </p:par>
+                      </p:childTnLst>
+                    </p:cTn>
+                  </p:par>
+                  <p:par>
+                    <p:cTn id="27" fill="hold">
+                      <p:stCondLst>
+                        <p:cond delay="indefinite"/>
+                      </p:stCondLst>
+                      <p:childTnLst>
+                        <p:par>
+                          <p:cTn id="28" fill="hold">
+                            <p:stCondLst>
+                              <p:cond delay="0"/>
+                            </p:stCondLst>
+                            <p:childTnLst>
+                              <p:par>
+                                <p:cTn id="29" presetID="2" presetClass="entr" presetSubtype="4" fill="hold" grpId="0" nodeType="clickEffect">
+                                  <p:stCondLst>
+                                    <p:cond delay="0"/>
+                                  </p:stCondLst>
+                                  <p:childTnLst>
+                                    <p:set>
+                                      <p:cBhvr>
+                                        <p:cTn id="30" dur="1" fill="hold">
+                                          <p:stCondLst>
+                                            <p:cond delay="0"/>
+                                          </p:stCondLst>
+                                        </p:cTn>
+                                        <p:tgtEl>
+                                          <p:spTgt spid="3">
+                                            <p:txEl>
+                                              <p:pRg st="4" end="4"/>
+                                            </p:txEl>
+                                          </p:spTgt>
+                                        </p:tgtEl>
+                                        <p:attrNameLst>
+                                          <p:attrName>style.visibility</p:attrName>
+                                        </p:attrNameLst>
+                                      </p:cBhvr>
+                                      <p:to>
+                                        <p:strVal val="visible"/>
+                                      </p:to>
+                                    </p:set>
+                                    <p:anim calcmode="lin" valueType="num">
+                                      <p:cBhvr additive="base">
+                                        <p:cTn id="31" dur="500" fill="hold"/>
+                                        <p:tgtEl>
+                                          <p:spTgt spid="3">
+                                            <p:txEl>
+                                              <p:pRg st="4" end="4"/>
+                                            </p:txEl>
+                                          </p:spTgt>
+                                        </p:tgtEl>
+                                        <p:attrNameLst>
+                                          <p:attrName>ppt_x</p:attrName>
+                                        </p:attrNameLst>
+                                      </p:cBhvr>
+                                      <p:tavLst>
+                                        <p:tav tm="0">
+                                          <p:val>
+                                            <p:strVal val="#ppt_x"/>
+                                          </p:val>
+                                        </p:tav>
+                                        <p:tav tm="100000">
+                                          <p:val>
+                                            <p:strVal val="#ppt_x"/>
+                                          </p:val>
+                                        </p:tav>
+                                      </p:tavLst>
+                                    </p:anim>
+                                    <p:anim calcmode="lin" valueType="num">
+                                      <p:cBhvr additive="base">
+                                        <p:cTn id="32" dur="500" fill="hold"/>
+                                        <p:tgtEl>
+                                          <p:spTgt spid="3">
+                                            <p:txEl>
+                                              <p:pRg st="4" end="4"/>
+                                            </p:txEl>
+                                          </p:spTgt>
+                                        </p:tgtEl>
+                                        <p:attrNameLst>
+                                          <p:attrName>ppt_y</p:attrName>
+                                        </p:attrNameLst>
+                                      </p:cBhvr>
+                                      <p:tavLst>
+                                        <p:tav tm="0">
+                                          <p:val>
+                                            <p:strVal val="1+#ppt_h/2"/>
+                                          </p:val>
+                                        </p:tav>
+                                        <p:tav tm="100000">
+                                          <p:val>
+                                            <p:strVal val="#ppt_y"/>
+                                          </p:val>
+                                        </p:tav>
+                                      </p:tavLst>
+                                    </p:anim>
+                                  </p:childTnLst>
+                                </p:cTn>
+                              </p:par>
+                            </p:childTnLst>
+                          </p:cTn>
+                        </p:par>
+                      </p:childTnLst>
+                    </p:cTn>
+                  </p:par>
+                  <p:par>
+                    <p:cTn id="33" fill="hold">
+                      <p:stCondLst>
+                        <p:cond delay="indefinite"/>
+                      </p:stCondLst>
+                      <p:childTnLst>
+                        <p:par>
+                          <p:cTn id="34" fill="hold">
+                            <p:stCondLst>
+                              <p:cond delay="0"/>
+                            </p:stCondLst>
+                            <p:childTnLst>
+                              <p:par>
+                                <p:cTn id="35" presetID="2" presetClass="entr" presetSubtype="4" fill="hold" grpId="0" nodeType="clickEffect">
+                                  <p:stCondLst>
+                                    <p:cond delay="0"/>
+                                  </p:stCondLst>
+                                  <p:childTnLst>
+                                    <p:set>
+                                      <p:cBhvr>
+                                        <p:cTn id="36" dur="1" fill="hold">
+                                          <p:stCondLst>
+                                            <p:cond delay="0"/>
+                                          </p:stCondLst>
+                                        </p:cTn>
+                                        <p:tgtEl>
+                                          <p:spTgt spid="3">
+                                            <p:txEl>
+                                              <p:pRg st="5" end="5"/>
+                                            </p:txEl>
+                                          </p:spTgt>
+                                        </p:tgtEl>
+                                        <p:attrNameLst>
+                                          <p:attrName>style.visibility</p:attrName>
+                                        </p:attrNameLst>
+                                      </p:cBhvr>
+                                      <p:to>
+                                        <p:strVal val="visible"/>
+                                      </p:to>
+                                    </p:set>
+                                    <p:anim calcmode="lin" valueType="num">
+                                      <p:cBhvr additive="base">
+                                        <p:cTn id="37" dur="500" fill="hold"/>
+                                        <p:tgtEl>
+                                          <p:spTgt spid="3">
+                                            <p:txEl>
+                                              <p:pRg st="5" end="5"/>
+                                            </p:txEl>
+                                          </p:spTgt>
+                                        </p:tgtEl>
+                                        <p:attrNameLst>
+                                          <p:attrName>ppt_x</p:attrName>
+                                        </p:attrNameLst>
+                                      </p:cBhvr>
+                                      <p:tavLst>
+                                        <p:tav tm="0">
+                                          <p:val>
+                                            <p:strVal val="#ppt_x"/>
+                                          </p:val>
+                                        </p:tav>
+                                        <p:tav tm="100000">
+                                          <p:val>
+                                            <p:strVal val="#ppt_x"/>
+                                          </p:val>
+                                        </p:tav>
+                                      </p:tavLst>
+                                    </p:anim>
+                                    <p:anim calcmode="lin" valueType="num">
+                                      <p:cBhvr additive="base">
+                                        <p:cTn id="38" dur="500" fill="hold"/>
+                                        <p:tgtEl>
+                                          <p:spTgt spid="3">
+                                            <p:txEl>
+                                              <p:pRg st="5" end="5"/>
+                                            </p:txEl>
+                                          </p:spTgt>
+                                        </p:tgtEl>
+                                        <p:attrNameLst>
+                                          <p:attrName>ppt_y</p:attrName>
+                                        </p:attrNameLst>
+                                      </p:cBhvr>
+                                      <p:tavLst>
+                                        <p:tav tm="0">
+                                          <p:val>
+                                            <p:strVal val="1+#ppt_h/2"/>
+                                          </p:val>
+                                        </p:tav>
+                                        <p:tav tm="100000">
+                                          <p:val>
+                                            <p:strVal val="#ppt_y"/>
+                                          </p:val>
+                                        </p:tav>
+                                      </p:tavLst>
+                                    </p:anim>
+                                  </p:childTnLst>
+                                </p:cTn>
+                              </p:par>
+                            </p:childTnLst>
+                          </p:cTn>
+                        </p:par>
+                      </p:childTnLst>
+                    </p:cTn>
+                  </p:par>
+                  <p:par>
+                    <p:cTn id="39" fill="hold">
+                      <p:stCondLst>
+                        <p:cond delay="indefinite"/>
+                      </p:stCondLst>
+                      <p:childTnLst>
+                        <p:par>
+                          <p:cTn id="40" fill="hold">
+                            <p:stCondLst>
+                              <p:cond delay="0"/>
+                            </p:stCondLst>
+                            <p:childTnLst>
+                              <p:par>
+                                <p:cTn id="41" presetID="2" presetClass="entr" presetSubtype="4" fill="hold" grpId="0" nodeType="clickEffect">
+                                  <p:stCondLst>
+                                    <p:cond delay="0"/>
+                                  </p:stCondLst>
+                                  <p:childTnLst>
+                                    <p:set>
+                                      <p:cBhvr>
+                                        <p:cTn id="42" dur="1" fill="hold">
+                                          <p:stCondLst>
+                                            <p:cond delay="0"/>
+                                          </p:stCondLst>
+                                        </p:cTn>
+                                        <p:tgtEl>
+                                          <p:spTgt spid="3">
+                                            <p:txEl>
+                                              <p:pRg st="6" end="6"/>
+                                            </p:txEl>
+                                          </p:spTgt>
+                                        </p:tgtEl>
+                                        <p:attrNameLst>
+                                          <p:attrName>style.visibility</p:attrName>
+                                        </p:attrNameLst>
+                                      </p:cBhvr>
+                                      <p:to>
+                                        <p:strVal val="visible"/>
+                                      </p:to>
+                                    </p:set>
+                                    <p:anim calcmode="lin" valueType="num">
+                                      <p:cBhvr additive="base">
+                                        <p:cTn id="43" dur="500" fill="hold"/>
+                                        <p:tgtEl>
+                                          <p:spTgt spid="3">
+                                            <p:txEl>
+                                              <p:pRg st="6" end="6"/>
+                                            </p:txEl>
+                                          </p:spTgt>
+                                        </p:tgtEl>
+                                        <p:attrNameLst>
+                                          <p:attrName>ppt_x</p:attrName>
+                                        </p:attrNameLst>
+                                      </p:cBhvr>
+                                      <p:tavLst>
+                                        <p:tav tm="0">
+                                          <p:val>
+                                            <p:strVal val="#ppt_x"/>
+                                          </p:val>
+                                        </p:tav>
+                                        <p:tav tm="100000">
+                                          <p:val>
+                                            <p:strVal val="#ppt_x"/>
+                                          </p:val>
+                                        </p:tav>
+                                      </p:tavLst>
+                                    </p:anim>
+                                    <p:anim calcmode="lin" valueType="num">
+                                      <p:cBhvr additive="base">
+                                        <p:cTn id="44" dur="500" fill="hold"/>
+                                        <p:tgtEl>
+                                          <p:spTgt spid="3">
+                                            <p:txEl>
+                                              <p:pRg st="6" end="6"/>
+                                            </p:txEl>
+                                          </p:spTgt>
+                                        </p:tgtEl>
+                                        <p:attrNameLst>
+                                          <p:attrName>ppt_y</p:attrName>
+                                        </p:attrNameLst>
+                                      </p:cBhvr>
+                                      <p:tavLst>
+                                        <p:tav tm="0">
+                                          <p:val>
+                                            <p:strVal val="1+#ppt_h/2"/>
+                                          </p:val>
+                                        </p:tav>
+                                        <p:tav tm="100000">
+                                          <p:val>
+                                            <p:strVal val="#ppt_y"/>
+                                          </p:val>
+                                        </p:tav>
+                                      </p:tavLst>
+                                    </p:anim>
+                                  </p:childTnLst>
+                                </p:cTn>
+                              </p:par>
+                            </p:childTnLst>
+                          </p:cTn>
+                        </p:par>
+                      </p:childTnLst>
+                    </p:cTn>
+                  </p:par>
+                  <p:par>
+                    <p:cTn id="45" fill="hold">
+                      <p:stCondLst>
+                        <p:cond delay="indefinite"/>
+                      </p:stCondLst>
+                      <p:childTnLst>
+                        <p:par>
+                          <p:cTn id="46" fill="hold">
+                            <p:stCondLst>
+                              <p:cond delay="0"/>
+                            </p:stCondLst>
+                            <p:childTnLst>
+                              <p:par>
+                                <p:cTn id="47" presetID="2" presetClass="entr" presetSubtype="4" fill="hold" grpId="0" nodeType="clickEffect">
+                                  <p:stCondLst>
+                                    <p:cond delay="0"/>
+                                  </p:stCondLst>
+                                  <p:childTnLst>
+                                    <p:set>
+                                      <p:cBhvr>
+                                        <p:cTn id="48" dur="1" fill="hold">
+                                          <p:stCondLst>
+                                            <p:cond delay="0"/>
+                                          </p:stCondLst>
+                                        </p:cTn>
+                                        <p:tgtEl>
+                                          <p:spTgt spid="3">
+                                            <p:txEl>
+                                              <p:pRg st="7" end="7"/>
+                                            </p:txEl>
+                                          </p:spTgt>
+                                        </p:tgtEl>
+                                        <p:attrNameLst>
+                                          <p:attrName>style.visibility</p:attrName>
+                                        </p:attrNameLst>
+                                      </p:cBhvr>
+                                      <p:to>
+                                        <p:strVal val="visible"/>
+                                      </p:to>
+                                    </p:set>
+                                    <p:anim calcmode="lin" valueType="num">
+                                      <p:cBhvr additive="base">
+                                        <p:cTn id="49" dur="500" fill="hold"/>
+                                        <p:tgtEl>
+                                          <p:spTgt spid="3">
+                                            <p:txEl>
+                                              <p:pRg st="7" end="7"/>
+                                            </p:txEl>
+                                          </p:spTgt>
+                                        </p:tgtEl>
+                                        <p:attrNameLst>
+                                          <p:attrName>ppt_x</p:attrName>
+                                        </p:attrNameLst>
+                                      </p:cBhvr>
+                                      <p:tavLst>
+                                        <p:tav tm="0">
+                                          <p:val>
+                                            <p:strVal val="#ppt_x"/>
+                                          </p:val>
+                                        </p:tav>
+                                        <p:tav tm="100000">
+                                          <p:val>
+                                            <p:strVal val="#ppt_x"/>
+                                          </p:val>
+                                        </p:tav>
+                                      </p:tavLst>
+                                    </p:anim>
+                                    <p:anim calcmode="lin" valueType="num">
+                                      <p:cBhvr additive="base">
+                                        <p:cTn id="50" dur="500" fill="hold"/>
+                                        <p:tgtEl>
+                                          <p:spTgt spid="3">
+                                            <p:txEl>
+                                              <p:pRg st="7" end="7"/>
+                                            </p:txEl>
+                                          </p:spTgt>
+                                        </p:tgtEl>
+                                        <p:attrNameLst>
+                                          <p:attrName>ppt_y</p:attrName>
+                                        </p:attrNameLst>
+                                      </p:cBhvr>
+                                      <p:tavLst>
+                                        <p:tav tm="0">
+                                          <p:val>
+                                            <p:strVal val="1+#ppt_h/2"/>
+                                          </p:val>
+                                        </p:tav>
+                                        <p:tav tm="100000">
+                                          <p:val>
+                                            <p:strVal val="#ppt_y"/>
+                                          </p:val>
+                                        </p:tav>
+                                      </p:tavLst>
+                                    </p:anim>
+                                  </p:childTnLst>
+                                </p:cTn>
+                              </p:par>
+                            </p:childTnLst>
+                          </p:cTn>
+                        </p:par>
+                      </p:childTnLst>
+                    </p:cTn>
+                  </p:par>
+                </p:childTnLst>
+              </p:cTn>
+              <p:prevCondLst>
+                <p:cond evt="onPrev" delay="0">
+                  <p:tgtEl>
+                    <p:sldTgt/>
+                  </p:tgtEl>
+                </p:cond>
+              </p:prevCondLst>
+              <p:nextCondLst>
+                <p:cond evt="onNext" delay="0">
+                  <p:tgtEl>
+                    <p:sldTgt/>
+                  </p:tgtEl>
+                </p:cond>
+              </p:nextCondLst>
+            </p:seq>
+          </p:childTnLst>
+        </p:cTn>
+      </p:par>
+    </p:tnLst>
+    <p:bldLst>
+      <p:bldP spid="3" grpId="0" uiExpand="1" build="p"/>
+    </p:bldLst>
+  </p:timing>
+</p:sld>
+</file>
+
+<file path=ppt/slides/slide14.xml><?xml version="1.0" encoding="utf-8"?>
+<p:sld xmlns:a="http://schemas.openxmlformats.org/drawingml/2006/main" xmlns:r="http://schemas.openxmlformats.org/officeDocument/2006/relationships" xmlns:p="http://schemas.openxmlformats.org/presentationml/2006/main">
+  <p:cSld>
+    <p:spTree>
+      <p:nvGrpSpPr>
+        <p:cNvPr id="1" name=""/>
+        <p:cNvGrpSpPr/>
+        <p:nvPr/>
+      </p:nvGrpSpPr>
+      <p:grpSpPr>
+        <a:xfrm>
+          <a:off x="0" y="0"/>
+          <a:ext cx="0" cy="0"/>
+          <a:chOff x="0" y="0"/>
+          <a:chExt cx="0" cy="0"/>
+        </a:xfrm>
+      </p:grpSpPr>
+      <p:sp>
+        <p:nvSpPr>
+          <p:cNvPr id="2" name="Title 1">
+            <a:extLst>
+              <a:ext uri="{FF2B5EF4-FFF2-40B4-BE49-F238E27FC236}">
+                <a16:creationId xmlns:a16="http://schemas.microsoft.com/office/drawing/2014/main" id="{E03281FC-7210-4ED9-9307-58A3CE63E058}"/>
+              </a:ext>
+            </a:extLst>
+          </p:cNvPr>
+          <p:cNvSpPr>
+            <a:spLocks noGrp="1"/>
+          </p:cNvSpPr>
+          <p:nvPr>
+            <p:ph type="title"/>
+          </p:nvPr>
+        </p:nvSpPr>
+        <p:spPr/>
+        <p:txBody>
+          <a:bodyPr/>
+          <a:lstStyle/>
+          <a:p>
+            <a:r>
+              <a:rPr lang="en-US" dirty="0"/>
+              <a:t>Message Format: </a:t>
+            </a:r>
+            <a:r>
+              <a:rPr lang="en-US" dirty="0" err="1"/>
+              <a:t>ToString</a:t>
+            </a:r>
+            <a:r>
+              <a:rPr lang="en-US" dirty="0"/>
+              <a:t>() vs Dump</a:t>
+            </a:r>
+          </a:p>
+        </p:txBody>
+      </p:sp>
+      <p:sp>
+        <p:nvSpPr>
+          <p:cNvPr id="3" name="Content Placeholder 2">
+            <a:extLst>
+              <a:ext uri="{FF2B5EF4-FFF2-40B4-BE49-F238E27FC236}">
+                <a16:creationId xmlns:a16="http://schemas.microsoft.com/office/drawing/2014/main" id="{820D962F-E825-4961-890B-5E3849C17450}"/>
+              </a:ext>
+            </a:extLst>
+          </p:cNvPr>
+          <p:cNvSpPr>
+            <a:spLocks noGrp="1"/>
+          </p:cNvSpPr>
+          <p:nvPr>
+            <p:ph idx="1"/>
+          </p:nvPr>
+        </p:nvSpPr>
+        <p:spPr/>
+        <p:txBody>
+          <a:bodyPr/>
+          <a:lstStyle/>
+          <a:p>
+            <a:r>
+              <a:rPr lang="fr-FR" dirty="0"/>
+              <a:t>_</a:t>
+            </a:r>
+            <a:r>
+              <a:rPr lang="fr-FR" dirty="0" err="1"/>
+              <a:t>logger.LogInformation</a:t>
+            </a:r>
+            <a:r>
+              <a:rPr lang="fr-FR" dirty="0"/>
+              <a:t>("User Information {User}", </a:t>
+            </a:r>
+            <a:r>
+              <a:rPr lang="fr-FR" dirty="0" err="1"/>
+              <a:t>Request</a:t>
+            </a:r>
+            <a:r>
+              <a:rPr lang="fr-FR" dirty="0"/>
+              <a:t>);</a:t>
+            </a:r>
+          </a:p>
+          <a:p>
+            <a:pPr lvl="1"/>
+            <a:r>
+              <a:rPr lang="fr-FR" dirty="0"/>
+              <a:t>[10:49:27 acd7bc9a-669d-4af5-9d4d-530b65966ef4 INF] User Information </a:t>
+            </a:r>
+            <a:r>
+              <a:rPr lang="fr-FR" dirty="0" err="1"/>
+              <a:t>Microsoft.AspNetCore.Http.DefaultHttpRequest</a:t>
+            </a:r>
+            <a:endParaRPr lang="fr-FR" dirty="0"/>
+          </a:p>
+          <a:p>
+            <a:r>
+              <a:rPr lang="en-US" dirty="0"/>
+              <a:t>_</a:t>
+            </a:r>
+            <a:r>
+              <a:rPr lang="en-US" dirty="0" err="1"/>
+              <a:t>logger.LogInformation</a:t>
+            </a:r>
+            <a:r>
+              <a:rPr lang="en-US" dirty="0"/>
+              <a:t>("Full User Identity Details {@User}", </a:t>
+            </a:r>
+            <a:r>
+              <a:rPr lang="en-US" dirty="0" err="1"/>
+              <a:t>User.Identity</a:t>
+            </a:r>
+            <a:r>
+              <a:rPr lang="en-US" dirty="0"/>
+              <a:t>);</a:t>
+            </a:r>
+          </a:p>
+          <a:p>
+            <a:pPr lvl="1"/>
+            <a:r>
+              <a:rPr lang="en-US" dirty="0"/>
+              <a:t>[10:49:27 acd7bc9a-669d-4af5-9d4d-530b65966ef4 INF] Full User Identity Details {"AuthenticationType":null,"IsAuthenticated":false,"Actor":null,"BootstrapContext":null,"Claims":[],"Label“….</a:t>
+            </a:r>
+          </a:p>
+        </p:txBody>
+      </p:sp>
+    </p:spTree>
+    <p:extLst>
+      <p:ext uri="{BB962C8B-B14F-4D97-AF65-F5344CB8AC3E}">
+        <p14:creationId xmlns:p14="http://schemas.microsoft.com/office/powerpoint/2010/main" val="2125271925"/>
+      </p:ext>
+    </p:extLst>
+  </p:cSld>
+  <p:clrMapOvr>
+    <a:masterClrMapping/>
+  </p:clrMapOvr>
+  <p:timing>
+    <p:tnLst>
+      <p:par>
+        <p:cTn id="1" dur="indefinite" restart="never" nodeType="tmRoot">
+          <p:childTnLst>
+            <p:seq concurrent="1" nextAc="seek">
+              <p:cTn id="2" dur="indefinite" nodeType="mainSeq">
+                <p:childTnLst>
+                  <p:par>
+                    <p:cTn id="3" fill="hold">
+                      <p:stCondLst>
+                        <p:cond delay="indefinite"/>
+                        <p:cond evt="onBegin" delay="0">
+                          <p:tn val="2"/>
+                        </p:cond>
+                      </p:stCondLst>
+                      <p:childTnLst>
+                        <p:par>
+                          <p:cTn id="4" fill="hold">
+                            <p:stCondLst>
+                              <p:cond delay="0"/>
+                            </p:stCondLst>
+                            <p:childTnLst>
+                              <p:par>
+                                <p:cTn id="5" presetID="1" presetClass="entr" presetSubtype="0" fill="hold" grpId="0" nodeType="withEffect">
+                                  <p:stCondLst>
+                                    <p:cond delay="0"/>
+                                  </p:stCondLst>
+                                  <p:childTnLst>
+                                    <p:set>
+                                      <p:cBhvr>
+                                        <p:cTn id="6" dur="1" fill="hold">
+                                          <p:stCondLst>
+                                            <p:cond delay="0"/>
+                                          </p:stCondLst>
+                                        </p:cTn>
+                                        <p:tgtEl>
+                                          <p:spTgt spid="3">
+                                            <p:txEl>
+                                              <p:pRg st="0" end="0"/>
+                                            </p:txEl>
+                                          </p:spTgt>
+                                        </p:tgtEl>
+                                        <p:attrNameLst>
+                                          <p:attrName>style.visibility</p:attrName>
+                                        </p:attrNameLst>
+                                      </p:cBhvr>
+                                      <p:to>
+                                        <p:strVal val="visible"/>
+                                      </p:to>
+                                    </p:set>
+                                  </p:childTnLst>
+                                </p:cTn>
+                              </p:par>
+                            </p:childTnLst>
+                          </p:cTn>
+                        </p:par>
+                      </p:childTnLst>
+                    </p:cTn>
+                  </p:par>
+                  <p:par>
+                    <p:cTn id="7" fill="hold">
+                      <p:stCondLst>
+                        <p:cond delay="indefinite"/>
+                      </p:stCondLst>
+                      <p:childTnLst>
+                        <p:par>
+                          <p:cTn id="8" fill="hold">
+                            <p:stCondLst>
+                              <p:cond delay="0"/>
+                            </p:stCondLst>
+                            <p:childTnLst>
+                              <p:par>
+                                <p:cTn id="9" presetID="1" presetClass="entr" presetSubtype="0" fill="hold" grpId="0" nodeType="clickEffect">
+                                  <p:stCondLst>
+                                    <p:cond delay="0"/>
+                                  </p:stCondLst>
+                                  <p:childTnLst>
+                                    <p:set>
+                                      <p:cBhvr>
+                                        <p:cTn id="10" dur="1" fill="hold">
+                                          <p:stCondLst>
+                                            <p:cond delay="0"/>
+                                          </p:stCondLst>
+                                        </p:cTn>
+                                        <p:tgtEl>
+                                          <p:spTgt spid="3">
+                                            <p:txEl>
+                                              <p:pRg st="1" end="1"/>
+                                            </p:txEl>
+                                          </p:spTgt>
+                                        </p:tgtEl>
+                                        <p:attrNameLst>
+                                          <p:attrName>style.visibility</p:attrName>
+                                        </p:attrNameLst>
+                                      </p:cBhvr>
+                                      <p:to>
+                                        <p:strVal val="visible"/>
+                                      </p:to>
+                                    </p:set>
+                                  </p:childTnLst>
+                                </p:cTn>
+                              </p:par>
+                            </p:childTnLst>
+                          </p:cTn>
+                        </p:par>
+                      </p:childTnLst>
+                    </p:cTn>
+                  </p:par>
+                  <p:par>
+                    <p:cTn id="11" fill="hold">
+                      <p:stCondLst>
+                        <p:cond delay="indefinite"/>
+                      </p:stCondLst>
+                      <p:childTnLst>
+                        <p:par>
+                          <p:cTn id="12" fill="hold">
+                            <p:stCondLst>
+                              <p:cond delay="0"/>
+                            </p:stCondLst>
+                            <p:childTnLst>
+                              <p:par>
+                                <p:cTn id="13" presetID="1" presetClass="entr" presetSubtype="0" fill="hold" grpId="0" nodeType="clickEffect">
+                                  <p:stCondLst>
+                                    <p:cond delay="0"/>
+                                  </p:stCondLst>
+                                  <p:childTnLst>
+                                    <p:set>
+                                      <p:cBhvr>
+                                        <p:cTn id="14" dur="1" fill="hold">
+                                          <p:stCondLst>
+                                            <p:cond delay="0"/>
+                                          </p:stCondLst>
+                                        </p:cTn>
+                                        <p:tgtEl>
+                                          <p:spTgt spid="3">
+                                            <p:txEl>
+                                              <p:pRg st="2" end="2"/>
+                                            </p:txEl>
+                                          </p:spTgt>
+                                        </p:tgtEl>
+                                        <p:attrNameLst>
+                                          <p:attrName>style.visibility</p:attrName>
+                                        </p:attrNameLst>
+                                      </p:cBhvr>
+                                      <p:to>
+                                        <p:strVal val="visible"/>
+                                      </p:to>
+                                    </p:set>
+                                  </p:childTnLst>
+                                </p:cTn>
+                              </p:par>
+                            </p:childTnLst>
+                          </p:cTn>
+                        </p:par>
+                      </p:childTnLst>
+                    </p:cTn>
+                  </p:par>
+                  <p:par>
+                    <p:cTn id="15" fill="hold">
+                      <p:stCondLst>
+                        <p:cond delay="indefinite"/>
+                      </p:stCondLst>
+                      <p:childTnLst>
+                        <p:par>
+                          <p:cTn id="16" fill="hold">
+                            <p:stCondLst>
+                              <p:cond delay="0"/>
+                            </p:stCondLst>
+                            <p:childTnLst>
+                              <p:par>
+                                <p:cTn id="17" presetID="1" presetClass="entr" presetSubtype="0" fill="hold" grpId="0" nodeType="clickEffect">
+                                  <p:stCondLst>
+                                    <p:cond delay="0"/>
+                                  </p:stCondLst>
+                                  <p:childTnLst>
+                                    <p:set>
+                                      <p:cBhvr>
+                                        <p:cTn id="18" dur="1" fill="hold">
+                                          <p:stCondLst>
+                                            <p:cond delay="0"/>
+                                          </p:stCondLst>
+                                        </p:cTn>
+                                        <p:tgtEl>
+                                          <p:spTgt spid="3">
+                                            <p:txEl>
+                                              <p:pRg st="3" end="3"/>
+                                            </p:txEl>
+                                          </p:spTgt>
+                                        </p:tgtEl>
+                                        <p:attrNameLst>
+                                          <p:attrName>style.visibility</p:attrName>
+                                        </p:attrNameLst>
+                                      </p:cBhvr>
+                                      <p:to>
+                                        <p:strVal val="visible"/>
+                                      </p:to>
+                                    </p:set>
+                                  </p:childTnLst>
+                                </p:cTn>
+                              </p:par>
+                            </p:childTnLst>
+                          </p:cTn>
+                        </p:par>
+                      </p:childTnLst>
+                    </p:cTn>
+                  </p:par>
+                </p:childTnLst>
+              </p:cTn>
+              <p:prevCondLst>
+                <p:cond evt="onPrev" delay="0">
+                  <p:tgtEl>
+                    <p:sldTgt/>
+                  </p:tgtEl>
+                </p:cond>
+              </p:prevCondLst>
+              <p:nextCondLst>
+                <p:cond evt="onNext" delay="0">
+                  <p:tgtEl>
+                    <p:sldTgt/>
+                  </p:tgtEl>
+                </p:cond>
+              </p:nextCondLst>
+            </p:seq>
+          </p:childTnLst>
+        </p:cTn>
+      </p:par>
+    </p:tnLst>
+    <p:bldLst>
+      <p:bldP spid="3" grpId="0" uiExpand="1" build="p"/>
+    </p:bldLst>
+  </p:timing>
+</p:sld>
+</file>
+
 <file path=ppt/slides/slide15.xml><?xml version="1.0" encoding="utf-8"?>
 <p:sld xmlns:a="http://schemas.openxmlformats.org/drawingml/2006/main" xmlns:r="http://schemas.openxmlformats.org/officeDocument/2006/relationships" xmlns:p="http://schemas.openxmlformats.org/presentationml/2006/main">
   <p:cSld>
@@ -9428,7 +10317,7 @@
           <a:p>
             <a:r>
               <a:rPr lang="en-US" dirty="0"/>
-              <a:t>Escalation Protocols – Who Do We Tell?</a:t>
+              <a:t>Escalation Protocols – Telling Someone!</a:t>
             </a:r>
           </a:p>
         </p:txBody>

--- a/Presentation/But It Was Logged.pptx
+++ b/Presentation/But It Was Logged.pptx
@@ -9,18 +9,21 @@
     <p:sldId id="257" r:id="rId3"/>
     <p:sldId id="258" r:id="rId4"/>
     <p:sldId id="259" r:id="rId5"/>
-    <p:sldId id="260" r:id="rId6"/>
-    <p:sldId id="262" r:id="rId7"/>
-    <p:sldId id="264" r:id="rId8"/>
-    <p:sldId id="263" r:id="rId9"/>
-    <p:sldId id="267" r:id="rId10"/>
-    <p:sldId id="268" r:id="rId11"/>
-    <p:sldId id="269" r:id="rId12"/>
-    <p:sldId id="270" r:id="rId13"/>
-    <p:sldId id="265" r:id="rId14"/>
-    <p:sldId id="271" r:id="rId15"/>
-    <p:sldId id="261" r:id="rId16"/>
-    <p:sldId id="266" r:id="rId17"/>
+    <p:sldId id="272" r:id="rId6"/>
+    <p:sldId id="273" r:id="rId7"/>
+    <p:sldId id="260" r:id="rId8"/>
+    <p:sldId id="262" r:id="rId9"/>
+    <p:sldId id="264" r:id="rId10"/>
+    <p:sldId id="263" r:id="rId11"/>
+    <p:sldId id="267" r:id="rId12"/>
+    <p:sldId id="268" r:id="rId13"/>
+    <p:sldId id="269" r:id="rId14"/>
+    <p:sldId id="270" r:id="rId15"/>
+    <p:sldId id="265" r:id="rId16"/>
+    <p:sldId id="271" r:id="rId17"/>
+    <p:sldId id="274" r:id="rId18"/>
+    <p:sldId id="261" r:id="rId19"/>
+    <p:sldId id="266" r:id="rId20"/>
   </p:sldIdLst>
   <p:sldSz cx="12192000" cy="6858000"/>
   <p:notesSz cx="6858000" cy="9144000"/>
@@ -3060,6 +3063,2153 @@
           <p:cNvPr id="2" name="Title 1">
             <a:extLst>
               <a:ext uri="{FF2B5EF4-FFF2-40B4-BE49-F238E27FC236}">
+                <a16:creationId xmlns:a16="http://schemas.microsoft.com/office/drawing/2014/main" id="{C4E96C69-0684-46DD-A011-ED8957AF3995}"/>
+              </a:ext>
+            </a:extLst>
+          </p:cNvPr>
+          <p:cNvSpPr>
+            <a:spLocks noGrp="1"/>
+          </p:cNvSpPr>
+          <p:nvPr>
+            <p:ph type="title"/>
+          </p:nvPr>
+        </p:nvSpPr>
+        <p:spPr/>
+        <p:txBody>
+          <a:bodyPr/>
+          <a:lstStyle/>
+          <a:p>
+            <a:r>
+              <a:rPr lang="en-US" dirty="0"/>
+              <a:t>Escalation Protocols – Telling Someone!</a:t>
+            </a:r>
+          </a:p>
+        </p:txBody>
+      </p:sp>
+      <p:sp>
+        <p:nvSpPr>
+          <p:cNvPr id="3" name="Content Placeholder 2">
+            <a:extLst>
+              <a:ext uri="{FF2B5EF4-FFF2-40B4-BE49-F238E27FC236}">
+                <a16:creationId xmlns:a16="http://schemas.microsoft.com/office/drawing/2014/main" id="{0E1C16ED-215D-417D-9C15-27C47A798485}"/>
+              </a:ext>
+            </a:extLst>
+          </p:cNvPr>
+          <p:cNvSpPr>
+            <a:spLocks noGrp="1"/>
+          </p:cNvSpPr>
+          <p:nvPr>
+            <p:ph idx="1"/>
+          </p:nvPr>
+        </p:nvSpPr>
+        <p:spPr/>
+        <p:txBody>
+          <a:bodyPr/>
+          <a:lstStyle/>
+          <a:p>
+            <a:r>
+              <a:rPr lang="en-US" dirty="0"/>
+              <a:t>Placing the logging information in the best location is critical</a:t>
+            </a:r>
+          </a:p>
+          <a:p>
+            <a:pPr lvl="1"/>
+            <a:r>
+              <a:rPr lang="en-US" dirty="0"/>
+              <a:t>Extremes on both visibility or notification can reduce effectiveness</a:t>
+            </a:r>
+          </a:p>
+          <a:p>
+            <a:pPr lvl="1"/>
+            <a:r>
+              <a:rPr lang="en-US" dirty="0"/>
+              <a:t>Example: Logging system that emails on every 404, filters get created and logs ignored</a:t>
+            </a:r>
+          </a:p>
+          <a:p>
+            <a:r>
+              <a:rPr lang="en-US" dirty="0"/>
+              <a:t>Default Options</a:t>
+            </a:r>
+          </a:p>
+          <a:p>
+            <a:pPr lvl="1"/>
+            <a:r>
+              <a:rPr lang="en-US" dirty="0"/>
+              <a:t>Out of the box we have Console, </a:t>
+            </a:r>
+            <a:r>
+              <a:rPr lang="en-US" dirty="0" err="1"/>
+              <a:t>ApplicationInsights</a:t>
+            </a:r>
+            <a:r>
+              <a:rPr lang="en-US" dirty="0"/>
+              <a:t>, </a:t>
+            </a:r>
+            <a:r>
+              <a:rPr lang="en-US" dirty="0" err="1"/>
+              <a:t>EventSource</a:t>
+            </a:r>
+            <a:r>
+              <a:rPr lang="en-US" dirty="0"/>
+              <a:t>, Debug</a:t>
+            </a:r>
+          </a:p>
+          <a:p>
+            <a:r>
+              <a:rPr lang="en-US" dirty="0"/>
+              <a:t>Third-Party</a:t>
+            </a:r>
+          </a:p>
+          <a:p>
+            <a:pPr lvl="1"/>
+            <a:r>
+              <a:rPr lang="en-US" dirty="0"/>
+              <a:t>Endless options, including File, </a:t>
+            </a:r>
+            <a:r>
+              <a:rPr lang="en-US" dirty="0" err="1"/>
+              <a:t>RollingFile</a:t>
+            </a:r>
+            <a:r>
+              <a:rPr lang="en-US" dirty="0"/>
+              <a:t>, Email, </a:t>
+            </a:r>
+            <a:r>
+              <a:rPr lang="en-US" dirty="0" err="1"/>
+              <a:t>AzureStorage</a:t>
+            </a:r>
+            <a:r>
+              <a:rPr lang="en-US" dirty="0"/>
+              <a:t>, Seq, etc.</a:t>
+            </a:r>
+          </a:p>
+          <a:p>
+            <a:r>
+              <a:rPr lang="en-US" dirty="0"/>
+              <a:t>Should be different, based on severity/nature of message</a:t>
+            </a:r>
+          </a:p>
+        </p:txBody>
+      </p:sp>
+    </p:spTree>
+    <p:extLst>
+      <p:ext uri="{BB962C8B-B14F-4D97-AF65-F5344CB8AC3E}">
+        <p14:creationId xmlns:p14="http://schemas.microsoft.com/office/powerpoint/2010/main" val="2662196717"/>
+      </p:ext>
+    </p:extLst>
+  </p:cSld>
+  <p:clrMapOvr>
+    <a:masterClrMapping/>
+  </p:clrMapOvr>
+  <p:timing>
+    <p:tnLst>
+      <p:par>
+        <p:cTn id="1" dur="indefinite" restart="never" nodeType="tmRoot">
+          <p:childTnLst>
+            <p:seq concurrent="1" nextAc="seek">
+              <p:cTn id="2" dur="indefinite" nodeType="mainSeq">
+                <p:childTnLst>
+                  <p:par>
+                    <p:cTn id="3" fill="hold">
+                      <p:stCondLst>
+                        <p:cond delay="indefinite"/>
+                        <p:cond evt="onBegin" delay="0">
+                          <p:tn val="2"/>
+                        </p:cond>
+                      </p:stCondLst>
+                      <p:childTnLst>
+                        <p:par>
+                          <p:cTn id="4" fill="hold">
+                            <p:stCondLst>
+                              <p:cond delay="0"/>
+                            </p:stCondLst>
+                            <p:childTnLst>
+                              <p:par>
+                                <p:cTn id="5" presetID="2" presetClass="entr" presetSubtype="4" fill="hold" grpId="0" nodeType="withEffect">
+                                  <p:stCondLst>
+                                    <p:cond delay="0"/>
+                                  </p:stCondLst>
+                                  <p:childTnLst>
+                                    <p:set>
+                                      <p:cBhvr>
+                                        <p:cTn id="6" dur="1" fill="hold">
+                                          <p:stCondLst>
+                                            <p:cond delay="0"/>
+                                          </p:stCondLst>
+                                        </p:cTn>
+                                        <p:tgtEl>
+                                          <p:spTgt spid="3">
+                                            <p:txEl>
+                                              <p:pRg st="0" end="0"/>
+                                            </p:txEl>
+                                          </p:spTgt>
+                                        </p:tgtEl>
+                                        <p:attrNameLst>
+                                          <p:attrName>style.visibility</p:attrName>
+                                        </p:attrNameLst>
+                                      </p:cBhvr>
+                                      <p:to>
+                                        <p:strVal val="visible"/>
+                                      </p:to>
+                                    </p:set>
+                                    <p:anim calcmode="lin" valueType="num">
+                                      <p:cBhvr additive="base">
+                                        <p:cTn id="7" dur="500" fill="hold"/>
+                                        <p:tgtEl>
+                                          <p:spTgt spid="3">
+                                            <p:txEl>
+                                              <p:pRg st="0" end="0"/>
+                                            </p:txEl>
+                                          </p:spTgt>
+                                        </p:tgtEl>
+                                        <p:attrNameLst>
+                                          <p:attrName>ppt_x</p:attrName>
+                                        </p:attrNameLst>
+                                      </p:cBhvr>
+                                      <p:tavLst>
+                                        <p:tav tm="0">
+                                          <p:val>
+                                            <p:strVal val="#ppt_x"/>
+                                          </p:val>
+                                        </p:tav>
+                                        <p:tav tm="100000">
+                                          <p:val>
+                                            <p:strVal val="#ppt_x"/>
+                                          </p:val>
+                                        </p:tav>
+                                      </p:tavLst>
+                                    </p:anim>
+                                    <p:anim calcmode="lin" valueType="num">
+                                      <p:cBhvr additive="base">
+                                        <p:cTn id="8" dur="500" fill="hold"/>
+                                        <p:tgtEl>
+                                          <p:spTgt spid="3">
+                                            <p:txEl>
+                                              <p:pRg st="0" end="0"/>
+                                            </p:txEl>
+                                          </p:spTgt>
+                                        </p:tgtEl>
+                                        <p:attrNameLst>
+                                          <p:attrName>ppt_y</p:attrName>
+                                        </p:attrNameLst>
+                                      </p:cBhvr>
+                                      <p:tavLst>
+                                        <p:tav tm="0">
+                                          <p:val>
+                                            <p:strVal val="1+#ppt_h/2"/>
+                                          </p:val>
+                                        </p:tav>
+                                        <p:tav tm="100000">
+                                          <p:val>
+                                            <p:strVal val="#ppt_y"/>
+                                          </p:val>
+                                        </p:tav>
+                                      </p:tavLst>
+                                    </p:anim>
+                                  </p:childTnLst>
+                                </p:cTn>
+                              </p:par>
+                            </p:childTnLst>
+                          </p:cTn>
+                        </p:par>
+                      </p:childTnLst>
+                    </p:cTn>
+                  </p:par>
+                  <p:par>
+                    <p:cTn id="9" fill="hold">
+                      <p:stCondLst>
+                        <p:cond delay="indefinite"/>
+                      </p:stCondLst>
+                      <p:childTnLst>
+                        <p:par>
+                          <p:cTn id="10" fill="hold">
+                            <p:stCondLst>
+                              <p:cond delay="0"/>
+                            </p:stCondLst>
+                            <p:childTnLst>
+                              <p:par>
+                                <p:cTn id="11" presetID="2" presetClass="entr" presetSubtype="4" fill="hold" grpId="0" nodeType="clickEffect">
+                                  <p:stCondLst>
+                                    <p:cond delay="0"/>
+                                  </p:stCondLst>
+                                  <p:childTnLst>
+                                    <p:set>
+                                      <p:cBhvr>
+                                        <p:cTn id="12" dur="1" fill="hold">
+                                          <p:stCondLst>
+                                            <p:cond delay="0"/>
+                                          </p:stCondLst>
+                                        </p:cTn>
+                                        <p:tgtEl>
+                                          <p:spTgt spid="3">
+                                            <p:txEl>
+                                              <p:pRg st="1" end="1"/>
+                                            </p:txEl>
+                                          </p:spTgt>
+                                        </p:tgtEl>
+                                        <p:attrNameLst>
+                                          <p:attrName>style.visibility</p:attrName>
+                                        </p:attrNameLst>
+                                      </p:cBhvr>
+                                      <p:to>
+                                        <p:strVal val="visible"/>
+                                      </p:to>
+                                    </p:set>
+                                    <p:anim calcmode="lin" valueType="num">
+                                      <p:cBhvr additive="base">
+                                        <p:cTn id="13" dur="500" fill="hold"/>
+                                        <p:tgtEl>
+                                          <p:spTgt spid="3">
+                                            <p:txEl>
+                                              <p:pRg st="1" end="1"/>
+                                            </p:txEl>
+                                          </p:spTgt>
+                                        </p:tgtEl>
+                                        <p:attrNameLst>
+                                          <p:attrName>ppt_x</p:attrName>
+                                        </p:attrNameLst>
+                                      </p:cBhvr>
+                                      <p:tavLst>
+                                        <p:tav tm="0">
+                                          <p:val>
+                                            <p:strVal val="#ppt_x"/>
+                                          </p:val>
+                                        </p:tav>
+                                        <p:tav tm="100000">
+                                          <p:val>
+                                            <p:strVal val="#ppt_x"/>
+                                          </p:val>
+                                        </p:tav>
+                                      </p:tavLst>
+                                    </p:anim>
+                                    <p:anim calcmode="lin" valueType="num">
+                                      <p:cBhvr additive="base">
+                                        <p:cTn id="14" dur="500" fill="hold"/>
+                                        <p:tgtEl>
+                                          <p:spTgt spid="3">
+                                            <p:txEl>
+                                              <p:pRg st="1" end="1"/>
+                                            </p:txEl>
+                                          </p:spTgt>
+                                        </p:tgtEl>
+                                        <p:attrNameLst>
+                                          <p:attrName>ppt_y</p:attrName>
+                                        </p:attrNameLst>
+                                      </p:cBhvr>
+                                      <p:tavLst>
+                                        <p:tav tm="0">
+                                          <p:val>
+                                            <p:strVal val="1+#ppt_h/2"/>
+                                          </p:val>
+                                        </p:tav>
+                                        <p:tav tm="100000">
+                                          <p:val>
+                                            <p:strVal val="#ppt_y"/>
+                                          </p:val>
+                                        </p:tav>
+                                      </p:tavLst>
+                                    </p:anim>
+                                  </p:childTnLst>
+                                </p:cTn>
+                              </p:par>
+                            </p:childTnLst>
+                          </p:cTn>
+                        </p:par>
+                      </p:childTnLst>
+                    </p:cTn>
+                  </p:par>
+                  <p:par>
+                    <p:cTn id="15" fill="hold">
+                      <p:stCondLst>
+                        <p:cond delay="indefinite"/>
+                      </p:stCondLst>
+                      <p:childTnLst>
+                        <p:par>
+                          <p:cTn id="16" fill="hold">
+                            <p:stCondLst>
+                              <p:cond delay="0"/>
+                            </p:stCondLst>
+                            <p:childTnLst>
+                              <p:par>
+                                <p:cTn id="17" presetID="2" presetClass="entr" presetSubtype="4" fill="hold" grpId="0" nodeType="clickEffect">
+                                  <p:stCondLst>
+                                    <p:cond delay="0"/>
+                                  </p:stCondLst>
+                                  <p:childTnLst>
+                                    <p:set>
+                                      <p:cBhvr>
+                                        <p:cTn id="18" dur="1" fill="hold">
+                                          <p:stCondLst>
+                                            <p:cond delay="0"/>
+                                          </p:stCondLst>
+                                        </p:cTn>
+                                        <p:tgtEl>
+                                          <p:spTgt spid="3">
+                                            <p:txEl>
+                                              <p:pRg st="2" end="2"/>
+                                            </p:txEl>
+                                          </p:spTgt>
+                                        </p:tgtEl>
+                                        <p:attrNameLst>
+                                          <p:attrName>style.visibility</p:attrName>
+                                        </p:attrNameLst>
+                                      </p:cBhvr>
+                                      <p:to>
+                                        <p:strVal val="visible"/>
+                                      </p:to>
+                                    </p:set>
+                                    <p:anim calcmode="lin" valueType="num">
+                                      <p:cBhvr additive="base">
+                                        <p:cTn id="19" dur="500" fill="hold"/>
+                                        <p:tgtEl>
+                                          <p:spTgt spid="3">
+                                            <p:txEl>
+                                              <p:pRg st="2" end="2"/>
+                                            </p:txEl>
+                                          </p:spTgt>
+                                        </p:tgtEl>
+                                        <p:attrNameLst>
+                                          <p:attrName>ppt_x</p:attrName>
+                                        </p:attrNameLst>
+                                      </p:cBhvr>
+                                      <p:tavLst>
+                                        <p:tav tm="0">
+                                          <p:val>
+                                            <p:strVal val="#ppt_x"/>
+                                          </p:val>
+                                        </p:tav>
+                                        <p:tav tm="100000">
+                                          <p:val>
+                                            <p:strVal val="#ppt_x"/>
+                                          </p:val>
+                                        </p:tav>
+                                      </p:tavLst>
+                                    </p:anim>
+                                    <p:anim calcmode="lin" valueType="num">
+                                      <p:cBhvr additive="base">
+                                        <p:cTn id="20" dur="500" fill="hold"/>
+                                        <p:tgtEl>
+                                          <p:spTgt spid="3">
+                                            <p:txEl>
+                                              <p:pRg st="2" end="2"/>
+                                            </p:txEl>
+                                          </p:spTgt>
+                                        </p:tgtEl>
+                                        <p:attrNameLst>
+                                          <p:attrName>ppt_y</p:attrName>
+                                        </p:attrNameLst>
+                                      </p:cBhvr>
+                                      <p:tavLst>
+                                        <p:tav tm="0">
+                                          <p:val>
+                                            <p:strVal val="1+#ppt_h/2"/>
+                                          </p:val>
+                                        </p:tav>
+                                        <p:tav tm="100000">
+                                          <p:val>
+                                            <p:strVal val="#ppt_y"/>
+                                          </p:val>
+                                        </p:tav>
+                                      </p:tavLst>
+                                    </p:anim>
+                                  </p:childTnLst>
+                                </p:cTn>
+                              </p:par>
+                            </p:childTnLst>
+                          </p:cTn>
+                        </p:par>
+                      </p:childTnLst>
+                    </p:cTn>
+                  </p:par>
+                  <p:par>
+                    <p:cTn id="21" fill="hold">
+                      <p:stCondLst>
+                        <p:cond delay="indefinite"/>
+                      </p:stCondLst>
+                      <p:childTnLst>
+                        <p:par>
+                          <p:cTn id="22" fill="hold">
+                            <p:stCondLst>
+                              <p:cond delay="0"/>
+                            </p:stCondLst>
+                            <p:childTnLst>
+                              <p:par>
+                                <p:cTn id="23" presetID="2" presetClass="entr" presetSubtype="4" fill="hold" grpId="0" nodeType="clickEffect">
+                                  <p:stCondLst>
+                                    <p:cond delay="0"/>
+                                  </p:stCondLst>
+                                  <p:childTnLst>
+                                    <p:set>
+                                      <p:cBhvr>
+                                        <p:cTn id="24" dur="1" fill="hold">
+                                          <p:stCondLst>
+                                            <p:cond delay="0"/>
+                                          </p:stCondLst>
+                                        </p:cTn>
+                                        <p:tgtEl>
+                                          <p:spTgt spid="3">
+                                            <p:txEl>
+                                              <p:pRg st="3" end="3"/>
+                                            </p:txEl>
+                                          </p:spTgt>
+                                        </p:tgtEl>
+                                        <p:attrNameLst>
+                                          <p:attrName>style.visibility</p:attrName>
+                                        </p:attrNameLst>
+                                      </p:cBhvr>
+                                      <p:to>
+                                        <p:strVal val="visible"/>
+                                      </p:to>
+                                    </p:set>
+                                    <p:anim calcmode="lin" valueType="num">
+                                      <p:cBhvr additive="base">
+                                        <p:cTn id="25" dur="500" fill="hold"/>
+                                        <p:tgtEl>
+                                          <p:spTgt spid="3">
+                                            <p:txEl>
+                                              <p:pRg st="3" end="3"/>
+                                            </p:txEl>
+                                          </p:spTgt>
+                                        </p:tgtEl>
+                                        <p:attrNameLst>
+                                          <p:attrName>ppt_x</p:attrName>
+                                        </p:attrNameLst>
+                                      </p:cBhvr>
+                                      <p:tavLst>
+                                        <p:tav tm="0">
+                                          <p:val>
+                                            <p:strVal val="#ppt_x"/>
+                                          </p:val>
+                                        </p:tav>
+                                        <p:tav tm="100000">
+                                          <p:val>
+                                            <p:strVal val="#ppt_x"/>
+                                          </p:val>
+                                        </p:tav>
+                                      </p:tavLst>
+                                    </p:anim>
+                                    <p:anim calcmode="lin" valueType="num">
+                                      <p:cBhvr additive="base">
+                                        <p:cTn id="26" dur="500" fill="hold"/>
+                                        <p:tgtEl>
+                                          <p:spTgt spid="3">
+                                            <p:txEl>
+                                              <p:pRg st="3" end="3"/>
+                                            </p:txEl>
+                                          </p:spTgt>
+                                        </p:tgtEl>
+                                        <p:attrNameLst>
+                                          <p:attrName>ppt_y</p:attrName>
+                                        </p:attrNameLst>
+                                      </p:cBhvr>
+                                      <p:tavLst>
+                                        <p:tav tm="0">
+                                          <p:val>
+                                            <p:strVal val="1+#ppt_h/2"/>
+                                          </p:val>
+                                        </p:tav>
+                                        <p:tav tm="100000">
+                                          <p:val>
+                                            <p:strVal val="#ppt_y"/>
+                                          </p:val>
+                                        </p:tav>
+                                      </p:tavLst>
+                                    </p:anim>
+                                  </p:childTnLst>
+                                </p:cTn>
+                              </p:par>
+                            </p:childTnLst>
+                          </p:cTn>
+                        </p:par>
+                      </p:childTnLst>
+                    </p:cTn>
+                  </p:par>
+                  <p:par>
+                    <p:cTn id="27" fill="hold">
+                      <p:stCondLst>
+                        <p:cond delay="indefinite"/>
+                      </p:stCondLst>
+                      <p:childTnLst>
+                        <p:par>
+                          <p:cTn id="28" fill="hold">
+                            <p:stCondLst>
+                              <p:cond delay="0"/>
+                            </p:stCondLst>
+                            <p:childTnLst>
+                              <p:par>
+                                <p:cTn id="29" presetID="2" presetClass="entr" presetSubtype="4" fill="hold" grpId="0" nodeType="clickEffect">
+                                  <p:stCondLst>
+                                    <p:cond delay="0"/>
+                                  </p:stCondLst>
+                                  <p:childTnLst>
+                                    <p:set>
+                                      <p:cBhvr>
+                                        <p:cTn id="30" dur="1" fill="hold">
+                                          <p:stCondLst>
+                                            <p:cond delay="0"/>
+                                          </p:stCondLst>
+                                        </p:cTn>
+                                        <p:tgtEl>
+                                          <p:spTgt spid="3">
+                                            <p:txEl>
+                                              <p:pRg st="4" end="4"/>
+                                            </p:txEl>
+                                          </p:spTgt>
+                                        </p:tgtEl>
+                                        <p:attrNameLst>
+                                          <p:attrName>style.visibility</p:attrName>
+                                        </p:attrNameLst>
+                                      </p:cBhvr>
+                                      <p:to>
+                                        <p:strVal val="visible"/>
+                                      </p:to>
+                                    </p:set>
+                                    <p:anim calcmode="lin" valueType="num">
+                                      <p:cBhvr additive="base">
+                                        <p:cTn id="31" dur="500" fill="hold"/>
+                                        <p:tgtEl>
+                                          <p:spTgt spid="3">
+                                            <p:txEl>
+                                              <p:pRg st="4" end="4"/>
+                                            </p:txEl>
+                                          </p:spTgt>
+                                        </p:tgtEl>
+                                        <p:attrNameLst>
+                                          <p:attrName>ppt_x</p:attrName>
+                                        </p:attrNameLst>
+                                      </p:cBhvr>
+                                      <p:tavLst>
+                                        <p:tav tm="0">
+                                          <p:val>
+                                            <p:strVal val="#ppt_x"/>
+                                          </p:val>
+                                        </p:tav>
+                                        <p:tav tm="100000">
+                                          <p:val>
+                                            <p:strVal val="#ppt_x"/>
+                                          </p:val>
+                                        </p:tav>
+                                      </p:tavLst>
+                                    </p:anim>
+                                    <p:anim calcmode="lin" valueType="num">
+                                      <p:cBhvr additive="base">
+                                        <p:cTn id="32" dur="500" fill="hold"/>
+                                        <p:tgtEl>
+                                          <p:spTgt spid="3">
+                                            <p:txEl>
+                                              <p:pRg st="4" end="4"/>
+                                            </p:txEl>
+                                          </p:spTgt>
+                                        </p:tgtEl>
+                                        <p:attrNameLst>
+                                          <p:attrName>ppt_y</p:attrName>
+                                        </p:attrNameLst>
+                                      </p:cBhvr>
+                                      <p:tavLst>
+                                        <p:tav tm="0">
+                                          <p:val>
+                                            <p:strVal val="1+#ppt_h/2"/>
+                                          </p:val>
+                                        </p:tav>
+                                        <p:tav tm="100000">
+                                          <p:val>
+                                            <p:strVal val="#ppt_y"/>
+                                          </p:val>
+                                        </p:tav>
+                                      </p:tavLst>
+                                    </p:anim>
+                                  </p:childTnLst>
+                                </p:cTn>
+                              </p:par>
+                            </p:childTnLst>
+                          </p:cTn>
+                        </p:par>
+                      </p:childTnLst>
+                    </p:cTn>
+                  </p:par>
+                  <p:par>
+                    <p:cTn id="33" fill="hold">
+                      <p:stCondLst>
+                        <p:cond delay="indefinite"/>
+                      </p:stCondLst>
+                      <p:childTnLst>
+                        <p:par>
+                          <p:cTn id="34" fill="hold">
+                            <p:stCondLst>
+                              <p:cond delay="0"/>
+                            </p:stCondLst>
+                            <p:childTnLst>
+                              <p:par>
+                                <p:cTn id="35" presetID="2" presetClass="entr" presetSubtype="4" fill="hold" grpId="0" nodeType="clickEffect">
+                                  <p:stCondLst>
+                                    <p:cond delay="0"/>
+                                  </p:stCondLst>
+                                  <p:childTnLst>
+                                    <p:set>
+                                      <p:cBhvr>
+                                        <p:cTn id="36" dur="1" fill="hold">
+                                          <p:stCondLst>
+                                            <p:cond delay="0"/>
+                                          </p:stCondLst>
+                                        </p:cTn>
+                                        <p:tgtEl>
+                                          <p:spTgt spid="3">
+                                            <p:txEl>
+                                              <p:pRg st="5" end="5"/>
+                                            </p:txEl>
+                                          </p:spTgt>
+                                        </p:tgtEl>
+                                        <p:attrNameLst>
+                                          <p:attrName>style.visibility</p:attrName>
+                                        </p:attrNameLst>
+                                      </p:cBhvr>
+                                      <p:to>
+                                        <p:strVal val="visible"/>
+                                      </p:to>
+                                    </p:set>
+                                    <p:anim calcmode="lin" valueType="num">
+                                      <p:cBhvr additive="base">
+                                        <p:cTn id="37" dur="500" fill="hold"/>
+                                        <p:tgtEl>
+                                          <p:spTgt spid="3">
+                                            <p:txEl>
+                                              <p:pRg st="5" end="5"/>
+                                            </p:txEl>
+                                          </p:spTgt>
+                                        </p:tgtEl>
+                                        <p:attrNameLst>
+                                          <p:attrName>ppt_x</p:attrName>
+                                        </p:attrNameLst>
+                                      </p:cBhvr>
+                                      <p:tavLst>
+                                        <p:tav tm="0">
+                                          <p:val>
+                                            <p:strVal val="#ppt_x"/>
+                                          </p:val>
+                                        </p:tav>
+                                        <p:tav tm="100000">
+                                          <p:val>
+                                            <p:strVal val="#ppt_x"/>
+                                          </p:val>
+                                        </p:tav>
+                                      </p:tavLst>
+                                    </p:anim>
+                                    <p:anim calcmode="lin" valueType="num">
+                                      <p:cBhvr additive="base">
+                                        <p:cTn id="38" dur="500" fill="hold"/>
+                                        <p:tgtEl>
+                                          <p:spTgt spid="3">
+                                            <p:txEl>
+                                              <p:pRg st="5" end="5"/>
+                                            </p:txEl>
+                                          </p:spTgt>
+                                        </p:tgtEl>
+                                        <p:attrNameLst>
+                                          <p:attrName>ppt_y</p:attrName>
+                                        </p:attrNameLst>
+                                      </p:cBhvr>
+                                      <p:tavLst>
+                                        <p:tav tm="0">
+                                          <p:val>
+                                            <p:strVal val="1+#ppt_h/2"/>
+                                          </p:val>
+                                        </p:tav>
+                                        <p:tav tm="100000">
+                                          <p:val>
+                                            <p:strVal val="#ppt_y"/>
+                                          </p:val>
+                                        </p:tav>
+                                      </p:tavLst>
+                                    </p:anim>
+                                  </p:childTnLst>
+                                </p:cTn>
+                              </p:par>
+                            </p:childTnLst>
+                          </p:cTn>
+                        </p:par>
+                      </p:childTnLst>
+                    </p:cTn>
+                  </p:par>
+                  <p:par>
+                    <p:cTn id="39" fill="hold">
+                      <p:stCondLst>
+                        <p:cond delay="indefinite"/>
+                      </p:stCondLst>
+                      <p:childTnLst>
+                        <p:par>
+                          <p:cTn id="40" fill="hold">
+                            <p:stCondLst>
+                              <p:cond delay="0"/>
+                            </p:stCondLst>
+                            <p:childTnLst>
+                              <p:par>
+                                <p:cTn id="41" presetID="2" presetClass="entr" presetSubtype="4" fill="hold" grpId="0" nodeType="clickEffect">
+                                  <p:stCondLst>
+                                    <p:cond delay="0"/>
+                                  </p:stCondLst>
+                                  <p:childTnLst>
+                                    <p:set>
+                                      <p:cBhvr>
+                                        <p:cTn id="42" dur="1" fill="hold">
+                                          <p:stCondLst>
+                                            <p:cond delay="0"/>
+                                          </p:stCondLst>
+                                        </p:cTn>
+                                        <p:tgtEl>
+                                          <p:spTgt spid="3">
+                                            <p:txEl>
+                                              <p:pRg st="6" end="6"/>
+                                            </p:txEl>
+                                          </p:spTgt>
+                                        </p:tgtEl>
+                                        <p:attrNameLst>
+                                          <p:attrName>style.visibility</p:attrName>
+                                        </p:attrNameLst>
+                                      </p:cBhvr>
+                                      <p:to>
+                                        <p:strVal val="visible"/>
+                                      </p:to>
+                                    </p:set>
+                                    <p:anim calcmode="lin" valueType="num">
+                                      <p:cBhvr additive="base">
+                                        <p:cTn id="43" dur="500" fill="hold"/>
+                                        <p:tgtEl>
+                                          <p:spTgt spid="3">
+                                            <p:txEl>
+                                              <p:pRg st="6" end="6"/>
+                                            </p:txEl>
+                                          </p:spTgt>
+                                        </p:tgtEl>
+                                        <p:attrNameLst>
+                                          <p:attrName>ppt_x</p:attrName>
+                                        </p:attrNameLst>
+                                      </p:cBhvr>
+                                      <p:tavLst>
+                                        <p:tav tm="0">
+                                          <p:val>
+                                            <p:strVal val="#ppt_x"/>
+                                          </p:val>
+                                        </p:tav>
+                                        <p:tav tm="100000">
+                                          <p:val>
+                                            <p:strVal val="#ppt_x"/>
+                                          </p:val>
+                                        </p:tav>
+                                      </p:tavLst>
+                                    </p:anim>
+                                    <p:anim calcmode="lin" valueType="num">
+                                      <p:cBhvr additive="base">
+                                        <p:cTn id="44" dur="500" fill="hold"/>
+                                        <p:tgtEl>
+                                          <p:spTgt spid="3">
+                                            <p:txEl>
+                                              <p:pRg st="6" end="6"/>
+                                            </p:txEl>
+                                          </p:spTgt>
+                                        </p:tgtEl>
+                                        <p:attrNameLst>
+                                          <p:attrName>ppt_y</p:attrName>
+                                        </p:attrNameLst>
+                                      </p:cBhvr>
+                                      <p:tavLst>
+                                        <p:tav tm="0">
+                                          <p:val>
+                                            <p:strVal val="1+#ppt_h/2"/>
+                                          </p:val>
+                                        </p:tav>
+                                        <p:tav tm="100000">
+                                          <p:val>
+                                            <p:strVal val="#ppt_y"/>
+                                          </p:val>
+                                        </p:tav>
+                                      </p:tavLst>
+                                    </p:anim>
+                                  </p:childTnLst>
+                                </p:cTn>
+                              </p:par>
+                            </p:childTnLst>
+                          </p:cTn>
+                        </p:par>
+                      </p:childTnLst>
+                    </p:cTn>
+                  </p:par>
+                  <p:par>
+                    <p:cTn id="45" fill="hold">
+                      <p:stCondLst>
+                        <p:cond delay="indefinite"/>
+                      </p:stCondLst>
+                      <p:childTnLst>
+                        <p:par>
+                          <p:cTn id="46" fill="hold">
+                            <p:stCondLst>
+                              <p:cond delay="0"/>
+                            </p:stCondLst>
+                            <p:childTnLst>
+                              <p:par>
+                                <p:cTn id="47" presetID="2" presetClass="entr" presetSubtype="4" fill="hold" grpId="0" nodeType="clickEffect">
+                                  <p:stCondLst>
+                                    <p:cond delay="0"/>
+                                  </p:stCondLst>
+                                  <p:childTnLst>
+                                    <p:set>
+                                      <p:cBhvr>
+                                        <p:cTn id="48" dur="1" fill="hold">
+                                          <p:stCondLst>
+                                            <p:cond delay="0"/>
+                                          </p:stCondLst>
+                                        </p:cTn>
+                                        <p:tgtEl>
+                                          <p:spTgt spid="3">
+                                            <p:txEl>
+                                              <p:pRg st="7" end="7"/>
+                                            </p:txEl>
+                                          </p:spTgt>
+                                        </p:tgtEl>
+                                        <p:attrNameLst>
+                                          <p:attrName>style.visibility</p:attrName>
+                                        </p:attrNameLst>
+                                      </p:cBhvr>
+                                      <p:to>
+                                        <p:strVal val="visible"/>
+                                      </p:to>
+                                    </p:set>
+                                    <p:anim calcmode="lin" valueType="num">
+                                      <p:cBhvr additive="base">
+                                        <p:cTn id="49" dur="500" fill="hold"/>
+                                        <p:tgtEl>
+                                          <p:spTgt spid="3">
+                                            <p:txEl>
+                                              <p:pRg st="7" end="7"/>
+                                            </p:txEl>
+                                          </p:spTgt>
+                                        </p:tgtEl>
+                                        <p:attrNameLst>
+                                          <p:attrName>ppt_x</p:attrName>
+                                        </p:attrNameLst>
+                                      </p:cBhvr>
+                                      <p:tavLst>
+                                        <p:tav tm="0">
+                                          <p:val>
+                                            <p:strVal val="#ppt_x"/>
+                                          </p:val>
+                                        </p:tav>
+                                        <p:tav tm="100000">
+                                          <p:val>
+                                            <p:strVal val="#ppt_x"/>
+                                          </p:val>
+                                        </p:tav>
+                                      </p:tavLst>
+                                    </p:anim>
+                                    <p:anim calcmode="lin" valueType="num">
+                                      <p:cBhvr additive="base">
+                                        <p:cTn id="50" dur="500" fill="hold"/>
+                                        <p:tgtEl>
+                                          <p:spTgt spid="3">
+                                            <p:txEl>
+                                              <p:pRg st="7" end="7"/>
+                                            </p:txEl>
+                                          </p:spTgt>
+                                        </p:tgtEl>
+                                        <p:attrNameLst>
+                                          <p:attrName>ppt_y</p:attrName>
+                                        </p:attrNameLst>
+                                      </p:cBhvr>
+                                      <p:tavLst>
+                                        <p:tav tm="0">
+                                          <p:val>
+                                            <p:strVal val="1+#ppt_h/2"/>
+                                          </p:val>
+                                        </p:tav>
+                                        <p:tav tm="100000">
+                                          <p:val>
+                                            <p:strVal val="#ppt_y"/>
+                                          </p:val>
+                                        </p:tav>
+                                      </p:tavLst>
+                                    </p:anim>
+                                  </p:childTnLst>
+                                </p:cTn>
+                              </p:par>
+                            </p:childTnLst>
+                          </p:cTn>
+                        </p:par>
+                      </p:childTnLst>
+                    </p:cTn>
+                  </p:par>
+                </p:childTnLst>
+              </p:cTn>
+              <p:prevCondLst>
+                <p:cond evt="onPrev" delay="0">
+                  <p:tgtEl>
+                    <p:sldTgt/>
+                  </p:tgtEl>
+                </p:cond>
+              </p:prevCondLst>
+              <p:nextCondLst>
+                <p:cond evt="onNext" delay="0">
+                  <p:tgtEl>
+                    <p:sldTgt/>
+                  </p:tgtEl>
+                </p:cond>
+              </p:nextCondLst>
+            </p:seq>
+          </p:childTnLst>
+        </p:cTn>
+      </p:par>
+    </p:tnLst>
+    <p:bldLst>
+      <p:bldP spid="3" grpId="0" uiExpand="1" build="p"/>
+    </p:bldLst>
+  </p:timing>
+</p:sld>
+</file>
+
+<file path=ppt/slides/slide11.xml><?xml version="1.0" encoding="utf-8"?>
+<p:sld xmlns:a="http://schemas.openxmlformats.org/drawingml/2006/main" xmlns:r="http://schemas.openxmlformats.org/officeDocument/2006/relationships" xmlns:p="http://schemas.openxmlformats.org/presentationml/2006/main">
+  <p:cSld>
+    <p:spTree>
+      <p:nvGrpSpPr>
+        <p:cNvPr id="1" name=""/>
+        <p:cNvGrpSpPr/>
+        <p:nvPr/>
+      </p:nvGrpSpPr>
+      <p:grpSpPr>
+        <a:xfrm>
+          <a:off x="0" y="0"/>
+          <a:ext cx="0" cy="0"/>
+          <a:chOff x="0" y="0"/>
+          <a:chExt cx="0" cy="0"/>
+        </a:xfrm>
+      </p:grpSpPr>
+      <p:sp>
+        <p:nvSpPr>
+          <p:cNvPr id="2" name="Title 1">
+            <a:extLst>
+              <a:ext uri="{FF2B5EF4-FFF2-40B4-BE49-F238E27FC236}">
+                <a16:creationId xmlns:a16="http://schemas.microsoft.com/office/drawing/2014/main" id="{8741D3F4-043D-4BFB-AB0C-82D358D5F944}"/>
+              </a:ext>
+            </a:extLst>
+          </p:cNvPr>
+          <p:cNvSpPr>
+            <a:spLocks noGrp="1"/>
+          </p:cNvSpPr>
+          <p:nvPr>
+            <p:ph type="title"/>
+          </p:nvPr>
+        </p:nvSpPr>
+        <p:spPr/>
+        <p:txBody>
+          <a:bodyPr/>
+          <a:lstStyle/>
+          <a:p>
+            <a:r>
+              <a:rPr lang="en-US" dirty="0"/>
+              <a:t>Common Escalation Pattern</a:t>
+            </a:r>
+          </a:p>
+        </p:txBody>
+      </p:sp>
+      <p:sp>
+        <p:nvSpPr>
+          <p:cNvPr id="3" name="Content Placeholder 2">
+            <a:extLst>
+              <a:ext uri="{FF2B5EF4-FFF2-40B4-BE49-F238E27FC236}">
+                <a16:creationId xmlns:a16="http://schemas.microsoft.com/office/drawing/2014/main" id="{2D4522CE-4216-4C37-8743-7C7D3195F82D}"/>
+              </a:ext>
+            </a:extLst>
+          </p:cNvPr>
+          <p:cNvSpPr>
+            <a:spLocks noGrp="1"/>
+          </p:cNvSpPr>
+          <p:nvPr>
+            <p:ph idx="1"/>
+          </p:nvPr>
+        </p:nvSpPr>
+        <p:spPr/>
+        <p:txBody>
+          <a:bodyPr/>
+          <a:lstStyle/>
+          <a:p>
+            <a:r>
+              <a:rPr lang="en-US" dirty="0"/>
+              <a:t>Dual Configuration Split on Severity</a:t>
+            </a:r>
+          </a:p>
+          <a:p>
+            <a:pPr lvl="1"/>
+            <a:r>
+              <a:rPr lang="en-US" dirty="0"/>
+              <a:t>Errors</a:t>
+            </a:r>
+          </a:p>
+          <a:p>
+            <a:pPr lvl="2"/>
+            <a:r>
+              <a:rPr lang="en-US" dirty="0"/>
+              <a:t>Locally logged to the filesystem</a:t>
+            </a:r>
+          </a:p>
+          <a:p>
+            <a:pPr lvl="2"/>
+            <a:r>
+              <a:rPr lang="en-US" dirty="0"/>
+              <a:t>Also sent an external service</a:t>
+            </a:r>
+          </a:p>
+          <a:p>
+            <a:pPr lvl="1"/>
+            <a:r>
+              <a:rPr lang="en-US" dirty="0"/>
+              <a:t>Everything Else</a:t>
+            </a:r>
+          </a:p>
+          <a:p>
+            <a:pPr lvl="2"/>
+            <a:r>
+              <a:rPr lang="en-US" dirty="0"/>
+              <a:t>Locally logged to the filesystem</a:t>
+            </a:r>
+          </a:p>
+          <a:p>
+            <a:pPr lvl="2"/>
+            <a:r>
+              <a:rPr lang="en-US" dirty="0"/>
+              <a:t>30 days rolling history</a:t>
+            </a:r>
+          </a:p>
+          <a:p>
+            <a:r>
+              <a:rPr lang="en-US" dirty="0"/>
+              <a:t>Alert Thresholds Managed by outside source</a:t>
+            </a:r>
+          </a:p>
+          <a:p>
+            <a:pPr lvl="1"/>
+            <a:r>
+              <a:rPr lang="en-US" dirty="0"/>
+              <a:t>Ideal if you can do online adjustments to logging levels</a:t>
+            </a:r>
+          </a:p>
+          <a:p>
+            <a:r>
+              <a:rPr lang="en-US" dirty="0"/>
+              <a:t>Quick access to detailed log messages</a:t>
+            </a:r>
+          </a:p>
+        </p:txBody>
+      </p:sp>
+    </p:spTree>
+    <p:extLst>
+      <p:ext uri="{BB962C8B-B14F-4D97-AF65-F5344CB8AC3E}">
+        <p14:creationId xmlns:p14="http://schemas.microsoft.com/office/powerpoint/2010/main" val="380472844"/>
+      </p:ext>
+    </p:extLst>
+  </p:cSld>
+  <p:clrMapOvr>
+    <a:masterClrMapping/>
+  </p:clrMapOvr>
+  <p:timing>
+    <p:tnLst>
+      <p:par>
+        <p:cTn id="1" dur="indefinite" restart="never" nodeType="tmRoot">
+          <p:childTnLst>
+            <p:seq concurrent="1" nextAc="seek">
+              <p:cTn id="2" dur="indefinite" nodeType="mainSeq">
+                <p:childTnLst>
+                  <p:par>
+                    <p:cTn id="3" fill="hold">
+                      <p:stCondLst>
+                        <p:cond delay="indefinite"/>
+                        <p:cond evt="onBegin" delay="0">
+                          <p:tn val="2"/>
+                        </p:cond>
+                      </p:stCondLst>
+                      <p:childTnLst>
+                        <p:par>
+                          <p:cTn id="4" fill="hold">
+                            <p:stCondLst>
+                              <p:cond delay="0"/>
+                            </p:stCondLst>
+                            <p:childTnLst>
+                              <p:par>
+                                <p:cTn id="5" presetID="2" presetClass="entr" presetSubtype="4" fill="hold" grpId="0" nodeType="withEffect">
+                                  <p:stCondLst>
+                                    <p:cond delay="0"/>
+                                  </p:stCondLst>
+                                  <p:childTnLst>
+                                    <p:set>
+                                      <p:cBhvr>
+                                        <p:cTn id="6" dur="1" fill="hold">
+                                          <p:stCondLst>
+                                            <p:cond delay="0"/>
+                                          </p:stCondLst>
+                                        </p:cTn>
+                                        <p:tgtEl>
+                                          <p:spTgt spid="3">
+                                            <p:txEl>
+                                              <p:pRg st="0" end="0"/>
+                                            </p:txEl>
+                                          </p:spTgt>
+                                        </p:tgtEl>
+                                        <p:attrNameLst>
+                                          <p:attrName>style.visibility</p:attrName>
+                                        </p:attrNameLst>
+                                      </p:cBhvr>
+                                      <p:to>
+                                        <p:strVal val="visible"/>
+                                      </p:to>
+                                    </p:set>
+                                    <p:anim calcmode="lin" valueType="num">
+                                      <p:cBhvr additive="base">
+                                        <p:cTn id="7" dur="500" fill="hold"/>
+                                        <p:tgtEl>
+                                          <p:spTgt spid="3">
+                                            <p:txEl>
+                                              <p:pRg st="0" end="0"/>
+                                            </p:txEl>
+                                          </p:spTgt>
+                                        </p:tgtEl>
+                                        <p:attrNameLst>
+                                          <p:attrName>ppt_x</p:attrName>
+                                        </p:attrNameLst>
+                                      </p:cBhvr>
+                                      <p:tavLst>
+                                        <p:tav tm="0">
+                                          <p:val>
+                                            <p:strVal val="#ppt_x"/>
+                                          </p:val>
+                                        </p:tav>
+                                        <p:tav tm="100000">
+                                          <p:val>
+                                            <p:strVal val="#ppt_x"/>
+                                          </p:val>
+                                        </p:tav>
+                                      </p:tavLst>
+                                    </p:anim>
+                                    <p:anim calcmode="lin" valueType="num">
+                                      <p:cBhvr additive="base">
+                                        <p:cTn id="8" dur="500" fill="hold"/>
+                                        <p:tgtEl>
+                                          <p:spTgt spid="3">
+                                            <p:txEl>
+                                              <p:pRg st="0" end="0"/>
+                                            </p:txEl>
+                                          </p:spTgt>
+                                        </p:tgtEl>
+                                        <p:attrNameLst>
+                                          <p:attrName>ppt_y</p:attrName>
+                                        </p:attrNameLst>
+                                      </p:cBhvr>
+                                      <p:tavLst>
+                                        <p:tav tm="0">
+                                          <p:val>
+                                            <p:strVal val="1+#ppt_h/2"/>
+                                          </p:val>
+                                        </p:tav>
+                                        <p:tav tm="100000">
+                                          <p:val>
+                                            <p:strVal val="#ppt_y"/>
+                                          </p:val>
+                                        </p:tav>
+                                      </p:tavLst>
+                                    </p:anim>
+                                  </p:childTnLst>
+                                </p:cTn>
+                              </p:par>
+                            </p:childTnLst>
+                          </p:cTn>
+                        </p:par>
+                      </p:childTnLst>
+                    </p:cTn>
+                  </p:par>
+                  <p:par>
+                    <p:cTn id="9" fill="hold">
+                      <p:stCondLst>
+                        <p:cond delay="indefinite"/>
+                      </p:stCondLst>
+                      <p:childTnLst>
+                        <p:par>
+                          <p:cTn id="10" fill="hold">
+                            <p:stCondLst>
+                              <p:cond delay="0"/>
+                            </p:stCondLst>
+                            <p:childTnLst>
+                              <p:par>
+                                <p:cTn id="11" presetID="2" presetClass="entr" presetSubtype="4" fill="hold" grpId="0" nodeType="clickEffect">
+                                  <p:stCondLst>
+                                    <p:cond delay="0"/>
+                                  </p:stCondLst>
+                                  <p:childTnLst>
+                                    <p:set>
+                                      <p:cBhvr>
+                                        <p:cTn id="12" dur="1" fill="hold">
+                                          <p:stCondLst>
+                                            <p:cond delay="0"/>
+                                          </p:stCondLst>
+                                        </p:cTn>
+                                        <p:tgtEl>
+                                          <p:spTgt spid="3">
+                                            <p:txEl>
+                                              <p:pRg st="1" end="1"/>
+                                            </p:txEl>
+                                          </p:spTgt>
+                                        </p:tgtEl>
+                                        <p:attrNameLst>
+                                          <p:attrName>style.visibility</p:attrName>
+                                        </p:attrNameLst>
+                                      </p:cBhvr>
+                                      <p:to>
+                                        <p:strVal val="visible"/>
+                                      </p:to>
+                                    </p:set>
+                                    <p:anim calcmode="lin" valueType="num">
+                                      <p:cBhvr additive="base">
+                                        <p:cTn id="13" dur="500" fill="hold"/>
+                                        <p:tgtEl>
+                                          <p:spTgt spid="3">
+                                            <p:txEl>
+                                              <p:pRg st="1" end="1"/>
+                                            </p:txEl>
+                                          </p:spTgt>
+                                        </p:tgtEl>
+                                        <p:attrNameLst>
+                                          <p:attrName>ppt_x</p:attrName>
+                                        </p:attrNameLst>
+                                      </p:cBhvr>
+                                      <p:tavLst>
+                                        <p:tav tm="0">
+                                          <p:val>
+                                            <p:strVal val="#ppt_x"/>
+                                          </p:val>
+                                        </p:tav>
+                                        <p:tav tm="100000">
+                                          <p:val>
+                                            <p:strVal val="#ppt_x"/>
+                                          </p:val>
+                                        </p:tav>
+                                      </p:tavLst>
+                                    </p:anim>
+                                    <p:anim calcmode="lin" valueType="num">
+                                      <p:cBhvr additive="base">
+                                        <p:cTn id="14" dur="500" fill="hold"/>
+                                        <p:tgtEl>
+                                          <p:spTgt spid="3">
+                                            <p:txEl>
+                                              <p:pRg st="1" end="1"/>
+                                            </p:txEl>
+                                          </p:spTgt>
+                                        </p:tgtEl>
+                                        <p:attrNameLst>
+                                          <p:attrName>ppt_y</p:attrName>
+                                        </p:attrNameLst>
+                                      </p:cBhvr>
+                                      <p:tavLst>
+                                        <p:tav tm="0">
+                                          <p:val>
+                                            <p:strVal val="1+#ppt_h/2"/>
+                                          </p:val>
+                                        </p:tav>
+                                        <p:tav tm="100000">
+                                          <p:val>
+                                            <p:strVal val="#ppt_y"/>
+                                          </p:val>
+                                        </p:tav>
+                                      </p:tavLst>
+                                    </p:anim>
+                                  </p:childTnLst>
+                                </p:cTn>
+                              </p:par>
+                              <p:par>
+                                <p:cTn id="15" presetID="2" presetClass="entr" presetSubtype="4" fill="hold" grpId="0" nodeType="withEffect">
+                                  <p:stCondLst>
+                                    <p:cond delay="0"/>
+                                  </p:stCondLst>
+                                  <p:childTnLst>
+                                    <p:set>
+                                      <p:cBhvr>
+                                        <p:cTn id="16" dur="1" fill="hold">
+                                          <p:stCondLst>
+                                            <p:cond delay="0"/>
+                                          </p:stCondLst>
+                                        </p:cTn>
+                                        <p:tgtEl>
+                                          <p:spTgt spid="3">
+                                            <p:txEl>
+                                              <p:pRg st="2" end="2"/>
+                                            </p:txEl>
+                                          </p:spTgt>
+                                        </p:tgtEl>
+                                        <p:attrNameLst>
+                                          <p:attrName>style.visibility</p:attrName>
+                                        </p:attrNameLst>
+                                      </p:cBhvr>
+                                      <p:to>
+                                        <p:strVal val="visible"/>
+                                      </p:to>
+                                    </p:set>
+                                    <p:anim calcmode="lin" valueType="num">
+                                      <p:cBhvr additive="base">
+                                        <p:cTn id="17" dur="500" fill="hold"/>
+                                        <p:tgtEl>
+                                          <p:spTgt spid="3">
+                                            <p:txEl>
+                                              <p:pRg st="2" end="2"/>
+                                            </p:txEl>
+                                          </p:spTgt>
+                                        </p:tgtEl>
+                                        <p:attrNameLst>
+                                          <p:attrName>ppt_x</p:attrName>
+                                        </p:attrNameLst>
+                                      </p:cBhvr>
+                                      <p:tavLst>
+                                        <p:tav tm="0">
+                                          <p:val>
+                                            <p:strVal val="#ppt_x"/>
+                                          </p:val>
+                                        </p:tav>
+                                        <p:tav tm="100000">
+                                          <p:val>
+                                            <p:strVal val="#ppt_x"/>
+                                          </p:val>
+                                        </p:tav>
+                                      </p:tavLst>
+                                    </p:anim>
+                                    <p:anim calcmode="lin" valueType="num">
+                                      <p:cBhvr additive="base">
+                                        <p:cTn id="18" dur="500" fill="hold"/>
+                                        <p:tgtEl>
+                                          <p:spTgt spid="3">
+                                            <p:txEl>
+                                              <p:pRg st="2" end="2"/>
+                                            </p:txEl>
+                                          </p:spTgt>
+                                        </p:tgtEl>
+                                        <p:attrNameLst>
+                                          <p:attrName>ppt_y</p:attrName>
+                                        </p:attrNameLst>
+                                      </p:cBhvr>
+                                      <p:tavLst>
+                                        <p:tav tm="0">
+                                          <p:val>
+                                            <p:strVal val="1+#ppt_h/2"/>
+                                          </p:val>
+                                        </p:tav>
+                                        <p:tav tm="100000">
+                                          <p:val>
+                                            <p:strVal val="#ppt_y"/>
+                                          </p:val>
+                                        </p:tav>
+                                      </p:tavLst>
+                                    </p:anim>
+                                  </p:childTnLst>
+                                </p:cTn>
+                              </p:par>
+                              <p:par>
+                                <p:cTn id="19" presetID="2" presetClass="entr" presetSubtype="4" fill="hold" grpId="0" nodeType="withEffect">
+                                  <p:stCondLst>
+                                    <p:cond delay="0"/>
+                                  </p:stCondLst>
+                                  <p:childTnLst>
+                                    <p:set>
+                                      <p:cBhvr>
+                                        <p:cTn id="20" dur="1" fill="hold">
+                                          <p:stCondLst>
+                                            <p:cond delay="0"/>
+                                          </p:stCondLst>
+                                        </p:cTn>
+                                        <p:tgtEl>
+                                          <p:spTgt spid="3">
+                                            <p:txEl>
+                                              <p:pRg st="3" end="3"/>
+                                            </p:txEl>
+                                          </p:spTgt>
+                                        </p:tgtEl>
+                                        <p:attrNameLst>
+                                          <p:attrName>style.visibility</p:attrName>
+                                        </p:attrNameLst>
+                                      </p:cBhvr>
+                                      <p:to>
+                                        <p:strVal val="visible"/>
+                                      </p:to>
+                                    </p:set>
+                                    <p:anim calcmode="lin" valueType="num">
+                                      <p:cBhvr additive="base">
+                                        <p:cTn id="21" dur="500" fill="hold"/>
+                                        <p:tgtEl>
+                                          <p:spTgt spid="3">
+                                            <p:txEl>
+                                              <p:pRg st="3" end="3"/>
+                                            </p:txEl>
+                                          </p:spTgt>
+                                        </p:tgtEl>
+                                        <p:attrNameLst>
+                                          <p:attrName>ppt_x</p:attrName>
+                                        </p:attrNameLst>
+                                      </p:cBhvr>
+                                      <p:tavLst>
+                                        <p:tav tm="0">
+                                          <p:val>
+                                            <p:strVal val="#ppt_x"/>
+                                          </p:val>
+                                        </p:tav>
+                                        <p:tav tm="100000">
+                                          <p:val>
+                                            <p:strVal val="#ppt_x"/>
+                                          </p:val>
+                                        </p:tav>
+                                      </p:tavLst>
+                                    </p:anim>
+                                    <p:anim calcmode="lin" valueType="num">
+                                      <p:cBhvr additive="base">
+                                        <p:cTn id="22" dur="500" fill="hold"/>
+                                        <p:tgtEl>
+                                          <p:spTgt spid="3">
+                                            <p:txEl>
+                                              <p:pRg st="3" end="3"/>
+                                            </p:txEl>
+                                          </p:spTgt>
+                                        </p:tgtEl>
+                                        <p:attrNameLst>
+                                          <p:attrName>ppt_y</p:attrName>
+                                        </p:attrNameLst>
+                                      </p:cBhvr>
+                                      <p:tavLst>
+                                        <p:tav tm="0">
+                                          <p:val>
+                                            <p:strVal val="1+#ppt_h/2"/>
+                                          </p:val>
+                                        </p:tav>
+                                        <p:tav tm="100000">
+                                          <p:val>
+                                            <p:strVal val="#ppt_y"/>
+                                          </p:val>
+                                        </p:tav>
+                                      </p:tavLst>
+                                    </p:anim>
+                                  </p:childTnLst>
+                                </p:cTn>
+                              </p:par>
+                            </p:childTnLst>
+                          </p:cTn>
+                        </p:par>
+                      </p:childTnLst>
+                    </p:cTn>
+                  </p:par>
+                  <p:par>
+                    <p:cTn id="23" fill="hold">
+                      <p:stCondLst>
+                        <p:cond delay="indefinite"/>
+                      </p:stCondLst>
+                      <p:childTnLst>
+                        <p:par>
+                          <p:cTn id="24" fill="hold">
+                            <p:stCondLst>
+                              <p:cond delay="0"/>
+                            </p:stCondLst>
+                            <p:childTnLst>
+                              <p:par>
+                                <p:cTn id="25" presetID="2" presetClass="entr" presetSubtype="4" fill="hold" grpId="0" nodeType="clickEffect">
+                                  <p:stCondLst>
+                                    <p:cond delay="0"/>
+                                  </p:stCondLst>
+                                  <p:childTnLst>
+                                    <p:set>
+                                      <p:cBhvr>
+                                        <p:cTn id="26" dur="1" fill="hold">
+                                          <p:stCondLst>
+                                            <p:cond delay="0"/>
+                                          </p:stCondLst>
+                                        </p:cTn>
+                                        <p:tgtEl>
+                                          <p:spTgt spid="3">
+                                            <p:txEl>
+                                              <p:pRg st="4" end="4"/>
+                                            </p:txEl>
+                                          </p:spTgt>
+                                        </p:tgtEl>
+                                        <p:attrNameLst>
+                                          <p:attrName>style.visibility</p:attrName>
+                                        </p:attrNameLst>
+                                      </p:cBhvr>
+                                      <p:to>
+                                        <p:strVal val="visible"/>
+                                      </p:to>
+                                    </p:set>
+                                    <p:anim calcmode="lin" valueType="num">
+                                      <p:cBhvr additive="base">
+                                        <p:cTn id="27" dur="500" fill="hold"/>
+                                        <p:tgtEl>
+                                          <p:spTgt spid="3">
+                                            <p:txEl>
+                                              <p:pRg st="4" end="4"/>
+                                            </p:txEl>
+                                          </p:spTgt>
+                                        </p:tgtEl>
+                                        <p:attrNameLst>
+                                          <p:attrName>ppt_x</p:attrName>
+                                        </p:attrNameLst>
+                                      </p:cBhvr>
+                                      <p:tavLst>
+                                        <p:tav tm="0">
+                                          <p:val>
+                                            <p:strVal val="#ppt_x"/>
+                                          </p:val>
+                                        </p:tav>
+                                        <p:tav tm="100000">
+                                          <p:val>
+                                            <p:strVal val="#ppt_x"/>
+                                          </p:val>
+                                        </p:tav>
+                                      </p:tavLst>
+                                    </p:anim>
+                                    <p:anim calcmode="lin" valueType="num">
+                                      <p:cBhvr additive="base">
+                                        <p:cTn id="28" dur="500" fill="hold"/>
+                                        <p:tgtEl>
+                                          <p:spTgt spid="3">
+                                            <p:txEl>
+                                              <p:pRg st="4" end="4"/>
+                                            </p:txEl>
+                                          </p:spTgt>
+                                        </p:tgtEl>
+                                        <p:attrNameLst>
+                                          <p:attrName>ppt_y</p:attrName>
+                                        </p:attrNameLst>
+                                      </p:cBhvr>
+                                      <p:tavLst>
+                                        <p:tav tm="0">
+                                          <p:val>
+                                            <p:strVal val="1+#ppt_h/2"/>
+                                          </p:val>
+                                        </p:tav>
+                                        <p:tav tm="100000">
+                                          <p:val>
+                                            <p:strVal val="#ppt_y"/>
+                                          </p:val>
+                                        </p:tav>
+                                      </p:tavLst>
+                                    </p:anim>
+                                  </p:childTnLst>
+                                </p:cTn>
+                              </p:par>
+                              <p:par>
+                                <p:cTn id="29" presetID="2" presetClass="entr" presetSubtype="4" fill="hold" grpId="0" nodeType="withEffect">
+                                  <p:stCondLst>
+                                    <p:cond delay="0"/>
+                                  </p:stCondLst>
+                                  <p:childTnLst>
+                                    <p:set>
+                                      <p:cBhvr>
+                                        <p:cTn id="30" dur="1" fill="hold">
+                                          <p:stCondLst>
+                                            <p:cond delay="0"/>
+                                          </p:stCondLst>
+                                        </p:cTn>
+                                        <p:tgtEl>
+                                          <p:spTgt spid="3">
+                                            <p:txEl>
+                                              <p:pRg st="5" end="5"/>
+                                            </p:txEl>
+                                          </p:spTgt>
+                                        </p:tgtEl>
+                                        <p:attrNameLst>
+                                          <p:attrName>style.visibility</p:attrName>
+                                        </p:attrNameLst>
+                                      </p:cBhvr>
+                                      <p:to>
+                                        <p:strVal val="visible"/>
+                                      </p:to>
+                                    </p:set>
+                                    <p:anim calcmode="lin" valueType="num">
+                                      <p:cBhvr additive="base">
+                                        <p:cTn id="31" dur="500" fill="hold"/>
+                                        <p:tgtEl>
+                                          <p:spTgt spid="3">
+                                            <p:txEl>
+                                              <p:pRg st="5" end="5"/>
+                                            </p:txEl>
+                                          </p:spTgt>
+                                        </p:tgtEl>
+                                        <p:attrNameLst>
+                                          <p:attrName>ppt_x</p:attrName>
+                                        </p:attrNameLst>
+                                      </p:cBhvr>
+                                      <p:tavLst>
+                                        <p:tav tm="0">
+                                          <p:val>
+                                            <p:strVal val="#ppt_x"/>
+                                          </p:val>
+                                        </p:tav>
+                                        <p:tav tm="100000">
+                                          <p:val>
+                                            <p:strVal val="#ppt_x"/>
+                                          </p:val>
+                                        </p:tav>
+                                      </p:tavLst>
+                                    </p:anim>
+                                    <p:anim calcmode="lin" valueType="num">
+                                      <p:cBhvr additive="base">
+                                        <p:cTn id="32" dur="500" fill="hold"/>
+                                        <p:tgtEl>
+                                          <p:spTgt spid="3">
+                                            <p:txEl>
+                                              <p:pRg st="5" end="5"/>
+                                            </p:txEl>
+                                          </p:spTgt>
+                                        </p:tgtEl>
+                                        <p:attrNameLst>
+                                          <p:attrName>ppt_y</p:attrName>
+                                        </p:attrNameLst>
+                                      </p:cBhvr>
+                                      <p:tavLst>
+                                        <p:tav tm="0">
+                                          <p:val>
+                                            <p:strVal val="1+#ppt_h/2"/>
+                                          </p:val>
+                                        </p:tav>
+                                        <p:tav tm="100000">
+                                          <p:val>
+                                            <p:strVal val="#ppt_y"/>
+                                          </p:val>
+                                        </p:tav>
+                                      </p:tavLst>
+                                    </p:anim>
+                                  </p:childTnLst>
+                                </p:cTn>
+                              </p:par>
+                              <p:par>
+                                <p:cTn id="33" presetID="2" presetClass="entr" presetSubtype="4" fill="hold" grpId="0" nodeType="withEffect">
+                                  <p:stCondLst>
+                                    <p:cond delay="0"/>
+                                  </p:stCondLst>
+                                  <p:childTnLst>
+                                    <p:set>
+                                      <p:cBhvr>
+                                        <p:cTn id="34" dur="1" fill="hold">
+                                          <p:stCondLst>
+                                            <p:cond delay="0"/>
+                                          </p:stCondLst>
+                                        </p:cTn>
+                                        <p:tgtEl>
+                                          <p:spTgt spid="3">
+                                            <p:txEl>
+                                              <p:pRg st="6" end="6"/>
+                                            </p:txEl>
+                                          </p:spTgt>
+                                        </p:tgtEl>
+                                        <p:attrNameLst>
+                                          <p:attrName>style.visibility</p:attrName>
+                                        </p:attrNameLst>
+                                      </p:cBhvr>
+                                      <p:to>
+                                        <p:strVal val="visible"/>
+                                      </p:to>
+                                    </p:set>
+                                    <p:anim calcmode="lin" valueType="num">
+                                      <p:cBhvr additive="base">
+                                        <p:cTn id="35" dur="500" fill="hold"/>
+                                        <p:tgtEl>
+                                          <p:spTgt spid="3">
+                                            <p:txEl>
+                                              <p:pRg st="6" end="6"/>
+                                            </p:txEl>
+                                          </p:spTgt>
+                                        </p:tgtEl>
+                                        <p:attrNameLst>
+                                          <p:attrName>ppt_x</p:attrName>
+                                        </p:attrNameLst>
+                                      </p:cBhvr>
+                                      <p:tavLst>
+                                        <p:tav tm="0">
+                                          <p:val>
+                                            <p:strVal val="#ppt_x"/>
+                                          </p:val>
+                                        </p:tav>
+                                        <p:tav tm="100000">
+                                          <p:val>
+                                            <p:strVal val="#ppt_x"/>
+                                          </p:val>
+                                        </p:tav>
+                                      </p:tavLst>
+                                    </p:anim>
+                                    <p:anim calcmode="lin" valueType="num">
+                                      <p:cBhvr additive="base">
+                                        <p:cTn id="36" dur="500" fill="hold"/>
+                                        <p:tgtEl>
+                                          <p:spTgt spid="3">
+                                            <p:txEl>
+                                              <p:pRg st="6" end="6"/>
+                                            </p:txEl>
+                                          </p:spTgt>
+                                        </p:tgtEl>
+                                        <p:attrNameLst>
+                                          <p:attrName>ppt_y</p:attrName>
+                                        </p:attrNameLst>
+                                      </p:cBhvr>
+                                      <p:tavLst>
+                                        <p:tav tm="0">
+                                          <p:val>
+                                            <p:strVal val="1+#ppt_h/2"/>
+                                          </p:val>
+                                        </p:tav>
+                                        <p:tav tm="100000">
+                                          <p:val>
+                                            <p:strVal val="#ppt_y"/>
+                                          </p:val>
+                                        </p:tav>
+                                      </p:tavLst>
+                                    </p:anim>
+                                  </p:childTnLst>
+                                </p:cTn>
+                              </p:par>
+                            </p:childTnLst>
+                          </p:cTn>
+                        </p:par>
+                      </p:childTnLst>
+                    </p:cTn>
+                  </p:par>
+                  <p:par>
+                    <p:cTn id="37" fill="hold">
+                      <p:stCondLst>
+                        <p:cond delay="indefinite"/>
+                      </p:stCondLst>
+                      <p:childTnLst>
+                        <p:par>
+                          <p:cTn id="38" fill="hold">
+                            <p:stCondLst>
+                              <p:cond delay="0"/>
+                            </p:stCondLst>
+                            <p:childTnLst>
+                              <p:par>
+                                <p:cTn id="39" presetID="2" presetClass="entr" presetSubtype="4" fill="hold" grpId="0" nodeType="clickEffect">
+                                  <p:stCondLst>
+                                    <p:cond delay="0"/>
+                                  </p:stCondLst>
+                                  <p:childTnLst>
+                                    <p:set>
+                                      <p:cBhvr>
+                                        <p:cTn id="40" dur="1" fill="hold">
+                                          <p:stCondLst>
+                                            <p:cond delay="0"/>
+                                          </p:stCondLst>
+                                        </p:cTn>
+                                        <p:tgtEl>
+                                          <p:spTgt spid="3">
+                                            <p:txEl>
+                                              <p:pRg st="7" end="7"/>
+                                            </p:txEl>
+                                          </p:spTgt>
+                                        </p:tgtEl>
+                                        <p:attrNameLst>
+                                          <p:attrName>style.visibility</p:attrName>
+                                        </p:attrNameLst>
+                                      </p:cBhvr>
+                                      <p:to>
+                                        <p:strVal val="visible"/>
+                                      </p:to>
+                                    </p:set>
+                                    <p:anim calcmode="lin" valueType="num">
+                                      <p:cBhvr additive="base">
+                                        <p:cTn id="41" dur="500" fill="hold"/>
+                                        <p:tgtEl>
+                                          <p:spTgt spid="3">
+                                            <p:txEl>
+                                              <p:pRg st="7" end="7"/>
+                                            </p:txEl>
+                                          </p:spTgt>
+                                        </p:tgtEl>
+                                        <p:attrNameLst>
+                                          <p:attrName>ppt_x</p:attrName>
+                                        </p:attrNameLst>
+                                      </p:cBhvr>
+                                      <p:tavLst>
+                                        <p:tav tm="0">
+                                          <p:val>
+                                            <p:strVal val="#ppt_x"/>
+                                          </p:val>
+                                        </p:tav>
+                                        <p:tav tm="100000">
+                                          <p:val>
+                                            <p:strVal val="#ppt_x"/>
+                                          </p:val>
+                                        </p:tav>
+                                      </p:tavLst>
+                                    </p:anim>
+                                    <p:anim calcmode="lin" valueType="num">
+                                      <p:cBhvr additive="base">
+                                        <p:cTn id="42" dur="500" fill="hold"/>
+                                        <p:tgtEl>
+                                          <p:spTgt spid="3">
+                                            <p:txEl>
+                                              <p:pRg st="7" end="7"/>
+                                            </p:txEl>
+                                          </p:spTgt>
+                                        </p:tgtEl>
+                                        <p:attrNameLst>
+                                          <p:attrName>ppt_y</p:attrName>
+                                        </p:attrNameLst>
+                                      </p:cBhvr>
+                                      <p:tavLst>
+                                        <p:tav tm="0">
+                                          <p:val>
+                                            <p:strVal val="1+#ppt_h/2"/>
+                                          </p:val>
+                                        </p:tav>
+                                        <p:tav tm="100000">
+                                          <p:val>
+                                            <p:strVal val="#ppt_y"/>
+                                          </p:val>
+                                        </p:tav>
+                                      </p:tavLst>
+                                    </p:anim>
+                                  </p:childTnLst>
+                                </p:cTn>
+                              </p:par>
+                              <p:par>
+                                <p:cTn id="43" presetID="2" presetClass="entr" presetSubtype="4" fill="hold" grpId="0" nodeType="withEffect">
+                                  <p:stCondLst>
+                                    <p:cond delay="0"/>
+                                  </p:stCondLst>
+                                  <p:childTnLst>
+                                    <p:set>
+                                      <p:cBhvr>
+                                        <p:cTn id="44" dur="1" fill="hold">
+                                          <p:stCondLst>
+                                            <p:cond delay="0"/>
+                                          </p:stCondLst>
+                                        </p:cTn>
+                                        <p:tgtEl>
+                                          <p:spTgt spid="3">
+                                            <p:txEl>
+                                              <p:pRg st="8" end="8"/>
+                                            </p:txEl>
+                                          </p:spTgt>
+                                        </p:tgtEl>
+                                        <p:attrNameLst>
+                                          <p:attrName>style.visibility</p:attrName>
+                                        </p:attrNameLst>
+                                      </p:cBhvr>
+                                      <p:to>
+                                        <p:strVal val="visible"/>
+                                      </p:to>
+                                    </p:set>
+                                    <p:anim calcmode="lin" valueType="num">
+                                      <p:cBhvr additive="base">
+                                        <p:cTn id="45" dur="500" fill="hold"/>
+                                        <p:tgtEl>
+                                          <p:spTgt spid="3">
+                                            <p:txEl>
+                                              <p:pRg st="8" end="8"/>
+                                            </p:txEl>
+                                          </p:spTgt>
+                                        </p:tgtEl>
+                                        <p:attrNameLst>
+                                          <p:attrName>ppt_x</p:attrName>
+                                        </p:attrNameLst>
+                                      </p:cBhvr>
+                                      <p:tavLst>
+                                        <p:tav tm="0">
+                                          <p:val>
+                                            <p:strVal val="#ppt_x"/>
+                                          </p:val>
+                                        </p:tav>
+                                        <p:tav tm="100000">
+                                          <p:val>
+                                            <p:strVal val="#ppt_x"/>
+                                          </p:val>
+                                        </p:tav>
+                                      </p:tavLst>
+                                    </p:anim>
+                                    <p:anim calcmode="lin" valueType="num">
+                                      <p:cBhvr additive="base">
+                                        <p:cTn id="46" dur="500" fill="hold"/>
+                                        <p:tgtEl>
+                                          <p:spTgt spid="3">
+                                            <p:txEl>
+                                              <p:pRg st="8" end="8"/>
+                                            </p:txEl>
+                                          </p:spTgt>
+                                        </p:tgtEl>
+                                        <p:attrNameLst>
+                                          <p:attrName>ppt_y</p:attrName>
+                                        </p:attrNameLst>
+                                      </p:cBhvr>
+                                      <p:tavLst>
+                                        <p:tav tm="0">
+                                          <p:val>
+                                            <p:strVal val="1+#ppt_h/2"/>
+                                          </p:val>
+                                        </p:tav>
+                                        <p:tav tm="100000">
+                                          <p:val>
+                                            <p:strVal val="#ppt_y"/>
+                                          </p:val>
+                                        </p:tav>
+                                      </p:tavLst>
+                                    </p:anim>
+                                  </p:childTnLst>
+                                </p:cTn>
+                              </p:par>
+                            </p:childTnLst>
+                          </p:cTn>
+                        </p:par>
+                      </p:childTnLst>
+                    </p:cTn>
+                  </p:par>
+                  <p:par>
+                    <p:cTn id="47" fill="hold">
+                      <p:stCondLst>
+                        <p:cond delay="indefinite"/>
+                      </p:stCondLst>
+                      <p:childTnLst>
+                        <p:par>
+                          <p:cTn id="48" fill="hold">
+                            <p:stCondLst>
+                              <p:cond delay="0"/>
+                            </p:stCondLst>
+                            <p:childTnLst>
+                              <p:par>
+                                <p:cTn id="49" presetID="2" presetClass="entr" presetSubtype="4" fill="hold" grpId="0" nodeType="clickEffect">
+                                  <p:stCondLst>
+                                    <p:cond delay="0"/>
+                                  </p:stCondLst>
+                                  <p:childTnLst>
+                                    <p:set>
+                                      <p:cBhvr>
+                                        <p:cTn id="50" dur="1" fill="hold">
+                                          <p:stCondLst>
+                                            <p:cond delay="0"/>
+                                          </p:stCondLst>
+                                        </p:cTn>
+                                        <p:tgtEl>
+                                          <p:spTgt spid="3">
+                                            <p:txEl>
+                                              <p:pRg st="9" end="9"/>
+                                            </p:txEl>
+                                          </p:spTgt>
+                                        </p:tgtEl>
+                                        <p:attrNameLst>
+                                          <p:attrName>style.visibility</p:attrName>
+                                        </p:attrNameLst>
+                                      </p:cBhvr>
+                                      <p:to>
+                                        <p:strVal val="visible"/>
+                                      </p:to>
+                                    </p:set>
+                                    <p:anim calcmode="lin" valueType="num">
+                                      <p:cBhvr additive="base">
+                                        <p:cTn id="51" dur="500" fill="hold"/>
+                                        <p:tgtEl>
+                                          <p:spTgt spid="3">
+                                            <p:txEl>
+                                              <p:pRg st="9" end="9"/>
+                                            </p:txEl>
+                                          </p:spTgt>
+                                        </p:tgtEl>
+                                        <p:attrNameLst>
+                                          <p:attrName>ppt_x</p:attrName>
+                                        </p:attrNameLst>
+                                      </p:cBhvr>
+                                      <p:tavLst>
+                                        <p:tav tm="0">
+                                          <p:val>
+                                            <p:strVal val="#ppt_x"/>
+                                          </p:val>
+                                        </p:tav>
+                                        <p:tav tm="100000">
+                                          <p:val>
+                                            <p:strVal val="#ppt_x"/>
+                                          </p:val>
+                                        </p:tav>
+                                      </p:tavLst>
+                                    </p:anim>
+                                    <p:anim calcmode="lin" valueType="num">
+                                      <p:cBhvr additive="base">
+                                        <p:cTn id="52" dur="500" fill="hold"/>
+                                        <p:tgtEl>
+                                          <p:spTgt spid="3">
+                                            <p:txEl>
+                                              <p:pRg st="9" end="9"/>
+                                            </p:txEl>
+                                          </p:spTgt>
+                                        </p:tgtEl>
+                                        <p:attrNameLst>
+                                          <p:attrName>ppt_y</p:attrName>
+                                        </p:attrNameLst>
+                                      </p:cBhvr>
+                                      <p:tavLst>
+                                        <p:tav tm="0">
+                                          <p:val>
+                                            <p:strVal val="1+#ppt_h/2"/>
+                                          </p:val>
+                                        </p:tav>
+                                        <p:tav tm="100000">
+                                          <p:val>
+                                            <p:strVal val="#ppt_y"/>
+                                          </p:val>
+                                        </p:tav>
+                                      </p:tavLst>
+                                    </p:anim>
+                                  </p:childTnLst>
+                                </p:cTn>
+                              </p:par>
+                            </p:childTnLst>
+                          </p:cTn>
+                        </p:par>
+                      </p:childTnLst>
+                    </p:cTn>
+                  </p:par>
+                </p:childTnLst>
+              </p:cTn>
+              <p:prevCondLst>
+                <p:cond evt="onPrev" delay="0">
+                  <p:tgtEl>
+                    <p:sldTgt/>
+                  </p:tgtEl>
+                </p:cond>
+              </p:prevCondLst>
+              <p:nextCondLst>
+                <p:cond evt="onNext" delay="0">
+                  <p:tgtEl>
+                    <p:sldTgt/>
+                  </p:tgtEl>
+                </p:cond>
+              </p:nextCondLst>
+            </p:seq>
+          </p:childTnLst>
+        </p:cTn>
+      </p:par>
+    </p:tnLst>
+    <p:bldLst>
+      <p:bldP spid="3" grpId="0" uiExpand="1" build="p"/>
+    </p:bldLst>
+  </p:timing>
+</p:sld>
+</file>
+
+<file path=ppt/slides/slide12.xml><?xml version="1.0" encoding="utf-8"?>
+<p:sld xmlns:a="http://schemas.openxmlformats.org/drawingml/2006/main" xmlns:r="http://schemas.openxmlformats.org/officeDocument/2006/relationships" xmlns:p="http://schemas.openxmlformats.org/presentationml/2006/main">
+  <p:cSld>
+    <p:spTree>
+      <p:nvGrpSpPr>
+        <p:cNvPr id="1" name=""/>
+        <p:cNvGrpSpPr/>
+        <p:nvPr/>
+      </p:nvGrpSpPr>
+      <p:grpSpPr>
+        <a:xfrm>
+          <a:off x="0" y="0"/>
+          <a:ext cx="0" cy="0"/>
+          <a:chOff x="0" y="0"/>
+          <a:chExt cx="0" cy="0"/>
+        </a:xfrm>
+      </p:grpSpPr>
+      <p:sp>
+        <p:nvSpPr>
+          <p:cNvPr id="2" name="Title 1">
+            <a:extLst>
+              <a:ext uri="{FF2B5EF4-FFF2-40B4-BE49-F238E27FC236}">
                 <a16:creationId xmlns:a16="http://schemas.microsoft.com/office/drawing/2014/main" id="{9C6402F3-C262-4AA6-9342-D13A14E46415}"/>
               </a:ext>
             </a:extLst>
@@ -4037,7 +6187,7 @@
 </p:sld>
 </file>
 
-<file path=ppt/slides/slide11.xml><?xml version="1.0" encoding="utf-8"?>
+<file path=ppt/slides/slide13.xml><?xml version="1.0" encoding="utf-8"?>
 <p:sld xmlns:a="http://schemas.openxmlformats.org/drawingml/2006/main" xmlns:r="http://schemas.openxmlformats.org/officeDocument/2006/relationships" xmlns:p="http://schemas.openxmlformats.org/presentationml/2006/main">
   <p:cSld>
     <p:spTree>
@@ -4096,7 +6246,7 @@
 </p:sld>
 </file>
 
-<file path=ppt/slides/slide12.xml><?xml version="1.0" encoding="utf-8"?>
+<file path=ppt/slides/slide14.xml><?xml version="1.0" encoding="utf-8"?>
 <p:sld xmlns:a="http://schemas.openxmlformats.org/drawingml/2006/main" xmlns:r="http://schemas.openxmlformats.org/officeDocument/2006/relationships" xmlns:p="http://schemas.openxmlformats.org/presentationml/2006/main">
   <p:cSld>
     <p:spTree>
@@ -4427,7 +6577,7 @@
 </p:sld>
 </file>
 
-<file path=ppt/slides/slide13.xml><?xml version="1.0" encoding="utf-8"?>
+<file path=ppt/slides/slide15.xml><?xml version="1.0" encoding="utf-8"?>
 <p:sld xmlns:a="http://schemas.openxmlformats.org/drawingml/2006/main" xmlns:r="http://schemas.openxmlformats.org/officeDocument/2006/relationships" xmlns:p="http://schemas.openxmlformats.org/presentationml/2006/main">
   <p:cSld>
     <p:spTree>
@@ -5424,7 +7574,7 @@
 </p:sld>
 </file>
 
-<file path=ppt/slides/slide14.xml><?xml version="1.0" encoding="utf-8"?>
+<file path=ppt/slides/slide16.xml><?xml version="1.0" encoding="utf-8"?>
 <p:sld xmlns:a="http://schemas.openxmlformats.org/drawingml/2006/main" xmlns:r="http://schemas.openxmlformats.org/officeDocument/2006/relationships" xmlns:p="http://schemas.openxmlformats.org/presentationml/2006/main">
   <p:cSld>
     <p:spTree>
@@ -5807,7 +7957,126 @@
 </p:sld>
 </file>
 
-<file path=ppt/slides/slide15.xml><?xml version="1.0" encoding="utf-8"?>
+<file path=ppt/slides/slide17.xml><?xml version="1.0" encoding="utf-8"?>
+<p:sld xmlns:a="http://schemas.openxmlformats.org/drawingml/2006/main" xmlns:r="http://schemas.openxmlformats.org/officeDocument/2006/relationships" xmlns:p="http://schemas.openxmlformats.org/presentationml/2006/main">
+  <p:cSld>
+    <p:spTree>
+      <p:nvGrpSpPr>
+        <p:cNvPr id="1" name=""/>
+        <p:cNvGrpSpPr/>
+        <p:nvPr/>
+      </p:nvGrpSpPr>
+      <p:grpSpPr>
+        <a:xfrm>
+          <a:off x="0" y="0"/>
+          <a:ext cx="0" cy="0"/>
+          <a:chOff x="0" y="0"/>
+          <a:chExt cx="0" cy="0"/>
+        </a:xfrm>
+      </p:grpSpPr>
+      <p:sp>
+        <p:nvSpPr>
+          <p:cNvPr id="2" name="Title 1">
+            <a:extLst>
+              <a:ext uri="{FF2B5EF4-FFF2-40B4-BE49-F238E27FC236}">
+                <a16:creationId xmlns:a16="http://schemas.microsoft.com/office/drawing/2014/main" id="{877B9D95-AC1F-66D7-4423-A247DD01D9AC}"/>
+              </a:ext>
+            </a:extLst>
+          </p:cNvPr>
+          <p:cNvSpPr>
+            <a:spLocks noGrp="1"/>
+          </p:cNvSpPr>
+          <p:nvPr>
+            <p:ph type="title"/>
+          </p:nvPr>
+        </p:nvSpPr>
+        <p:spPr/>
+        <p:txBody>
+          <a:bodyPr/>
+          <a:lstStyle/>
+          <a:p>
+            <a:r>
+              <a:rPr lang="en-US" dirty="0"/>
+              <a:t>Minimal .NET Core Setup</a:t>
+            </a:r>
+          </a:p>
+        </p:txBody>
+      </p:sp>
+      <p:sp>
+        <p:nvSpPr>
+          <p:cNvPr id="3" name="Content Placeholder 2">
+            <a:extLst>
+              <a:ext uri="{FF2B5EF4-FFF2-40B4-BE49-F238E27FC236}">
+                <a16:creationId xmlns:a16="http://schemas.microsoft.com/office/drawing/2014/main" id="{BAAF7059-B1A7-28B5-6A81-F4A3E285DC8A}"/>
+              </a:ext>
+            </a:extLst>
+          </p:cNvPr>
+          <p:cNvSpPr>
+            <a:spLocks noGrp="1"/>
+          </p:cNvSpPr>
+          <p:nvPr>
+            <p:ph idx="1"/>
+          </p:nvPr>
+        </p:nvSpPr>
+        <p:spPr/>
+        <p:txBody>
+          <a:bodyPr/>
+          <a:lstStyle/>
+          <a:p>
+            <a:r>
+              <a:rPr lang="en-US" dirty="0"/>
+              <a:t>Add </a:t>
+            </a:r>
+            <a:r>
+              <a:rPr lang="en-US" dirty="0" err="1"/>
+              <a:t>Serilog.AspNetCore</a:t>
+            </a:r>
+            <a:r>
+              <a:rPr lang="en-US" dirty="0"/>
+              <a:t> Package</a:t>
+            </a:r>
+          </a:p>
+          <a:p>
+            <a:r>
+              <a:rPr lang="en-US" dirty="0"/>
+              <a:t>Add a configuration (JSON or Otherwise)</a:t>
+            </a:r>
+          </a:p>
+          <a:p>
+            <a:r>
+              <a:rPr lang="en-US" dirty="0"/>
+              <a:t>Add at least 1 sink (target) to the logging configuration</a:t>
+            </a:r>
+          </a:p>
+          <a:p>
+            <a:r>
+              <a:rPr lang="en-US" dirty="0"/>
+              <a:t>The sample application has two examples included</a:t>
+            </a:r>
+          </a:p>
+          <a:p>
+            <a:pPr lvl="1"/>
+            <a:r>
+              <a:rPr lang="en-US"/>
+              <a:t>https://github.com/mitchelsellers/dotnetcoreloggingdemo</a:t>
+            </a:r>
+          </a:p>
+        </p:txBody>
+      </p:sp>
+    </p:spTree>
+    <p:extLst>
+      <p:ext uri="{BB962C8B-B14F-4D97-AF65-F5344CB8AC3E}">
+        <p14:creationId xmlns:p14="http://schemas.microsoft.com/office/powerpoint/2010/main" val="1645909941"/>
+      </p:ext>
+    </p:extLst>
+  </p:cSld>
+  <p:clrMapOvr>
+    <a:masterClrMapping/>
+  </p:clrMapOvr>
+</p:sld>
+</file>
+
+<file path=ppt/slides/slide18.xml><?xml version="1.0" encoding="utf-8"?>
 <p:sld xmlns:a="http://schemas.openxmlformats.org/drawingml/2006/main" xmlns:r="http://schemas.openxmlformats.org/officeDocument/2006/relationships" xmlns:p="http://schemas.openxmlformats.org/presentationml/2006/main">
   <p:cSld>
     <p:spTree>
@@ -5943,7 +8212,7 @@
 </p:sld>
 </file>
 
-<file path=ppt/slides/slide16.xml><?xml version="1.0" encoding="utf-8"?>
+<file path=ppt/slides/slide19.xml><?xml version="1.0" encoding="utf-8"?>
 <p:sld xmlns:a="http://schemas.openxmlformats.org/drawingml/2006/main" xmlns:r="http://schemas.openxmlformats.org/officeDocument/2006/relationships" xmlns:p="http://schemas.openxmlformats.org/presentationml/2006/main">
   <p:cSld>
     <p:spTree>
@@ -7549,6 +9818,1271 @@
           <p:cNvPr id="2" name="Title 1">
             <a:extLst>
               <a:ext uri="{FF2B5EF4-FFF2-40B4-BE49-F238E27FC236}">
+                <a16:creationId xmlns:a16="http://schemas.microsoft.com/office/drawing/2014/main" id="{E09EAFFB-90F8-F988-651C-FCC60AD90032}"/>
+              </a:ext>
+            </a:extLst>
+          </p:cNvPr>
+          <p:cNvSpPr>
+            <a:spLocks noGrp="1"/>
+          </p:cNvSpPr>
+          <p:nvPr>
+            <p:ph type="title"/>
+          </p:nvPr>
+        </p:nvSpPr>
+        <p:spPr/>
+        <p:txBody>
+          <a:bodyPr/>
+          <a:lstStyle/>
+          <a:p>
+            <a:r>
+              <a:rPr lang="en-US" dirty="0"/>
+              <a:t>What Types of Applications Do You Build</a:t>
+            </a:r>
+          </a:p>
+        </p:txBody>
+      </p:sp>
+      <p:sp>
+        <p:nvSpPr>
+          <p:cNvPr id="3" name="Content Placeholder 2">
+            <a:extLst>
+              <a:ext uri="{FF2B5EF4-FFF2-40B4-BE49-F238E27FC236}">
+                <a16:creationId xmlns:a16="http://schemas.microsoft.com/office/drawing/2014/main" id="{1BE2B07B-9939-F95D-538F-B0D1816DB98A}"/>
+              </a:ext>
+            </a:extLst>
+          </p:cNvPr>
+          <p:cNvSpPr>
+            <a:spLocks noGrp="1"/>
+          </p:cNvSpPr>
+          <p:nvPr>
+            <p:ph idx="1"/>
+          </p:nvPr>
+        </p:nvSpPr>
+        <p:spPr/>
+        <p:txBody>
+          <a:bodyPr/>
+          <a:lstStyle/>
+          <a:p>
+            <a:r>
+              <a:rPr lang="en-US" dirty="0"/>
+              <a:t>Traditional Web Applications</a:t>
+            </a:r>
+          </a:p>
+          <a:p>
+            <a:r>
+              <a:rPr lang="en-US" dirty="0"/>
+              <a:t>SaaS Web Applications</a:t>
+            </a:r>
+          </a:p>
+          <a:p>
+            <a:r>
+              <a:rPr lang="en-US" dirty="0"/>
+              <a:t>Desktop Applications</a:t>
+            </a:r>
+          </a:p>
+          <a:p>
+            <a:r>
+              <a:rPr lang="en-US" dirty="0"/>
+              <a:t>Mobile Applications</a:t>
+            </a:r>
+          </a:p>
+        </p:txBody>
+      </p:sp>
+    </p:spTree>
+    <p:extLst>
+      <p:ext uri="{BB962C8B-B14F-4D97-AF65-F5344CB8AC3E}">
+        <p14:creationId xmlns:p14="http://schemas.microsoft.com/office/powerpoint/2010/main" val="291076520"/>
+      </p:ext>
+    </p:extLst>
+  </p:cSld>
+  <p:clrMapOvr>
+    <a:masterClrMapping/>
+  </p:clrMapOvr>
+  <p:timing>
+    <p:tnLst>
+      <p:par>
+        <p:cTn id="1" dur="indefinite" restart="never" nodeType="tmRoot">
+          <p:childTnLst>
+            <p:seq concurrent="1" nextAc="seek">
+              <p:cTn id="2" dur="indefinite" nodeType="mainSeq">
+                <p:childTnLst>
+                  <p:par>
+                    <p:cTn id="3" fill="hold">
+                      <p:stCondLst>
+                        <p:cond delay="indefinite"/>
+                      </p:stCondLst>
+                      <p:childTnLst>
+                        <p:par>
+                          <p:cTn id="4" fill="hold">
+                            <p:stCondLst>
+                              <p:cond delay="0"/>
+                            </p:stCondLst>
+                            <p:childTnLst>
+                              <p:par>
+                                <p:cTn id="5" presetID="2" presetClass="entr" presetSubtype="4" fill="hold" grpId="0" nodeType="clickEffect">
+                                  <p:stCondLst>
+                                    <p:cond delay="0"/>
+                                  </p:stCondLst>
+                                  <p:childTnLst>
+                                    <p:set>
+                                      <p:cBhvr>
+                                        <p:cTn id="6" dur="1" fill="hold">
+                                          <p:stCondLst>
+                                            <p:cond delay="0"/>
+                                          </p:stCondLst>
+                                        </p:cTn>
+                                        <p:tgtEl>
+                                          <p:spTgt spid="3">
+                                            <p:txEl>
+                                              <p:pRg st="0" end="0"/>
+                                            </p:txEl>
+                                          </p:spTgt>
+                                        </p:tgtEl>
+                                        <p:attrNameLst>
+                                          <p:attrName>style.visibility</p:attrName>
+                                        </p:attrNameLst>
+                                      </p:cBhvr>
+                                      <p:to>
+                                        <p:strVal val="visible"/>
+                                      </p:to>
+                                    </p:set>
+                                    <p:anim calcmode="lin" valueType="num">
+                                      <p:cBhvr additive="base">
+                                        <p:cTn id="7" dur="500" fill="hold"/>
+                                        <p:tgtEl>
+                                          <p:spTgt spid="3">
+                                            <p:txEl>
+                                              <p:pRg st="0" end="0"/>
+                                            </p:txEl>
+                                          </p:spTgt>
+                                        </p:tgtEl>
+                                        <p:attrNameLst>
+                                          <p:attrName>ppt_x</p:attrName>
+                                        </p:attrNameLst>
+                                      </p:cBhvr>
+                                      <p:tavLst>
+                                        <p:tav tm="0">
+                                          <p:val>
+                                            <p:strVal val="#ppt_x"/>
+                                          </p:val>
+                                        </p:tav>
+                                        <p:tav tm="100000">
+                                          <p:val>
+                                            <p:strVal val="#ppt_x"/>
+                                          </p:val>
+                                        </p:tav>
+                                      </p:tavLst>
+                                    </p:anim>
+                                    <p:anim calcmode="lin" valueType="num">
+                                      <p:cBhvr additive="base">
+                                        <p:cTn id="8" dur="500" fill="hold"/>
+                                        <p:tgtEl>
+                                          <p:spTgt spid="3">
+                                            <p:txEl>
+                                              <p:pRg st="0" end="0"/>
+                                            </p:txEl>
+                                          </p:spTgt>
+                                        </p:tgtEl>
+                                        <p:attrNameLst>
+                                          <p:attrName>ppt_y</p:attrName>
+                                        </p:attrNameLst>
+                                      </p:cBhvr>
+                                      <p:tavLst>
+                                        <p:tav tm="0">
+                                          <p:val>
+                                            <p:strVal val="1+#ppt_h/2"/>
+                                          </p:val>
+                                        </p:tav>
+                                        <p:tav tm="100000">
+                                          <p:val>
+                                            <p:strVal val="#ppt_y"/>
+                                          </p:val>
+                                        </p:tav>
+                                      </p:tavLst>
+                                    </p:anim>
+                                  </p:childTnLst>
+                                </p:cTn>
+                              </p:par>
+                            </p:childTnLst>
+                          </p:cTn>
+                        </p:par>
+                      </p:childTnLst>
+                    </p:cTn>
+                  </p:par>
+                  <p:par>
+                    <p:cTn id="9" fill="hold">
+                      <p:stCondLst>
+                        <p:cond delay="indefinite"/>
+                      </p:stCondLst>
+                      <p:childTnLst>
+                        <p:par>
+                          <p:cTn id="10" fill="hold">
+                            <p:stCondLst>
+                              <p:cond delay="0"/>
+                            </p:stCondLst>
+                            <p:childTnLst>
+                              <p:par>
+                                <p:cTn id="11" presetID="2" presetClass="entr" presetSubtype="4" fill="hold" grpId="0" nodeType="clickEffect">
+                                  <p:stCondLst>
+                                    <p:cond delay="0"/>
+                                  </p:stCondLst>
+                                  <p:childTnLst>
+                                    <p:set>
+                                      <p:cBhvr>
+                                        <p:cTn id="12" dur="1" fill="hold">
+                                          <p:stCondLst>
+                                            <p:cond delay="0"/>
+                                          </p:stCondLst>
+                                        </p:cTn>
+                                        <p:tgtEl>
+                                          <p:spTgt spid="3">
+                                            <p:txEl>
+                                              <p:pRg st="1" end="1"/>
+                                            </p:txEl>
+                                          </p:spTgt>
+                                        </p:tgtEl>
+                                        <p:attrNameLst>
+                                          <p:attrName>style.visibility</p:attrName>
+                                        </p:attrNameLst>
+                                      </p:cBhvr>
+                                      <p:to>
+                                        <p:strVal val="visible"/>
+                                      </p:to>
+                                    </p:set>
+                                    <p:anim calcmode="lin" valueType="num">
+                                      <p:cBhvr additive="base">
+                                        <p:cTn id="13" dur="500" fill="hold"/>
+                                        <p:tgtEl>
+                                          <p:spTgt spid="3">
+                                            <p:txEl>
+                                              <p:pRg st="1" end="1"/>
+                                            </p:txEl>
+                                          </p:spTgt>
+                                        </p:tgtEl>
+                                        <p:attrNameLst>
+                                          <p:attrName>ppt_x</p:attrName>
+                                        </p:attrNameLst>
+                                      </p:cBhvr>
+                                      <p:tavLst>
+                                        <p:tav tm="0">
+                                          <p:val>
+                                            <p:strVal val="#ppt_x"/>
+                                          </p:val>
+                                        </p:tav>
+                                        <p:tav tm="100000">
+                                          <p:val>
+                                            <p:strVal val="#ppt_x"/>
+                                          </p:val>
+                                        </p:tav>
+                                      </p:tavLst>
+                                    </p:anim>
+                                    <p:anim calcmode="lin" valueType="num">
+                                      <p:cBhvr additive="base">
+                                        <p:cTn id="14" dur="500" fill="hold"/>
+                                        <p:tgtEl>
+                                          <p:spTgt spid="3">
+                                            <p:txEl>
+                                              <p:pRg st="1" end="1"/>
+                                            </p:txEl>
+                                          </p:spTgt>
+                                        </p:tgtEl>
+                                        <p:attrNameLst>
+                                          <p:attrName>ppt_y</p:attrName>
+                                        </p:attrNameLst>
+                                      </p:cBhvr>
+                                      <p:tavLst>
+                                        <p:tav tm="0">
+                                          <p:val>
+                                            <p:strVal val="1+#ppt_h/2"/>
+                                          </p:val>
+                                        </p:tav>
+                                        <p:tav tm="100000">
+                                          <p:val>
+                                            <p:strVal val="#ppt_y"/>
+                                          </p:val>
+                                        </p:tav>
+                                      </p:tavLst>
+                                    </p:anim>
+                                  </p:childTnLst>
+                                </p:cTn>
+                              </p:par>
+                            </p:childTnLst>
+                          </p:cTn>
+                        </p:par>
+                      </p:childTnLst>
+                    </p:cTn>
+                  </p:par>
+                  <p:par>
+                    <p:cTn id="15" fill="hold">
+                      <p:stCondLst>
+                        <p:cond delay="indefinite"/>
+                      </p:stCondLst>
+                      <p:childTnLst>
+                        <p:par>
+                          <p:cTn id="16" fill="hold">
+                            <p:stCondLst>
+                              <p:cond delay="0"/>
+                            </p:stCondLst>
+                            <p:childTnLst>
+                              <p:par>
+                                <p:cTn id="17" presetID="2" presetClass="entr" presetSubtype="4" fill="hold" grpId="0" nodeType="clickEffect">
+                                  <p:stCondLst>
+                                    <p:cond delay="0"/>
+                                  </p:stCondLst>
+                                  <p:childTnLst>
+                                    <p:set>
+                                      <p:cBhvr>
+                                        <p:cTn id="18" dur="1" fill="hold">
+                                          <p:stCondLst>
+                                            <p:cond delay="0"/>
+                                          </p:stCondLst>
+                                        </p:cTn>
+                                        <p:tgtEl>
+                                          <p:spTgt spid="3">
+                                            <p:txEl>
+                                              <p:pRg st="2" end="2"/>
+                                            </p:txEl>
+                                          </p:spTgt>
+                                        </p:tgtEl>
+                                        <p:attrNameLst>
+                                          <p:attrName>style.visibility</p:attrName>
+                                        </p:attrNameLst>
+                                      </p:cBhvr>
+                                      <p:to>
+                                        <p:strVal val="visible"/>
+                                      </p:to>
+                                    </p:set>
+                                    <p:anim calcmode="lin" valueType="num">
+                                      <p:cBhvr additive="base">
+                                        <p:cTn id="19" dur="500" fill="hold"/>
+                                        <p:tgtEl>
+                                          <p:spTgt spid="3">
+                                            <p:txEl>
+                                              <p:pRg st="2" end="2"/>
+                                            </p:txEl>
+                                          </p:spTgt>
+                                        </p:tgtEl>
+                                        <p:attrNameLst>
+                                          <p:attrName>ppt_x</p:attrName>
+                                        </p:attrNameLst>
+                                      </p:cBhvr>
+                                      <p:tavLst>
+                                        <p:tav tm="0">
+                                          <p:val>
+                                            <p:strVal val="#ppt_x"/>
+                                          </p:val>
+                                        </p:tav>
+                                        <p:tav tm="100000">
+                                          <p:val>
+                                            <p:strVal val="#ppt_x"/>
+                                          </p:val>
+                                        </p:tav>
+                                      </p:tavLst>
+                                    </p:anim>
+                                    <p:anim calcmode="lin" valueType="num">
+                                      <p:cBhvr additive="base">
+                                        <p:cTn id="20" dur="500" fill="hold"/>
+                                        <p:tgtEl>
+                                          <p:spTgt spid="3">
+                                            <p:txEl>
+                                              <p:pRg st="2" end="2"/>
+                                            </p:txEl>
+                                          </p:spTgt>
+                                        </p:tgtEl>
+                                        <p:attrNameLst>
+                                          <p:attrName>ppt_y</p:attrName>
+                                        </p:attrNameLst>
+                                      </p:cBhvr>
+                                      <p:tavLst>
+                                        <p:tav tm="0">
+                                          <p:val>
+                                            <p:strVal val="1+#ppt_h/2"/>
+                                          </p:val>
+                                        </p:tav>
+                                        <p:tav tm="100000">
+                                          <p:val>
+                                            <p:strVal val="#ppt_y"/>
+                                          </p:val>
+                                        </p:tav>
+                                      </p:tavLst>
+                                    </p:anim>
+                                  </p:childTnLst>
+                                </p:cTn>
+                              </p:par>
+                            </p:childTnLst>
+                          </p:cTn>
+                        </p:par>
+                      </p:childTnLst>
+                    </p:cTn>
+                  </p:par>
+                  <p:par>
+                    <p:cTn id="21" fill="hold">
+                      <p:stCondLst>
+                        <p:cond delay="indefinite"/>
+                      </p:stCondLst>
+                      <p:childTnLst>
+                        <p:par>
+                          <p:cTn id="22" fill="hold">
+                            <p:stCondLst>
+                              <p:cond delay="0"/>
+                            </p:stCondLst>
+                            <p:childTnLst>
+                              <p:par>
+                                <p:cTn id="23" presetID="2" presetClass="entr" presetSubtype="4" fill="hold" grpId="0" nodeType="clickEffect">
+                                  <p:stCondLst>
+                                    <p:cond delay="0"/>
+                                  </p:stCondLst>
+                                  <p:childTnLst>
+                                    <p:set>
+                                      <p:cBhvr>
+                                        <p:cTn id="24" dur="1" fill="hold">
+                                          <p:stCondLst>
+                                            <p:cond delay="0"/>
+                                          </p:stCondLst>
+                                        </p:cTn>
+                                        <p:tgtEl>
+                                          <p:spTgt spid="3">
+                                            <p:txEl>
+                                              <p:pRg st="3" end="3"/>
+                                            </p:txEl>
+                                          </p:spTgt>
+                                        </p:tgtEl>
+                                        <p:attrNameLst>
+                                          <p:attrName>style.visibility</p:attrName>
+                                        </p:attrNameLst>
+                                      </p:cBhvr>
+                                      <p:to>
+                                        <p:strVal val="visible"/>
+                                      </p:to>
+                                    </p:set>
+                                    <p:anim calcmode="lin" valueType="num">
+                                      <p:cBhvr additive="base">
+                                        <p:cTn id="25" dur="500" fill="hold"/>
+                                        <p:tgtEl>
+                                          <p:spTgt spid="3">
+                                            <p:txEl>
+                                              <p:pRg st="3" end="3"/>
+                                            </p:txEl>
+                                          </p:spTgt>
+                                        </p:tgtEl>
+                                        <p:attrNameLst>
+                                          <p:attrName>ppt_x</p:attrName>
+                                        </p:attrNameLst>
+                                      </p:cBhvr>
+                                      <p:tavLst>
+                                        <p:tav tm="0">
+                                          <p:val>
+                                            <p:strVal val="#ppt_x"/>
+                                          </p:val>
+                                        </p:tav>
+                                        <p:tav tm="100000">
+                                          <p:val>
+                                            <p:strVal val="#ppt_x"/>
+                                          </p:val>
+                                        </p:tav>
+                                      </p:tavLst>
+                                    </p:anim>
+                                    <p:anim calcmode="lin" valueType="num">
+                                      <p:cBhvr additive="base">
+                                        <p:cTn id="26" dur="500" fill="hold"/>
+                                        <p:tgtEl>
+                                          <p:spTgt spid="3">
+                                            <p:txEl>
+                                              <p:pRg st="3" end="3"/>
+                                            </p:txEl>
+                                          </p:spTgt>
+                                        </p:tgtEl>
+                                        <p:attrNameLst>
+                                          <p:attrName>ppt_y</p:attrName>
+                                        </p:attrNameLst>
+                                      </p:cBhvr>
+                                      <p:tavLst>
+                                        <p:tav tm="0">
+                                          <p:val>
+                                            <p:strVal val="1+#ppt_h/2"/>
+                                          </p:val>
+                                        </p:tav>
+                                        <p:tav tm="100000">
+                                          <p:val>
+                                            <p:strVal val="#ppt_y"/>
+                                          </p:val>
+                                        </p:tav>
+                                      </p:tavLst>
+                                    </p:anim>
+                                  </p:childTnLst>
+                                </p:cTn>
+                              </p:par>
+                            </p:childTnLst>
+                          </p:cTn>
+                        </p:par>
+                      </p:childTnLst>
+                    </p:cTn>
+                  </p:par>
+                </p:childTnLst>
+              </p:cTn>
+              <p:prevCondLst>
+                <p:cond evt="onPrev" delay="0">
+                  <p:tgtEl>
+                    <p:sldTgt/>
+                  </p:tgtEl>
+                </p:cond>
+              </p:prevCondLst>
+              <p:nextCondLst>
+                <p:cond evt="onNext" delay="0">
+                  <p:tgtEl>
+                    <p:sldTgt/>
+                  </p:tgtEl>
+                </p:cond>
+              </p:nextCondLst>
+            </p:seq>
+          </p:childTnLst>
+        </p:cTn>
+      </p:par>
+    </p:tnLst>
+    <p:bldLst>
+      <p:bldP spid="3" grpId="0" build="p"/>
+    </p:bldLst>
+  </p:timing>
+</p:sld>
+</file>
+
+<file path=ppt/slides/slide6.xml><?xml version="1.0" encoding="utf-8"?>
+<p:sld xmlns:a="http://schemas.openxmlformats.org/drawingml/2006/main" xmlns:r="http://schemas.openxmlformats.org/officeDocument/2006/relationships" xmlns:p="http://schemas.openxmlformats.org/presentationml/2006/main">
+  <p:cSld>
+    <p:spTree>
+      <p:nvGrpSpPr>
+        <p:cNvPr id="1" name=""/>
+        <p:cNvGrpSpPr/>
+        <p:nvPr/>
+      </p:nvGrpSpPr>
+      <p:grpSpPr>
+        <a:xfrm>
+          <a:off x="0" y="0"/>
+          <a:ext cx="0" cy="0"/>
+          <a:chOff x="0" y="0"/>
+          <a:chExt cx="0" cy="0"/>
+        </a:xfrm>
+      </p:grpSpPr>
+      <p:sp>
+        <p:nvSpPr>
+          <p:cNvPr id="2" name="Title 1">
+            <a:extLst>
+              <a:ext uri="{FF2B5EF4-FFF2-40B4-BE49-F238E27FC236}">
+                <a16:creationId xmlns:a16="http://schemas.microsoft.com/office/drawing/2014/main" id="{6E6616DC-D7D2-FA77-004C-A73BD07E7595}"/>
+              </a:ext>
+            </a:extLst>
+          </p:cNvPr>
+          <p:cNvSpPr>
+            <a:spLocks noGrp="1"/>
+          </p:cNvSpPr>
+          <p:nvPr>
+            <p:ph type="title"/>
+          </p:nvPr>
+        </p:nvSpPr>
+        <p:spPr/>
+        <p:txBody>
+          <a:bodyPr/>
+          <a:lstStyle/>
+          <a:p>
+            <a:r>
+              <a:rPr lang="en-US" dirty="0"/>
+              <a:t>Types of Logging</a:t>
+            </a:r>
+          </a:p>
+        </p:txBody>
+      </p:sp>
+      <p:sp>
+        <p:nvSpPr>
+          <p:cNvPr id="3" name="Content Placeholder 2">
+            <a:extLst>
+              <a:ext uri="{FF2B5EF4-FFF2-40B4-BE49-F238E27FC236}">
+                <a16:creationId xmlns:a16="http://schemas.microsoft.com/office/drawing/2014/main" id="{04A9DBF1-2A9F-63CC-7CA6-91660828463C}"/>
+              </a:ext>
+            </a:extLst>
+          </p:cNvPr>
+          <p:cNvSpPr>
+            <a:spLocks noGrp="1"/>
+          </p:cNvSpPr>
+          <p:nvPr>
+            <p:ph idx="1"/>
+          </p:nvPr>
+        </p:nvSpPr>
+        <p:spPr/>
+        <p:txBody>
+          <a:bodyPr/>
+          <a:lstStyle/>
+          <a:p>
+            <a:r>
+              <a:rPr lang="en-US" dirty="0"/>
+              <a:t>Web Server/Access Logging</a:t>
+            </a:r>
+          </a:p>
+          <a:p>
+            <a:pPr lvl="1"/>
+            <a:r>
+              <a:rPr lang="en-US" dirty="0"/>
+              <a:t>Outside of today’s scope, but worth considering (IIS Logs)</a:t>
+            </a:r>
+          </a:p>
+          <a:p>
+            <a:r>
+              <a:rPr lang="en-US" dirty="0"/>
+              <a:t>Windows Logging</a:t>
+            </a:r>
+          </a:p>
+          <a:p>
+            <a:pPr lvl="1"/>
+            <a:r>
+              <a:rPr lang="en-US" dirty="0"/>
+              <a:t>Can catch SOME of what we discuss</a:t>
+            </a:r>
+          </a:p>
+          <a:p>
+            <a:r>
+              <a:rPr lang="en-US" dirty="0"/>
+              <a:t>Application Logging</a:t>
+            </a:r>
+          </a:p>
+          <a:p>
+            <a:pPr lvl="1"/>
+            <a:r>
+              <a:rPr lang="en-US" dirty="0"/>
+              <a:t>What we are talking about today</a:t>
+            </a:r>
+          </a:p>
+        </p:txBody>
+      </p:sp>
+    </p:spTree>
+    <p:extLst>
+      <p:ext uri="{BB962C8B-B14F-4D97-AF65-F5344CB8AC3E}">
+        <p14:creationId xmlns:p14="http://schemas.microsoft.com/office/powerpoint/2010/main" val="4206023700"/>
+      </p:ext>
+    </p:extLst>
+  </p:cSld>
+  <p:clrMapOvr>
+    <a:masterClrMapping/>
+  </p:clrMapOvr>
+  <p:timing>
+    <p:tnLst>
+      <p:par>
+        <p:cTn id="1" dur="indefinite" restart="never" nodeType="tmRoot">
+          <p:childTnLst>
+            <p:seq concurrent="1" nextAc="seek">
+              <p:cTn id="2" dur="indefinite" nodeType="mainSeq">
+                <p:childTnLst>
+                  <p:par>
+                    <p:cTn id="3" fill="hold">
+                      <p:stCondLst>
+                        <p:cond delay="indefinite"/>
+                      </p:stCondLst>
+                      <p:childTnLst>
+                        <p:par>
+                          <p:cTn id="4" fill="hold">
+                            <p:stCondLst>
+                              <p:cond delay="0"/>
+                            </p:stCondLst>
+                            <p:childTnLst>
+                              <p:par>
+                                <p:cTn id="5" presetID="2" presetClass="entr" presetSubtype="4" fill="hold" grpId="0" nodeType="clickEffect">
+                                  <p:stCondLst>
+                                    <p:cond delay="0"/>
+                                  </p:stCondLst>
+                                  <p:childTnLst>
+                                    <p:set>
+                                      <p:cBhvr>
+                                        <p:cTn id="6" dur="1" fill="hold">
+                                          <p:stCondLst>
+                                            <p:cond delay="0"/>
+                                          </p:stCondLst>
+                                        </p:cTn>
+                                        <p:tgtEl>
+                                          <p:spTgt spid="3">
+                                            <p:txEl>
+                                              <p:pRg st="0" end="0"/>
+                                            </p:txEl>
+                                          </p:spTgt>
+                                        </p:tgtEl>
+                                        <p:attrNameLst>
+                                          <p:attrName>style.visibility</p:attrName>
+                                        </p:attrNameLst>
+                                      </p:cBhvr>
+                                      <p:to>
+                                        <p:strVal val="visible"/>
+                                      </p:to>
+                                    </p:set>
+                                    <p:anim calcmode="lin" valueType="num">
+                                      <p:cBhvr additive="base">
+                                        <p:cTn id="7" dur="500" fill="hold"/>
+                                        <p:tgtEl>
+                                          <p:spTgt spid="3">
+                                            <p:txEl>
+                                              <p:pRg st="0" end="0"/>
+                                            </p:txEl>
+                                          </p:spTgt>
+                                        </p:tgtEl>
+                                        <p:attrNameLst>
+                                          <p:attrName>ppt_x</p:attrName>
+                                        </p:attrNameLst>
+                                      </p:cBhvr>
+                                      <p:tavLst>
+                                        <p:tav tm="0">
+                                          <p:val>
+                                            <p:strVal val="#ppt_x"/>
+                                          </p:val>
+                                        </p:tav>
+                                        <p:tav tm="100000">
+                                          <p:val>
+                                            <p:strVal val="#ppt_x"/>
+                                          </p:val>
+                                        </p:tav>
+                                      </p:tavLst>
+                                    </p:anim>
+                                    <p:anim calcmode="lin" valueType="num">
+                                      <p:cBhvr additive="base">
+                                        <p:cTn id="8" dur="500" fill="hold"/>
+                                        <p:tgtEl>
+                                          <p:spTgt spid="3">
+                                            <p:txEl>
+                                              <p:pRg st="0" end="0"/>
+                                            </p:txEl>
+                                          </p:spTgt>
+                                        </p:tgtEl>
+                                        <p:attrNameLst>
+                                          <p:attrName>ppt_y</p:attrName>
+                                        </p:attrNameLst>
+                                      </p:cBhvr>
+                                      <p:tavLst>
+                                        <p:tav tm="0">
+                                          <p:val>
+                                            <p:strVal val="1+#ppt_h/2"/>
+                                          </p:val>
+                                        </p:tav>
+                                        <p:tav tm="100000">
+                                          <p:val>
+                                            <p:strVal val="#ppt_y"/>
+                                          </p:val>
+                                        </p:tav>
+                                      </p:tavLst>
+                                    </p:anim>
+                                  </p:childTnLst>
+                                </p:cTn>
+                              </p:par>
+                              <p:par>
+                                <p:cTn id="9" presetID="2" presetClass="entr" presetSubtype="4" fill="hold" grpId="0" nodeType="withEffect">
+                                  <p:stCondLst>
+                                    <p:cond delay="0"/>
+                                  </p:stCondLst>
+                                  <p:childTnLst>
+                                    <p:set>
+                                      <p:cBhvr>
+                                        <p:cTn id="10" dur="1" fill="hold">
+                                          <p:stCondLst>
+                                            <p:cond delay="0"/>
+                                          </p:stCondLst>
+                                        </p:cTn>
+                                        <p:tgtEl>
+                                          <p:spTgt spid="3">
+                                            <p:txEl>
+                                              <p:pRg st="1" end="1"/>
+                                            </p:txEl>
+                                          </p:spTgt>
+                                        </p:tgtEl>
+                                        <p:attrNameLst>
+                                          <p:attrName>style.visibility</p:attrName>
+                                        </p:attrNameLst>
+                                      </p:cBhvr>
+                                      <p:to>
+                                        <p:strVal val="visible"/>
+                                      </p:to>
+                                    </p:set>
+                                    <p:anim calcmode="lin" valueType="num">
+                                      <p:cBhvr additive="base">
+                                        <p:cTn id="11" dur="500" fill="hold"/>
+                                        <p:tgtEl>
+                                          <p:spTgt spid="3">
+                                            <p:txEl>
+                                              <p:pRg st="1" end="1"/>
+                                            </p:txEl>
+                                          </p:spTgt>
+                                        </p:tgtEl>
+                                        <p:attrNameLst>
+                                          <p:attrName>ppt_x</p:attrName>
+                                        </p:attrNameLst>
+                                      </p:cBhvr>
+                                      <p:tavLst>
+                                        <p:tav tm="0">
+                                          <p:val>
+                                            <p:strVal val="#ppt_x"/>
+                                          </p:val>
+                                        </p:tav>
+                                        <p:tav tm="100000">
+                                          <p:val>
+                                            <p:strVal val="#ppt_x"/>
+                                          </p:val>
+                                        </p:tav>
+                                      </p:tavLst>
+                                    </p:anim>
+                                    <p:anim calcmode="lin" valueType="num">
+                                      <p:cBhvr additive="base">
+                                        <p:cTn id="12" dur="500" fill="hold"/>
+                                        <p:tgtEl>
+                                          <p:spTgt spid="3">
+                                            <p:txEl>
+                                              <p:pRg st="1" end="1"/>
+                                            </p:txEl>
+                                          </p:spTgt>
+                                        </p:tgtEl>
+                                        <p:attrNameLst>
+                                          <p:attrName>ppt_y</p:attrName>
+                                        </p:attrNameLst>
+                                      </p:cBhvr>
+                                      <p:tavLst>
+                                        <p:tav tm="0">
+                                          <p:val>
+                                            <p:strVal val="1+#ppt_h/2"/>
+                                          </p:val>
+                                        </p:tav>
+                                        <p:tav tm="100000">
+                                          <p:val>
+                                            <p:strVal val="#ppt_y"/>
+                                          </p:val>
+                                        </p:tav>
+                                      </p:tavLst>
+                                    </p:anim>
+                                  </p:childTnLst>
+                                </p:cTn>
+                              </p:par>
+                            </p:childTnLst>
+                          </p:cTn>
+                        </p:par>
+                      </p:childTnLst>
+                    </p:cTn>
+                  </p:par>
+                  <p:par>
+                    <p:cTn id="13" fill="hold">
+                      <p:stCondLst>
+                        <p:cond delay="indefinite"/>
+                      </p:stCondLst>
+                      <p:childTnLst>
+                        <p:par>
+                          <p:cTn id="14" fill="hold">
+                            <p:stCondLst>
+                              <p:cond delay="0"/>
+                            </p:stCondLst>
+                            <p:childTnLst>
+                              <p:par>
+                                <p:cTn id="15" presetID="2" presetClass="entr" presetSubtype="4" fill="hold" grpId="0" nodeType="clickEffect">
+                                  <p:stCondLst>
+                                    <p:cond delay="0"/>
+                                  </p:stCondLst>
+                                  <p:childTnLst>
+                                    <p:set>
+                                      <p:cBhvr>
+                                        <p:cTn id="16" dur="1" fill="hold">
+                                          <p:stCondLst>
+                                            <p:cond delay="0"/>
+                                          </p:stCondLst>
+                                        </p:cTn>
+                                        <p:tgtEl>
+                                          <p:spTgt spid="3">
+                                            <p:txEl>
+                                              <p:pRg st="2" end="2"/>
+                                            </p:txEl>
+                                          </p:spTgt>
+                                        </p:tgtEl>
+                                        <p:attrNameLst>
+                                          <p:attrName>style.visibility</p:attrName>
+                                        </p:attrNameLst>
+                                      </p:cBhvr>
+                                      <p:to>
+                                        <p:strVal val="visible"/>
+                                      </p:to>
+                                    </p:set>
+                                    <p:anim calcmode="lin" valueType="num">
+                                      <p:cBhvr additive="base">
+                                        <p:cTn id="17" dur="500" fill="hold"/>
+                                        <p:tgtEl>
+                                          <p:spTgt spid="3">
+                                            <p:txEl>
+                                              <p:pRg st="2" end="2"/>
+                                            </p:txEl>
+                                          </p:spTgt>
+                                        </p:tgtEl>
+                                        <p:attrNameLst>
+                                          <p:attrName>ppt_x</p:attrName>
+                                        </p:attrNameLst>
+                                      </p:cBhvr>
+                                      <p:tavLst>
+                                        <p:tav tm="0">
+                                          <p:val>
+                                            <p:strVal val="#ppt_x"/>
+                                          </p:val>
+                                        </p:tav>
+                                        <p:tav tm="100000">
+                                          <p:val>
+                                            <p:strVal val="#ppt_x"/>
+                                          </p:val>
+                                        </p:tav>
+                                      </p:tavLst>
+                                    </p:anim>
+                                    <p:anim calcmode="lin" valueType="num">
+                                      <p:cBhvr additive="base">
+                                        <p:cTn id="18" dur="500" fill="hold"/>
+                                        <p:tgtEl>
+                                          <p:spTgt spid="3">
+                                            <p:txEl>
+                                              <p:pRg st="2" end="2"/>
+                                            </p:txEl>
+                                          </p:spTgt>
+                                        </p:tgtEl>
+                                        <p:attrNameLst>
+                                          <p:attrName>ppt_y</p:attrName>
+                                        </p:attrNameLst>
+                                      </p:cBhvr>
+                                      <p:tavLst>
+                                        <p:tav tm="0">
+                                          <p:val>
+                                            <p:strVal val="1+#ppt_h/2"/>
+                                          </p:val>
+                                        </p:tav>
+                                        <p:tav tm="100000">
+                                          <p:val>
+                                            <p:strVal val="#ppt_y"/>
+                                          </p:val>
+                                        </p:tav>
+                                      </p:tavLst>
+                                    </p:anim>
+                                  </p:childTnLst>
+                                </p:cTn>
+                              </p:par>
+                              <p:par>
+                                <p:cTn id="19" presetID="2" presetClass="entr" presetSubtype="4" fill="hold" grpId="0" nodeType="withEffect">
+                                  <p:stCondLst>
+                                    <p:cond delay="0"/>
+                                  </p:stCondLst>
+                                  <p:childTnLst>
+                                    <p:set>
+                                      <p:cBhvr>
+                                        <p:cTn id="20" dur="1" fill="hold">
+                                          <p:stCondLst>
+                                            <p:cond delay="0"/>
+                                          </p:stCondLst>
+                                        </p:cTn>
+                                        <p:tgtEl>
+                                          <p:spTgt spid="3">
+                                            <p:txEl>
+                                              <p:pRg st="3" end="3"/>
+                                            </p:txEl>
+                                          </p:spTgt>
+                                        </p:tgtEl>
+                                        <p:attrNameLst>
+                                          <p:attrName>style.visibility</p:attrName>
+                                        </p:attrNameLst>
+                                      </p:cBhvr>
+                                      <p:to>
+                                        <p:strVal val="visible"/>
+                                      </p:to>
+                                    </p:set>
+                                    <p:anim calcmode="lin" valueType="num">
+                                      <p:cBhvr additive="base">
+                                        <p:cTn id="21" dur="500" fill="hold"/>
+                                        <p:tgtEl>
+                                          <p:spTgt spid="3">
+                                            <p:txEl>
+                                              <p:pRg st="3" end="3"/>
+                                            </p:txEl>
+                                          </p:spTgt>
+                                        </p:tgtEl>
+                                        <p:attrNameLst>
+                                          <p:attrName>ppt_x</p:attrName>
+                                        </p:attrNameLst>
+                                      </p:cBhvr>
+                                      <p:tavLst>
+                                        <p:tav tm="0">
+                                          <p:val>
+                                            <p:strVal val="#ppt_x"/>
+                                          </p:val>
+                                        </p:tav>
+                                        <p:tav tm="100000">
+                                          <p:val>
+                                            <p:strVal val="#ppt_x"/>
+                                          </p:val>
+                                        </p:tav>
+                                      </p:tavLst>
+                                    </p:anim>
+                                    <p:anim calcmode="lin" valueType="num">
+                                      <p:cBhvr additive="base">
+                                        <p:cTn id="22" dur="500" fill="hold"/>
+                                        <p:tgtEl>
+                                          <p:spTgt spid="3">
+                                            <p:txEl>
+                                              <p:pRg st="3" end="3"/>
+                                            </p:txEl>
+                                          </p:spTgt>
+                                        </p:tgtEl>
+                                        <p:attrNameLst>
+                                          <p:attrName>ppt_y</p:attrName>
+                                        </p:attrNameLst>
+                                      </p:cBhvr>
+                                      <p:tavLst>
+                                        <p:tav tm="0">
+                                          <p:val>
+                                            <p:strVal val="1+#ppt_h/2"/>
+                                          </p:val>
+                                        </p:tav>
+                                        <p:tav tm="100000">
+                                          <p:val>
+                                            <p:strVal val="#ppt_y"/>
+                                          </p:val>
+                                        </p:tav>
+                                      </p:tavLst>
+                                    </p:anim>
+                                  </p:childTnLst>
+                                </p:cTn>
+                              </p:par>
+                            </p:childTnLst>
+                          </p:cTn>
+                        </p:par>
+                      </p:childTnLst>
+                    </p:cTn>
+                  </p:par>
+                  <p:par>
+                    <p:cTn id="23" fill="hold">
+                      <p:stCondLst>
+                        <p:cond delay="indefinite"/>
+                      </p:stCondLst>
+                      <p:childTnLst>
+                        <p:par>
+                          <p:cTn id="24" fill="hold">
+                            <p:stCondLst>
+                              <p:cond delay="0"/>
+                            </p:stCondLst>
+                            <p:childTnLst>
+                              <p:par>
+                                <p:cTn id="25" presetID="2" presetClass="entr" presetSubtype="4" fill="hold" grpId="0" nodeType="clickEffect">
+                                  <p:stCondLst>
+                                    <p:cond delay="0"/>
+                                  </p:stCondLst>
+                                  <p:childTnLst>
+                                    <p:set>
+                                      <p:cBhvr>
+                                        <p:cTn id="26" dur="1" fill="hold">
+                                          <p:stCondLst>
+                                            <p:cond delay="0"/>
+                                          </p:stCondLst>
+                                        </p:cTn>
+                                        <p:tgtEl>
+                                          <p:spTgt spid="3">
+                                            <p:txEl>
+                                              <p:pRg st="4" end="4"/>
+                                            </p:txEl>
+                                          </p:spTgt>
+                                        </p:tgtEl>
+                                        <p:attrNameLst>
+                                          <p:attrName>style.visibility</p:attrName>
+                                        </p:attrNameLst>
+                                      </p:cBhvr>
+                                      <p:to>
+                                        <p:strVal val="visible"/>
+                                      </p:to>
+                                    </p:set>
+                                    <p:anim calcmode="lin" valueType="num">
+                                      <p:cBhvr additive="base">
+                                        <p:cTn id="27" dur="500" fill="hold"/>
+                                        <p:tgtEl>
+                                          <p:spTgt spid="3">
+                                            <p:txEl>
+                                              <p:pRg st="4" end="4"/>
+                                            </p:txEl>
+                                          </p:spTgt>
+                                        </p:tgtEl>
+                                        <p:attrNameLst>
+                                          <p:attrName>ppt_x</p:attrName>
+                                        </p:attrNameLst>
+                                      </p:cBhvr>
+                                      <p:tavLst>
+                                        <p:tav tm="0">
+                                          <p:val>
+                                            <p:strVal val="#ppt_x"/>
+                                          </p:val>
+                                        </p:tav>
+                                        <p:tav tm="100000">
+                                          <p:val>
+                                            <p:strVal val="#ppt_x"/>
+                                          </p:val>
+                                        </p:tav>
+                                      </p:tavLst>
+                                    </p:anim>
+                                    <p:anim calcmode="lin" valueType="num">
+                                      <p:cBhvr additive="base">
+                                        <p:cTn id="28" dur="500" fill="hold"/>
+                                        <p:tgtEl>
+                                          <p:spTgt spid="3">
+                                            <p:txEl>
+                                              <p:pRg st="4" end="4"/>
+                                            </p:txEl>
+                                          </p:spTgt>
+                                        </p:tgtEl>
+                                        <p:attrNameLst>
+                                          <p:attrName>ppt_y</p:attrName>
+                                        </p:attrNameLst>
+                                      </p:cBhvr>
+                                      <p:tavLst>
+                                        <p:tav tm="0">
+                                          <p:val>
+                                            <p:strVal val="1+#ppt_h/2"/>
+                                          </p:val>
+                                        </p:tav>
+                                        <p:tav tm="100000">
+                                          <p:val>
+                                            <p:strVal val="#ppt_y"/>
+                                          </p:val>
+                                        </p:tav>
+                                      </p:tavLst>
+                                    </p:anim>
+                                  </p:childTnLst>
+                                </p:cTn>
+                              </p:par>
+                              <p:par>
+                                <p:cTn id="29" presetID="2" presetClass="entr" presetSubtype="4" fill="hold" grpId="0" nodeType="withEffect">
+                                  <p:stCondLst>
+                                    <p:cond delay="0"/>
+                                  </p:stCondLst>
+                                  <p:childTnLst>
+                                    <p:set>
+                                      <p:cBhvr>
+                                        <p:cTn id="30" dur="1" fill="hold">
+                                          <p:stCondLst>
+                                            <p:cond delay="0"/>
+                                          </p:stCondLst>
+                                        </p:cTn>
+                                        <p:tgtEl>
+                                          <p:spTgt spid="3">
+                                            <p:txEl>
+                                              <p:pRg st="5" end="5"/>
+                                            </p:txEl>
+                                          </p:spTgt>
+                                        </p:tgtEl>
+                                        <p:attrNameLst>
+                                          <p:attrName>style.visibility</p:attrName>
+                                        </p:attrNameLst>
+                                      </p:cBhvr>
+                                      <p:to>
+                                        <p:strVal val="visible"/>
+                                      </p:to>
+                                    </p:set>
+                                    <p:anim calcmode="lin" valueType="num">
+                                      <p:cBhvr additive="base">
+                                        <p:cTn id="31" dur="500" fill="hold"/>
+                                        <p:tgtEl>
+                                          <p:spTgt spid="3">
+                                            <p:txEl>
+                                              <p:pRg st="5" end="5"/>
+                                            </p:txEl>
+                                          </p:spTgt>
+                                        </p:tgtEl>
+                                        <p:attrNameLst>
+                                          <p:attrName>ppt_x</p:attrName>
+                                        </p:attrNameLst>
+                                      </p:cBhvr>
+                                      <p:tavLst>
+                                        <p:tav tm="0">
+                                          <p:val>
+                                            <p:strVal val="#ppt_x"/>
+                                          </p:val>
+                                        </p:tav>
+                                        <p:tav tm="100000">
+                                          <p:val>
+                                            <p:strVal val="#ppt_x"/>
+                                          </p:val>
+                                        </p:tav>
+                                      </p:tavLst>
+                                    </p:anim>
+                                    <p:anim calcmode="lin" valueType="num">
+                                      <p:cBhvr additive="base">
+                                        <p:cTn id="32" dur="500" fill="hold"/>
+                                        <p:tgtEl>
+                                          <p:spTgt spid="3">
+                                            <p:txEl>
+                                              <p:pRg st="5" end="5"/>
+                                            </p:txEl>
+                                          </p:spTgt>
+                                        </p:tgtEl>
+                                        <p:attrNameLst>
+                                          <p:attrName>ppt_y</p:attrName>
+                                        </p:attrNameLst>
+                                      </p:cBhvr>
+                                      <p:tavLst>
+                                        <p:tav tm="0">
+                                          <p:val>
+                                            <p:strVal val="1+#ppt_h/2"/>
+                                          </p:val>
+                                        </p:tav>
+                                        <p:tav tm="100000">
+                                          <p:val>
+                                            <p:strVal val="#ppt_y"/>
+                                          </p:val>
+                                        </p:tav>
+                                      </p:tavLst>
+                                    </p:anim>
+                                  </p:childTnLst>
+                                </p:cTn>
+                              </p:par>
+                            </p:childTnLst>
+                          </p:cTn>
+                        </p:par>
+                      </p:childTnLst>
+                    </p:cTn>
+                  </p:par>
+                </p:childTnLst>
+              </p:cTn>
+              <p:prevCondLst>
+                <p:cond evt="onPrev" delay="0">
+                  <p:tgtEl>
+                    <p:sldTgt/>
+                  </p:tgtEl>
+                </p:cond>
+              </p:prevCondLst>
+              <p:nextCondLst>
+                <p:cond evt="onNext" delay="0">
+                  <p:tgtEl>
+                    <p:sldTgt/>
+                  </p:tgtEl>
+                </p:cond>
+              </p:nextCondLst>
+            </p:seq>
+          </p:childTnLst>
+        </p:cTn>
+      </p:par>
+    </p:tnLst>
+    <p:bldLst>
+      <p:bldP spid="3" grpId="0" build="p"/>
+    </p:bldLst>
+  </p:timing>
+</p:sld>
+</file>
+
+<file path=ppt/slides/slide7.xml><?xml version="1.0" encoding="utf-8"?>
+<p:sld xmlns:a="http://schemas.openxmlformats.org/drawingml/2006/main" xmlns:r="http://schemas.openxmlformats.org/officeDocument/2006/relationships" xmlns:p="http://schemas.openxmlformats.org/presentationml/2006/main">
+  <p:cSld>
+    <p:spTree>
+      <p:nvGrpSpPr>
+        <p:cNvPr id="1" name=""/>
+        <p:cNvGrpSpPr/>
+        <p:nvPr/>
+      </p:nvGrpSpPr>
+      <p:grpSpPr>
+        <a:xfrm>
+          <a:off x="0" y="0"/>
+          <a:ext cx="0" cy="0"/>
+          <a:chOff x="0" y="0"/>
+          <a:chExt cx="0" cy="0"/>
+        </a:xfrm>
+      </p:grpSpPr>
+      <p:sp>
+        <p:nvSpPr>
+          <p:cNvPr id="2" name="Title 1">
+            <a:extLst>
+              <a:ext uri="{FF2B5EF4-FFF2-40B4-BE49-F238E27FC236}">
                 <a16:creationId xmlns:a16="http://schemas.microsoft.com/office/drawing/2014/main" id="{E907C401-E7BD-45F0-A7C2-A3094AA581D1}"/>
               </a:ext>
             </a:extLst>
@@ -8140,2086 +11674,6 @@
                                           <p:spTgt spid="3">
                                             <p:txEl>
                                               <p:pRg st="4" end="4"/>
-                                            </p:txEl>
-                                          </p:spTgt>
-                                        </p:tgtEl>
-                                        <p:attrNameLst>
-                                          <p:attrName>ppt_y</p:attrName>
-                                        </p:attrNameLst>
-                                      </p:cBhvr>
-                                      <p:tavLst>
-                                        <p:tav tm="0">
-                                          <p:val>
-                                            <p:strVal val="1+#ppt_h/2"/>
-                                          </p:val>
-                                        </p:tav>
-                                        <p:tav tm="100000">
-                                          <p:val>
-                                            <p:strVal val="#ppt_y"/>
-                                          </p:val>
-                                        </p:tav>
-                                      </p:tavLst>
-                                    </p:anim>
-                                  </p:childTnLst>
-                                </p:cTn>
-                              </p:par>
-                            </p:childTnLst>
-                          </p:cTn>
-                        </p:par>
-                      </p:childTnLst>
-                    </p:cTn>
-                  </p:par>
-                </p:childTnLst>
-              </p:cTn>
-              <p:prevCondLst>
-                <p:cond evt="onPrev" delay="0">
-                  <p:tgtEl>
-                    <p:sldTgt/>
-                  </p:tgtEl>
-                </p:cond>
-              </p:prevCondLst>
-              <p:nextCondLst>
-                <p:cond evt="onNext" delay="0">
-                  <p:tgtEl>
-                    <p:sldTgt/>
-                  </p:tgtEl>
-                </p:cond>
-              </p:nextCondLst>
-            </p:seq>
-          </p:childTnLst>
-        </p:cTn>
-      </p:par>
-    </p:tnLst>
-    <p:bldLst>
-      <p:bldP spid="3" grpId="0" uiExpand="1" build="p"/>
-    </p:bldLst>
-  </p:timing>
-</p:sld>
-</file>
-
-<file path=ppt/slides/slide6.xml><?xml version="1.0" encoding="utf-8"?>
-<p:sld xmlns:a="http://schemas.openxmlformats.org/drawingml/2006/main" xmlns:r="http://schemas.openxmlformats.org/officeDocument/2006/relationships" xmlns:p="http://schemas.openxmlformats.org/presentationml/2006/main">
-  <p:cSld>
-    <p:spTree>
-      <p:nvGrpSpPr>
-        <p:cNvPr id="1" name=""/>
-        <p:cNvGrpSpPr/>
-        <p:nvPr/>
-      </p:nvGrpSpPr>
-      <p:grpSpPr>
-        <a:xfrm>
-          <a:off x="0" y="0"/>
-          <a:ext cx="0" cy="0"/>
-          <a:chOff x="0" y="0"/>
-          <a:chExt cx="0" cy="0"/>
-        </a:xfrm>
-      </p:grpSpPr>
-      <p:sp>
-        <p:nvSpPr>
-          <p:cNvPr id="2" name="Title 1">
-            <a:extLst>
-              <a:ext uri="{FF2B5EF4-FFF2-40B4-BE49-F238E27FC236}">
-                <a16:creationId xmlns:a16="http://schemas.microsoft.com/office/drawing/2014/main" id="{1125858C-A679-4D11-B439-9943CFE7385F}"/>
-              </a:ext>
-            </a:extLst>
-          </p:cNvPr>
-          <p:cNvSpPr>
-            <a:spLocks noGrp="1"/>
-          </p:cNvSpPr>
-          <p:nvPr>
-            <p:ph type="title"/>
-          </p:nvPr>
-        </p:nvSpPr>
-        <p:spPr/>
-        <p:txBody>
-          <a:bodyPr/>
-          <a:lstStyle/>
-          <a:p>
-            <a:r>
-              <a:rPr lang="en-US" dirty="0"/>
-              <a:t>Uses of Logging</a:t>
-            </a:r>
-          </a:p>
-        </p:txBody>
-      </p:sp>
-      <p:sp>
-        <p:nvSpPr>
-          <p:cNvPr id="3" name="Content Placeholder 2">
-            <a:extLst>
-              <a:ext uri="{FF2B5EF4-FFF2-40B4-BE49-F238E27FC236}">
-                <a16:creationId xmlns:a16="http://schemas.microsoft.com/office/drawing/2014/main" id="{50BF1805-C381-4D41-B39F-AB1E43EF6421}"/>
-              </a:ext>
-            </a:extLst>
-          </p:cNvPr>
-          <p:cNvSpPr>
-            <a:spLocks noGrp="1"/>
-          </p:cNvSpPr>
-          <p:nvPr>
-            <p:ph idx="1"/>
-          </p:nvPr>
-        </p:nvSpPr>
-        <p:spPr/>
-        <p:txBody>
-          <a:bodyPr>
-            <a:normAutofit fontScale="92500" lnSpcReduction="10000"/>
-          </a:bodyPr>
-          <a:lstStyle/>
-          <a:p>
-            <a:r>
-              <a:rPr lang="en-US" dirty="0"/>
-              <a:t>Diagnostic Information</a:t>
-            </a:r>
-          </a:p>
-          <a:p>
-            <a:pPr lvl="1"/>
-            <a:r>
-              <a:rPr lang="en-US" dirty="0"/>
-              <a:t>“Debug” style messaging, for trying to figure out why something is working the way it is</a:t>
-            </a:r>
-          </a:p>
-          <a:p>
-            <a:pPr lvl="1"/>
-            <a:r>
-              <a:rPr lang="en-US" dirty="0"/>
-              <a:t>Often used on lower level environments</a:t>
-            </a:r>
-          </a:p>
-          <a:p>
-            <a:r>
-              <a:rPr lang="en-US" dirty="0"/>
-              <a:t>Audit Information</a:t>
-            </a:r>
-          </a:p>
-          <a:p>
-            <a:pPr lvl="1"/>
-            <a:r>
-              <a:rPr lang="en-US" dirty="0"/>
-              <a:t>“Tracking” style messaging, for documenting user progression, actions, etc. </a:t>
-            </a:r>
-          </a:p>
-          <a:p>
-            <a:pPr lvl="1"/>
-            <a:r>
-              <a:rPr lang="en-US" dirty="0"/>
-              <a:t>Often used for critical path, or sensitive data access</a:t>
-            </a:r>
-          </a:p>
-          <a:p>
-            <a:pPr lvl="1"/>
-            <a:r>
-              <a:rPr lang="en-US" dirty="0"/>
-              <a:t>Think of credit card transaction logging, admin actions, etc.</a:t>
-            </a:r>
-          </a:p>
-          <a:p>
-            <a:pPr lvl="1"/>
-            <a:r>
-              <a:rPr lang="en-US" dirty="0"/>
-              <a:t>ASP.NET Identity logs invalid password attempts</a:t>
-            </a:r>
-          </a:p>
-          <a:p>
-            <a:r>
-              <a:rPr lang="en-US" dirty="0"/>
-              <a:t>Exception Reporting</a:t>
-            </a:r>
-          </a:p>
-          <a:p>
-            <a:pPr lvl="1"/>
-            <a:r>
-              <a:rPr lang="en-US" dirty="0"/>
-              <a:t>Knowing when your application has critical issues</a:t>
-            </a:r>
-          </a:p>
-          <a:p>
-            <a:pPr lvl="1"/>
-            <a:r>
-              <a:rPr lang="en-US" dirty="0"/>
-              <a:t>Pre-emptive validation of potential issues that could impact users</a:t>
-            </a:r>
-          </a:p>
-        </p:txBody>
-      </p:sp>
-    </p:spTree>
-    <p:extLst>
-      <p:ext uri="{BB962C8B-B14F-4D97-AF65-F5344CB8AC3E}">
-        <p14:creationId xmlns:p14="http://schemas.microsoft.com/office/powerpoint/2010/main" val="1549774869"/>
-      </p:ext>
-    </p:extLst>
-  </p:cSld>
-  <p:clrMapOvr>
-    <a:masterClrMapping/>
-  </p:clrMapOvr>
-  <p:timing>
-    <p:tnLst>
-      <p:par>
-        <p:cTn id="1" dur="indefinite" restart="never" nodeType="tmRoot">
-          <p:childTnLst>
-            <p:seq concurrent="1" nextAc="seek">
-              <p:cTn id="2" dur="indefinite" nodeType="mainSeq">
-                <p:childTnLst>
-                  <p:par>
-                    <p:cTn id="3" fill="hold">
-                      <p:stCondLst>
-                        <p:cond delay="indefinite"/>
-                        <p:cond evt="onBegin" delay="0">
-                          <p:tn val="2"/>
-                        </p:cond>
-                      </p:stCondLst>
-                      <p:childTnLst>
-                        <p:par>
-                          <p:cTn id="4" fill="hold">
-                            <p:stCondLst>
-                              <p:cond delay="0"/>
-                            </p:stCondLst>
-                            <p:childTnLst>
-                              <p:par>
-                                <p:cTn id="5" presetID="2" presetClass="entr" presetSubtype="4" fill="hold" grpId="0" nodeType="withEffect">
-                                  <p:stCondLst>
-                                    <p:cond delay="0"/>
-                                  </p:stCondLst>
-                                  <p:childTnLst>
-                                    <p:set>
-                                      <p:cBhvr>
-                                        <p:cTn id="6" dur="1" fill="hold">
-                                          <p:stCondLst>
-                                            <p:cond delay="0"/>
-                                          </p:stCondLst>
-                                        </p:cTn>
-                                        <p:tgtEl>
-                                          <p:spTgt spid="3">
-                                            <p:txEl>
-                                              <p:pRg st="0" end="0"/>
-                                            </p:txEl>
-                                          </p:spTgt>
-                                        </p:tgtEl>
-                                        <p:attrNameLst>
-                                          <p:attrName>style.visibility</p:attrName>
-                                        </p:attrNameLst>
-                                      </p:cBhvr>
-                                      <p:to>
-                                        <p:strVal val="visible"/>
-                                      </p:to>
-                                    </p:set>
-                                    <p:anim calcmode="lin" valueType="num">
-                                      <p:cBhvr additive="base">
-                                        <p:cTn id="7" dur="500" fill="hold"/>
-                                        <p:tgtEl>
-                                          <p:spTgt spid="3">
-                                            <p:txEl>
-                                              <p:pRg st="0" end="0"/>
-                                            </p:txEl>
-                                          </p:spTgt>
-                                        </p:tgtEl>
-                                        <p:attrNameLst>
-                                          <p:attrName>ppt_x</p:attrName>
-                                        </p:attrNameLst>
-                                      </p:cBhvr>
-                                      <p:tavLst>
-                                        <p:tav tm="0">
-                                          <p:val>
-                                            <p:strVal val="#ppt_x"/>
-                                          </p:val>
-                                        </p:tav>
-                                        <p:tav tm="100000">
-                                          <p:val>
-                                            <p:strVal val="#ppt_x"/>
-                                          </p:val>
-                                        </p:tav>
-                                      </p:tavLst>
-                                    </p:anim>
-                                    <p:anim calcmode="lin" valueType="num">
-                                      <p:cBhvr additive="base">
-                                        <p:cTn id="8" dur="500" fill="hold"/>
-                                        <p:tgtEl>
-                                          <p:spTgt spid="3">
-                                            <p:txEl>
-                                              <p:pRg st="0" end="0"/>
-                                            </p:txEl>
-                                          </p:spTgt>
-                                        </p:tgtEl>
-                                        <p:attrNameLst>
-                                          <p:attrName>ppt_y</p:attrName>
-                                        </p:attrNameLst>
-                                      </p:cBhvr>
-                                      <p:tavLst>
-                                        <p:tav tm="0">
-                                          <p:val>
-                                            <p:strVal val="1+#ppt_h/2"/>
-                                          </p:val>
-                                        </p:tav>
-                                        <p:tav tm="100000">
-                                          <p:val>
-                                            <p:strVal val="#ppt_y"/>
-                                          </p:val>
-                                        </p:tav>
-                                      </p:tavLst>
-                                    </p:anim>
-                                  </p:childTnLst>
-                                </p:cTn>
-                              </p:par>
-                            </p:childTnLst>
-                          </p:cTn>
-                        </p:par>
-                      </p:childTnLst>
-                    </p:cTn>
-                  </p:par>
-                  <p:par>
-                    <p:cTn id="9" fill="hold">
-                      <p:stCondLst>
-                        <p:cond delay="indefinite"/>
-                      </p:stCondLst>
-                      <p:childTnLst>
-                        <p:par>
-                          <p:cTn id="10" fill="hold">
-                            <p:stCondLst>
-                              <p:cond delay="0"/>
-                            </p:stCondLst>
-                            <p:childTnLst>
-                              <p:par>
-                                <p:cTn id="11" presetID="2" presetClass="entr" presetSubtype="4" fill="hold" grpId="0" nodeType="clickEffect">
-                                  <p:stCondLst>
-                                    <p:cond delay="0"/>
-                                  </p:stCondLst>
-                                  <p:childTnLst>
-                                    <p:set>
-                                      <p:cBhvr>
-                                        <p:cTn id="12" dur="1" fill="hold">
-                                          <p:stCondLst>
-                                            <p:cond delay="0"/>
-                                          </p:stCondLst>
-                                        </p:cTn>
-                                        <p:tgtEl>
-                                          <p:spTgt spid="3">
-                                            <p:txEl>
-                                              <p:pRg st="1" end="1"/>
-                                            </p:txEl>
-                                          </p:spTgt>
-                                        </p:tgtEl>
-                                        <p:attrNameLst>
-                                          <p:attrName>style.visibility</p:attrName>
-                                        </p:attrNameLst>
-                                      </p:cBhvr>
-                                      <p:to>
-                                        <p:strVal val="visible"/>
-                                      </p:to>
-                                    </p:set>
-                                    <p:anim calcmode="lin" valueType="num">
-                                      <p:cBhvr additive="base">
-                                        <p:cTn id="13" dur="500" fill="hold"/>
-                                        <p:tgtEl>
-                                          <p:spTgt spid="3">
-                                            <p:txEl>
-                                              <p:pRg st="1" end="1"/>
-                                            </p:txEl>
-                                          </p:spTgt>
-                                        </p:tgtEl>
-                                        <p:attrNameLst>
-                                          <p:attrName>ppt_x</p:attrName>
-                                        </p:attrNameLst>
-                                      </p:cBhvr>
-                                      <p:tavLst>
-                                        <p:tav tm="0">
-                                          <p:val>
-                                            <p:strVal val="#ppt_x"/>
-                                          </p:val>
-                                        </p:tav>
-                                        <p:tav tm="100000">
-                                          <p:val>
-                                            <p:strVal val="#ppt_x"/>
-                                          </p:val>
-                                        </p:tav>
-                                      </p:tavLst>
-                                    </p:anim>
-                                    <p:anim calcmode="lin" valueType="num">
-                                      <p:cBhvr additive="base">
-                                        <p:cTn id="14" dur="500" fill="hold"/>
-                                        <p:tgtEl>
-                                          <p:spTgt spid="3">
-                                            <p:txEl>
-                                              <p:pRg st="1" end="1"/>
-                                            </p:txEl>
-                                          </p:spTgt>
-                                        </p:tgtEl>
-                                        <p:attrNameLst>
-                                          <p:attrName>ppt_y</p:attrName>
-                                        </p:attrNameLst>
-                                      </p:cBhvr>
-                                      <p:tavLst>
-                                        <p:tav tm="0">
-                                          <p:val>
-                                            <p:strVal val="1+#ppt_h/2"/>
-                                          </p:val>
-                                        </p:tav>
-                                        <p:tav tm="100000">
-                                          <p:val>
-                                            <p:strVal val="#ppt_y"/>
-                                          </p:val>
-                                        </p:tav>
-                                      </p:tavLst>
-                                    </p:anim>
-                                  </p:childTnLst>
-                                </p:cTn>
-                              </p:par>
-                            </p:childTnLst>
-                          </p:cTn>
-                        </p:par>
-                      </p:childTnLst>
-                    </p:cTn>
-                  </p:par>
-                  <p:par>
-                    <p:cTn id="15" fill="hold">
-                      <p:stCondLst>
-                        <p:cond delay="indefinite"/>
-                      </p:stCondLst>
-                      <p:childTnLst>
-                        <p:par>
-                          <p:cTn id="16" fill="hold">
-                            <p:stCondLst>
-                              <p:cond delay="0"/>
-                            </p:stCondLst>
-                            <p:childTnLst>
-                              <p:par>
-                                <p:cTn id="17" presetID="2" presetClass="entr" presetSubtype="4" fill="hold" grpId="0" nodeType="clickEffect">
-                                  <p:stCondLst>
-                                    <p:cond delay="0"/>
-                                  </p:stCondLst>
-                                  <p:childTnLst>
-                                    <p:set>
-                                      <p:cBhvr>
-                                        <p:cTn id="18" dur="1" fill="hold">
-                                          <p:stCondLst>
-                                            <p:cond delay="0"/>
-                                          </p:stCondLst>
-                                        </p:cTn>
-                                        <p:tgtEl>
-                                          <p:spTgt spid="3">
-                                            <p:txEl>
-                                              <p:pRg st="2" end="2"/>
-                                            </p:txEl>
-                                          </p:spTgt>
-                                        </p:tgtEl>
-                                        <p:attrNameLst>
-                                          <p:attrName>style.visibility</p:attrName>
-                                        </p:attrNameLst>
-                                      </p:cBhvr>
-                                      <p:to>
-                                        <p:strVal val="visible"/>
-                                      </p:to>
-                                    </p:set>
-                                    <p:anim calcmode="lin" valueType="num">
-                                      <p:cBhvr additive="base">
-                                        <p:cTn id="19" dur="500" fill="hold"/>
-                                        <p:tgtEl>
-                                          <p:spTgt spid="3">
-                                            <p:txEl>
-                                              <p:pRg st="2" end="2"/>
-                                            </p:txEl>
-                                          </p:spTgt>
-                                        </p:tgtEl>
-                                        <p:attrNameLst>
-                                          <p:attrName>ppt_x</p:attrName>
-                                        </p:attrNameLst>
-                                      </p:cBhvr>
-                                      <p:tavLst>
-                                        <p:tav tm="0">
-                                          <p:val>
-                                            <p:strVal val="#ppt_x"/>
-                                          </p:val>
-                                        </p:tav>
-                                        <p:tav tm="100000">
-                                          <p:val>
-                                            <p:strVal val="#ppt_x"/>
-                                          </p:val>
-                                        </p:tav>
-                                      </p:tavLst>
-                                    </p:anim>
-                                    <p:anim calcmode="lin" valueType="num">
-                                      <p:cBhvr additive="base">
-                                        <p:cTn id="20" dur="500" fill="hold"/>
-                                        <p:tgtEl>
-                                          <p:spTgt spid="3">
-                                            <p:txEl>
-                                              <p:pRg st="2" end="2"/>
-                                            </p:txEl>
-                                          </p:spTgt>
-                                        </p:tgtEl>
-                                        <p:attrNameLst>
-                                          <p:attrName>ppt_y</p:attrName>
-                                        </p:attrNameLst>
-                                      </p:cBhvr>
-                                      <p:tavLst>
-                                        <p:tav tm="0">
-                                          <p:val>
-                                            <p:strVal val="1+#ppt_h/2"/>
-                                          </p:val>
-                                        </p:tav>
-                                        <p:tav tm="100000">
-                                          <p:val>
-                                            <p:strVal val="#ppt_y"/>
-                                          </p:val>
-                                        </p:tav>
-                                      </p:tavLst>
-                                    </p:anim>
-                                  </p:childTnLst>
-                                </p:cTn>
-                              </p:par>
-                            </p:childTnLst>
-                          </p:cTn>
-                        </p:par>
-                      </p:childTnLst>
-                    </p:cTn>
-                  </p:par>
-                  <p:par>
-                    <p:cTn id="21" fill="hold">
-                      <p:stCondLst>
-                        <p:cond delay="indefinite"/>
-                      </p:stCondLst>
-                      <p:childTnLst>
-                        <p:par>
-                          <p:cTn id="22" fill="hold">
-                            <p:stCondLst>
-                              <p:cond delay="0"/>
-                            </p:stCondLst>
-                            <p:childTnLst>
-                              <p:par>
-                                <p:cTn id="23" presetID="2" presetClass="entr" presetSubtype="4" fill="hold" grpId="0" nodeType="clickEffect">
-                                  <p:stCondLst>
-                                    <p:cond delay="0"/>
-                                  </p:stCondLst>
-                                  <p:childTnLst>
-                                    <p:set>
-                                      <p:cBhvr>
-                                        <p:cTn id="24" dur="1" fill="hold">
-                                          <p:stCondLst>
-                                            <p:cond delay="0"/>
-                                          </p:stCondLst>
-                                        </p:cTn>
-                                        <p:tgtEl>
-                                          <p:spTgt spid="3">
-                                            <p:txEl>
-                                              <p:pRg st="3" end="3"/>
-                                            </p:txEl>
-                                          </p:spTgt>
-                                        </p:tgtEl>
-                                        <p:attrNameLst>
-                                          <p:attrName>style.visibility</p:attrName>
-                                        </p:attrNameLst>
-                                      </p:cBhvr>
-                                      <p:to>
-                                        <p:strVal val="visible"/>
-                                      </p:to>
-                                    </p:set>
-                                    <p:anim calcmode="lin" valueType="num">
-                                      <p:cBhvr additive="base">
-                                        <p:cTn id="25" dur="500" fill="hold"/>
-                                        <p:tgtEl>
-                                          <p:spTgt spid="3">
-                                            <p:txEl>
-                                              <p:pRg st="3" end="3"/>
-                                            </p:txEl>
-                                          </p:spTgt>
-                                        </p:tgtEl>
-                                        <p:attrNameLst>
-                                          <p:attrName>ppt_x</p:attrName>
-                                        </p:attrNameLst>
-                                      </p:cBhvr>
-                                      <p:tavLst>
-                                        <p:tav tm="0">
-                                          <p:val>
-                                            <p:strVal val="#ppt_x"/>
-                                          </p:val>
-                                        </p:tav>
-                                        <p:tav tm="100000">
-                                          <p:val>
-                                            <p:strVal val="#ppt_x"/>
-                                          </p:val>
-                                        </p:tav>
-                                      </p:tavLst>
-                                    </p:anim>
-                                    <p:anim calcmode="lin" valueType="num">
-                                      <p:cBhvr additive="base">
-                                        <p:cTn id="26" dur="500" fill="hold"/>
-                                        <p:tgtEl>
-                                          <p:spTgt spid="3">
-                                            <p:txEl>
-                                              <p:pRg st="3" end="3"/>
-                                            </p:txEl>
-                                          </p:spTgt>
-                                        </p:tgtEl>
-                                        <p:attrNameLst>
-                                          <p:attrName>ppt_y</p:attrName>
-                                        </p:attrNameLst>
-                                      </p:cBhvr>
-                                      <p:tavLst>
-                                        <p:tav tm="0">
-                                          <p:val>
-                                            <p:strVal val="1+#ppt_h/2"/>
-                                          </p:val>
-                                        </p:tav>
-                                        <p:tav tm="100000">
-                                          <p:val>
-                                            <p:strVal val="#ppt_y"/>
-                                          </p:val>
-                                        </p:tav>
-                                      </p:tavLst>
-                                    </p:anim>
-                                  </p:childTnLst>
-                                </p:cTn>
-                              </p:par>
-                            </p:childTnLst>
-                          </p:cTn>
-                        </p:par>
-                      </p:childTnLst>
-                    </p:cTn>
-                  </p:par>
-                  <p:par>
-                    <p:cTn id="27" fill="hold">
-                      <p:stCondLst>
-                        <p:cond delay="indefinite"/>
-                      </p:stCondLst>
-                      <p:childTnLst>
-                        <p:par>
-                          <p:cTn id="28" fill="hold">
-                            <p:stCondLst>
-                              <p:cond delay="0"/>
-                            </p:stCondLst>
-                            <p:childTnLst>
-                              <p:par>
-                                <p:cTn id="29" presetID="2" presetClass="entr" presetSubtype="4" fill="hold" grpId="0" nodeType="clickEffect">
-                                  <p:stCondLst>
-                                    <p:cond delay="0"/>
-                                  </p:stCondLst>
-                                  <p:childTnLst>
-                                    <p:set>
-                                      <p:cBhvr>
-                                        <p:cTn id="30" dur="1" fill="hold">
-                                          <p:stCondLst>
-                                            <p:cond delay="0"/>
-                                          </p:stCondLst>
-                                        </p:cTn>
-                                        <p:tgtEl>
-                                          <p:spTgt spid="3">
-                                            <p:txEl>
-                                              <p:pRg st="4" end="4"/>
-                                            </p:txEl>
-                                          </p:spTgt>
-                                        </p:tgtEl>
-                                        <p:attrNameLst>
-                                          <p:attrName>style.visibility</p:attrName>
-                                        </p:attrNameLst>
-                                      </p:cBhvr>
-                                      <p:to>
-                                        <p:strVal val="visible"/>
-                                      </p:to>
-                                    </p:set>
-                                    <p:anim calcmode="lin" valueType="num">
-                                      <p:cBhvr additive="base">
-                                        <p:cTn id="31" dur="500" fill="hold"/>
-                                        <p:tgtEl>
-                                          <p:spTgt spid="3">
-                                            <p:txEl>
-                                              <p:pRg st="4" end="4"/>
-                                            </p:txEl>
-                                          </p:spTgt>
-                                        </p:tgtEl>
-                                        <p:attrNameLst>
-                                          <p:attrName>ppt_x</p:attrName>
-                                        </p:attrNameLst>
-                                      </p:cBhvr>
-                                      <p:tavLst>
-                                        <p:tav tm="0">
-                                          <p:val>
-                                            <p:strVal val="#ppt_x"/>
-                                          </p:val>
-                                        </p:tav>
-                                        <p:tav tm="100000">
-                                          <p:val>
-                                            <p:strVal val="#ppt_x"/>
-                                          </p:val>
-                                        </p:tav>
-                                      </p:tavLst>
-                                    </p:anim>
-                                    <p:anim calcmode="lin" valueType="num">
-                                      <p:cBhvr additive="base">
-                                        <p:cTn id="32" dur="500" fill="hold"/>
-                                        <p:tgtEl>
-                                          <p:spTgt spid="3">
-                                            <p:txEl>
-                                              <p:pRg st="4" end="4"/>
-                                            </p:txEl>
-                                          </p:spTgt>
-                                        </p:tgtEl>
-                                        <p:attrNameLst>
-                                          <p:attrName>ppt_y</p:attrName>
-                                        </p:attrNameLst>
-                                      </p:cBhvr>
-                                      <p:tavLst>
-                                        <p:tav tm="0">
-                                          <p:val>
-                                            <p:strVal val="1+#ppt_h/2"/>
-                                          </p:val>
-                                        </p:tav>
-                                        <p:tav tm="100000">
-                                          <p:val>
-                                            <p:strVal val="#ppt_y"/>
-                                          </p:val>
-                                        </p:tav>
-                                      </p:tavLst>
-                                    </p:anim>
-                                  </p:childTnLst>
-                                </p:cTn>
-                              </p:par>
-                            </p:childTnLst>
-                          </p:cTn>
-                        </p:par>
-                      </p:childTnLst>
-                    </p:cTn>
-                  </p:par>
-                  <p:par>
-                    <p:cTn id="33" fill="hold">
-                      <p:stCondLst>
-                        <p:cond delay="indefinite"/>
-                      </p:stCondLst>
-                      <p:childTnLst>
-                        <p:par>
-                          <p:cTn id="34" fill="hold">
-                            <p:stCondLst>
-                              <p:cond delay="0"/>
-                            </p:stCondLst>
-                            <p:childTnLst>
-                              <p:par>
-                                <p:cTn id="35" presetID="2" presetClass="entr" presetSubtype="4" fill="hold" grpId="0" nodeType="clickEffect">
-                                  <p:stCondLst>
-                                    <p:cond delay="0"/>
-                                  </p:stCondLst>
-                                  <p:childTnLst>
-                                    <p:set>
-                                      <p:cBhvr>
-                                        <p:cTn id="36" dur="1" fill="hold">
-                                          <p:stCondLst>
-                                            <p:cond delay="0"/>
-                                          </p:stCondLst>
-                                        </p:cTn>
-                                        <p:tgtEl>
-                                          <p:spTgt spid="3">
-                                            <p:txEl>
-                                              <p:pRg st="5" end="5"/>
-                                            </p:txEl>
-                                          </p:spTgt>
-                                        </p:tgtEl>
-                                        <p:attrNameLst>
-                                          <p:attrName>style.visibility</p:attrName>
-                                        </p:attrNameLst>
-                                      </p:cBhvr>
-                                      <p:to>
-                                        <p:strVal val="visible"/>
-                                      </p:to>
-                                    </p:set>
-                                    <p:anim calcmode="lin" valueType="num">
-                                      <p:cBhvr additive="base">
-                                        <p:cTn id="37" dur="500" fill="hold"/>
-                                        <p:tgtEl>
-                                          <p:spTgt spid="3">
-                                            <p:txEl>
-                                              <p:pRg st="5" end="5"/>
-                                            </p:txEl>
-                                          </p:spTgt>
-                                        </p:tgtEl>
-                                        <p:attrNameLst>
-                                          <p:attrName>ppt_x</p:attrName>
-                                        </p:attrNameLst>
-                                      </p:cBhvr>
-                                      <p:tavLst>
-                                        <p:tav tm="0">
-                                          <p:val>
-                                            <p:strVal val="#ppt_x"/>
-                                          </p:val>
-                                        </p:tav>
-                                        <p:tav tm="100000">
-                                          <p:val>
-                                            <p:strVal val="#ppt_x"/>
-                                          </p:val>
-                                        </p:tav>
-                                      </p:tavLst>
-                                    </p:anim>
-                                    <p:anim calcmode="lin" valueType="num">
-                                      <p:cBhvr additive="base">
-                                        <p:cTn id="38" dur="500" fill="hold"/>
-                                        <p:tgtEl>
-                                          <p:spTgt spid="3">
-                                            <p:txEl>
-                                              <p:pRg st="5" end="5"/>
-                                            </p:txEl>
-                                          </p:spTgt>
-                                        </p:tgtEl>
-                                        <p:attrNameLst>
-                                          <p:attrName>ppt_y</p:attrName>
-                                        </p:attrNameLst>
-                                      </p:cBhvr>
-                                      <p:tavLst>
-                                        <p:tav tm="0">
-                                          <p:val>
-                                            <p:strVal val="1+#ppt_h/2"/>
-                                          </p:val>
-                                        </p:tav>
-                                        <p:tav tm="100000">
-                                          <p:val>
-                                            <p:strVal val="#ppt_y"/>
-                                          </p:val>
-                                        </p:tav>
-                                      </p:tavLst>
-                                    </p:anim>
-                                  </p:childTnLst>
-                                </p:cTn>
-                              </p:par>
-                            </p:childTnLst>
-                          </p:cTn>
-                        </p:par>
-                      </p:childTnLst>
-                    </p:cTn>
-                  </p:par>
-                  <p:par>
-                    <p:cTn id="39" fill="hold">
-                      <p:stCondLst>
-                        <p:cond delay="indefinite"/>
-                      </p:stCondLst>
-                      <p:childTnLst>
-                        <p:par>
-                          <p:cTn id="40" fill="hold">
-                            <p:stCondLst>
-                              <p:cond delay="0"/>
-                            </p:stCondLst>
-                            <p:childTnLst>
-                              <p:par>
-                                <p:cTn id="41" presetID="2" presetClass="entr" presetSubtype="4" fill="hold" grpId="0" nodeType="clickEffect">
-                                  <p:stCondLst>
-                                    <p:cond delay="0"/>
-                                  </p:stCondLst>
-                                  <p:childTnLst>
-                                    <p:set>
-                                      <p:cBhvr>
-                                        <p:cTn id="42" dur="1" fill="hold">
-                                          <p:stCondLst>
-                                            <p:cond delay="0"/>
-                                          </p:stCondLst>
-                                        </p:cTn>
-                                        <p:tgtEl>
-                                          <p:spTgt spid="3">
-                                            <p:txEl>
-                                              <p:pRg st="6" end="6"/>
-                                            </p:txEl>
-                                          </p:spTgt>
-                                        </p:tgtEl>
-                                        <p:attrNameLst>
-                                          <p:attrName>style.visibility</p:attrName>
-                                        </p:attrNameLst>
-                                      </p:cBhvr>
-                                      <p:to>
-                                        <p:strVal val="visible"/>
-                                      </p:to>
-                                    </p:set>
-                                    <p:anim calcmode="lin" valueType="num">
-                                      <p:cBhvr additive="base">
-                                        <p:cTn id="43" dur="500" fill="hold"/>
-                                        <p:tgtEl>
-                                          <p:spTgt spid="3">
-                                            <p:txEl>
-                                              <p:pRg st="6" end="6"/>
-                                            </p:txEl>
-                                          </p:spTgt>
-                                        </p:tgtEl>
-                                        <p:attrNameLst>
-                                          <p:attrName>ppt_x</p:attrName>
-                                        </p:attrNameLst>
-                                      </p:cBhvr>
-                                      <p:tavLst>
-                                        <p:tav tm="0">
-                                          <p:val>
-                                            <p:strVal val="#ppt_x"/>
-                                          </p:val>
-                                        </p:tav>
-                                        <p:tav tm="100000">
-                                          <p:val>
-                                            <p:strVal val="#ppt_x"/>
-                                          </p:val>
-                                        </p:tav>
-                                      </p:tavLst>
-                                    </p:anim>
-                                    <p:anim calcmode="lin" valueType="num">
-                                      <p:cBhvr additive="base">
-                                        <p:cTn id="44" dur="500" fill="hold"/>
-                                        <p:tgtEl>
-                                          <p:spTgt spid="3">
-                                            <p:txEl>
-                                              <p:pRg st="6" end="6"/>
-                                            </p:txEl>
-                                          </p:spTgt>
-                                        </p:tgtEl>
-                                        <p:attrNameLst>
-                                          <p:attrName>ppt_y</p:attrName>
-                                        </p:attrNameLst>
-                                      </p:cBhvr>
-                                      <p:tavLst>
-                                        <p:tav tm="0">
-                                          <p:val>
-                                            <p:strVal val="1+#ppt_h/2"/>
-                                          </p:val>
-                                        </p:tav>
-                                        <p:tav tm="100000">
-                                          <p:val>
-                                            <p:strVal val="#ppt_y"/>
-                                          </p:val>
-                                        </p:tav>
-                                      </p:tavLst>
-                                    </p:anim>
-                                  </p:childTnLst>
-                                </p:cTn>
-                              </p:par>
-                              <p:par>
-                                <p:cTn id="45" presetID="2" presetClass="entr" presetSubtype="4" fill="hold" grpId="0" nodeType="withEffect">
-                                  <p:stCondLst>
-                                    <p:cond delay="0"/>
-                                  </p:stCondLst>
-                                  <p:childTnLst>
-                                    <p:set>
-                                      <p:cBhvr>
-                                        <p:cTn id="46" dur="1" fill="hold">
-                                          <p:stCondLst>
-                                            <p:cond delay="0"/>
-                                          </p:stCondLst>
-                                        </p:cTn>
-                                        <p:tgtEl>
-                                          <p:spTgt spid="3">
-                                            <p:txEl>
-                                              <p:pRg st="7" end="7"/>
-                                            </p:txEl>
-                                          </p:spTgt>
-                                        </p:tgtEl>
-                                        <p:attrNameLst>
-                                          <p:attrName>style.visibility</p:attrName>
-                                        </p:attrNameLst>
-                                      </p:cBhvr>
-                                      <p:to>
-                                        <p:strVal val="visible"/>
-                                      </p:to>
-                                    </p:set>
-                                    <p:anim calcmode="lin" valueType="num">
-                                      <p:cBhvr additive="base">
-                                        <p:cTn id="47" dur="500" fill="hold"/>
-                                        <p:tgtEl>
-                                          <p:spTgt spid="3">
-                                            <p:txEl>
-                                              <p:pRg st="7" end="7"/>
-                                            </p:txEl>
-                                          </p:spTgt>
-                                        </p:tgtEl>
-                                        <p:attrNameLst>
-                                          <p:attrName>ppt_x</p:attrName>
-                                        </p:attrNameLst>
-                                      </p:cBhvr>
-                                      <p:tavLst>
-                                        <p:tav tm="0">
-                                          <p:val>
-                                            <p:strVal val="#ppt_x"/>
-                                          </p:val>
-                                        </p:tav>
-                                        <p:tav tm="100000">
-                                          <p:val>
-                                            <p:strVal val="#ppt_x"/>
-                                          </p:val>
-                                        </p:tav>
-                                      </p:tavLst>
-                                    </p:anim>
-                                    <p:anim calcmode="lin" valueType="num">
-                                      <p:cBhvr additive="base">
-                                        <p:cTn id="48" dur="500" fill="hold"/>
-                                        <p:tgtEl>
-                                          <p:spTgt spid="3">
-                                            <p:txEl>
-                                              <p:pRg st="7" end="7"/>
-                                            </p:txEl>
-                                          </p:spTgt>
-                                        </p:tgtEl>
-                                        <p:attrNameLst>
-                                          <p:attrName>ppt_y</p:attrName>
-                                        </p:attrNameLst>
-                                      </p:cBhvr>
-                                      <p:tavLst>
-                                        <p:tav tm="0">
-                                          <p:val>
-                                            <p:strVal val="1+#ppt_h/2"/>
-                                          </p:val>
-                                        </p:tav>
-                                        <p:tav tm="100000">
-                                          <p:val>
-                                            <p:strVal val="#ppt_y"/>
-                                          </p:val>
-                                        </p:tav>
-                                      </p:tavLst>
-                                    </p:anim>
-                                  </p:childTnLst>
-                                </p:cTn>
-                              </p:par>
-                            </p:childTnLst>
-                          </p:cTn>
-                        </p:par>
-                      </p:childTnLst>
-                    </p:cTn>
-                  </p:par>
-                  <p:par>
-                    <p:cTn id="49" fill="hold">
-                      <p:stCondLst>
-                        <p:cond delay="indefinite"/>
-                      </p:stCondLst>
-                      <p:childTnLst>
-                        <p:par>
-                          <p:cTn id="50" fill="hold">
-                            <p:stCondLst>
-                              <p:cond delay="0"/>
-                            </p:stCondLst>
-                            <p:childTnLst>
-                              <p:par>
-                                <p:cTn id="51" presetID="2" presetClass="entr" presetSubtype="4" fill="hold" grpId="0" nodeType="clickEffect">
-                                  <p:stCondLst>
-                                    <p:cond delay="0"/>
-                                  </p:stCondLst>
-                                  <p:childTnLst>
-                                    <p:set>
-                                      <p:cBhvr>
-                                        <p:cTn id="52" dur="1" fill="hold">
-                                          <p:stCondLst>
-                                            <p:cond delay="0"/>
-                                          </p:stCondLst>
-                                        </p:cTn>
-                                        <p:tgtEl>
-                                          <p:spTgt spid="3">
-                                            <p:txEl>
-                                              <p:pRg st="8" end="8"/>
-                                            </p:txEl>
-                                          </p:spTgt>
-                                        </p:tgtEl>
-                                        <p:attrNameLst>
-                                          <p:attrName>style.visibility</p:attrName>
-                                        </p:attrNameLst>
-                                      </p:cBhvr>
-                                      <p:to>
-                                        <p:strVal val="visible"/>
-                                      </p:to>
-                                    </p:set>
-                                    <p:anim calcmode="lin" valueType="num">
-                                      <p:cBhvr additive="base">
-                                        <p:cTn id="53" dur="500" fill="hold"/>
-                                        <p:tgtEl>
-                                          <p:spTgt spid="3">
-                                            <p:txEl>
-                                              <p:pRg st="8" end="8"/>
-                                            </p:txEl>
-                                          </p:spTgt>
-                                        </p:tgtEl>
-                                        <p:attrNameLst>
-                                          <p:attrName>ppt_x</p:attrName>
-                                        </p:attrNameLst>
-                                      </p:cBhvr>
-                                      <p:tavLst>
-                                        <p:tav tm="0">
-                                          <p:val>
-                                            <p:strVal val="#ppt_x"/>
-                                          </p:val>
-                                        </p:tav>
-                                        <p:tav tm="100000">
-                                          <p:val>
-                                            <p:strVal val="#ppt_x"/>
-                                          </p:val>
-                                        </p:tav>
-                                      </p:tavLst>
-                                    </p:anim>
-                                    <p:anim calcmode="lin" valueType="num">
-                                      <p:cBhvr additive="base">
-                                        <p:cTn id="54" dur="500" fill="hold"/>
-                                        <p:tgtEl>
-                                          <p:spTgt spid="3">
-                                            <p:txEl>
-                                              <p:pRg st="8" end="8"/>
-                                            </p:txEl>
-                                          </p:spTgt>
-                                        </p:tgtEl>
-                                        <p:attrNameLst>
-                                          <p:attrName>ppt_y</p:attrName>
-                                        </p:attrNameLst>
-                                      </p:cBhvr>
-                                      <p:tavLst>
-                                        <p:tav tm="0">
-                                          <p:val>
-                                            <p:strVal val="1+#ppt_h/2"/>
-                                          </p:val>
-                                        </p:tav>
-                                        <p:tav tm="100000">
-                                          <p:val>
-                                            <p:strVal val="#ppt_y"/>
-                                          </p:val>
-                                        </p:tav>
-                                      </p:tavLst>
-                                    </p:anim>
-                                  </p:childTnLst>
-                                </p:cTn>
-                              </p:par>
-                            </p:childTnLst>
-                          </p:cTn>
-                        </p:par>
-                      </p:childTnLst>
-                    </p:cTn>
-                  </p:par>
-                  <p:par>
-                    <p:cTn id="55" fill="hold">
-                      <p:stCondLst>
-                        <p:cond delay="indefinite"/>
-                      </p:stCondLst>
-                      <p:childTnLst>
-                        <p:par>
-                          <p:cTn id="56" fill="hold">
-                            <p:stCondLst>
-                              <p:cond delay="0"/>
-                            </p:stCondLst>
-                            <p:childTnLst>
-                              <p:par>
-                                <p:cTn id="57" presetID="2" presetClass="entr" presetSubtype="4" fill="hold" grpId="0" nodeType="clickEffect">
-                                  <p:stCondLst>
-                                    <p:cond delay="0"/>
-                                  </p:stCondLst>
-                                  <p:childTnLst>
-                                    <p:set>
-                                      <p:cBhvr>
-                                        <p:cTn id="58" dur="1" fill="hold">
-                                          <p:stCondLst>
-                                            <p:cond delay="0"/>
-                                          </p:stCondLst>
-                                        </p:cTn>
-                                        <p:tgtEl>
-                                          <p:spTgt spid="3">
-                                            <p:txEl>
-                                              <p:pRg st="9" end="9"/>
-                                            </p:txEl>
-                                          </p:spTgt>
-                                        </p:tgtEl>
-                                        <p:attrNameLst>
-                                          <p:attrName>style.visibility</p:attrName>
-                                        </p:attrNameLst>
-                                      </p:cBhvr>
-                                      <p:to>
-                                        <p:strVal val="visible"/>
-                                      </p:to>
-                                    </p:set>
-                                    <p:anim calcmode="lin" valueType="num">
-                                      <p:cBhvr additive="base">
-                                        <p:cTn id="59" dur="500" fill="hold"/>
-                                        <p:tgtEl>
-                                          <p:spTgt spid="3">
-                                            <p:txEl>
-                                              <p:pRg st="9" end="9"/>
-                                            </p:txEl>
-                                          </p:spTgt>
-                                        </p:tgtEl>
-                                        <p:attrNameLst>
-                                          <p:attrName>ppt_x</p:attrName>
-                                        </p:attrNameLst>
-                                      </p:cBhvr>
-                                      <p:tavLst>
-                                        <p:tav tm="0">
-                                          <p:val>
-                                            <p:strVal val="#ppt_x"/>
-                                          </p:val>
-                                        </p:tav>
-                                        <p:tav tm="100000">
-                                          <p:val>
-                                            <p:strVal val="#ppt_x"/>
-                                          </p:val>
-                                        </p:tav>
-                                      </p:tavLst>
-                                    </p:anim>
-                                    <p:anim calcmode="lin" valueType="num">
-                                      <p:cBhvr additive="base">
-                                        <p:cTn id="60" dur="500" fill="hold"/>
-                                        <p:tgtEl>
-                                          <p:spTgt spid="3">
-                                            <p:txEl>
-                                              <p:pRg st="9" end="9"/>
-                                            </p:txEl>
-                                          </p:spTgt>
-                                        </p:tgtEl>
-                                        <p:attrNameLst>
-                                          <p:attrName>ppt_y</p:attrName>
-                                        </p:attrNameLst>
-                                      </p:cBhvr>
-                                      <p:tavLst>
-                                        <p:tav tm="0">
-                                          <p:val>
-                                            <p:strVal val="1+#ppt_h/2"/>
-                                          </p:val>
-                                        </p:tav>
-                                        <p:tav tm="100000">
-                                          <p:val>
-                                            <p:strVal val="#ppt_y"/>
-                                          </p:val>
-                                        </p:tav>
-                                      </p:tavLst>
-                                    </p:anim>
-                                  </p:childTnLst>
-                                </p:cTn>
-                              </p:par>
-                            </p:childTnLst>
-                          </p:cTn>
-                        </p:par>
-                      </p:childTnLst>
-                    </p:cTn>
-                  </p:par>
-                  <p:par>
-                    <p:cTn id="61" fill="hold">
-                      <p:stCondLst>
-                        <p:cond delay="indefinite"/>
-                      </p:stCondLst>
-                      <p:childTnLst>
-                        <p:par>
-                          <p:cTn id="62" fill="hold">
-                            <p:stCondLst>
-                              <p:cond delay="0"/>
-                            </p:stCondLst>
-                            <p:childTnLst>
-                              <p:par>
-                                <p:cTn id="63" presetID="2" presetClass="entr" presetSubtype="4" fill="hold" grpId="0" nodeType="clickEffect">
-                                  <p:stCondLst>
-                                    <p:cond delay="0"/>
-                                  </p:stCondLst>
-                                  <p:childTnLst>
-                                    <p:set>
-                                      <p:cBhvr>
-                                        <p:cTn id="64" dur="1" fill="hold">
-                                          <p:stCondLst>
-                                            <p:cond delay="0"/>
-                                          </p:stCondLst>
-                                        </p:cTn>
-                                        <p:tgtEl>
-                                          <p:spTgt spid="3">
-                                            <p:txEl>
-                                              <p:pRg st="10" end="10"/>
-                                            </p:txEl>
-                                          </p:spTgt>
-                                        </p:tgtEl>
-                                        <p:attrNameLst>
-                                          <p:attrName>style.visibility</p:attrName>
-                                        </p:attrNameLst>
-                                      </p:cBhvr>
-                                      <p:to>
-                                        <p:strVal val="visible"/>
-                                      </p:to>
-                                    </p:set>
-                                    <p:anim calcmode="lin" valueType="num">
-                                      <p:cBhvr additive="base">
-                                        <p:cTn id="65" dur="500" fill="hold"/>
-                                        <p:tgtEl>
-                                          <p:spTgt spid="3">
-                                            <p:txEl>
-                                              <p:pRg st="10" end="10"/>
-                                            </p:txEl>
-                                          </p:spTgt>
-                                        </p:tgtEl>
-                                        <p:attrNameLst>
-                                          <p:attrName>ppt_x</p:attrName>
-                                        </p:attrNameLst>
-                                      </p:cBhvr>
-                                      <p:tavLst>
-                                        <p:tav tm="0">
-                                          <p:val>
-                                            <p:strVal val="#ppt_x"/>
-                                          </p:val>
-                                        </p:tav>
-                                        <p:tav tm="100000">
-                                          <p:val>
-                                            <p:strVal val="#ppt_x"/>
-                                          </p:val>
-                                        </p:tav>
-                                      </p:tavLst>
-                                    </p:anim>
-                                    <p:anim calcmode="lin" valueType="num">
-                                      <p:cBhvr additive="base">
-                                        <p:cTn id="66" dur="500" fill="hold"/>
-                                        <p:tgtEl>
-                                          <p:spTgt spid="3">
-                                            <p:txEl>
-                                              <p:pRg st="10" end="10"/>
-                                            </p:txEl>
-                                          </p:spTgt>
-                                        </p:tgtEl>
-                                        <p:attrNameLst>
-                                          <p:attrName>ppt_y</p:attrName>
-                                        </p:attrNameLst>
-                                      </p:cBhvr>
-                                      <p:tavLst>
-                                        <p:tav tm="0">
-                                          <p:val>
-                                            <p:strVal val="1+#ppt_h/2"/>
-                                          </p:val>
-                                        </p:tav>
-                                        <p:tav tm="100000">
-                                          <p:val>
-                                            <p:strVal val="#ppt_y"/>
-                                          </p:val>
-                                        </p:tav>
-                                      </p:tavLst>
-                                    </p:anim>
-                                  </p:childTnLst>
-                                </p:cTn>
-                              </p:par>
-                            </p:childTnLst>
-                          </p:cTn>
-                        </p:par>
-                      </p:childTnLst>
-                    </p:cTn>
-                  </p:par>
-                </p:childTnLst>
-              </p:cTn>
-              <p:prevCondLst>
-                <p:cond evt="onPrev" delay="0">
-                  <p:tgtEl>
-                    <p:sldTgt/>
-                  </p:tgtEl>
-                </p:cond>
-              </p:prevCondLst>
-              <p:nextCondLst>
-                <p:cond evt="onNext" delay="0">
-                  <p:tgtEl>
-                    <p:sldTgt/>
-                  </p:tgtEl>
-                </p:cond>
-              </p:nextCondLst>
-            </p:seq>
-          </p:childTnLst>
-        </p:cTn>
-      </p:par>
-    </p:tnLst>
-    <p:bldLst>
-      <p:bldP spid="3" grpId="0" uiExpand="1" build="p"/>
-    </p:bldLst>
-  </p:timing>
-</p:sld>
-</file>
-
-<file path=ppt/slides/slide7.xml><?xml version="1.0" encoding="utf-8"?>
-<p:sld xmlns:a="http://schemas.openxmlformats.org/drawingml/2006/main" xmlns:r="http://schemas.openxmlformats.org/officeDocument/2006/relationships" xmlns:p="http://schemas.openxmlformats.org/presentationml/2006/main">
-  <p:cSld>
-    <p:spTree>
-      <p:nvGrpSpPr>
-        <p:cNvPr id="1" name=""/>
-        <p:cNvGrpSpPr/>
-        <p:nvPr/>
-      </p:nvGrpSpPr>
-      <p:grpSpPr>
-        <a:xfrm>
-          <a:off x="0" y="0"/>
-          <a:ext cx="0" cy="0"/>
-          <a:chOff x="0" y="0"/>
-          <a:chExt cx="0" cy="0"/>
-        </a:xfrm>
-      </p:grpSpPr>
-      <p:sp>
-        <p:nvSpPr>
-          <p:cNvPr id="2" name="Title 1">
-            <a:extLst>
-              <a:ext uri="{FF2B5EF4-FFF2-40B4-BE49-F238E27FC236}">
-                <a16:creationId xmlns:a16="http://schemas.microsoft.com/office/drawing/2014/main" id="{9F2A5685-0B88-4C3D-84C2-220DFCC53AB9}"/>
-              </a:ext>
-            </a:extLst>
-          </p:cNvPr>
-          <p:cNvSpPr>
-            <a:spLocks noGrp="1"/>
-          </p:cNvSpPr>
-          <p:nvPr>
-            <p:ph type="title"/>
-          </p:nvPr>
-        </p:nvSpPr>
-        <p:spPr/>
-        <p:txBody>
-          <a:bodyPr/>
-          <a:lstStyle/>
-          <a:p>
-            <a:r>
-              <a:rPr lang="en-US" dirty="0"/>
-              <a:t>Information Sensitivity</a:t>
-            </a:r>
-          </a:p>
-        </p:txBody>
-      </p:sp>
-      <p:sp>
-        <p:nvSpPr>
-          <p:cNvPr id="3" name="Content Placeholder 2">
-            <a:extLst>
-              <a:ext uri="{FF2B5EF4-FFF2-40B4-BE49-F238E27FC236}">
-                <a16:creationId xmlns:a16="http://schemas.microsoft.com/office/drawing/2014/main" id="{5B25969D-C778-469B-B046-2F3EE091418C}"/>
-              </a:ext>
-            </a:extLst>
-          </p:cNvPr>
-          <p:cNvSpPr>
-            <a:spLocks noGrp="1"/>
-          </p:cNvSpPr>
-          <p:nvPr>
-            <p:ph idx="1"/>
-          </p:nvPr>
-        </p:nvSpPr>
-        <p:spPr/>
-        <p:txBody>
-          <a:bodyPr/>
-          <a:lstStyle/>
-          <a:p>
-            <a:r>
-              <a:rPr lang="en-US" dirty="0"/>
-              <a:t>Security of logging is important</a:t>
-            </a:r>
-          </a:p>
-          <a:p>
-            <a:pPr lvl="1"/>
-            <a:r>
-              <a:rPr lang="en-US" dirty="0"/>
-              <a:t>Physical security</a:t>
-            </a:r>
-          </a:p>
-          <a:p>
-            <a:pPr lvl="1"/>
-            <a:r>
-              <a:rPr lang="en-US" dirty="0"/>
-              <a:t>Retention</a:t>
-            </a:r>
-          </a:p>
-          <a:p>
-            <a:pPr lvl="1"/>
-            <a:r>
-              <a:rPr lang="en-US" dirty="0"/>
-              <a:t>Included information</a:t>
-            </a:r>
-          </a:p>
-          <a:p>
-            <a:r>
-              <a:rPr lang="en-US" dirty="0"/>
-              <a:t>Often a fine line, enough detail to recreate, not enough to violate privacy concerns</a:t>
-            </a:r>
-          </a:p>
-          <a:p>
-            <a:r>
-              <a:rPr lang="en-US" dirty="0"/>
-              <a:t>GDPR adds additional concerns</a:t>
-            </a:r>
-          </a:p>
-        </p:txBody>
-      </p:sp>
-    </p:spTree>
-    <p:extLst>
-      <p:ext uri="{BB962C8B-B14F-4D97-AF65-F5344CB8AC3E}">
-        <p14:creationId xmlns:p14="http://schemas.microsoft.com/office/powerpoint/2010/main" val="3689684938"/>
-      </p:ext>
-    </p:extLst>
-  </p:cSld>
-  <p:clrMapOvr>
-    <a:masterClrMapping/>
-  </p:clrMapOvr>
-  <p:timing>
-    <p:tnLst>
-      <p:par>
-        <p:cTn id="1" dur="indefinite" restart="never" nodeType="tmRoot">
-          <p:childTnLst>
-            <p:seq concurrent="1" nextAc="seek">
-              <p:cTn id="2" dur="indefinite" nodeType="mainSeq">
-                <p:childTnLst>
-                  <p:par>
-                    <p:cTn id="3" fill="hold">
-                      <p:stCondLst>
-                        <p:cond delay="indefinite"/>
-                        <p:cond evt="onBegin" delay="0">
-                          <p:tn val="2"/>
-                        </p:cond>
-                      </p:stCondLst>
-                      <p:childTnLst>
-                        <p:par>
-                          <p:cTn id="4" fill="hold">
-                            <p:stCondLst>
-                              <p:cond delay="0"/>
-                            </p:stCondLst>
-                            <p:childTnLst>
-                              <p:par>
-                                <p:cTn id="5" presetID="2" presetClass="entr" presetSubtype="4" fill="hold" grpId="0" nodeType="withEffect">
-                                  <p:stCondLst>
-                                    <p:cond delay="0"/>
-                                  </p:stCondLst>
-                                  <p:childTnLst>
-                                    <p:set>
-                                      <p:cBhvr>
-                                        <p:cTn id="6" dur="1" fill="hold">
-                                          <p:stCondLst>
-                                            <p:cond delay="0"/>
-                                          </p:stCondLst>
-                                        </p:cTn>
-                                        <p:tgtEl>
-                                          <p:spTgt spid="3">
-                                            <p:txEl>
-                                              <p:pRg st="0" end="0"/>
-                                            </p:txEl>
-                                          </p:spTgt>
-                                        </p:tgtEl>
-                                        <p:attrNameLst>
-                                          <p:attrName>style.visibility</p:attrName>
-                                        </p:attrNameLst>
-                                      </p:cBhvr>
-                                      <p:to>
-                                        <p:strVal val="visible"/>
-                                      </p:to>
-                                    </p:set>
-                                    <p:anim calcmode="lin" valueType="num">
-                                      <p:cBhvr additive="base">
-                                        <p:cTn id="7" dur="500" fill="hold"/>
-                                        <p:tgtEl>
-                                          <p:spTgt spid="3">
-                                            <p:txEl>
-                                              <p:pRg st="0" end="0"/>
-                                            </p:txEl>
-                                          </p:spTgt>
-                                        </p:tgtEl>
-                                        <p:attrNameLst>
-                                          <p:attrName>ppt_x</p:attrName>
-                                        </p:attrNameLst>
-                                      </p:cBhvr>
-                                      <p:tavLst>
-                                        <p:tav tm="0">
-                                          <p:val>
-                                            <p:strVal val="#ppt_x"/>
-                                          </p:val>
-                                        </p:tav>
-                                        <p:tav tm="100000">
-                                          <p:val>
-                                            <p:strVal val="#ppt_x"/>
-                                          </p:val>
-                                        </p:tav>
-                                      </p:tavLst>
-                                    </p:anim>
-                                    <p:anim calcmode="lin" valueType="num">
-                                      <p:cBhvr additive="base">
-                                        <p:cTn id="8" dur="500" fill="hold"/>
-                                        <p:tgtEl>
-                                          <p:spTgt spid="3">
-                                            <p:txEl>
-                                              <p:pRg st="0" end="0"/>
-                                            </p:txEl>
-                                          </p:spTgt>
-                                        </p:tgtEl>
-                                        <p:attrNameLst>
-                                          <p:attrName>ppt_y</p:attrName>
-                                        </p:attrNameLst>
-                                      </p:cBhvr>
-                                      <p:tavLst>
-                                        <p:tav tm="0">
-                                          <p:val>
-                                            <p:strVal val="1+#ppt_h/2"/>
-                                          </p:val>
-                                        </p:tav>
-                                        <p:tav tm="100000">
-                                          <p:val>
-                                            <p:strVal val="#ppt_y"/>
-                                          </p:val>
-                                        </p:tav>
-                                      </p:tavLst>
-                                    </p:anim>
-                                  </p:childTnLst>
-                                </p:cTn>
-                              </p:par>
-                            </p:childTnLst>
-                          </p:cTn>
-                        </p:par>
-                      </p:childTnLst>
-                    </p:cTn>
-                  </p:par>
-                  <p:par>
-                    <p:cTn id="9" fill="hold">
-                      <p:stCondLst>
-                        <p:cond delay="indefinite"/>
-                      </p:stCondLst>
-                      <p:childTnLst>
-                        <p:par>
-                          <p:cTn id="10" fill="hold">
-                            <p:stCondLst>
-                              <p:cond delay="0"/>
-                            </p:stCondLst>
-                            <p:childTnLst>
-                              <p:par>
-                                <p:cTn id="11" presetID="2" presetClass="entr" presetSubtype="4" fill="hold" grpId="0" nodeType="clickEffect">
-                                  <p:stCondLst>
-                                    <p:cond delay="0"/>
-                                  </p:stCondLst>
-                                  <p:childTnLst>
-                                    <p:set>
-                                      <p:cBhvr>
-                                        <p:cTn id="12" dur="1" fill="hold">
-                                          <p:stCondLst>
-                                            <p:cond delay="0"/>
-                                          </p:stCondLst>
-                                        </p:cTn>
-                                        <p:tgtEl>
-                                          <p:spTgt spid="3">
-                                            <p:txEl>
-                                              <p:pRg st="1" end="1"/>
-                                            </p:txEl>
-                                          </p:spTgt>
-                                        </p:tgtEl>
-                                        <p:attrNameLst>
-                                          <p:attrName>style.visibility</p:attrName>
-                                        </p:attrNameLst>
-                                      </p:cBhvr>
-                                      <p:to>
-                                        <p:strVal val="visible"/>
-                                      </p:to>
-                                    </p:set>
-                                    <p:anim calcmode="lin" valueType="num">
-                                      <p:cBhvr additive="base">
-                                        <p:cTn id="13" dur="500" fill="hold"/>
-                                        <p:tgtEl>
-                                          <p:spTgt spid="3">
-                                            <p:txEl>
-                                              <p:pRg st="1" end="1"/>
-                                            </p:txEl>
-                                          </p:spTgt>
-                                        </p:tgtEl>
-                                        <p:attrNameLst>
-                                          <p:attrName>ppt_x</p:attrName>
-                                        </p:attrNameLst>
-                                      </p:cBhvr>
-                                      <p:tavLst>
-                                        <p:tav tm="0">
-                                          <p:val>
-                                            <p:strVal val="#ppt_x"/>
-                                          </p:val>
-                                        </p:tav>
-                                        <p:tav tm="100000">
-                                          <p:val>
-                                            <p:strVal val="#ppt_x"/>
-                                          </p:val>
-                                        </p:tav>
-                                      </p:tavLst>
-                                    </p:anim>
-                                    <p:anim calcmode="lin" valueType="num">
-                                      <p:cBhvr additive="base">
-                                        <p:cTn id="14" dur="500" fill="hold"/>
-                                        <p:tgtEl>
-                                          <p:spTgt spid="3">
-                                            <p:txEl>
-                                              <p:pRg st="1" end="1"/>
-                                            </p:txEl>
-                                          </p:spTgt>
-                                        </p:tgtEl>
-                                        <p:attrNameLst>
-                                          <p:attrName>ppt_y</p:attrName>
-                                        </p:attrNameLst>
-                                      </p:cBhvr>
-                                      <p:tavLst>
-                                        <p:tav tm="0">
-                                          <p:val>
-                                            <p:strVal val="1+#ppt_h/2"/>
-                                          </p:val>
-                                        </p:tav>
-                                        <p:tav tm="100000">
-                                          <p:val>
-                                            <p:strVal val="#ppt_y"/>
-                                          </p:val>
-                                        </p:tav>
-                                      </p:tavLst>
-                                    </p:anim>
-                                  </p:childTnLst>
-                                </p:cTn>
-                              </p:par>
-                            </p:childTnLst>
-                          </p:cTn>
-                        </p:par>
-                      </p:childTnLst>
-                    </p:cTn>
-                  </p:par>
-                  <p:par>
-                    <p:cTn id="15" fill="hold">
-                      <p:stCondLst>
-                        <p:cond delay="indefinite"/>
-                      </p:stCondLst>
-                      <p:childTnLst>
-                        <p:par>
-                          <p:cTn id="16" fill="hold">
-                            <p:stCondLst>
-                              <p:cond delay="0"/>
-                            </p:stCondLst>
-                            <p:childTnLst>
-                              <p:par>
-                                <p:cTn id="17" presetID="2" presetClass="entr" presetSubtype="4" fill="hold" grpId="0" nodeType="clickEffect">
-                                  <p:stCondLst>
-                                    <p:cond delay="0"/>
-                                  </p:stCondLst>
-                                  <p:childTnLst>
-                                    <p:set>
-                                      <p:cBhvr>
-                                        <p:cTn id="18" dur="1" fill="hold">
-                                          <p:stCondLst>
-                                            <p:cond delay="0"/>
-                                          </p:stCondLst>
-                                        </p:cTn>
-                                        <p:tgtEl>
-                                          <p:spTgt spid="3">
-                                            <p:txEl>
-                                              <p:pRg st="2" end="2"/>
-                                            </p:txEl>
-                                          </p:spTgt>
-                                        </p:tgtEl>
-                                        <p:attrNameLst>
-                                          <p:attrName>style.visibility</p:attrName>
-                                        </p:attrNameLst>
-                                      </p:cBhvr>
-                                      <p:to>
-                                        <p:strVal val="visible"/>
-                                      </p:to>
-                                    </p:set>
-                                    <p:anim calcmode="lin" valueType="num">
-                                      <p:cBhvr additive="base">
-                                        <p:cTn id="19" dur="500" fill="hold"/>
-                                        <p:tgtEl>
-                                          <p:spTgt spid="3">
-                                            <p:txEl>
-                                              <p:pRg st="2" end="2"/>
-                                            </p:txEl>
-                                          </p:spTgt>
-                                        </p:tgtEl>
-                                        <p:attrNameLst>
-                                          <p:attrName>ppt_x</p:attrName>
-                                        </p:attrNameLst>
-                                      </p:cBhvr>
-                                      <p:tavLst>
-                                        <p:tav tm="0">
-                                          <p:val>
-                                            <p:strVal val="#ppt_x"/>
-                                          </p:val>
-                                        </p:tav>
-                                        <p:tav tm="100000">
-                                          <p:val>
-                                            <p:strVal val="#ppt_x"/>
-                                          </p:val>
-                                        </p:tav>
-                                      </p:tavLst>
-                                    </p:anim>
-                                    <p:anim calcmode="lin" valueType="num">
-                                      <p:cBhvr additive="base">
-                                        <p:cTn id="20" dur="500" fill="hold"/>
-                                        <p:tgtEl>
-                                          <p:spTgt spid="3">
-                                            <p:txEl>
-                                              <p:pRg st="2" end="2"/>
-                                            </p:txEl>
-                                          </p:spTgt>
-                                        </p:tgtEl>
-                                        <p:attrNameLst>
-                                          <p:attrName>ppt_y</p:attrName>
-                                        </p:attrNameLst>
-                                      </p:cBhvr>
-                                      <p:tavLst>
-                                        <p:tav tm="0">
-                                          <p:val>
-                                            <p:strVal val="1+#ppt_h/2"/>
-                                          </p:val>
-                                        </p:tav>
-                                        <p:tav tm="100000">
-                                          <p:val>
-                                            <p:strVal val="#ppt_y"/>
-                                          </p:val>
-                                        </p:tav>
-                                      </p:tavLst>
-                                    </p:anim>
-                                  </p:childTnLst>
-                                </p:cTn>
-                              </p:par>
-                            </p:childTnLst>
-                          </p:cTn>
-                        </p:par>
-                      </p:childTnLst>
-                    </p:cTn>
-                  </p:par>
-                  <p:par>
-                    <p:cTn id="21" fill="hold">
-                      <p:stCondLst>
-                        <p:cond delay="indefinite"/>
-                      </p:stCondLst>
-                      <p:childTnLst>
-                        <p:par>
-                          <p:cTn id="22" fill="hold">
-                            <p:stCondLst>
-                              <p:cond delay="0"/>
-                            </p:stCondLst>
-                            <p:childTnLst>
-                              <p:par>
-                                <p:cTn id="23" presetID="2" presetClass="entr" presetSubtype="4" fill="hold" grpId="0" nodeType="clickEffect">
-                                  <p:stCondLst>
-                                    <p:cond delay="0"/>
-                                  </p:stCondLst>
-                                  <p:childTnLst>
-                                    <p:set>
-                                      <p:cBhvr>
-                                        <p:cTn id="24" dur="1" fill="hold">
-                                          <p:stCondLst>
-                                            <p:cond delay="0"/>
-                                          </p:stCondLst>
-                                        </p:cTn>
-                                        <p:tgtEl>
-                                          <p:spTgt spid="3">
-                                            <p:txEl>
-                                              <p:pRg st="3" end="3"/>
-                                            </p:txEl>
-                                          </p:spTgt>
-                                        </p:tgtEl>
-                                        <p:attrNameLst>
-                                          <p:attrName>style.visibility</p:attrName>
-                                        </p:attrNameLst>
-                                      </p:cBhvr>
-                                      <p:to>
-                                        <p:strVal val="visible"/>
-                                      </p:to>
-                                    </p:set>
-                                    <p:anim calcmode="lin" valueType="num">
-                                      <p:cBhvr additive="base">
-                                        <p:cTn id="25" dur="500" fill="hold"/>
-                                        <p:tgtEl>
-                                          <p:spTgt spid="3">
-                                            <p:txEl>
-                                              <p:pRg st="3" end="3"/>
-                                            </p:txEl>
-                                          </p:spTgt>
-                                        </p:tgtEl>
-                                        <p:attrNameLst>
-                                          <p:attrName>ppt_x</p:attrName>
-                                        </p:attrNameLst>
-                                      </p:cBhvr>
-                                      <p:tavLst>
-                                        <p:tav tm="0">
-                                          <p:val>
-                                            <p:strVal val="#ppt_x"/>
-                                          </p:val>
-                                        </p:tav>
-                                        <p:tav tm="100000">
-                                          <p:val>
-                                            <p:strVal val="#ppt_x"/>
-                                          </p:val>
-                                        </p:tav>
-                                      </p:tavLst>
-                                    </p:anim>
-                                    <p:anim calcmode="lin" valueType="num">
-                                      <p:cBhvr additive="base">
-                                        <p:cTn id="26" dur="500" fill="hold"/>
-                                        <p:tgtEl>
-                                          <p:spTgt spid="3">
-                                            <p:txEl>
-                                              <p:pRg st="3" end="3"/>
-                                            </p:txEl>
-                                          </p:spTgt>
-                                        </p:tgtEl>
-                                        <p:attrNameLst>
-                                          <p:attrName>ppt_y</p:attrName>
-                                        </p:attrNameLst>
-                                      </p:cBhvr>
-                                      <p:tavLst>
-                                        <p:tav tm="0">
-                                          <p:val>
-                                            <p:strVal val="1+#ppt_h/2"/>
-                                          </p:val>
-                                        </p:tav>
-                                        <p:tav tm="100000">
-                                          <p:val>
-                                            <p:strVal val="#ppt_y"/>
-                                          </p:val>
-                                        </p:tav>
-                                      </p:tavLst>
-                                    </p:anim>
-                                  </p:childTnLst>
-                                </p:cTn>
-                              </p:par>
-                            </p:childTnLst>
-                          </p:cTn>
-                        </p:par>
-                      </p:childTnLst>
-                    </p:cTn>
-                  </p:par>
-                  <p:par>
-                    <p:cTn id="27" fill="hold">
-                      <p:stCondLst>
-                        <p:cond delay="indefinite"/>
-                      </p:stCondLst>
-                      <p:childTnLst>
-                        <p:par>
-                          <p:cTn id="28" fill="hold">
-                            <p:stCondLst>
-                              <p:cond delay="0"/>
-                            </p:stCondLst>
-                            <p:childTnLst>
-                              <p:par>
-                                <p:cTn id="29" presetID="2" presetClass="entr" presetSubtype="4" fill="hold" grpId="0" nodeType="clickEffect">
-                                  <p:stCondLst>
-                                    <p:cond delay="0"/>
-                                  </p:stCondLst>
-                                  <p:childTnLst>
-                                    <p:set>
-                                      <p:cBhvr>
-                                        <p:cTn id="30" dur="1" fill="hold">
-                                          <p:stCondLst>
-                                            <p:cond delay="0"/>
-                                          </p:stCondLst>
-                                        </p:cTn>
-                                        <p:tgtEl>
-                                          <p:spTgt spid="3">
-                                            <p:txEl>
-                                              <p:pRg st="4" end="4"/>
-                                            </p:txEl>
-                                          </p:spTgt>
-                                        </p:tgtEl>
-                                        <p:attrNameLst>
-                                          <p:attrName>style.visibility</p:attrName>
-                                        </p:attrNameLst>
-                                      </p:cBhvr>
-                                      <p:to>
-                                        <p:strVal val="visible"/>
-                                      </p:to>
-                                    </p:set>
-                                    <p:anim calcmode="lin" valueType="num">
-                                      <p:cBhvr additive="base">
-                                        <p:cTn id="31" dur="500" fill="hold"/>
-                                        <p:tgtEl>
-                                          <p:spTgt spid="3">
-                                            <p:txEl>
-                                              <p:pRg st="4" end="4"/>
-                                            </p:txEl>
-                                          </p:spTgt>
-                                        </p:tgtEl>
-                                        <p:attrNameLst>
-                                          <p:attrName>ppt_x</p:attrName>
-                                        </p:attrNameLst>
-                                      </p:cBhvr>
-                                      <p:tavLst>
-                                        <p:tav tm="0">
-                                          <p:val>
-                                            <p:strVal val="#ppt_x"/>
-                                          </p:val>
-                                        </p:tav>
-                                        <p:tav tm="100000">
-                                          <p:val>
-                                            <p:strVal val="#ppt_x"/>
-                                          </p:val>
-                                        </p:tav>
-                                      </p:tavLst>
-                                    </p:anim>
-                                    <p:anim calcmode="lin" valueType="num">
-                                      <p:cBhvr additive="base">
-                                        <p:cTn id="32" dur="500" fill="hold"/>
-                                        <p:tgtEl>
-                                          <p:spTgt spid="3">
-                                            <p:txEl>
-                                              <p:pRg st="4" end="4"/>
-                                            </p:txEl>
-                                          </p:spTgt>
-                                        </p:tgtEl>
-                                        <p:attrNameLst>
-                                          <p:attrName>ppt_y</p:attrName>
-                                        </p:attrNameLst>
-                                      </p:cBhvr>
-                                      <p:tavLst>
-                                        <p:tav tm="0">
-                                          <p:val>
-                                            <p:strVal val="1+#ppt_h/2"/>
-                                          </p:val>
-                                        </p:tav>
-                                        <p:tav tm="100000">
-                                          <p:val>
-                                            <p:strVal val="#ppt_y"/>
-                                          </p:val>
-                                        </p:tav>
-                                      </p:tavLst>
-                                    </p:anim>
-                                  </p:childTnLst>
-                                </p:cTn>
-                              </p:par>
-                            </p:childTnLst>
-                          </p:cTn>
-                        </p:par>
-                      </p:childTnLst>
-                    </p:cTn>
-                  </p:par>
-                  <p:par>
-                    <p:cTn id="33" fill="hold">
-                      <p:stCondLst>
-                        <p:cond delay="indefinite"/>
-                      </p:stCondLst>
-                      <p:childTnLst>
-                        <p:par>
-                          <p:cTn id="34" fill="hold">
-                            <p:stCondLst>
-                              <p:cond delay="0"/>
-                            </p:stCondLst>
-                            <p:childTnLst>
-                              <p:par>
-                                <p:cTn id="35" presetID="2" presetClass="entr" presetSubtype="4" fill="hold" grpId="0" nodeType="clickEffect">
-                                  <p:stCondLst>
-                                    <p:cond delay="0"/>
-                                  </p:stCondLst>
-                                  <p:childTnLst>
-                                    <p:set>
-                                      <p:cBhvr>
-                                        <p:cTn id="36" dur="1" fill="hold">
-                                          <p:stCondLst>
-                                            <p:cond delay="0"/>
-                                          </p:stCondLst>
-                                        </p:cTn>
-                                        <p:tgtEl>
-                                          <p:spTgt spid="3">
-                                            <p:txEl>
-                                              <p:pRg st="5" end="5"/>
-                                            </p:txEl>
-                                          </p:spTgt>
-                                        </p:tgtEl>
-                                        <p:attrNameLst>
-                                          <p:attrName>style.visibility</p:attrName>
-                                        </p:attrNameLst>
-                                      </p:cBhvr>
-                                      <p:to>
-                                        <p:strVal val="visible"/>
-                                      </p:to>
-                                    </p:set>
-                                    <p:anim calcmode="lin" valueType="num">
-                                      <p:cBhvr additive="base">
-                                        <p:cTn id="37" dur="500" fill="hold"/>
-                                        <p:tgtEl>
-                                          <p:spTgt spid="3">
-                                            <p:txEl>
-                                              <p:pRg st="5" end="5"/>
-                                            </p:txEl>
-                                          </p:spTgt>
-                                        </p:tgtEl>
-                                        <p:attrNameLst>
-                                          <p:attrName>ppt_x</p:attrName>
-                                        </p:attrNameLst>
-                                      </p:cBhvr>
-                                      <p:tavLst>
-                                        <p:tav tm="0">
-                                          <p:val>
-                                            <p:strVal val="#ppt_x"/>
-                                          </p:val>
-                                        </p:tav>
-                                        <p:tav tm="100000">
-                                          <p:val>
-                                            <p:strVal val="#ppt_x"/>
-                                          </p:val>
-                                        </p:tav>
-                                      </p:tavLst>
-                                    </p:anim>
-                                    <p:anim calcmode="lin" valueType="num">
-                                      <p:cBhvr additive="base">
-                                        <p:cTn id="38" dur="500" fill="hold"/>
-                                        <p:tgtEl>
-                                          <p:spTgt spid="3">
-                                            <p:txEl>
-                                              <p:pRg st="5" end="5"/>
                                             </p:txEl>
                                           </p:spTgt>
                                         </p:tgtEl>
@@ -10299,7 +11753,7 @@
           <p:cNvPr id="2" name="Title 1">
             <a:extLst>
               <a:ext uri="{FF2B5EF4-FFF2-40B4-BE49-F238E27FC236}">
-                <a16:creationId xmlns:a16="http://schemas.microsoft.com/office/drawing/2014/main" id="{C4E96C69-0684-46DD-A011-ED8957AF3995}"/>
+                <a16:creationId xmlns:a16="http://schemas.microsoft.com/office/drawing/2014/main" id="{1125858C-A679-4D11-B439-9943CFE7385F}"/>
               </a:ext>
             </a:extLst>
           </p:cNvPr>
@@ -10317,7 +11771,7 @@
           <a:p>
             <a:r>
               <a:rPr lang="en-US" dirty="0"/>
-              <a:t>Escalation Protocols – Telling Someone!</a:t>
+              <a:t>Uses of Logging</a:t>
             </a:r>
           </a:p>
         </p:txBody>
@@ -10327,7 +11781,7 @@
           <p:cNvPr id="3" name="Content Placeholder 2">
             <a:extLst>
               <a:ext uri="{FF2B5EF4-FFF2-40B4-BE49-F238E27FC236}">
-                <a16:creationId xmlns:a16="http://schemas.microsoft.com/office/drawing/2014/main" id="{0E1C16ED-215D-417D-9C15-27C47A798485}"/>
+                <a16:creationId xmlns:a16="http://schemas.microsoft.com/office/drawing/2014/main" id="{50BF1805-C381-4D41-B39F-AB1E43EF6421}"/>
               </a:ext>
             </a:extLst>
           </p:cNvPr>
@@ -10340,90 +11794,82 @@
         </p:nvSpPr>
         <p:spPr/>
         <p:txBody>
-          <a:bodyPr/>
+          <a:bodyPr>
+            <a:normAutofit fontScale="92500" lnSpcReduction="10000"/>
+          </a:bodyPr>
           <a:lstStyle/>
           <a:p>
             <a:r>
               <a:rPr lang="en-US" dirty="0"/>
-              <a:t>Placing the logging information in the best location is critical</a:t>
+              <a:t>Diagnostic Information</a:t>
             </a:r>
           </a:p>
           <a:p>
             <a:pPr lvl="1"/>
             <a:r>
               <a:rPr lang="en-US" dirty="0"/>
-              <a:t>Extremes on both visibility or notification can reduce effectiveness</a:t>
+              <a:t>“Debug” style messaging, for trying to figure out why something is working the way it is</a:t>
             </a:r>
           </a:p>
           <a:p>
             <a:pPr lvl="1"/>
             <a:r>
               <a:rPr lang="en-US" dirty="0"/>
-              <a:t>Example: Logging system that emails on every 404, filters get created and logs ignored</a:t>
+              <a:t>Often used on lower level environments</a:t>
             </a:r>
           </a:p>
           <a:p>
             <a:r>
               <a:rPr lang="en-US" dirty="0"/>
-              <a:t>Default Options</a:t>
+              <a:t>Audit Information</a:t>
             </a:r>
           </a:p>
           <a:p>
             <a:pPr lvl="1"/>
             <a:r>
               <a:rPr lang="en-US" dirty="0"/>
-              <a:t>Out of the box we have Console, </a:t>
-            </a:r>
-            <a:r>
-              <a:rPr lang="en-US" dirty="0" err="1"/>
-              <a:t>ApplicationInsights</a:t>
-            </a:r>
+              <a:t>“Tracking” style messaging, for documenting user progression, actions, etc. </a:t>
+            </a:r>
+          </a:p>
+          <a:p>
+            <a:pPr lvl="1"/>
             <a:r>
               <a:rPr lang="en-US" dirty="0"/>
-              <a:t>, </a:t>
-            </a:r>
-            <a:r>
-              <a:rPr lang="en-US" dirty="0" err="1"/>
-              <a:t>EventSource</a:t>
-            </a:r>
+              <a:t>Often used for critical path, or sensitive data access</a:t>
+            </a:r>
+          </a:p>
+          <a:p>
+            <a:pPr lvl="1"/>
             <a:r>
               <a:rPr lang="en-US" dirty="0"/>
-              <a:t>, Debug</a:t>
-            </a:r>
-          </a:p>
-          <a:p>
+              <a:t>Think of credit card transaction logging, admin actions, etc.</a:t>
+            </a:r>
+          </a:p>
+          <a:p>
+            <a:pPr lvl="1"/>
             <a:r>
               <a:rPr lang="en-US" dirty="0"/>
-              <a:t>Third-Party</a:t>
+              <a:t>ASP.NET Identity logs invalid password attempts</a:t>
+            </a:r>
+          </a:p>
+          <a:p>
+            <a:r>
+              <a:rPr lang="en-US" dirty="0"/>
+              <a:t>Exception Reporting</a:t>
             </a:r>
           </a:p>
           <a:p>
             <a:pPr lvl="1"/>
             <a:r>
               <a:rPr lang="en-US" dirty="0"/>
-              <a:t>Endless options, including File, </a:t>
-            </a:r>
-            <a:r>
-              <a:rPr lang="en-US" dirty="0" err="1"/>
-              <a:t>RollingFile</a:t>
-            </a:r>
+              <a:t>Knowing when your application has critical issues</a:t>
+            </a:r>
+          </a:p>
+          <a:p>
+            <a:pPr lvl="1"/>
             <a:r>
               <a:rPr lang="en-US" dirty="0"/>
-              <a:t>, Email, </a:t>
-            </a:r>
-            <a:r>
-              <a:rPr lang="en-US" dirty="0" err="1"/>
-              <a:t>AzureStorage</a:t>
-            </a:r>
-            <a:r>
-              <a:rPr lang="en-US" dirty="0"/>
-              <a:t>, Seq, etc.</a:t>
-            </a:r>
-          </a:p>
-          <a:p>
-            <a:r>
-              <a:rPr lang="en-US" dirty="0"/>
-              <a:t>Should be different, based on severity/nature of message</a:t>
+              <a:t>Pre-emptive validation of potential issues that could impact users</a:t>
             </a:r>
           </a:p>
         </p:txBody>
@@ -10431,7 +11877,7 @@
     </p:spTree>
     <p:extLst>
       <p:ext uri="{BB962C8B-B14F-4D97-AF65-F5344CB8AC3E}">
-        <p14:creationId xmlns:p14="http://schemas.microsoft.com/office/powerpoint/2010/main" val="2662196717"/>
+        <p14:creationId xmlns:p14="http://schemas.microsoft.com/office/powerpoint/2010/main" val="1549774869"/>
       </p:ext>
     </p:extLst>
   </p:cSld>
@@ -11164,6 +12610,91 @@
                                   </p:childTnLst>
                                 </p:cTn>
                               </p:par>
+                              <p:par>
+                                <p:cTn id="45" presetID="2" presetClass="entr" presetSubtype="4" fill="hold" grpId="0" nodeType="withEffect">
+                                  <p:stCondLst>
+                                    <p:cond delay="0"/>
+                                  </p:stCondLst>
+                                  <p:childTnLst>
+                                    <p:set>
+                                      <p:cBhvr>
+                                        <p:cTn id="46" dur="1" fill="hold">
+                                          <p:stCondLst>
+                                            <p:cond delay="0"/>
+                                          </p:stCondLst>
+                                        </p:cTn>
+                                        <p:tgtEl>
+                                          <p:spTgt spid="3">
+                                            <p:txEl>
+                                              <p:pRg st="7" end="7"/>
+                                            </p:txEl>
+                                          </p:spTgt>
+                                        </p:tgtEl>
+                                        <p:attrNameLst>
+                                          <p:attrName>style.visibility</p:attrName>
+                                        </p:attrNameLst>
+                                      </p:cBhvr>
+                                      <p:to>
+                                        <p:strVal val="visible"/>
+                                      </p:to>
+                                    </p:set>
+                                    <p:anim calcmode="lin" valueType="num">
+                                      <p:cBhvr additive="base">
+                                        <p:cTn id="47" dur="500" fill="hold"/>
+                                        <p:tgtEl>
+                                          <p:spTgt spid="3">
+                                            <p:txEl>
+                                              <p:pRg st="7" end="7"/>
+                                            </p:txEl>
+                                          </p:spTgt>
+                                        </p:tgtEl>
+                                        <p:attrNameLst>
+                                          <p:attrName>ppt_x</p:attrName>
+                                        </p:attrNameLst>
+                                      </p:cBhvr>
+                                      <p:tavLst>
+                                        <p:tav tm="0">
+                                          <p:val>
+                                            <p:strVal val="#ppt_x"/>
+                                          </p:val>
+                                        </p:tav>
+                                        <p:tav tm="100000">
+                                          <p:val>
+                                            <p:strVal val="#ppt_x"/>
+                                          </p:val>
+                                        </p:tav>
+                                      </p:tavLst>
+                                    </p:anim>
+                                    <p:anim calcmode="lin" valueType="num">
+                                      <p:cBhvr additive="base">
+                                        <p:cTn id="48" dur="500" fill="hold"/>
+                                        <p:tgtEl>
+                                          <p:spTgt spid="3">
+                                            <p:txEl>
+                                              <p:pRg st="7" end="7"/>
+                                            </p:txEl>
+                                          </p:spTgt>
+                                        </p:tgtEl>
+                                        <p:attrNameLst>
+                                          <p:attrName>ppt_y</p:attrName>
+                                        </p:attrNameLst>
+                                      </p:cBhvr>
+                                      <p:tavLst>
+                                        <p:tav tm="0">
+                                          <p:val>
+                                            <p:strVal val="1+#ppt_h/2"/>
+                                          </p:val>
+                                        </p:tav>
+                                        <p:tav tm="100000">
+                                          <p:val>
+                                            <p:strVal val="#ppt_y"/>
+                                          </p:val>
+                                        </p:tav>
+                                      </p:tavLst>
+                                    </p:anim>
+                                  </p:childTnLst>
+                                </p:cTn>
+                              </p:par>
                             </p:childTnLst>
                           </p:cTn>
                         </p:par>
@@ -11171,26 +12702,26 @@
                     </p:cTn>
                   </p:par>
                   <p:par>
-                    <p:cTn id="45" fill="hold">
+                    <p:cTn id="49" fill="hold">
                       <p:stCondLst>
                         <p:cond delay="indefinite"/>
                       </p:stCondLst>
                       <p:childTnLst>
                         <p:par>
-                          <p:cTn id="46" fill="hold">
+                          <p:cTn id="50" fill="hold">
                             <p:stCondLst>
                               <p:cond delay="0"/>
                             </p:stCondLst>
                             <p:childTnLst>
                               <p:par>
-                                <p:cTn id="47" presetID="2" presetClass="entr" presetSubtype="4" fill="hold" grpId="0" nodeType="clickEffect">
+                                <p:cTn id="51" presetID="2" presetClass="entr" presetSubtype="4" fill="hold" grpId="0" nodeType="clickEffect">
                                   <p:stCondLst>
                                     <p:cond delay="0"/>
                                   </p:stCondLst>
                                   <p:childTnLst>
                                     <p:set>
                                       <p:cBhvr>
-                                        <p:cTn id="48" dur="1" fill="hold">
+                                        <p:cTn id="52" dur="1" fill="hold">
                                           <p:stCondLst>
                                             <p:cond delay="0"/>
                                           </p:stCondLst>
@@ -11198,7 +12729,7 @@
                                         <p:tgtEl>
                                           <p:spTgt spid="3">
                                             <p:txEl>
-                                              <p:pRg st="7" end="7"/>
+                                              <p:pRg st="8" end="8"/>
                                             </p:txEl>
                                           </p:spTgt>
                                         </p:tgtEl>
@@ -11212,11 +12743,11 @@
                                     </p:set>
                                     <p:anim calcmode="lin" valueType="num">
                                       <p:cBhvr additive="base">
-                                        <p:cTn id="49" dur="500" fill="hold"/>
-                                        <p:tgtEl>
-                                          <p:spTgt spid="3">
-                                            <p:txEl>
-                                              <p:pRg st="7" end="7"/>
+                                        <p:cTn id="53" dur="500" fill="hold"/>
+                                        <p:tgtEl>
+                                          <p:spTgt spid="3">
+                                            <p:txEl>
+                                              <p:pRg st="8" end="8"/>
                                             </p:txEl>
                                           </p:spTgt>
                                         </p:tgtEl>
@@ -11239,11 +12770,217 @@
                                     </p:anim>
                                     <p:anim calcmode="lin" valueType="num">
                                       <p:cBhvr additive="base">
-                                        <p:cTn id="50" dur="500" fill="hold"/>
-                                        <p:tgtEl>
-                                          <p:spTgt spid="3">
-                                            <p:txEl>
-                                              <p:pRg st="7" end="7"/>
+                                        <p:cTn id="54" dur="500" fill="hold"/>
+                                        <p:tgtEl>
+                                          <p:spTgt spid="3">
+                                            <p:txEl>
+                                              <p:pRg st="8" end="8"/>
+                                            </p:txEl>
+                                          </p:spTgt>
+                                        </p:tgtEl>
+                                        <p:attrNameLst>
+                                          <p:attrName>ppt_y</p:attrName>
+                                        </p:attrNameLst>
+                                      </p:cBhvr>
+                                      <p:tavLst>
+                                        <p:tav tm="0">
+                                          <p:val>
+                                            <p:strVal val="1+#ppt_h/2"/>
+                                          </p:val>
+                                        </p:tav>
+                                        <p:tav tm="100000">
+                                          <p:val>
+                                            <p:strVal val="#ppt_y"/>
+                                          </p:val>
+                                        </p:tav>
+                                      </p:tavLst>
+                                    </p:anim>
+                                  </p:childTnLst>
+                                </p:cTn>
+                              </p:par>
+                            </p:childTnLst>
+                          </p:cTn>
+                        </p:par>
+                      </p:childTnLst>
+                    </p:cTn>
+                  </p:par>
+                  <p:par>
+                    <p:cTn id="55" fill="hold">
+                      <p:stCondLst>
+                        <p:cond delay="indefinite"/>
+                      </p:stCondLst>
+                      <p:childTnLst>
+                        <p:par>
+                          <p:cTn id="56" fill="hold">
+                            <p:stCondLst>
+                              <p:cond delay="0"/>
+                            </p:stCondLst>
+                            <p:childTnLst>
+                              <p:par>
+                                <p:cTn id="57" presetID="2" presetClass="entr" presetSubtype="4" fill="hold" grpId="0" nodeType="clickEffect">
+                                  <p:stCondLst>
+                                    <p:cond delay="0"/>
+                                  </p:stCondLst>
+                                  <p:childTnLst>
+                                    <p:set>
+                                      <p:cBhvr>
+                                        <p:cTn id="58" dur="1" fill="hold">
+                                          <p:stCondLst>
+                                            <p:cond delay="0"/>
+                                          </p:stCondLst>
+                                        </p:cTn>
+                                        <p:tgtEl>
+                                          <p:spTgt spid="3">
+                                            <p:txEl>
+                                              <p:pRg st="9" end="9"/>
+                                            </p:txEl>
+                                          </p:spTgt>
+                                        </p:tgtEl>
+                                        <p:attrNameLst>
+                                          <p:attrName>style.visibility</p:attrName>
+                                        </p:attrNameLst>
+                                      </p:cBhvr>
+                                      <p:to>
+                                        <p:strVal val="visible"/>
+                                      </p:to>
+                                    </p:set>
+                                    <p:anim calcmode="lin" valueType="num">
+                                      <p:cBhvr additive="base">
+                                        <p:cTn id="59" dur="500" fill="hold"/>
+                                        <p:tgtEl>
+                                          <p:spTgt spid="3">
+                                            <p:txEl>
+                                              <p:pRg st="9" end="9"/>
+                                            </p:txEl>
+                                          </p:spTgt>
+                                        </p:tgtEl>
+                                        <p:attrNameLst>
+                                          <p:attrName>ppt_x</p:attrName>
+                                        </p:attrNameLst>
+                                      </p:cBhvr>
+                                      <p:tavLst>
+                                        <p:tav tm="0">
+                                          <p:val>
+                                            <p:strVal val="#ppt_x"/>
+                                          </p:val>
+                                        </p:tav>
+                                        <p:tav tm="100000">
+                                          <p:val>
+                                            <p:strVal val="#ppt_x"/>
+                                          </p:val>
+                                        </p:tav>
+                                      </p:tavLst>
+                                    </p:anim>
+                                    <p:anim calcmode="lin" valueType="num">
+                                      <p:cBhvr additive="base">
+                                        <p:cTn id="60" dur="500" fill="hold"/>
+                                        <p:tgtEl>
+                                          <p:spTgt spid="3">
+                                            <p:txEl>
+                                              <p:pRg st="9" end="9"/>
+                                            </p:txEl>
+                                          </p:spTgt>
+                                        </p:tgtEl>
+                                        <p:attrNameLst>
+                                          <p:attrName>ppt_y</p:attrName>
+                                        </p:attrNameLst>
+                                      </p:cBhvr>
+                                      <p:tavLst>
+                                        <p:tav tm="0">
+                                          <p:val>
+                                            <p:strVal val="1+#ppt_h/2"/>
+                                          </p:val>
+                                        </p:tav>
+                                        <p:tav tm="100000">
+                                          <p:val>
+                                            <p:strVal val="#ppt_y"/>
+                                          </p:val>
+                                        </p:tav>
+                                      </p:tavLst>
+                                    </p:anim>
+                                  </p:childTnLst>
+                                </p:cTn>
+                              </p:par>
+                            </p:childTnLst>
+                          </p:cTn>
+                        </p:par>
+                      </p:childTnLst>
+                    </p:cTn>
+                  </p:par>
+                  <p:par>
+                    <p:cTn id="61" fill="hold">
+                      <p:stCondLst>
+                        <p:cond delay="indefinite"/>
+                      </p:stCondLst>
+                      <p:childTnLst>
+                        <p:par>
+                          <p:cTn id="62" fill="hold">
+                            <p:stCondLst>
+                              <p:cond delay="0"/>
+                            </p:stCondLst>
+                            <p:childTnLst>
+                              <p:par>
+                                <p:cTn id="63" presetID="2" presetClass="entr" presetSubtype="4" fill="hold" grpId="0" nodeType="clickEffect">
+                                  <p:stCondLst>
+                                    <p:cond delay="0"/>
+                                  </p:stCondLst>
+                                  <p:childTnLst>
+                                    <p:set>
+                                      <p:cBhvr>
+                                        <p:cTn id="64" dur="1" fill="hold">
+                                          <p:stCondLst>
+                                            <p:cond delay="0"/>
+                                          </p:stCondLst>
+                                        </p:cTn>
+                                        <p:tgtEl>
+                                          <p:spTgt spid="3">
+                                            <p:txEl>
+                                              <p:pRg st="10" end="10"/>
+                                            </p:txEl>
+                                          </p:spTgt>
+                                        </p:tgtEl>
+                                        <p:attrNameLst>
+                                          <p:attrName>style.visibility</p:attrName>
+                                        </p:attrNameLst>
+                                      </p:cBhvr>
+                                      <p:to>
+                                        <p:strVal val="visible"/>
+                                      </p:to>
+                                    </p:set>
+                                    <p:anim calcmode="lin" valueType="num">
+                                      <p:cBhvr additive="base">
+                                        <p:cTn id="65" dur="500" fill="hold"/>
+                                        <p:tgtEl>
+                                          <p:spTgt spid="3">
+                                            <p:txEl>
+                                              <p:pRg st="10" end="10"/>
+                                            </p:txEl>
+                                          </p:spTgt>
+                                        </p:tgtEl>
+                                        <p:attrNameLst>
+                                          <p:attrName>ppt_x</p:attrName>
+                                        </p:attrNameLst>
+                                      </p:cBhvr>
+                                      <p:tavLst>
+                                        <p:tav tm="0">
+                                          <p:val>
+                                            <p:strVal val="#ppt_x"/>
+                                          </p:val>
+                                        </p:tav>
+                                        <p:tav tm="100000">
+                                          <p:val>
+                                            <p:strVal val="#ppt_x"/>
+                                          </p:val>
+                                        </p:tav>
+                                      </p:tavLst>
+                                    </p:anim>
+                                    <p:anim calcmode="lin" valueType="num">
+                                      <p:cBhvr additive="base">
+                                        <p:cTn id="66" dur="500" fill="hold"/>
+                                        <p:tgtEl>
+                                          <p:spTgt spid="3">
+                                            <p:txEl>
+                                              <p:pRg st="10" end="10"/>
                                             </p:txEl>
                                           </p:spTgt>
                                         </p:tgtEl>
@@ -11323,7 +13060,7 @@
           <p:cNvPr id="2" name="Title 1">
             <a:extLst>
               <a:ext uri="{FF2B5EF4-FFF2-40B4-BE49-F238E27FC236}">
-                <a16:creationId xmlns:a16="http://schemas.microsoft.com/office/drawing/2014/main" id="{8741D3F4-043D-4BFB-AB0C-82D358D5F944}"/>
+                <a16:creationId xmlns:a16="http://schemas.microsoft.com/office/drawing/2014/main" id="{9F2A5685-0B88-4C3D-84C2-220DFCC53AB9}"/>
               </a:ext>
             </a:extLst>
           </p:cNvPr>
@@ -11341,7 +13078,7 @@
           <a:p>
             <a:r>
               <a:rPr lang="en-US" dirty="0"/>
-              <a:t>Common Escalation Pattern</a:t>
+              <a:t>Information Sensitivity</a:t>
             </a:r>
           </a:p>
         </p:txBody>
@@ -11351,7 +13088,7 @@
           <p:cNvPr id="3" name="Content Placeholder 2">
             <a:extLst>
               <a:ext uri="{FF2B5EF4-FFF2-40B4-BE49-F238E27FC236}">
-                <a16:creationId xmlns:a16="http://schemas.microsoft.com/office/drawing/2014/main" id="{2D4522CE-4216-4C37-8743-7C7D3195F82D}"/>
+                <a16:creationId xmlns:a16="http://schemas.microsoft.com/office/drawing/2014/main" id="{5B25969D-C778-469B-B046-2F3EE091418C}"/>
               </a:ext>
             </a:extLst>
           </p:cNvPr>
@@ -11369,68 +13106,40 @@
           <a:p>
             <a:r>
               <a:rPr lang="en-US" dirty="0"/>
-              <a:t>Dual Configuration Split on Severity</a:t>
+              <a:t>Security of logging is important</a:t>
             </a:r>
           </a:p>
           <a:p>
             <a:pPr lvl="1"/>
             <a:r>
               <a:rPr lang="en-US" dirty="0"/>
-              <a:t>Errors</a:t>
-            </a:r>
-          </a:p>
-          <a:p>
-            <a:pPr lvl="2"/>
+              <a:t>Physical security</a:t>
+            </a:r>
+          </a:p>
+          <a:p>
+            <a:pPr lvl="1"/>
             <a:r>
               <a:rPr lang="en-US" dirty="0"/>
-              <a:t>Locally logged to the filesystem</a:t>
-            </a:r>
-          </a:p>
-          <a:p>
-            <a:pPr lvl="2"/>
+              <a:t>Retention</a:t>
+            </a:r>
+          </a:p>
+          <a:p>
+            <a:pPr lvl="1"/>
             <a:r>
               <a:rPr lang="en-US" dirty="0"/>
-              <a:t>Also sent an external service</a:t>
-            </a:r>
-          </a:p>
-          <a:p>
-            <a:pPr lvl="1"/>
+              <a:t>Included information</a:t>
+            </a:r>
+          </a:p>
+          <a:p>
             <a:r>
               <a:rPr lang="en-US" dirty="0"/>
-              <a:t>Everything Else</a:t>
-            </a:r>
-          </a:p>
-          <a:p>
-            <a:pPr lvl="2"/>
+              <a:t>Often a fine line, enough detail to recreate, not enough to violate privacy concerns</a:t>
+            </a:r>
+          </a:p>
+          <a:p>
             <a:r>
               <a:rPr lang="en-US" dirty="0"/>
-              <a:t>Locally logged to the filesystem</a:t>
-            </a:r>
-          </a:p>
-          <a:p>
-            <a:pPr lvl="2"/>
-            <a:r>
-              <a:rPr lang="en-US" dirty="0"/>
-              <a:t>30 days rolling history</a:t>
-            </a:r>
-          </a:p>
-          <a:p>
-            <a:r>
-              <a:rPr lang="en-US" dirty="0"/>
-              <a:t>Alert Thresholds Managed by outside source</a:t>
-            </a:r>
-          </a:p>
-          <a:p>
-            <a:pPr lvl="1"/>
-            <a:r>
-              <a:rPr lang="en-US" dirty="0"/>
-              <a:t>Ideal if you can do online adjustments to logging levels</a:t>
-            </a:r>
-          </a:p>
-          <a:p>
-            <a:r>
-              <a:rPr lang="en-US" dirty="0"/>
-              <a:t>Quick access to detailed log messages</a:t>
+              <a:t>GDPR adds additional concerns</a:t>
             </a:r>
           </a:p>
         </p:txBody>
@@ -11438,7 +13147,7 @@
     </p:spTree>
     <p:extLst>
       <p:ext uri="{BB962C8B-B14F-4D97-AF65-F5344CB8AC3E}">
-        <p14:creationId xmlns:p14="http://schemas.microsoft.com/office/powerpoint/2010/main" val="380472844"/>
+        <p14:creationId xmlns:p14="http://schemas.microsoft.com/office/powerpoint/2010/main" val="3689684938"/>
       </p:ext>
     </p:extLst>
   </p:cSld>
@@ -11656,15 +13365,33 @@
                                   </p:childTnLst>
                                 </p:cTn>
                               </p:par>
+                            </p:childTnLst>
+                          </p:cTn>
+                        </p:par>
+                      </p:childTnLst>
+                    </p:cTn>
+                  </p:par>
+                  <p:par>
+                    <p:cTn id="15" fill="hold">
+                      <p:stCondLst>
+                        <p:cond delay="indefinite"/>
+                      </p:stCondLst>
+                      <p:childTnLst>
+                        <p:par>
+                          <p:cTn id="16" fill="hold">
+                            <p:stCondLst>
+                              <p:cond delay="0"/>
+                            </p:stCondLst>
+                            <p:childTnLst>
                               <p:par>
-                                <p:cTn id="15" presetID="2" presetClass="entr" presetSubtype="4" fill="hold" grpId="0" nodeType="withEffect">
+                                <p:cTn id="17" presetID="2" presetClass="entr" presetSubtype="4" fill="hold" grpId="0" nodeType="clickEffect">
                                   <p:stCondLst>
                                     <p:cond delay="0"/>
                                   </p:stCondLst>
                                   <p:childTnLst>
                                     <p:set>
                                       <p:cBhvr>
-                                        <p:cTn id="16" dur="1" fill="hold">
+                                        <p:cTn id="18" dur="1" fill="hold">
                                           <p:stCondLst>
                                             <p:cond delay="0"/>
                                           </p:stCondLst>
@@ -11686,7 +13413,7 @@
                                     </p:set>
                                     <p:anim calcmode="lin" valueType="num">
                                       <p:cBhvr additive="base">
-                                        <p:cTn id="17" dur="500" fill="hold"/>
+                                        <p:cTn id="19" dur="500" fill="hold"/>
                                         <p:tgtEl>
                                           <p:spTgt spid="3">
                                             <p:txEl>
@@ -11713,96 +13440,11 @@
                                     </p:anim>
                                     <p:anim calcmode="lin" valueType="num">
                                       <p:cBhvr additive="base">
-                                        <p:cTn id="18" dur="500" fill="hold"/>
+                                        <p:cTn id="20" dur="500" fill="hold"/>
                                         <p:tgtEl>
                                           <p:spTgt spid="3">
                                             <p:txEl>
                                               <p:pRg st="2" end="2"/>
-                                            </p:txEl>
-                                          </p:spTgt>
-                                        </p:tgtEl>
-                                        <p:attrNameLst>
-                                          <p:attrName>ppt_y</p:attrName>
-                                        </p:attrNameLst>
-                                      </p:cBhvr>
-                                      <p:tavLst>
-                                        <p:tav tm="0">
-                                          <p:val>
-                                            <p:strVal val="1+#ppt_h/2"/>
-                                          </p:val>
-                                        </p:tav>
-                                        <p:tav tm="100000">
-                                          <p:val>
-                                            <p:strVal val="#ppt_y"/>
-                                          </p:val>
-                                        </p:tav>
-                                      </p:tavLst>
-                                    </p:anim>
-                                  </p:childTnLst>
-                                </p:cTn>
-                              </p:par>
-                              <p:par>
-                                <p:cTn id="19" presetID="2" presetClass="entr" presetSubtype="4" fill="hold" grpId="0" nodeType="withEffect">
-                                  <p:stCondLst>
-                                    <p:cond delay="0"/>
-                                  </p:stCondLst>
-                                  <p:childTnLst>
-                                    <p:set>
-                                      <p:cBhvr>
-                                        <p:cTn id="20" dur="1" fill="hold">
-                                          <p:stCondLst>
-                                            <p:cond delay="0"/>
-                                          </p:stCondLst>
-                                        </p:cTn>
-                                        <p:tgtEl>
-                                          <p:spTgt spid="3">
-                                            <p:txEl>
-                                              <p:pRg st="3" end="3"/>
-                                            </p:txEl>
-                                          </p:spTgt>
-                                        </p:tgtEl>
-                                        <p:attrNameLst>
-                                          <p:attrName>style.visibility</p:attrName>
-                                        </p:attrNameLst>
-                                      </p:cBhvr>
-                                      <p:to>
-                                        <p:strVal val="visible"/>
-                                      </p:to>
-                                    </p:set>
-                                    <p:anim calcmode="lin" valueType="num">
-                                      <p:cBhvr additive="base">
-                                        <p:cTn id="21" dur="500" fill="hold"/>
-                                        <p:tgtEl>
-                                          <p:spTgt spid="3">
-                                            <p:txEl>
-                                              <p:pRg st="3" end="3"/>
-                                            </p:txEl>
-                                          </p:spTgt>
-                                        </p:tgtEl>
-                                        <p:attrNameLst>
-                                          <p:attrName>ppt_x</p:attrName>
-                                        </p:attrNameLst>
-                                      </p:cBhvr>
-                                      <p:tavLst>
-                                        <p:tav tm="0">
-                                          <p:val>
-                                            <p:strVal val="#ppt_x"/>
-                                          </p:val>
-                                        </p:tav>
-                                        <p:tav tm="100000">
-                                          <p:val>
-                                            <p:strVal val="#ppt_x"/>
-                                          </p:val>
-                                        </p:tav>
-                                      </p:tavLst>
-                                    </p:anim>
-                                    <p:anim calcmode="lin" valueType="num">
-                                      <p:cBhvr additive="base">
-                                        <p:cTn id="22" dur="500" fill="hold"/>
-                                        <p:tgtEl>
-                                          <p:spTgt spid="3">
-                                            <p:txEl>
-                                              <p:pRg st="3" end="3"/>
                                             </p:txEl>
                                           </p:spTgt>
                                         </p:tgtEl>
@@ -11833,26 +13475,26 @@
                     </p:cTn>
                   </p:par>
                   <p:par>
-                    <p:cTn id="23" fill="hold">
+                    <p:cTn id="21" fill="hold">
                       <p:stCondLst>
                         <p:cond delay="indefinite"/>
                       </p:stCondLst>
                       <p:childTnLst>
                         <p:par>
-                          <p:cTn id="24" fill="hold">
+                          <p:cTn id="22" fill="hold">
                             <p:stCondLst>
                               <p:cond delay="0"/>
                             </p:stCondLst>
                             <p:childTnLst>
                               <p:par>
-                                <p:cTn id="25" presetID="2" presetClass="entr" presetSubtype="4" fill="hold" grpId="0" nodeType="clickEffect">
+                                <p:cTn id="23" presetID="2" presetClass="entr" presetSubtype="4" fill="hold" grpId="0" nodeType="clickEffect">
                                   <p:stCondLst>
                                     <p:cond delay="0"/>
                                   </p:stCondLst>
                                   <p:childTnLst>
                                     <p:set>
                                       <p:cBhvr>
-                                        <p:cTn id="26" dur="1" fill="hold">
+                                        <p:cTn id="24" dur="1" fill="hold">
                                           <p:stCondLst>
                                             <p:cond delay="0"/>
                                           </p:stCondLst>
@@ -11860,7 +13502,7 @@
                                         <p:tgtEl>
                                           <p:spTgt spid="3">
                                             <p:txEl>
-                                              <p:pRg st="4" end="4"/>
+                                              <p:pRg st="3" end="3"/>
                                             </p:txEl>
                                           </p:spTgt>
                                         </p:tgtEl>
@@ -11874,11 +13516,11 @@
                                     </p:set>
                                     <p:anim calcmode="lin" valueType="num">
                                       <p:cBhvr additive="base">
-                                        <p:cTn id="27" dur="500" fill="hold"/>
-                                        <p:tgtEl>
-                                          <p:spTgt spid="3">
-                                            <p:txEl>
-                                              <p:pRg st="4" end="4"/>
+                                        <p:cTn id="25" dur="500" fill="hold"/>
+                                        <p:tgtEl>
+                                          <p:spTgt spid="3">
+                                            <p:txEl>
+                                              <p:pRg st="3" end="3"/>
                                             </p:txEl>
                                           </p:spTgt>
                                         </p:tgtEl>
@@ -11901,11 +13543,11 @@
                                     </p:anim>
                                     <p:anim calcmode="lin" valueType="num">
                                       <p:cBhvr additive="base">
-                                        <p:cTn id="28" dur="500" fill="hold"/>
-                                        <p:tgtEl>
-                                          <p:spTgt spid="3">
-                                            <p:txEl>
-                                              <p:pRg st="4" end="4"/>
+                                        <p:cTn id="26" dur="500" fill="hold"/>
+                                        <p:tgtEl>
+                                          <p:spTgt spid="3">
+                                            <p:txEl>
+                                              <p:pRg st="3" end="3"/>
                                             </p:txEl>
                                           </p:spTgt>
                                         </p:tgtEl>
@@ -11929,8 +13571,26 @@
                                   </p:childTnLst>
                                 </p:cTn>
                               </p:par>
+                            </p:childTnLst>
+                          </p:cTn>
+                        </p:par>
+                      </p:childTnLst>
+                    </p:cTn>
+                  </p:par>
+                  <p:par>
+                    <p:cTn id="27" fill="hold">
+                      <p:stCondLst>
+                        <p:cond delay="indefinite"/>
+                      </p:stCondLst>
+                      <p:childTnLst>
+                        <p:par>
+                          <p:cTn id="28" fill="hold">
+                            <p:stCondLst>
+                              <p:cond delay="0"/>
+                            </p:stCondLst>
+                            <p:childTnLst>
                               <p:par>
-                                <p:cTn id="29" presetID="2" presetClass="entr" presetSubtype="4" fill="hold" grpId="0" nodeType="withEffect">
+                                <p:cTn id="29" presetID="2" presetClass="entr" presetSubtype="4" fill="hold" grpId="0" nodeType="clickEffect">
                                   <p:stCondLst>
                                     <p:cond delay="0"/>
                                   </p:stCondLst>
@@ -11945,7 +13605,7 @@
                                         <p:tgtEl>
                                           <p:spTgt spid="3">
                                             <p:txEl>
-                                              <p:pRg st="5" end="5"/>
+                                              <p:pRg st="4" end="4"/>
                                             </p:txEl>
                                           </p:spTgt>
                                         </p:tgtEl>
@@ -11963,7 +13623,7 @@
                                         <p:tgtEl>
                                           <p:spTgt spid="3">
                                             <p:txEl>
-                                              <p:pRg st="5" end="5"/>
+                                              <p:pRg st="4" end="4"/>
                                             </p:txEl>
                                           </p:spTgt>
                                         </p:tgtEl>
@@ -11990,92 +13650,7 @@
                                         <p:tgtEl>
                                           <p:spTgt spid="3">
                                             <p:txEl>
-                                              <p:pRg st="5" end="5"/>
-                                            </p:txEl>
-                                          </p:spTgt>
-                                        </p:tgtEl>
-                                        <p:attrNameLst>
-                                          <p:attrName>ppt_y</p:attrName>
-                                        </p:attrNameLst>
-                                      </p:cBhvr>
-                                      <p:tavLst>
-                                        <p:tav tm="0">
-                                          <p:val>
-                                            <p:strVal val="1+#ppt_h/2"/>
-                                          </p:val>
-                                        </p:tav>
-                                        <p:tav tm="100000">
-                                          <p:val>
-                                            <p:strVal val="#ppt_y"/>
-                                          </p:val>
-                                        </p:tav>
-                                      </p:tavLst>
-                                    </p:anim>
-                                  </p:childTnLst>
-                                </p:cTn>
-                              </p:par>
-                              <p:par>
-                                <p:cTn id="33" presetID="2" presetClass="entr" presetSubtype="4" fill="hold" grpId="0" nodeType="withEffect">
-                                  <p:stCondLst>
-                                    <p:cond delay="0"/>
-                                  </p:stCondLst>
-                                  <p:childTnLst>
-                                    <p:set>
-                                      <p:cBhvr>
-                                        <p:cTn id="34" dur="1" fill="hold">
-                                          <p:stCondLst>
-                                            <p:cond delay="0"/>
-                                          </p:stCondLst>
-                                        </p:cTn>
-                                        <p:tgtEl>
-                                          <p:spTgt spid="3">
-                                            <p:txEl>
-                                              <p:pRg st="6" end="6"/>
-                                            </p:txEl>
-                                          </p:spTgt>
-                                        </p:tgtEl>
-                                        <p:attrNameLst>
-                                          <p:attrName>style.visibility</p:attrName>
-                                        </p:attrNameLst>
-                                      </p:cBhvr>
-                                      <p:to>
-                                        <p:strVal val="visible"/>
-                                      </p:to>
-                                    </p:set>
-                                    <p:anim calcmode="lin" valueType="num">
-                                      <p:cBhvr additive="base">
-                                        <p:cTn id="35" dur="500" fill="hold"/>
-                                        <p:tgtEl>
-                                          <p:spTgt spid="3">
-                                            <p:txEl>
-                                              <p:pRg st="6" end="6"/>
-                                            </p:txEl>
-                                          </p:spTgt>
-                                        </p:tgtEl>
-                                        <p:attrNameLst>
-                                          <p:attrName>ppt_x</p:attrName>
-                                        </p:attrNameLst>
-                                      </p:cBhvr>
-                                      <p:tavLst>
-                                        <p:tav tm="0">
-                                          <p:val>
-                                            <p:strVal val="#ppt_x"/>
-                                          </p:val>
-                                        </p:tav>
-                                        <p:tav tm="100000">
-                                          <p:val>
-                                            <p:strVal val="#ppt_x"/>
-                                          </p:val>
-                                        </p:tav>
-                                      </p:tavLst>
-                                    </p:anim>
-                                    <p:anim calcmode="lin" valueType="num">
-                                      <p:cBhvr additive="base">
-                                        <p:cTn id="36" dur="500" fill="hold"/>
-                                        <p:tgtEl>
-                                          <p:spTgt spid="3">
-                                            <p:txEl>
-                                              <p:pRg st="6" end="6"/>
+                                              <p:pRg st="4" end="4"/>
                                             </p:txEl>
                                           </p:spTgt>
                                         </p:tgtEl>
@@ -12106,26 +13681,26 @@
                     </p:cTn>
                   </p:par>
                   <p:par>
-                    <p:cTn id="37" fill="hold">
+                    <p:cTn id="33" fill="hold">
                       <p:stCondLst>
                         <p:cond delay="indefinite"/>
                       </p:stCondLst>
                       <p:childTnLst>
                         <p:par>
-                          <p:cTn id="38" fill="hold">
+                          <p:cTn id="34" fill="hold">
                             <p:stCondLst>
                               <p:cond delay="0"/>
                             </p:stCondLst>
                             <p:childTnLst>
                               <p:par>
-                                <p:cTn id="39" presetID="2" presetClass="entr" presetSubtype="4" fill="hold" grpId="0" nodeType="clickEffect">
+                                <p:cTn id="35" presetID="2" presetClass="entr" presetSubtype="4" fill="hold" grpId="0" nodeType="clickEffect">
                                   <p:stCondLst>
                                     <p:cond delay="0"/>
                                   </p:stCondLst>
                                   <p:childTnLst>
                                     <p:set>
                                       <p:cBhvr>
-                                        <p:cTn id="40" dur="1" fill="hold">
+                                        <p:cTn id="36" dur="1" fill="hold">
                                           <p:stCondLst>
                                             <p:cond delay="0"/>
                                           </p:stCondLst>
@@ -12133,7 +13708,7 @@
                                         <p:tgtEl>
                                           <p:spTgt spid="3">
                                             <p:txEl>
-                                              <p:pRg st="7" end="7"/>
+                                              <p:pRg st="5" end="5"/>
                                             </p:txEl>
                                           </p:spTgt>
                                         </p:tgtEl>
@@ -12147,11 +13722,11 @@
                                     </p:set>
                                     <p:anim calcmode="lin" valueType="num">
                                       <p:cBhvr additive="base">
-                                        <p:cTn id="41" dur="500" fill="hold"/>
-                                        <p:tgtEl>
-                                          <p:spTgt spid="3">
-                                            <p:txEl>
-                                              <p:pRg st="7" end="7"/>
+                                        <p:cTn id="37" dur="500" fill="hold"/>
+                                        <p:tgtEl>
+                                          <p:spTgt spid="3">
+                                            <p:txEl>
+                                              <p:pRg st="5" end="5"/>
                                             </p:txEl>
                                           </p:spTgt>
                                         </p:tgtEl>
@@ -12174,199 +13749,11 @@
                                     </p:anim>
                                     <p:anim calcmode="lin" valueType="num">
                                       <p:cBhvr additive="base">
-                                        <p:cTn id="42" dur="500" fill="hold"/>
-                                        <p:tgtEl>
-                                          <p:spTgt spid="3">
-                                            <p:txEl>
-                                              <p:pRg st="7" end="7"/>
-                                            </p:txEl>
-                                          </p:spTgt>
-                                        </p:tgtEl>
-                                        <p:attrNameLst>
-                                          <p:attrName>ppt_y</p:attrName>
-                                        </p:attrNameLst>
-                                      </p:cBhvr>
-                                      <p:tavLst>
-                                        <p:tav tm="0">
-                                          <p:val>
-                                            <p:strVal val="1+#ppt_h/2"/>
-                                          </p:val>
-                                        </p:tav>
-                                        <p:tav tm="100000">
-                                          <p:val>
-                                            <p:strVal val="#ppt_y"/>
-                                          </p:val>
-                                        </p:tav>
-                                      </p:tavLst>
-                                    </p:anim>
-                                  </p:childTnLst>
-                                </p:cTn>
-                              </p:par>
-                              <p:par>
-                                <p:cTn id="43" presetID="2" presetClass="entr" presetSubtype="4" fill="hold" grpId="0" nodeType="withEffect">
-                                  <p:stCondLst>
-                                    <p:cond delay="0"/>
-                                  </p:stCondLst>
-                                  <p:childTnLst>
-                                    <p:set>
-                                      <p:cBhvr>
-                                        <p:cTn id="44" dur="1" fill="hold">
-                                          <p:stCondLst>
-                                            <p:cond delay="0"/>
-                                          </p:stCondLst>
-                                        </p:cTn>
-                                        <p:tgtEl>
-                                          <p:spTgt spid="3">
-                                            <p:txEl>
-                                              <p:pRg st="8" end="8"/>
-                                            </p:txEl>
-                                          </p:spTgt>
-                                        </p:tgtEl>
-                                        <p:attrNameLst>
-                                          <p:attrName>style.visibility</p:attrName>
-                                        </p:attrNameLst>
-                                      </p:cBhvr>
-                                      <p:to>
-                                        <p:strVal val="visible"/>
-                                      </p:to>
-                                    </p:set>
-                                    <p:anim calcmode="lin" valueType="num">
-                                      <p:cBhvr additive="base">
-                                        <p:cTn id="45" dur="500" fill="hold"/>
-                                        <p:tgtEl>
-                                          <p:spTgt spid="3">
-                                            <p:txEl>
-                                              <p:pRg st="8" end="8"/>
-                                            </p:txEl>
-                                          </p:spTgt>
-                                        </p:tgtEl>
-                                        <p:attrNameLst>
-                                          <p:attrName>ppt_x</p:attrName>
-                                        </p:attrNameLst>
-                                      </p:cBhvr>
-                                      <p:tavLst>
-                                        <p:tav tm="0">
-                                          <p:val>
-                                            <p:strVal val="#ppt_x"/>
-                                          </p:val>
-                                        </p:tav>
-                                        <p:tav tm="100000">
-                                          <p:val>
-                                            <p:strVal val="#ppt_x"/>
-                                          </p:val>
-                                        </p:tav>
-                                      </p:tavLst>
-                                    </p:anim>
-                                    <p:anim calcmode="lin" valueType="num">
-                                      <p:cBhvr additive="base">
-                                        <p:cTn id="46" dur="500" fill="hold"/>
-                                        <p:tgtEl>
-                                          <p:spTgt spid="3">
-                                            <p:txEl>
-                                              <p:pRg st="8" end="8"/>
-                                            </p:txEl>
-                                          </p:spTgt>
-                                        </p:tgtEl>
-                                        <p:attrNameLst>
-                                          <p:attrName>ppt_y</p:attrName>
-                                        </p:attrNameLst>
-                                      </p:cBhvr>
-                                      <p:tavLst>
-                                        <p:tav tm="0">
-                                          <p:val>
-                                            <p:strVal val="1+#ppt_h/2"/>
-                                          </p:val>
-                                        </p:tav>
-                                        <p:tav tm="100000">
-                                          <p:val>
-                                            <p:strVal val="#ppt_y"/>
-                                          </p:val>
-                                        </p:tav>
-                                      </p:tavLst>
-                                    </p:anim>
-                                  </p:childTnLst>
-                                </p:cTn>
-                              </p:par>
-                            </p:childTnLst>
-                          </p:cTn>
-                        </p:par>
-                      </p:childTnLst>
-                    </p:cTn>
-                  </p:par>
-                  <p:par>
-                    <p:cTn id="47" fill="hold">
-                      <p:stCondLst>
-                        <p:cond delay="indefinite"/>
-                      </p:stCondLst>
-                      <p:childTnLst>
-                        <p:par>
-                          <p:cTn id="48" fill="hold">
-                            <p:stCondLst>
-                              <p:cond delay="0"/>
-                            </p:stCondLst>
-                            <p:childTnLst>
-                              <p:par>
-                                <p:cTn id="49" presetID="2" presetClass="entr" presetSubtype="4" fill="hold" grpId="0" nodeType="clickEffect">
-                                  <p:stCondLst>
-                                    <p:cond delay="0"/>
-                                  </p:stCondLst>
-                                  <p:childTnLst>
-                                    <p:set>
-                                      <p:cBhvr>
-                                        <p:cTn id="50" dur="1" fill="hold">
-                                          <p:stCondLst>
-                                            <p:cond delay="0"/>
-                                          </p:stCondLst>
-                                        </p:cTn>
-                                        <p:tgtEl>
-                                          <p:spTgt spid="3">
-                                            <p:txEl>
-                                              <p:pRg st="9" end="9"/>
-                                            </p:txEl>
-                                          </p:spTgt>
-                                        </p:tgtEl>
-                                        <p:attrNameLst>
-                                          <p:attrName>style.visibility</p:attrName>
-                                        </p:attrNameLst>
-                                      </p:cBhvr>
-                                      <p:to>
-                                        <p:strVal val="visible"/>
-                                      </p:to>
-                                    </p:set>
-                                    <p:anim calcmode="lin" valueType="num">
-                                      <p:cBhvr additive="base">
-                                        <p:cTn id="51" dur="500" fill="hold"/>
-                                        <p:tgtEl>
-                                          <p:spTgt spid="3">
-                                            <p:txEl>
-                                              <p:pRg st="9" end="9"/>
-                                            </p:txEl>
-                                          </p:spTgt>
-                                        </p:tgtEl>
-                                        <p:attrNameLst>
-                                          <p:attrName>ppt_x</p:attrName>
-                                        </p:attrNameLst>
-                                      </p:cBhvr>
-                                      <p:tavLst>
-                                        <p:tav tm="0">
-                                          <p:val>
-                                            <p:strVal val="#ppt_x"/>
-                                          </p:val>
-                                        </p:tav>
-                                        <p:tav tm="100000">
-                                          <p:val>
-                                            <p:strVal val="#ppt_x"/>
-                                          </p:val>
-                                        </p:tav>
-                                      </p:tavLst>
-                                    </p:anim>
-                                    <p:anim calcmode="lin" valueType="num">
-                                      <p:cBhvr additive="base">
-                                        <p:cTn id="52" dur="500" fill="hold"/>
-                                        <p:tgtEl>
-                                          <p:spTgt spid="3">
-                                            <p:txEl>
-                                              <p:pRg st="9" end="9"/>
+                                        <p:cTn id="38" dur="500" fill="hold"/>
+                                        <p:tgtEl>
+                                          <p:spTgt spid="3">
+                                            <p:txEl>
+                                              <p:pRg st="5" end="5"/>
                                             </p:txEl>
                                           </p:spTgt>
                                         </p:tgtEl>

--- a/Presentation/But It Was Logged.pptx
+++ b/Presentation/But It Was Logged.pptx
@@ -8057,7 +8057,7 @@
           <a:p>
             <a:pPr lvl="1"/>
             <a:r>
-              <a:rPr lang="en-US"/>
+              <a:rPr lang="en-US" dirty="0"/>
               <a:t>https://github.com/mitchelsellers/dotnetcoreloggingdemo</a:t>
             </a:r>
           </a:p>
